--- a/Praesentation/FMSynthese-Markus.pptx
+++ b/Praesentation/FMSynthese-Markus.pptx
@@ -5,7 +5,7 @@
     <p:sldMasterId id="2147483648" r:id="rId1"/>
   </p:sldMasterIdLst>
   <p:notesMasterIdLst>
-    <p:notesMasterId r:id="rId18"/>
+    <p:notesMasterId r:id="rId21"/>
   </p:notesMasterIdLst>
   <p:sldIdLst>
     <p:sldId id="259" r:id="rId2"/>
@@ -24,6 +24,9 @@
     <p:sldId id="269" r:id="rId15"/>
     <p:sldId id="272" r:id="rId16"/>
     <p:sldId id="273" r:id="rId17"/>
+    <p:sldId id="274" r:id="rId18"/>
+    <p:sldId id="275" r:id="rId19"/>
+    <p:sldId id="277" r:id="rId20"/>
   </p:sldIdLst>
   <p:sldSz cx="9144000" cy="5143500" type="screen16x9"/>
   <p:notesSz cx="6858000" cy="9144000"/>
@@ -3556,7 +3559,17 @@
           <a:bodyPr/>
           <a:lstStyle/>
           <a:p>
-            <a:endParaRPr lang="en-US"/>
+            <a:r>
+              <a:rPr lang="en-US" dirty="0" smtClean="0"/>
+              <a:t>Markus Bullmann</a:t>
+            </a:r>
+          </a:p>
+          <a:p>
+            <a:fld id="{A9329DF3-B5DC-4B99-8E09-A520EF5E851F}" type="datetime1">
+              <a:rPr lang="en-US"/>
+              <a:t>17.06.2015</a:t>
+            </a:fld>
+            <a:endParaRPr lang="en-US" dirty="0"/>
           </a:p>
         </p:txBody>
       </p:sp>
@@ -3580,7 +3593,11 @@
           <a:bodyPr/>
           <a:lstStyle/>
           <a:p>
-            <a:endParaRPr lang="en-US"/>
+            <a:r>
+              <a:rPr lang="de-DE" dirty="0" smtClean="0"/>
+              <a:t>Besonderheiten der FM-Synthese</a:t>
+            </a:r>
+            <a:endParaRPr lang="de-DE" dirty="0"/>
           </a:p>
         </p:txBody>
       </p:sp>
@@ -5583,6 +5600,10 @@
           <a:bodyPr/>
           <a:lstStyle/>
           <a:p>
+            <a:r>
+              <a:rPr lang="de-DE" dirty="0" smtClean="0"/>
+              <a:t>Modulationssignal</a:t>
+            </a:r>
             <a:endParaRPr lang="de-DE" dirty="0"/>
           </a:p>
         </p:txBody>
@@ -5602,7 +5623,11 @@
           <a:bodyPr/>
           <a:lstStyle/>
           <a:p>
-            <a:endParaRPr lang="de-DE"/>
+            <a:r>
+              <a:rPr lang="de-DE" dirty="0" smtClean="0"/>
+              <a:t>Wir nehmen an:</a:t>
+            </a:r>
+            <a:endParaRPr lang="de-DE" dirty="0"/>
           </a:p>
         </p:txBody>
       </p:sp>
@@ -5679,10 +5704,1010 @@
           </a:p>
         </p:txBody>
       </p:sp>
+      <p:pic>
+        <p:nvPicPr>
+          <p:cNvPr id="7" name="Picture 6"/>
+          <p:cNvPicPr>
+            <a:picLocks noChangeAspect="1"/>
+          </p:cNvPicPr>
+          <p:nvPr>
+            <p:custDataLst>
+              <p:tags r:id="rId1"/>
+            </p:custDataLst>
+          </p:nvPr>
+        </p:nvPicPr>
+        <p:blipFill>
+          <a:blip r:embed="rId7" cstate="print">
+            <a:extLst>
+              <a:ext uri="{28A0092B-C50C-407E-A947-70E740481C1C}">
+                <a14:useLocalDpi xmlns:a14="http://schemas.microsoft.com/office/drawing/2010/main" val="0"/>
+              </a:ext>
+            </a:extLst>
+          </a:blip>
+          <a:stretch>
+            <a:fillRect/>
+          </a:stretch>
+        </p:blipFill>
+        <p:spPr>
+          <a:xfrm>
+            <a:off x="3830238" y="1368909"/>
+            <a:ext cx="2253930" cy="266737"/>
+          </a:xfrm>
+          <a:prstGeom prst="rect">
+            <a:avLst/>
+          </a:prstGeom>
+        </p:spPr>
+      </p:pic>
+      <p:pic>
+        <p:nvPicPr>
+          <p:cNvPr id="8" name="Picture 7"/>
+          <p:cNvPicPr>
+            <a:picLocks noChangeAspect="1"/>
+          </p:cNvPicPr>
+          <p:nvPr>
+            <p:custDataLst>
+              <p:tags r:id="rId2"/>
+            </p:custDataLst>
+          </p:nvPr>
+        </p:nvPicPr>
+        <p:blipFill>
+          <a:blip r:embed="rId8" cstate="print">
+            <a:extLst>
+              <a:ext uri="{28A0092B-C50C-407E-A947-70E740481C1C}">
+                <a14:useLocalDpi xmlns:a14="http://schemas.microsoft.com/office/drawing/2010/main" val="0"/>
+              </a:ext>
+            </a:extLst>
+          </a:blip>
+          <a:stretch>
+            <a:fillRect/>
+          </a:stretch>
+        </p:blipFill>
+        <p:spPr>
+          <a:xfrm>
+            <a:off x="3354214" y="1804404"/>
+            <a:ext cx="2511140" cy="316274"/>
+          </a:xfrm>
+          <a:prstGeom prst="rect">
+            <a:avLst/>
+          </a:prstGeom>
+        </p:spPr>
+      </p:pic>
+      <p:pic>
+        <p:nvPicPr>
+          <p:cNvPr id="17" name="Picture 16"/>
+          <p:cNvPicPr>
+            <a:picLocks noChangeAspect="1"/>
+          </p:cNvPicPr>
+          <p:nvPr>
+            <p:custDataLst>
+              <p:tags r:id="rId3"/>
+            </p:custDataLst>
+          </p:nvPr>
+        </p:nvPicPr>
+        <p:blipFill>
+          <a:blip r:embed="rId9" cstate="print">
+            <a:extLst>
+              <a:ext uri="{28A0092B-C50C-407E-A947-70E740481C1C}">
+                <a14:useLocalDpi xmlns:a14="http://schemas.microsoft.com/office/drawing/2010/main" val="0"/>
+              </a:ext>
+            </a:extLst>
+          </a:blip>
+          <a:stretch>
+            <a:fillRect/>
+          </a:stretch>
+        </p:blipFill>
+        <p:spPr>
+          <a:xfrm>
+            <a:off x="1855454" y="3516878"/>
+            <a:ext cx="5207907" cy="784555"/>
+          </a:xfrm>
+          <a:prstGeom prst="rect">
+            <a:avLst/>
+          </a:prstGeom>
+        </p:spPr>
+      </p:pic>
+      <p:pic>
+        <p:nvPicPr>
+          <p:cNvPr id="16" name="Picture 15"/>
+          <p:cNvPicPr>
+            <a:picLocks noChangeAspect="1"/>
+          </p:cNvPicPr>
+          <p:nvPr>
+            <p:custDataLst>
+              <p:tags r:id="rId4"/>
+            </p:custDataLst>
+          </p:nvPr>
+        </p:nvPicPr>
+        <p:blipFill>
+          <a:blip r:embed="rId10" cstate="print">
+            <a:extLst>
+              <a:ext uri="{28A0092B-C50C-407E-A947-70E740481C1C}">
+                <a14:useLocalDpi xmlns:a14="http://schemas.microsoft.com/office/drawing/2010/main" val="0"/>
+              </a:ext>
+            </a:extLst>
+          </a:blip>
+          <a:stretch>
+            <a:fillRect/>
+          </a:stretch>
+        </p:blipFill>
+        <p:spPr>
+          <a:xfrm>
+            <a:off x="1861922" y="3021846"/>
+            <a:ext cx="4329825" cy="324078"/>
+          </a:xfrm>
+          <a:prstGeom prst="rect">
+            <a:avLst/>
+          </a:prstGeom>
+        </p:spPr>
+      </p:pic>
+      <p:pic>
+        <p:nvPicPr>
+          <p:cNvPr id="15" name="Picture 14"/>
+          <p:cNvPicPr>
+            <a:picLocks noChangeAspect="1"/>
+          </p:cNvPicPr>
+          <p:nvPr>
+            <p:custDataLst>
+              <p:tags r:id="rId5"/>
+            </p:custDataLst>
+          </p:nvPr>
+        </p:nvPicPr>
+        <p:blipFill>
+          <a:blip r:embed="rId11" cstate="print">
+            <a:extLst>
+              <a:ext uri="{28A0092B-C50C-407E-A947-70E740481C1C}">
+                <a14:useLocalDpi xmlns:a14="http://schemas.microsoft.com/office/drawing/2010/main" val="0"/>
+              </a:ext>
+            </a:extLst>
+          </a:blip>
+          <a:stretch>
+            <a:fillRect/>
+          </a:stretch>
+        </p:blipFill>
+        <p:spPr>
+          <a:xfrm>
+            <a:off x="3514412" y="2258644"/>
+            <a:ext cx="2127660" cy="279484"/>
+          </a:xfrm>
+          <a:prstGeom prst="rect">
+            <a:avLst/>
+          </a:prstGeom>
+        </p:spPr>
+      </p:pic>
     </p:spTree>
     <p:extLst>
       <p:ext uri="{BB962C8B-B14F-4D97-AF65-F5344CB8AC3E}">
         <p14:creationId xmlns:p14="http://schemas.microsoft.com/office/powerpoint/2010/main" val="3876655173"/>
+      </p:ext>
+    </p:extLst>
+  </p:cSld>
+  <p:clrMapOvr>
+    <a:masterClrMapping/>
+  </p:clrMapOvr>
+  <p:timing>
+    <p:tnLst>
+      <p:par>
+        <p:cTn id="1" dur="indefinite" restart="never" nodeType="tmRoot"/>
+      </p:par>
+    </p:tnLst>
+  </p:timing>
+</p:sld>
+</file>
+
+<file path=ppt/slides/slide17.xml><?xml version="1.0" encoding="utf-8"?>
+<p:sld xmlns:a="http://schemas.openxmlformats.org/drawingml/2006/main" xmlns:r="http://schemas.openxmlformats.org/officeDocument/2006/relationships" xmlns:p="http://schemas.openxmlformats.org/presentationml/2006/main">
+  <p:cSld>
+    <p:spTree>
+      <p:nvGrpSpPr>
+        <p:cNvPr id="1" name=""/>
+        <p:cNvGrpSpPr/>
+        <p:nvPr/>
+      </p:nvGrpSpPr>
+      <p:grpSpPr>
+        <a:xfrm>
+          <a:off x="0" y="0"/>
+          <a:ext cx="0" cy="0"/>
+          <a:chOff x="0" y="0"/>
+          <a:chExt cx="0" cy="0"/>
+        </a:xfrm>
+      </p:grpSpPr>
+      <p:sp>
+        <p:nvSpPr>
+          <p:cNvPr id="2" name="Title 1"/>
+          <p:cNvSpPr>
+            <a:spLocks noGrp="1"/>
+          </p:cNvSpPr>
+          <p:nvPr>
+            <p:ph type="title"/>
+          </p:nvPr>
+        </p:nvSpPr>
+        <p:spPr/>
+        <p:txBody>
+          <a:bodyPr/>
+          <a:lstStyle/>
+          <a:p>
+            <a:r>
+              <a:rPr lang="de-DE" dirty="0" smtClean="0"/>
+              <a:t>Modulationssignal</a:t>
+            </a:r>
+            <a:endParaRPr lang="de-DE" dirty="0"/>
+          </a:p>
+        </p:txBody>
+      </p:sp>
+      <p:sp>
+        <p:nvSpPr>
+          <p:cNvPr id="3" name="Content Placeholder 2"/>
+          <p:cNvSpPr>
+            <a:spLocks noGrp="1"/>
+          </p:cNvSpPr>
+          <p:nvPr>
+            <p:ph idx="1"/>
+          </p:nvPr>
+        </p:nvSpPr>
+        <p:spPr/>
+        <p:txBody>
+          <a:bodyPr/>
+          <a:lstStyle/>
+          <a:p>
+            <a:r>
+              <a:rPr lang="de-DE" dirty="0" smtClean="0"/>
+              <a:t>Und weiter:</a:t>
+            </a:r>
+            <a:endParaRPr lang="de-DE" dirty="0"/>
+          </a:p>
+        </p:txBody>
+      </p:sp>
+      <p:sp>
+        <p:nvSpPr>
+          <p:cNvPr id="4" name="Date Placeholder 3"/>
+          <p:cNvSpPr>
+            <a:spLocks noGrp="1"/>
+          </p:cNvSpPr>
+          <p:nvPr>
+            <p:ph type="dt" sz="half" idx="10"/>
+          </p:nvPr>
+        </p:nvSpPr>
+        <p:spPr/>
+        <p:txBody>
+          <a:bodyPr/>
+          <a:lstStyle/>
+          <a:p>
+            <a:fld id="{296000BE-0612-4D88-A1AC-FF1287139C2E}" type="datetime1">
+              <a:rPr lang="de-DE" smtClean="0"/>
+              <a:t>17.06.2015</a:t>
+            </a:fld>
+            <a:endParaRPr lang="de-DE" dirty="0"/>
+          </a:p>
+        </p:txBody>
+      </p:sp>
+      <p:sp>
+        <p:nvSpPr>
+          <p:cNvPr id="5" name="Footer Placeholder 4"/>
+          <p:cNvSpPr>
+            <a:spLocks noGrp="1"/>
+          </p:cNvSpPr>
+          <p:nvPr>
+            <p:ph type="ftr" sz="quarter" idx="11"/>
+          </p:nvPr>
+        </p:nvSpPr>
+        <p:spPr/>
+        <p:txBody>
+          <a:bodyPr/>
+          <a:lstStyle/>
+          <a:p>
+            <a:r>
+              <a:rPr lang="de-DE" smtClean="0"/>
+              <a:t>FM-Synthese</a:t>
+            </a:r>
+            <a:endParaRPr lang="de-DE" dirty="0"/>
+          </a:p>
+        </p:txBody>
+      </p:sp>
+      <p:sp>
+        <p:nvSpPr>
+          <p:cNvPr id="6" name="Slide Number Placeholder 5"/>
+          <p:cNvSpPr>
+            <a:spLocks noGrp="1"/>
+          </p:cNvSpPr>
+          <p:nvPr>
+            <p:ph type="sldNum" sz="quarter" idx="12"/>
+          </p:nvPr>
+        </p:nvSpPr>
+        <p:spPr/>
+        <p:txBody>
+          <a:bodyPr/>
+          <a:lstStyle/>
+          <a:p>
+            <a:fld id="{8740CB20-F870-467D-84CE-AB32061190A1}" type="slidenum">
+              <a:rPr lang="en-US" smtClean="0"/>
+              <a:t>17</a:t>
+            </a:fld>
+            <a:r>
+              <a:rPr lang="de-DE" smtClean="0"/>
+              <a:t>   </a:t>
+            </a:r>
+            <a:endParaRPr lang="de-DE" dirty="0"/>
+          </a:p>
+        </p:txBody>
+      </p:sp>
+      <p:pic>
+        <p:nvPicPr>
+          <p:cNvPr id="9" name="Picture 8"/>
+          <p:cNvPicPr>
+            <a:picLocks noChangeAspect="1"/>
+          </p:cNvPicPr>
+          <p:nvPr>
+            <p:custDataLst>
+              <p:tags r:id="rId1"/>
+            </p:custDataLst>
+          </p:nvPr>
+        </p:nvPicPr>
+        <p:blipFill>
+          <a:blip r:embed="rId5" cstate="print">
+            <a:extLst>
+              <a:ext uri="{28A0092B-C50C-407E-A947-70E740481C1C}">
+                <a14:useLocalDpi xmlns:a14="http://schemas.microsoft.com/office/drawing/2010/main" val="0"/>
+              </a:ext>
+            </a:extLst>
+          </a:blip>
+          <a:stretch>
+            <a:fillRect/>
+          </a:stretch>
+        </p:blipFill>
+        <p:spPr>
+          <a:xfrm>
+            <a:off x="3468139" y="1344612"/>
+            <a:ext cx="2207722" cy="317594"/>
+          </a:xfrm>
+          <a:prstGeom prst="rect">
+            <a:avLst/>
+          </a:prstGeom>
+        </p:spPr>
+      </p:pic>
+      <p:pic>
+        <p:nvPicPr>
+          <p:cNvPr id="16" name="Picture 15"/>
+          <p:cNvPicPr>
+            <a:picLocks noChangeAspect="1"/>
+          </p:cNvPicPr>
+          <p:nvPr>
+            <p:custDataLst>
+              <p:tags r:id="rId2"/>
+            </p:custDataLst>
+          </p:nvPr>
+        </p:nvPicPr>
+        <p:blipFill>
+          <a:blip r:embed="rId6" cstate="print">
+            <a:extLst>
+              <a:ext uri="{28A0092B-C50C-407E-A947-70E740481C1C}">
+                <a14:useLocalDpi xmlns:a14="http://schemas.microsoft.com/office/drawing/2010/main" val="0"/>
+              </a:ext>
+            </a:extLst>
+          </a:blip>
+          <a:stretch>
+            <a:fillRect/>
+          </a:stretch>
+        </p:blipFill>
+        <p:spPr>
+          <a:xfrm>
+            <a:off x="1855453" y="3516878"/>
+            <a:ext cx="5757076" cy="785301"/>
+          </a:xfrm>
+          <a:prstGeom prst="rect">
+            <a:avLst/>
+          </a:prstGeom>
+        </p:spPr>
+      </p:pic>
+      <p:pic>
+        <p:nvPicPr>
+          <p:cNvPr id="15" name="Picture 14"/>
+          <p:cNvPicPr>
+            <a:picLocks noChangeAspect="1"/>
+          </p:cNvPicPr>
+          <p:nvPr>
+            <p:custDataLst>
+              <p:tags r:id="rId3"/>
+            </p:custDataLst>
+          </p:nvPr>
+        </p:nvPicPr>
+        <p:blipFill>
+          <a:blip r:embed="rId7" cstate="print">
+            <a:extLst>
+              <a:ext uri="{28A0092B-C50C-407E-A947-70E740481C1C}">
+                <a14:useLocalDpi xmlns:a14="http://schemas.microsoft.com/office/drawing/2010/main" val="0"/>
+              </a:ext>
+            </a:extLst>
+          </a:blip>
+          <a:stretch>
+            <a:fillRect/>
+          </a:stretch>
+        </p:blipFill>
+        <p:spPr>
+          <a:xfrm>
+            <a:off x="1861921" y="3021846"/>
+            <a:ext cx="4877058" cy="325430"/>
+          </a:xfrm>
+          <a:prstGeom prst="rect">
+            <a:avLst/>
+          </a:prstGeom>
+        </p:spPr>
+      </p:pic>
+    </p:spTree>
+    <p:extLst>
+      <p:ext uri="{BB962C8B-B14F-4D97-AF65-F5344CB8AC3E}">
+        <p14:creationId xmlns:p14="http://schemas.microsoft.com/office/powerpoint/2010/main" val="3252127710"/>
+      </p:ext>
+    </p:extLst>
+  </p:cSld>
+  <p:clrMapOvr>
+    <a:masterClrMapping/>
+  </p:clrMapOvr>
+  <p:timing>
+    <p:tnLst>
+      <p:par>
+        <p:cTn id="1" dur="indefinite" restart="never" nodeType="tmRoot"/>
+      </p:par>
+    </p:tnLst>
+  </p:timing>
+</p:sld>
+</file>
+
+<file path=ppt/slides/slide18.xml><?xml version="1.0" encoding="utf-8"?>
+<p:sld xmlns:a="http://schemas.openxmlformats.org/drawingml/2006/main" xmlns:r="http://schemas.openxmlformats.org/officeDocument/2006/relationships" xmlns:p="http://schemas.openxmlformats.org/presentationml/2006/main">
+  <p:cSld>
+    <p:spTree>
+      <p:nvGrpSpPr>
+        <p:cNvPr id="1" name=""/>
+        <p:cNvGrpSpPr/>
+        <p:nvPr/>
+      </p:nvGrpSpPr>
+      <p:grpSpPr>
+        <a:xfrm>
+          <a:off x="0" y="0"/>
+          <a:ext cx="0" cy="0"/>
+          <a:chOff x="0" y="0"/>
+          <a:chExt cx="0" cy="0"/>
+        </a:xfrm>
+      </p:grpSpPr>
+      <p:sp>
+        <p:nvSpPr>
+          <p:cNvPr id="2" name="Title 1"/>
+          <p:cNvSpPr>
+            <a:spLocks noGrp="1"/>
+          </p:cNvSpPr>
+          <p:nvPr>
+            <p:ph type="title"/>
+          </p:nvPr>
+        </p:nvSpPr>
+        <p:spPr/>
+        <p:txBody>
+          <a:bodyPr/>
+          <a:lstStyle/>
+          <a:p>
+            <a:endParaRPr lang="de-DE" dirty="0"/>
+          </a:p>
+        </p:txBody>
+      </p:sp>
+      <p:sp>
+        <p:nvSpPr>
+          <p:cNvPr id="4" name="Date Placeholder 3"/>
+          <p:cNvSpPr>
+            <a:spLocks noGrp="1"/>
+          </p:cNvSpPr>
+          <p:nvPr>
+            <p:ph type="dt" sz="half" idx="10"/>
+          </p:nvPr>
+        </p:nvSpPr>
+        <p:spPr/>
+        <p:txBody>
+          <a:bodyPr/>
+          <a:lstStyle/>
+          <a:p>
+            <a:fld id="{296000BE-0612-4D88-A1AC-FF1287139C2E}" type="datetime1">
+              <a:rPr lang="de-DE" smtClean="0"/>
+              <a:t>17.06.2015</a:t>
+            </a:fld>
+            <a:endParaRPr lang="de-DE" dirty="0"/>
+          </a:p>
+        </p:txBody>
+      </p:sp>
+      <p:sp>
+        <p:nvSpPr>
+          <p:cNvPr id="5" name="Footer Placeholder 4"/>
+          <p:cNvSpPr>
+            <a:spLocks noGrp="1"/>
+          </p:cNvSpPr>
+          <p:nvPr>
+            <p:ph type="ftr" sz="quarter" idx="11"/>
+          </p:nvPr>
+        </p:nvSpPr>
+        <p:spPr/>
+        <p:txBody>
+          <a:bodyPr/>
+          <a:lstStyle/>
+          <a:p>
+            <a:r>
+              <a:rPr lang="de-DE" smtClean="0"/>
+              <a:t>FM-Synthese</a:t>
+            </a:r>
+            <a:endParaRPr lang="de-DE" dirty="0"/>
+          </a:p>
+        </p:txBody>
+      </p:sp>
+      <p:sp>
+        <p:nvSpPr>
+          <p:cNvPr id="6" name="Slide Number Placeholder 5"/>
+          <p:cNvSpPr>
+            <a:spLocks noGrp="1"/>
+          </p:cNvSpPr>
+          <p:nvPr>
+            <p:ph type="sldNum" sz="quarter" idx="12"/>
+          </p:nvPr>
+        </p:nvSpPr>
+        <p:spPr/>
+        <p:txBody>
+          <a:bodyPr/>
+          <a:lstStyle/>
+          <a:p>
+            <a:fld id="{8740CB20-F870-467D-84CE-AB32061190A1}" type="slidenum">
+              <a:rPr lang="en-US" smtClean="0"/>
+              <a:t>18</a:t>
+            </a:fld>
+            <a:r>
+              <a:rPr lang="de-DE" smtClean="0"/>
+              <a:t>   </a:t>
+            </a:r>
+            <a:endParaRPr lang="de-DE" dirty="0"/>
+          </a:p>
+        </p:txBody>
+      </p:sp>
+      <p:pic>
+        <p:nvPicPr>
+          <p:cNvPr id="8" name="Picture 7"/>
+          <p:cNvPicPr>
+            <a:picLocks noChangeAspect="1"/>
+          </p:cNvPicPr>
+          <p:nvPr>
+            <p:custDataLst>
+              <p:tags r:id="rId1"/>
+            </p:custDataLst>
+          </p:nvPr>
+        </p:nvPicPr>
+        <p:blipFill>
+          <a:blip r:embed="rId7" cstate="print">
+            <a:extLst>
+              <a:ext uri="{28A0092B-C50C-407E-A947-70E740481C1C}">
+                <a14:useLocalDpi xmlns:a14="http://schemas.microsoft.com/office/drawing/2010/main" val="0"/>
+              </a:ext>
+            </a:extLst>
+          </a:blip>
+          <a:stretch>
+            <a:fillRect/>
+          </a:stretch>
+        </p:blipFill>
+        <p:spPr>
+          <a:xfrm>
+            <a:off x="507618" y="1347614"/>
+            <a:ext cx="5248444" cy="699966"/>
+          </a:xfrm>
+          <a:prstGeom prst="rect">
+            <a:avLst/>
+          </a:prstGeom>
+        </p:spPr>
+      </p:pic>
+      <p:pic>
+        <p:nvPicPr>
+          <p:cNvPr id="15" name="Picture 14"/>
+          <p:cNvPicPr>
+            <a:picLocks noChangeAspect="1"/>
+          </p:cNvPicPr>
+          <p:nvPr>
+            <p:custDataLst>
+              <p:tags r:id="rId2"/>
+            </p:custDataLst>
+          </p:nvPr>
+        </p:nvPicPr>
+        <p:blipFill>
+          <a:blip r:embed="rId8" cstate="print">
+            <a:extLst>
+              <a:ext uri="{28A0092B-C50C-407E-A947-70E740481C1C}">
+                <a14:useLocalDpi xmlns:a14="http://schemas.microsoft.com/office/drawing/2010/main" val="0"/>
+              </a:ext>
+            </a:extLst>
+          </a:blip>
+          <a:stretch>
+            <a:fillRect/>
+          </a:stretch>
+        </p:blipFill>
+        <p:spPr>
+          <a:xfrm>
+            <a:off x="6020575" y="2246339"/>
+            <a:ext cx="2495897" cy="308025"/>
+          </a:xfrm>
+          <a:prstGeom prst="rect">
+            <a:avLst/>
+          </a:prstGeom>
+        </p:spPr>
+      </p:pic>
+      <p:pic>
+        <p:nvPicPr>
+          <p:cNvPr id="12" name="Picture 11"/>
+          <p:cNvPicPr>
+            <a:picLocks noChangeAspect="1"/>
+          </p:cNvPicPr>
+          <p:nvPr>
+            <p:custDataLst>
+              <p:tags r:id="rId3"/>
+            </p:custDataLst>
+          </p:nvPr>
+        </p:nvPicPr>
+        <p:blipFill>
+          <a:blip r:embed="rId9" cstate="print">
+            <a:extLst>
+              <a:ext uri="{28A0092B-C50C-407E-A947-70E740481C1C}">
+                <a14:useLocalDpi xmlns:a14="http://schemas.microsoft.com/office/drawing/2010/main" val="0"/>
+              </a:ext>
+            </a:extLst>
+          </a:blip>
+          <a:stretch>
+            <a:fillRect/>
+          </a:stretch>
+        </p:blipFill>
+        <p:spPr>
+          <a:xfrm>
+            <a:off x="457200" y="2554364"/>
+            <a:ext cx="5214224" cy="700700"/>
+          </a:xfrm>
+          <a:prstGeom prst="rect">
+            <a:avLst/>
+          </a:prstGeom>
+        </p:spPr>
+      </p:pic>
+      <p:pic>
+        <p:nvPicPr>
+          <p:cNvPr id="18" name="Picture 17"/>
+          <p:cNvPicPr>
+            <a:picLocks noChangeAspect="1"/>
+          </p:cNvPicPr>
+          <p:nvPr>
+            <p:custDataLst>
+              <p:tags r:id="rId4"/>
+            </p:custDataLst>
+          </p:nvPr>
+        </p:nvPicPr>
+        <p:blipFill>
+          <a:blip r:embed="rId10" cstate="print">
+            <a:extLst>
+              <a:ext uri="{28A0092B-C50C-407E-A947-70E740481C1C}">
+                <a14:useLocalDpi xmlns:a14="http://schemas.microsoft.com/office/drawing/2010/main" val="0"/>
+              </a:ext>
+            </a:extLst>
+          </a:blip>
+          <a:stretch>
+            <a:fillRect/>
+          </a:stretch>
+        </p:blipFill>
+        <p:spPr>
+          <a:xfrm>
+            <a:off x="6588224" y="3269031"/>
+            <a:ext cx="816978" cy="231680"/>
+          </a:xfrm>
+          <a:prstGeom prst="rect">
+            <a:avLst/>
+          </a:prstGeom>
+        </p:spPr>
+      </p:pic>
+      <p:pic>
+        <p:nvPicPr>
+          <p:cNvPr id="20" name="Picture 19"/>
+          <p:cNvPicPr>
+            <a:picLocks noChangeAspect="1"/>
+          </p:cNvPicPr>
+          <p:nvPr>
+            <p:custDataLst>
+              <p:tags r:id="rId5"/>
+            </p:custDataLst>
+          </p:nvPr>
+        </p:nvPicPr>
+        <p:blipFill>
+          <a:blip r:embed="rId11" cstate="print">
+            <a:extLst>
+              <a:ext uri="{28A0092B-C50C-407E-A947-70E740481C1C}">
+                <a14:useLocalDpi xmlns:a14="http://schemas.microsoft.com/office/drawing/2010/main" val="0"/>
+              </a:ext>
+            </a:extLst>
+          </a:blip>
+          <a:stretch>
+            <a:fillRect/>
+          </a:stretch>
+        </p:blipFill>
+        <p:spPr>
+          <a:xfrm>
+            <a:off x="457200" y="3708835"/>
+            <a:ext cx="5232750" cy="709080"/>
+          </a:xfrm>
+          <a:prstGeom prst="rect">
+            <a:avLst/>
+          </a:prstGeom>
+        </p:spPr>
+      </p:pic>
+    </p:spTree>
+    <p:extLst>
+      <p:ext uri="{BB962C8B-B14F-4D97-AF65-F5344CB8AC3E}">
+        <p14:creationId xmlns:p14="http://schemas.microsoft.com/office/powerpoint/2010/main" val="1910155800"/>
+      </p:ext>
+    </p:extLst>
+  </p:cSld>
+  <p:clrMapOvr>
+    <a:masterClrMapping/>
+  </p:clrMapOvr>
+  <p:timing>
+    <p:tnLst>
+      <p:par>
+        <p:cTn id="1" dur="indefinite" restart="never" nodeType="tmRoot"/>
+      </p:par>
+    </p:tnLst>
+  </p:timing>
+</p:sld>
+</file>
+
+<file path=ppt/slides/slide19.xml><?xml version="1.0" encoding="utf-8"?>
+<p:sld xmlns:a="http://schemas.openxmlformats.org/drawingml/2006/main" xmlns:r="http://schemas.openxmlformats.org/officeDocument/2006/relationships" xmlns:p="http://schemas.openxmlformats.org/presentationml/2006/main">
+  <p:cSld>
+    <p:spTree>
+      <p:nvGrpSpPr>
+        <p:cNvPr id="1" name=""/>
+        <p:cNvGrpSpPr/>
+        <p:nvPr/>
+      </p:nvGrpSpPr>
+      <p:grpSpPr>
+        <a:xfrm>
+          <a:off x="0" y="0"/>
+          <a:ext cx="0" cy="0"/>
+          <a:chOff x="0" y="0"/>
+          <a:chExt cx="0" cy="0"/>
+        </a:xfrm>
+      </p:grpSpPr>
+      <p:sp>
+        <p:nvSpPr>
+          <p:cNvPr id="2" name="Title 1"/>
+          <p:cNvSpPr>
+            <a:spLocks noGrp="1"/>
+          </p:cNvSpPr>
+          <p:nvPr>
+            <p:ph type="title"/>
+          </p:nvPr>
+        </p:nvSpPr>
+        <p:spPr/>
+        <p:txBody>
+          <a:bodyPr/>
+          <a:lstStyle/>
+          <a:p>
+            <a:endParaRPr lang="de-DE"/>
+          </a:p>
+        </p:txBody>
+      </p:sp>
+      <p:sp>
+        <p:nvSpPr>
+          <p:cNvPr id="3" name="Content Placeholder 2"/>
+          <p:cNvSpPr>
+            <a:spLocks noGrp="1"/>
+          </p:cNvSpPr>
+          <p:nvPr>
+            <p:ph idx="1"/>
+          </p:nvPr>
+        </p:nvSpPr>
+        <p:spPr/>
+        <p:txBody>
+          <a:bodyPr/>
+          <a:lstStyle/>
+          <a:p>
+            <a:r>
+              <a:rPr lang="de-DE" dirty="0" smtClean="0"/>
+              <a:t>Unsere Herleitung:</a:t>
+            </a:r>
+          </a:p>
+          <a:p>
+            <a:endParaRPr lang="de-DE" dirty="0"/>
+          </a:p>
+          <a:p>
+            <a:pPr marL="0" indent="0">
+              <a:buNone/>
+            </a:pPr>
+            <a:endParaRPr lang="de-DE" dirty="0"/>
+          </a:p>
+          <a:p>
+            <a:r>
+              <a:rPr lang="de-DE" dirty="0" err="1" smtClean="0"/>
+              <a:t>Chowning</a:t>
+            </a:r>
+            <a:r>
+              <a:rPr lang="de-DE" dirty="0" smtClean="0"/>
+              <a:t>:</a:t>
+            </a:r>
+            <a:endParaRPr lang="de-DE" dirty="0"/>
+          </a:p>
+        </p:txBody>
+      </p:sp>
+      <p:sp>
+        <p:nvSpPr>
+          <p:cNvPr id="4" name="Date Placeholder 3"/>
+          <p:cNvSpPr>
+            <a:spLocks noGrp="1"/>
+          </p:cNvSpPr>
+          <p:nvPr>
+            <p:ph type="dt" sz="half" idx="10"/>
+          </p:nvPr>
+        </p:nvSpPr>
+        <p:spPr/>
+        <p:txBody>
+          <a:bodyPr/>
+          <a:lstStyle/>
+          <a:p>
+            <a:fld id="{296000BE-0612-4D88-A1AC-FF1287139C2E}" type="datetime1">
+              <a:rPr lang="de-DE" smtClean="0"/>
+              <a:t>17.06.2015</a:t>
+            </a:fld>
+            <a:endParaRPr lang="de-DE" dirty="0"/>
+          </a:p>
+        </p:txBody>
+      </p:sp>
+      <p:sp>
+        <p:nvSpPr>
+          <p:cNvPr id="5" name="Footer Placeholder 4"/>
+          <p:cNvSpPr>
+            <a:spLocks noGrp="1"/>
+          </p:cNvSpPr>
+          <p:nvPr>
+            <p:ph type="ftr" sz="quarter" idx="11"/>
+          </p:nvPr>
+        </p:nvSpPr>
+        <p:spPr/>
+        <p:txBody>
+          <a:bodyPr/>
+          <a:lstStyle/>
+          <a:p>
+            <a:r>
+              <a:rPr lang="de-DE" smtClean="0"/>
+              <a:t>FM-Synthese</a:t>
+            </a:r>
+            <a:endParaRPr lang="de-DE" dirty="0"/>
+          </a:p>
+        </p:txBody>
+      </p:sp>
+      <p:sp>
+        <p:nvSpPr>
+          <p:cNvPr id="6" name="Slide Number Placeholder 5"/>
+          <p:cNvSpPr>
+            <a:spLocks noGrp="1"/>
+          </p:cNvSpPr>
+          <p:nvPr>
+            <p:ph type="sldNum" sz="quarter" idx="12"/>
+          </p:nvPr>
+        </p:nvSpPr>
+        <p:spPr/>
+        <p:txBody>
+          <a:bodyPr/>
+          <a:lstStyle/>
+          <a:p>
+            <a:fld id="{8740CB20-F870-467D-84CE-AB32061190A1}" type="slidenum">
+              <a:rPr lang="en-US" smtClean="0"/>
+              <a:t>19</a:t>
+            </a:fld>
+            <a:r>
+              <a:rPr lang="de-DE" smtClean="0"/>
+              <a:t>   </a:t>
+            </a:r>
+            <a:endParaRPr lang="de-DE" dirty="0"/>
+          </a:p>
+        </p:txBody>
+      </p:sp>
+      <p:pic>
+        <p:nvPicPr>
+          <p:cNvPr id="7" name="Picture 6"/>
+          <p:cNvPicPr>
+            <a:picLocks noChangeAspect="1"/>
+          </p:cNvPicPr>
+          <p:nvPr>
+            <p:custDataLst>
+              <p:tags r:id="rId1"/>
+            </p:custDataLst>
+          </p:nvPr>
+        </p:nvPicPr>
+        <p:blipFill>
+          <a:blip r:embed="rId5" cstate="print">
+            <a:extLst>
+              <a:ext uri="{28A0092B-C50C-407E-A947-70E740481C1C}">
+                <a14:useLocalDpi xmlns:a14="http://schemas.microsoft.com/office/drawing/2010/main" val="0"/>
+              </a:ext>
+            </a:extLst>
+          </a:blip>
+          <a:stretch>
+            <a:fillRect/>
+          </a:stretch>
+        </p:blipFill>
+        <p:spPr>
+          <a:xfrm>
+            <a:off x="971600" y="3478292"/>
+            <a:ext cx="4030383" cy="317594"/>
+          </a:xfrm>
+          <a:prstGeom prst="rect">
+            <a:avLst/>
+          </a:prstGeom>
+        </p:spPr>
+      </p:pic>
+      <p:pic>
+        <p:nvPicPr>
+          <p:cNvPr id="8" name="Picture 7"/>
+          <p:cNvPicPr>
+            <a:picLocks noChangeAspect="1"/>
+          </p:cNvPicPr>
+          <p:nvPr>
+            <p:custDataLst>
+              <p:tags r:id="rId2"/>
+            </p:custDataLst>
+          </p:nvPr>
+        </p:nvPicPr>
+        <p:blipFill>
+          <a:blip r:embed="rId6" cstate="print">
+            <a:extLst>
+              <a:ext uri="{28A0092B-C50C-407E-A947-70E740481C1C}">
+                <a14:useLocalDpi xmlns:a14="http://schemas.microsoft.com/office/drawing/2010/main" val="0"/>
+              </a:ext>
+            </a:extLst>
+          </a:blip>
+          <a:stretch>
+            <a:fillRect/>
+          </a:stretch>
+        </p:blipFill>
+        <p:spPr>
+          <a:xfrm>
+            <a:off x="968417" y="1862670"/>
+            <a:ext cx="5232750" cy="709080"/>
+          </a:xfrm>
+          <a:prstGeom prst="rect">
+            <a:avLst/>
+          </a:prstGeom>
+        </p:spPr>
+      </p:pic>
+      <p:pic>
+        <p:nvPicPr>
+          <p:cNvPr id="9" name="Picture 8"/>
+          <p:cNvPicPr>
+            <a:picLocks noChangeAspect="1"/>
+          </p:cNvPicPr>
+          <p:nvPr>
+            <p:custDataLst>
+              <p:tags r:id="rId3"/>
+            </p:custDataLst>
+          </p:nvPr>
+        </p:nvPicPr>
+        <p:blipFill>
+          <a:blip r:embed="rId7" cstate="print">
+            <a:extLst>
+              <a:ext uri="{28A0092B-C50C-407E-A947-70E740481C1C}">
+                <a14:useLocalDpi xmlns:a14="http://schemas.microsoft.com/office/drawing/2010/main" val="0"/>
+              </a:ext>
+            </a:extLst>
+          </a:blip>
+          <a:stretch>
+            <a:fillRect/>
+          </a:stretch>
+        </p:blipFill>
+        <p:spPr>
+          <a:xfrm>
+            <a:off x="7380312" y="2041163"/>
+            <a:ext cx="788018" cy="352093"/>
+          </a:xfrm>
+          <a:prstGeom prst="rect">
+            <a:avLst/>
+          </a:prstGeom>
+        </p:spPr>
+      </p:pic>
+    </p:spTree>
+    <p:extLst>
+      <p:ext uri="{BB962C8B-B14F-4D97-AF65-F5344CB8AC3E}">
+        <p14:creationId xmlns:p14="http://schemas.microsoft.com/office/powerpoint/2010/main" val="783513494"/>
       </p:ext>
     </p:extLst>
   </p:cSld>
@@ -5731,7 +6756,11 @@
           <a:bodyPr/>
           <a:lstStyle/>
           <a:p>
-            <a:endParaRPr lang="de-DE"/>
+            <a:r>
+              <a:rPr lang="de-DE" dirty="0" smtClean="0"/>
+              <a:t>Gliederung</a:t>
+            </a:r>
+            <a:endParaRPr lang="de-DE" dirty="0"/>
           </a:p>
         </p:txBody>
       </p:sp>
@@ -5750,7 +6779,17 @@
           <a:bodyPr/>
           <a:lstStyle/>
           <a:p>
-            <a:endParaRPr lang="de-DE"/>
+            <a:r>
+              <a:rPr lang="de-DE" dirty="0" smtClean="0"/>
+              <a:t>Winkelmodulation</a:t>
+            </a:r>
+          </a:p>
+          <a:p>
+            <a:r>
+              <a:rPr lang="de-DE" dirty="0" smtClean="0"/>
+              <a:t>Seitenfrequenzen</a:t>
+            </a:r>
+            <a:endParaRPr lang="de-DE" dirty="0"/>
           </a:p>
         </p:txBody>
       </p:sp>
@@ -9252,6 +10291,111 @@
 </p:tagLst>
 </file>
 
+<file path=ppt/tags/tag23.xml><?xml version="1.0" encoding="utf-8"?>
+<p:tagLst xmlns:a="http://schemas.openxmlformats.org/drawingml/2006/main" xmlns:r="http://schemas.openxmlformats.org/officeDocument/2006/relationships" xmlns:p="http://schemas.openxmlformats.org/presentationml/2006/main">
+  <p:tag name="ORIGINALHEIGHT" val="105,0146"/>
+  <p:tag name="ORIGINALWIDTH" val="887,3738"/>
+  <p:tag name="LATEXADDIN" val="\documentclass{article}&#10;\usepackage{amsmath}&#10;\pagestyle{empty}&#10;\begin{document}&#10;&#10;&#10;$$k=k_{FM}=k_{PM}$$&#10;&#10;\end{document}"/>
+  <p:tag name="IGUANATEXSIZE" val="25"/>
+  <p:tag name="IGUANATEXCURSOR" val="101"/>
+  <p:tag name="TRANSPARENCY" val="True"/>
+  <p:tag name="FILENAME" val=""/>
+  <p:tag name="INPUTTYPE" val="0"/>
+  <p:tag name="LATEXENGINEID" val="1"/>
+  <p:tag name="TEMPFOLDER" val="C:\Users\Markus\AppData\Local\Temp\"/>
+</p:tagLst>
+</file>
+
+<file path=ppt/tags/tag24.xml><?xml version="1.0" encoding="utf-8"?>
+<p:tagLst xmlns:a="http://schemas.openxmlformats.org/drawingml/2006/main" xmlns:r="http://schemas.openxmlformats.org/officeDocument/2006/relationships" xmlns:p="http://schemas.openxmlformats.org/presentationml/2006/main">
+  <p:tag name="ORIGINALHEIGHT" val="124,5174"/>
+  <p:tag name="ORIGINALWIDTH" val="988,6379"/>
+  <p:tag name="LATEXADDIN" val="\documentclass{article}&#10;\usepackage{amsmath}&#10;\pagestyle{empty}&#10;\begin{document}&#10;&#10;$$m(t)=p(t)=f(t)$$&#10;&#10;&#10;\end{document}"/>
+  <p:tag name="IGUANATEXSIZE" val="25"/>
+  <p:tag name="IGUANATEXCURSOR" val="97"/>
+  <p:tag name="TRANSPARENCY" val="True"/>
+  <p:tag name="FILENAME" val=""/>
+  <p:tag name="INPUTTYPE" val="0"/>
+  <p:tag name="LATEXENGINEID" val="1"/>
+  <p:tag name="TEMPFOLDER" val="C:\Users\Markus\AppData\Local\Temp\"/>
+</p:tagLst>
+</file>
+
+<file path=ppt/tags/tag25.xml><?xml version="1.0" encoding="utf-8"?>
+<p:tagLst xmlns:a="http://schemas.openxmlformats.org/drawingml/2006/main" xmlns:r="http://schemas.openxmlformats.org/officeDocument/2006/relationships" xmlns:p="http://schemas.openxmlformats.org/presentationml/2006/main">
+  <p:tag name="ORIGINALHEIGHT" val="308,293"/>
+  <p:tag name="ORIGINALWIDTH" val="2049,286"/>
+  <p:tag name="LATEXADDIN" val="\documentclass{article}&#10;\usepackage{amsmath}&#10;\pagestyle{empty}&#10;\begin{document}&#10;&#10;&#10;$$s_{FM}(t)=A\cdot \sin(\omega_c t+k\cdot\int_0^t{m(\tau)} d\tau)$$&#10;&#10;&#10;&#10;&#10;\end{document}"/>
+  <p:tag name="IGUANATEXSIZE" val="25"/>
+  <p:tag name="IGUANATEXCURSOR" val="114"/>
+  <p:tag name="TRANSPARENCY" val="True"/>
+  <p:tag name="FILENAME" val=""/>
+  <p:tag name="INPUTTYPE" val="0"/>
+  <p:tag name="LATEXENGINEID" val="1"/>
+  <p:tag name="TEMPFOLDER" val="C:\Users\Markus\AppData\Local\Temp\"/>
+</p:tagLst>
+</file>
+
+<file path=ppt/tags/tag26.xml><?xml version="1.0" encoding="utf-8"?>
+<p:tagLst xmlns:a="http://schemas.openxmlformats.org/drawingml/2006/main" xmlns:r="http://schemas.openxmlformats.org/officeDocument/2006/relationships" xmlns:p="http://schemas.openxmlformats.org/presentationml/2006/main">
+  <p:tag name="ORIGINALHEIGHT" val="124,5174"/>
+  <p:tag name="ORIGINALWIDTH" val="1703,488"/>
+  <p:tag name="LATEXADDIN" val="\documentclass{article}&#10;\usepackage{amsmath}&#10;\pagestyle{empty}&#10;\begin{document}&#10;&#10;&#10;$s_{PM}(t)=A\cdot \sin(\omega_c t + k\cdot m(t))$&#10;&#10;\end{document}"/>
+  <p:tag name="IGUANATEXSIZE" val="25"/>
+  <p:tag name="IGUANATEXCURSOR" val="113"/>
+  <p:tag name="TRANSPARENCY" val="True"/>
+  <p:tag name="FILENAME" val=""/>
+  <p:tag name="INPUTTYPE" val="0"/>
+  <p:tag name="LATEXENGINEID" val="1"/>
+  <p:tag name="TEMPFOLDER" val="C:\Users\Markus\AppData\Local\Temp\"/>
+</p:tagLst>
+</file>
+
+<file path=ppt/tags/tag27.xml><?xml version="1.0" encoding="utf-8"?>
+<p:tagLst xmlns:a="http://schemas.openxmlformats.org/drawingml/2006/main" xmlns:r="http://schemas.openxmlformats.org/officeDocument/2006/relationships" xmlns:p="http://schemas.openxmlformats.org/presentationml/2006/main">
+  <p:tag name="ORIGINALHEIGHT" val="109,5153"/>
+  <p:tag name="ORIGINALWIDTH" val="836,3667"/>
+  <p:tag name="LATEXADDIN" val="\documentclass{article}&#10;\usepackage{amsmath}&#10;\pagestyle{empty}&#10;\begin{document}&#10;&#10;$$\varphi_0=0; \omega_0=\omega_c$$&#10;&#10;&#10;\end{document}"/>
+  <p:tag name="IGUANATEXSIZE" val="25"/>
+  <p:tag name="IGUANATEXCURSOR" val="113"/>
+  <p:tag name="TRANSPARENCY" val="True"/>
+  <p:tag name="FILENAME" val=""/>
+  <p:tag name="INPUTTYPE" val="0"/>
+  <p:tag name="LATEXENGINEID" val="1"/>
+  <p:tag name="TEMPFOLDER" val="C:\Users\Markus\AppData\Local\Temp\"/>
+</p:tagLst>
+</file>
+
+<file path=ppt/tags/tag28.xml><?xml version="1.0" encoding="utf-8"?>
+<p:tagLst xmlns:a="http://schemas.openxmlformats.org/drawingml/2006/main" xmlns:r="http://schemas.openxmlformats.org/officeDocument/2006/relationships" xmlns:p="http://schemas.openxmlformats.org/presentationml/2006/main">
+  <p:tag name="ORIGINALHEIGHT" val="124,5174"/>
+  <p:tag name="ORIGINALWIDTH" val="868,6212"/>
+  <p:tag name="LATEXADDIN" val="\documentclass{article}&#10;\usepackage{amsmath}&#10;\pagestyle{empty}&#10;\begin{document}&#10;&#10;$$m(t)=\sin(\omega_m t)$$&#10;&#10;&#10;\end{document}"/>
+  <p:tag name="IGUANATEXSIZE" val="25"/>
+  <p:tag name="IGUANATEXCURSOR" val="104"/>
+  <p:tag name="TRANSPARENCY" val="True"/>
+  <p:tag name="FILENAME" val=""/>
+  <p:tag name="INPUTTYPE" val="0"/>
+  <p:tag name="LATEXENGINEID" val="1"/>
+  <p:tag name="TEMPFOLDER" val="C:\Users\Markus\AppData\Local\Temp\"/>
+</p:tagLst>
+</file>
+
+<file path=ppt/tags/tag29.xml><?xml version="1.0" encoding="utf-8"?>
+<p:tagLst xmlns:a="http://schemas.openxmlformats.org/drawingml/2006/main" xmlns:r="http://schemas.openxmlformats.org/officeDocument/2006/relationships" xmlns:p="http://schemas.openxmlformats.org/presentationml/2006/main">
+  <p:tag name="ORIGINALHEIGHT" val="308,293"/>
+  <p:tag name="ORIGINALWIDTH" val="2264,566"/>
+  <p:tag name="LATEXADDIN" val="\documentclass{article}&#10;\usepackage{amsmath}&#10;\pagestyle{empty}&#10;\begin{document}&#10;&#10;&#10;$$s_{FM}(t)=A\cdot \sin(\omega_c t+k\cdot\int_0^t{\sin(\omega_m \tau)} d\tau)$$&#10;&#10;&#10;&#10;&#10;\end{document}"/>
+  <p:tag name="IGUANATEXSIZE" val="25"/>
+  <p:tag name="IGUANATEXCURSOR" val="114"/>
+  <p:tag name="TRANSPARENCY" val="True"/>
+  <p:tag name="FILENAME" val=""/>
+  <p:tag name="INPUTTYPE" val="0"/>
+  <p:tag name="LATEXENGINEID" val="1"/>
+  <p:tag name="TEMPFOLDER" val="C:\Users\Markus\AppData\Local\Temp\"/>
+</p:tagLst>
+</file>
+
 <file path=ppt/tags/tag3.xml><?xml version="1.0" encoding="utf-8"?>
 <p:tagLst xmlns:a="http://schemas.openxmlformats.org/drawingml/2006/main" xmlns:r="http://schemas.openxmlformats.org/officeDocument/2006/relationships" xmlns:p="http://schemas.openxmlformats.org/presentationml/2006/main">
   <p:tag name="ORIGINALHEIGHT" val="124,5174"/>
@@ -9259,6 +10403,141 @@
   <p:tag name="LATEXADDIN" val="\documentclass{article}&#10;\usepackage{amsmath}&#10;\pagestyle{empty}&#10;\begin{document}&#10;&#10;$\theta(t)=\omega_0t+\varphi(t)$&#10;&#10;&#10;\end{document}"/>
   <p:tag name="IGUANATEXSIZE" val="25"/>
   <p:tag name="IGUANATEXCURSOR" val="102"/>
+  <p:tag name="TRANSPARENCY" val="True"/>
+  <p:tag name="FILENAME" val=""/>
+  <p:tag name="INPUTTYPE" val="0"/>
+  <p:tag name="LATEXENGINEID" val="1"/>
+  <p:tag name="TEMPFOLDER" val="C:\Users\Markus\AppData\Local\Temp\"/>
+</p:tagLst>
+</file>
+
+<file path=ppt/tags/tag30.xml><?xml version="1.0" encoding="utf-8"?>
+<p:tagLst xmlns:a="http://schemas.openxmlformats.org/drawingml/2006/main" xmlns:r="http://schemas.openxmlformats.org/officeDocument/2006/relationships" xmlns:p="http://schemas.openxmlformats.org/presentationml/2006/main">
+  <p:tag name="ORIGINALHEIGHT" val="124,5174"/>
+  <p:tag name="ORIGINALWIDTH" val="1918,768"/>
+  <p:tag name="LATEXADDIN" val="\documentclass{article}&#10;\usepackage{amsmath}&#10;\pagestyle{empty}&#10;\begin{document}&#10;&#10;&#10;$s_{PM}(t)=A\cdot \sin(\omega_c t + k\cdot \sin(\omega_m t))$&#10;&#10;\end{document}"/>
+  <p:tag name="IGUANATEXSIZE" val="25"/>
+  <p:tag name="IGUANATEXCURSOR" val="113"/>
+  <p:tag name="TRANSPARENCY" val="True"/>
+  <p:tag name="FILENAME" val=""/>
+  <p:tag name="INPUTTYPE" val="0"/>
+  <p:tag name="LATEXENGINEID" val="1"/>
+  <p:tag name="TEMPFOLDER" val="C:\Users\Markus\AppData\Local\Temp\"/>
+</p:tagLst>
+</file>
+
+<file path=ppt/tags/tag31.xml><?xml version="1.0" encoding="utf-8"?>
+<p:tagLst xmlns:a="http://schemas.openxmlformats.org/drawingml/2006/main" xmlns:r="http://schemas.openxmlformats.org/officeDocument/2006/relationships" xmlns:p="http://schemas.openxmlformats.org/presentationml/2006/main">
+  <p:tag name="ORIGINALHEIGHT" val="275,2884"/>
+  <p:tag name="ORIGINALWIDTH" val="2065,788"/>
+  <p:tag name="LATEXADDIN" val="\documentclass{article}&#10;\usepackage{amsmath}&#10;\pagestyle{empty}&#10;\begin{document}&#10;&#10;&#10;$$s_{FM}(t)=A\cdot\sin(\omega_ct-\frac{k}{\omega_m}\cdot\cos(\omega_m t))$$&#10;&#10;\end{document}"/>
+  <p:tag name="IGUANATEXSIZE" val="25"/>
+  <p:tag name="IGUANATEXCURSOR" val="113"/>
+  <p:tag name="TRANSPARENCY" val="False"/>
+  <p:tag name="FILENAME" val=""/>
+  <p:tag name="INPUTTYPE" val="0"/>
+  <p:tag name="LATEXENGINEID" val="1"/>
+  <p:tag name="TEMPFOLDER" val="C:\Users\Markus\AppData\Local\Temp\"/>
+</p:tagLst>
+</file>
+
+<file path=ppt/tags/tag32.xml><?xml version="1.0" encoding="utf-8"?>
+<p:tagLst xmlns:a="http://schemas.openxmlformats.org/drawingml/2006/main" xmlns:r="http://schemas.openxmlformats.org/officeDocument/2006/relationships" xmlns:p="http://schemas.openxmlformats.org/presentationml/2006/main">
+  <p:tag name="ORIGINALHEIGHT" val="150,021"/>
+  <p:tag name="ORIGINALWIDTH" val="1227,921"/>
+  <p:tag name="LATEXADDIN" val="\documentclass{article}&#10;\usepackage{amsmath}&#10;\pagestyle{empty}&#10;\begin{document}&#10;&#10;&#10;$-\cos(\alpha)=\sin(\alpha + \frac{3\pi}{2}) $&#10;\end{document}"/>
+  <p:tag name="IGUANATEXSIZE" val="20"/>
+  <p:tag name="IGUANATEXCURSOR" val="128"/>
+  <p:tag name="TRANSPARENCY" val="True"/>
+  <p:tag name="FILENAME" val=""/>
+  <p:tag name="INPUTTYPE" val="0"/>
+  <p:tag name="LATEXENGINEID" val="1"/>
+  <p:tag name="TEMPFOLDER" val="C:\Users\Markus\AppData\Local\Temp\"/>
+</p:tagLst>
+</file>
+
+<file path=ppt/tags/tag33.xml><?xml version="1.0" encoding="utf-8"?>
+<p:tagLst xmlns:a="http://schemas.openxmlformats.org/drawingml/2006/main" xmlns:r="http://schemas.openxmlformats.org/officeDocument/2006/relationships" xmlns:p="http://schemas.openxmlformats.org/presentationml/2006/main">
+  <p:tag name="ORIGINALHEIGHT" val="275,2884"/>
+  <p:tag name="ORIGINALWIDTH" val="2051,536"/>
+  <p:tag name="LATEXADDIN" val="\documentclass{article}&#10;\usepackage{amsmath}&#10;\pagestyle{empty}&#10;\begin{document}&#10;&#10;&#10;$$s_{FM}(t)=A\cdot\sin(\omega_ct+\frac{k}{\omega_m}\cdot\sin(\omega_m t))$$&#10;&#10;\end{document}"/>
+  <p:tag name="IGUANATEXSIZE" val="25"/>
+  <p:tag name="IGUANATEXCURSOR" val="142"/>
+  <p:tag name="TRANSPARENCY" val="False"/>
+  <p:tag name="FILENAME" val=""/>
+  <p:tag name="INPUTTYPE" val="0"/>
+  <p:tag name="LATEXENGINEID" val="1"/>
+  <p:tag name="TEMPFOLDER" val="C:\Users\Markus\AppData\Local\Temp\"/>
+</p:tagLst>
+</file>
+
+<file path=ppt/tags/tag34.xml><?xml version="1.0" encoding="utf-8"?>
+<p:tagLst xmlns:a="http://schemas.openxmlformats.org/drawingml/2006/main" xmlns:r="http://schemas.openxmlformats.org/officeDocument/2006/relationships" xmlns:p="http://schemas.openxmlformats.org/presentationml/2006/main">
+  <p:tag name="ORIGINALHEIGHT" val="114,0159"/>
+  <p:tag name="ORIGINALWIDTH" val="402,0562"/>
+  <p:tag name="LATEXADDIN" val="\documentclass{article}&#10;\usepackage{amsmath}&#10;\pagestyle{empty}&#10;\begin{document}&#10;&#10;$\Delta f=k$&#10;&#10;&#10;\end{document}"/>
+  <p:tag name="IGUANATEXSIZE" val="20"/>
+  <p:tag name="IGUANATEXCURSOR" val="81"/>
+  <p:tag name="TRANSPARENCY" val="True"/>
+  <p:tag name="FILENAME" val=""/>
+  <p:tag name="INPUTTYPE" val="0"/>
+  <p:tag name="LATEXENGINEID" val="1"/>
+  <p:tag name="TEMPFOLDER" val="C:\Users\Markus\AppData\Local\Temp\"/>
+</p:tagLst>
+</file>
+
+<file path=ppt/tags/tag35.xml><?xml version="1.0" encoding="utf-8"?>
+<p:tagLst xmlns:a="http://schemas.openxmlformats.org/drawingml/2006/main" xmlns:r="http://schemas.openxmlformats.org/officeDocument/2006/relationships" xmlns:p="http://schemas.openxmlformats.org/presentationml/2006/main">
+  <p:tag name="ORIGINALHEIGHT" val="278,2888"/>
+  <p:tag name="ORIGINALWIDTH" val="2058,287"/>
+  <p:tag name="LATEXADDIN" val="\documentclass{article}&#10;\usepackage{amsmath}&#10;\pagestyle{empty}&#10;\begin{document}&#10;&#10;&#10;$$s_{FM}(t)=A\cdot\sin(\omega_ct+\frac{\Delta f}{\omega_m}\cdot\sin(\omega_m t))$$&#10;&#10;\end{document}"/>
+  <p:tag name="IGUANATEXSIZE" val="25"/>
+  <p:tag name="IGUANATEXCURSOR" val="129"/>
+  <p:tag name="TRANSPARENCY" val="False"/>
+  <p:tag name="FILENAME" val=""/>
+  <p:tag name="INPUTTYPE" val="0"/>
+  <p:tag name="LATEXENGINEID" val="1"/>
+  <p:tag name="TEMPFOLDER" val="C:\Users\Markus\AppData\Local\Temp\"/>
+</p:tagLst>
+</file>
+
+<file path=ppt/tags/tag36.xml><?xml version="1.0" encoding="utf-8"?>
+<p:tagLst xmlns:a="http://schemas.openxmlformats.org/drawingml/2006/main" xmlns:r="http://schemas.openxmlformats.org/officeDocument/2006/relationships" xmlns:p="http://schemas.openxmlformats.org/presentationml/2006/main">
+  <p:tag name="ORIGINALHEIGHT" val="124,5174"/>
+  <p:tag name="ORIGINALWIDTH" val="1585,721"/>
+  <p:tag name="LATEXADDIN" val="\documentclass{article}&#10;\usepackage{amsmath}&#10;\pagestyle{empty}&#10;\begin{document}&#10;&#10;$$e(t)=A\cdot\sin(\alpha t + I\cdot\sin(\beta t)) $$&#10;&#10;&#10;\end{document}"/>
+  <p:tag name="IGUANATEXSIZE" val="25"/>
+  <p:tag name="IGUANATEXCURSOR" val="116"/>
+  <p:tag name="TRANSPARENCY" val="True"/>
+  <p:tag name="FILENAME" val=""/>
+  <p:tag name="INPUTTYPE" val="0"/>
+  <p:tag name="LATEXENGINEID" val="1"/>
+  <p:tag name="TEMPFOLDER" val="C:\Users\Markus\AppData\Local\Temp\"/>
+</p:tagLst>
+</file>
+
+<file path=ppt/tags/tag37.xml><?xml version="1.0" encoding="utf-8"?>
+<p:tagLst xmlns:a="http://schemas.openxmlformats.org/drawingml/2006/main" xmlns:r="http://schemas.openxmlformats.org/officeDocument/2006/relationships" xmlns:p="http://schemas.openxmlformats.org/presentationml/2006/main">
+  <p:tag name="ORIGINALHEIGHT" val="278,2888"/>
+  <p:tag name="ORIGINALWIDTH" val="2058,287"/>
+  <p:tag name="LATEXADDIN" val="\documentclass{article}&#10;\usepackage{amsmath}&#10;\pagestyle{empty}&#10;\begin{document}&#10;&#10;&#10;$$s_{FM}(t)=A\cdot\sin(\omega_ct+\frac{\Delta f}{\omega_m}\cdot\sin(\omega_m t))$$&#10;&#10;\end{document}"/>
+  <p:tag name="IGUANATEXSIZE" val="25"/>
+  <p:tag name="IGUANATEXCURSOR" val="129"/>
+  <p:tag name="TRANSPARENCY" val="False"/>
+  <p:tag name="FILENAME" val=""/>
+  <p:tag name="INPUTTYPE" val="0"/>
+  <p:tag name="LATEXENGINEID" val="1"/>
+  <p:tag name="TEMPFOLDER" val="C:\Users\Markus\AppData\Local\Temp\"/>
+</p:tagLst>
+</file>
+
+<file path=ppt/tags/tag38.xml><?xml version="1.0" encoding="utf-8"?>
+<p:tagLst xmlns:a="http://schemas.openxmlformats.org/drawingml/2006/main" xmlns:r="http://schemas.openxmlformats.org/officeDocument/2006/relationships" xmlns:p="http://schemas.openxmlformats.org/presentationml/2006/main">
+  <p:tag name="ORIGINALHEIGHT" val="173,2742"/>
+  <p:tag name="ORIGINALWIDTH" val="387,8041"/>
+  <p:tag name="LATEXADDIN" val="\documentclass{article}&#10;\usepackage{amsmath}&#10;\pagestyle{empty}&#10;\begin{document}&#10;&#10;$I=\frac{\Delta f}{\omega_m}$&#10;&#10;&#10;\end{document}"/>
+  <p:tag name="IGUANATEXSIZE" val="20"/>
+  <p:tag name="IGUANATEXCURSOR" val="110"/>
   <p:tag name="TRANSPARENCY" val="True"/>
   <p:tag name="FILENAME" val=""/>
   <p:tag name="INPUTTYPE" val="0"/>

--- a/Praesentation/FMSynthese-Markus.pptx
+++ b/Praesentation/FMSynthese-Markus.pptx
@@ -5,7 +5,7 @@
     <p:sldMasterId id="2147483648" r:id="rId1"/>
   </p:sldMasterIdLst>
   <p:notesMasterIdLst>
-    <p:notesMasterId r:id="rId21"/>
+    <p:notesMasterId r:id="rId22"/>
   </p:notesMasterIdLst>
   <p:sldIdLst>
     <p:sldId id="259" r:id="rId2"/>
@@ -27,6 +27,7 @@
     <p:sldId id="274" r:id="rId18"/>
     <p:sldId id="275" r:id="rId19"/>
     <p:sldId id="277" r:id="rId20"/>
+    <p:sldId id="278" r:id="rId21"/>
   </p:sldIdLst>
   <p:sldSz cx="9144000" cy="5143500" type="screen16x9"/>
   <p:notesSz cx="6858000" cy="9144000"/>
@@ -241,7 +242,7 @@
             <a:fld id="{364A5697-ABCF-455C-8519-931EFDD64AAA}" type="datetimeFigureOut">
               <a:rPr lang="de-DE" smtClean="0"/>
               <a:pPr/>
-              <a:t>17.06.2015</a:t>
+              <a:t>18.06.2015</a:t>
             </a:fld>
             <a:endParaRPr lang="de-DE"/>
           </a:p>
@@ -832,7 +833,7 @@
           <a:p>
             <a:fld id="{118C39E7-DE90-41C1-AA3B-F993836B02BE}" type="datetime1">
               <a:rPr lang="de-DE" smtClean="0"/>
-              <a:t>17.06.2015</a:t>
+              <a:t>18.06.2015</a:t>
             </a:fld>
             <a:endParaRPr lang="de-DE"/>
           </a:p>
@@ -1012,7 +1013,7 @@
           <a:p>
             <a:fld id="{B1B93457-8CBC-4CBC-AFA6-88355C5DAFDC}" type="datetime1">
               <a:rPr lang="de-DE" smtClean="0"/>
-              <a:t>17.06.2015</a:t>
+              <a:t>18.06.2015</a:t>
             </a:fld>
             <a:endParaRPr lang="de-DE"/>
           </a:p>
@@ -1190,7 +1191,7 @@
           <a:p>
             <a:fld id="{296000BE-0612-4D88-A1AC-FF1287139C2E}" type="datetime1">
               <a:rPr lang="de-DE" smtClean="0"/>
-              <a:t>17.06.2015</a:t>
+              <a:t>18.06.2015</a:t>
             </a:fld>
             <a:endParaRPr lang="de-DE" dirty="0"/>
           </a:p>
@@ -1446,7 +1447,7 @@
           <a:p>
             <a:fld id="{C80D71F6-99A2-4718-B360-65885A8D0927}" type="datetime1">
               <a:rPr lang="de-DE" smtClean="0"/>
-              <a:t>17.06.2015</a:t>
+              <a:t>18.06.2015</a:t>
             </a:fld>
             <a:endParaRPr lang="de-DE"/>
           </a:p>
@@ -1741,7 +1742,7 @@
           <a:p>
             <a:fld id="{29DA34F2-331A-4BAF-BC0B-E5952E369A92}" type="datetime1">
               <a:rPr lang="de-DE" smtClean="0"/>
-              <a:t>17.06.2015</a:t>
+              <a:t>18.06.2015</a:t>
             </a:fld>
             <a:endParaRPr lang="de-DE"/>
           </a:p>
@@ -2170,7 +2171,7 @@
           <a:p>
             <a:fld id="{6E10866E-AA72-4753-8ABE-452D5C085871}" type="datetime1">
               <a:rPr lang="de-DE" smtClean="0"/>
-              <a:t>17.06.2015</a:t>
+              <a:t>18.06.2015</a:t>
             </a:fld>
             <a:endParaRPr lang="de-DE"/>
           </a:p>
@@ -2295,7 +2296,7 @@
           <a:p>
             <a:fld id="{A782DF66-3609-46AF-9A5C-DF0EDD34A7DB}" type="datetime1">
               <a:rPr lang="de-DE" smtClean="0"/>
-              <a:t>17.06.2015</a:t>
+              <a:t>18.06.2015</a:t>
             </a:fld>
             <a:endParaRPr lang="de-DE"/>
           </a:p>
@@ -2390,7 +2391,7 @@
           <a:p>
             <a:fld id="{D9A33BE7-191D-4D84-96A8-D32FBF7D1E60}" type="datetime1">
               <a:rPr lang="de-DE" smtClean="0"/>
-              <a:t>17.06.2015</a:t>
+              <a:t>18.06.2015</a:t>
             </a:fld>
             <a:endParaRPr lang="de-DE"/>
           </a:p>
@@ -2667,7 +2668,7 @@
           <a:p>
             <a:fld id="{B525E46A-CAE0-47F8-9D57-934823E6F137}" type="datetime1">
               <a:rPr lang="de-DE" smtClean="0"/>
-              <a:t>17.06.2015</a:t>
+              <a:t>18.06.2015</a:t>
             </a:fld>
             <a:endParaRPr lang="de-DE"/>
           </a:p>
@@ -2920,7 +2921,7 @@
           <a:p>
             <a:fld id="{A77F82AC-1FA4-4A3F-9E15-2C049775FF58}" type="datetime1">
               <a:rPr lang="de-DE" smtClean="0"/>
-              <a:t>17.06.2015</a:t>
+              <a:t>18.06.2015</a:t>
             </a:fld>
             <a:endParaRPr lang="de-DE"/>
           </a:p>
@@ -3133,7 +3134,7 @@
           <a:p>
             <a:fld id="{296000BE-0612-4D88-A1AC-FF1287139C2E}" type="datetime1">
               <a:rPr lang="de-DE" smtClean="0"/>
-              <a:t>17.06.2015</a:t>
+              <a:t>18.06.2015</a:t>
             </a:fld>
             <a:endParaRPr lang="de-DE" dirty="0"/>
           </a:p>
@@ -3567,7 +3568,7 @@
           <a:p>
             <a:fld id="{A9329DF3-B5DC-4B99-8E09-A520EF5E851F}" type="datetime1">
               <a:rPr lang="en-US"/>
-              <a:t>17.06.2015</a:t>
+              <a:t>6/18/2015</a:t>
             </a:fld>
             <a:endParaRPr lang="en-US" dirty="0"/>
           </a:p>
@@ -4185,7 +4186,7 @@
           <a:p>
             <a:fld id="{296000BE-0612-4D88-A1AC-FF1287139C2E}" type="datetime1">
               <a:rPr lang="de-DE" smtClean="0"/>
-              <a:t>17.06.2015</a:t>
+              <a:t>18.06.2015</a:t>
             </a:fld>
             <a:endParaRPr lang="de-DE" dirty="0"/>
           </a:p>
@@ -4463,7 +4464,7 @@
           <a:p>
             <a:fld id="{296000BE-0612-4D88-A1AC-FF1287139C2E}" type="datetime1">
               <a:rPr lang="de-DE" smtClean="0"/>
-              <a:t>17.06.2015</a:t>
+              <a:t>18.06.2015</a:t>
             </a:fld>
             <a:endParaRPr lang="de-DE" dirty="0"/>
           </a:p>
@@ -4679,7 +4680,7 @@
           <a:p>
             <a:fld id="{296000BE-0612-4D88-A1AC-FF1287139C2E}" type="datetime1">
               <a:rPr lang="de-DE" smtClean="0"/>
-              <a:t>17.06.2015</a:t>
+              <a:t>18.06.2015</a:t>
             </a:fld>
             <a:endParaRPr lang="de-DE" dirty="0"/>
           </a:p>
@@ -4918,7 +4919,7 @@
           <a:p>
             <a:fld id="{296000BE-0612-4D88-A1AC-FF1287139C2E}" type="datetime1">
               <a:rPr lang="de-DE" smtClean="0"/>
-              <a:t>17.06.2015</a:t>
+              <a:t>18.06.2015</a:t>
             </a:fld>
             <a:endParaRPr lang="de-DE" dirty="0"/>
           </a:p>
@@ -5187,7 +5188,7 @@
           <a:p>
             <a:fld id="{296000BE-0612-4D88-A1AC-FF1287139C2E}" type="datetime1">
               <a:rPr lang="de-DE" smtClean="0"/>
-              <a:t>17.06.2015</a:t>
+              <a:t>18.06.2015</a:t>
             </a:fld>
             <a:endParaRPr lang="de-DE" dirty="0"/>
           </a:p>
@@ -5423,7 +5424,7 @@
           <a:p>
             <a:fld id="{296000BE-0612-4D88-A1AC-FF1287139C2E}" type="datetime1">
               <a:rPr lang="de-DE" smtClean="0"/>
-              <a:t>17.06.2015</a:t>
+              <a:t>18.06.2015</a:t>
             </a:fld>
             <a:endParaRPr lang="de-DE" dirty="0"/>
           </a:p>
@@ -5648,7 +5649,7 @@
           <a:p>
             <a:fld id="{296000BE-0612-4D88-A1AC-FF1287139C2E}" type="datetime1">
               <a:rPr lang="de-DE" smtClean="0"/>
-              <a:t>17.06.2015</a:t>
+              <a:t>18.06.2015</a:t>
             </a:fld>
             <a:endParaRPr lang="de-DE" dirty="0"/>
           </a:p>
@@ -5974,7 +5975,7 @@
           <a:p>
             <a:fld id="{296000BE-0612-4D88-A1AC-FF1287139C2E}" type="datetime1">
               <a:rPr lang="de-DE" smtClean="0"/>
-              <a:t>17.06.2015</a:t>
+              <a:t>18.06.2015</a:t>
             </a:fld>
             <a:endParaRPr lang="de-DE" dirty="0"/>
           </a:p>
@@ -6205,7 +6206,7 @@
           <a:p>
             <a:fld id="{296000BE-0612-4D88-A1AC-FF1287139C2E}" type="datetime1">
               <a:rPr lang="de-DE" smtClean="0"/>
-              <a:t>17.06.2015</a:t>
+              <a:t>18.06.2015</a:t>
             </a:fld>
             <a:endParaRPr lang="de-DE" dirty="0"/>
           </a:p>
@@ -6546,7 +6547,7 @@
           <a:p>
             <a:fld id="{296000BE-0612-4D88-A1AC-FF1287139C2E}" type="datetime1">
               <a:rPr lang="de-DE" smtClean="0"/>
-              <a:t>17.06.2015</a:t>
+              <a:t>18.06.2015</a:t>
             </a:fld>
             <a:endParaRPr lang="de-DE" dirty="0"/>
           </a:p>
@@ -6815,7 +6816,7 @@
           <a:p>
             <a:fld id="{ADBF581A-36B1-4C7D-8A13-2529E78B81D4}" type="datetime1">
               <a:rPr lang="de-DE" smtClean="0"/>
-              <a:t>17.06.2015</a:t>
+              <a:t>18.06.2015</a:t>
             </a:fld>
             <a:endParaRPr lang="de-DE"/>
           </a:p>
@@ -6887,6 +6888,1677 @@
     <p:tnLst>
       <p:par>
         <p:cTn id="1" dur="indefinite" restart="never" nodeType="tmRoot"/>
+      </p:par>
+    </p:tnLst>
+  </p:timing>
+</p:sld>
+</file>
+
+<file path=ppt/slides/slide20.xml><?xml version="1.0" encoding="utf-8"?>
+<p:sld xmlns:a="http://schemas.openxmlformats.org/drawingml/2006/main" xmlns:r="http://schemas.openxmlformats.org/officeDocument/2006/relationships" xmlns:p="http://schemas.openxmlformats.org/presentationml/2006/main">
+  <p:cSld>
+    <p:spTree>
+      <p:nvGrpSpPr>
+        <p:cNvPr id="1" name=""/>
+        <p:cNvGrpSpPr/>
+        <p:nvPr/>
+      </p:nvGrpSpPr>
+      <p:grpSpPr>
+        <a:xfrm>
+          <a:off x="0" y="0"/>
+          <a:ext cx="0" cy="0"/>
+          <a:chOff x="0" y="0"/>
+          <a:chExt cx="0" cy="0"/>
+        </a:xfrm>
+      </p:grpSpPr>
+      <p:sp>
+        <p:nvSpPr>
+          <p:cNvPr id="7" name="Title 6"/>
+          <p:cNvSpPr>
+            <a:spLocks noGrp="1"/>
+          </p:cNvSpPr>
+          <p:nvPr>
+            <p:ph type="title"/>
+          </p:nvPr>
+        </p:nvSpPr>
+        <p:spPr/>
+        <p:txBody>
+          <a:bodyPr/>
+          <a:lstStyle/>
+          <a:p>
+            <a:endParaRPr lang="de-DE" dirty="0"/>
+          </a:p>
+        </p:txBody>
+      </p:sp>
+      <p:sp>
+        <p:nvSpPr>
+          <p:cNvPr id="4" name="Date Placeholder 3"/>
+          <p:cNvSpPr>
+            <a:spLocks noGrp="1"/>
+          </p:cNvSpPr>
+          <p:nvPr>
+            <p:ph type="dt" sz="half" idx="10"/>
+          </p:nvPr>
+        </p:nvSpPr>
+        <p:spPr/>
+        <p:txBody>
+          <a:bodyPr/>
+          <a:lstStyle/>
+          <a:p>
+            <a:fld id="{296000BE-0612-4D88-A1AC-FF1287139C2E}" type="datetime1">
+              <a:rPr lang="de-DE" smtClean="0"/>
+              <a:t>18.06.2015</a:t>
+            </a:fld>
+            <a:endParaRPr lang="de-DE" dirty="0"/>
+          </a:p>
+        </p:txBody>
+      </p:sp>
+      <p:sp>
+        <p:nvSpPr>
+          <p:cNvPr id="5" name="Footer Placeholder 4"/>
+          <p:cNvSpPr>
+            <a:spLocks noGrp="1"/>
+          </p:cNvSpPr>
+          <p:nvPr>
+            <p:ph type="ftr" sz="quarter" idx="11"/>
+          </p:nvPr>
+        </p:nvSpPr>
+        <p:spPr/>
+        <p:txBody>
+          <a:bodyPr/>
+          <a:lstStyle/>
+          <a:p>
+            <a:r>
+              <a:rPr lang="de-DE" smtClean="0"/>
+              <a:t>FM-Synthese</a:t>
+            </a:r>
+            <a:endParaRPr lang="de-DE" dirty="0"/>
+          </a:p>
+        </p:txBody>
+      </p:sp>
+      <p:sp>
+        <p:nvSpPr>
+          <p:cNvPr id="6" name="Slide Number Placeholder 5"/>
+          <p:cNvSpPr>
+            <a:spLocks noGrp="1"/>
+          </p:cNvSpPr>
+          <p:nvPr>
+            <p:ph type="sldNum" sz="quarter" idx="12"/>
+          </p:nvPr>
+        </p:nvSpPr>
+        <p:spPr/>
+        <p:txBody>
+          <a:bodyPr/>
+          <a:lstStyle/>
+          <a:p>
+            <a:fld id="{8740CB20-F870-467D-84CE-AB32061190A1}" type="slidenum">
+              <a:rPr lang="en-US" smtClean="0"/>
+              <a:t>20</a:t>
+            </a:fld>
+            <a:r>
+              <a:rPr lang="de-DE" smtClean="0"/>
+              <a:t>   </a:t>
+            </a:r>
+            <a:endParaRPr lang="de-DE" dirty="0"/>
+          </a:p>
+        </p:txBody>
+      </p:sp>
+      <p:pic>
+        <p:nvPicPr>
+          <p:cNvPr id="9" name="I0"/>
+          <p:cNvPicPr>
+            <a:picLocks noChangeAspect="1"/>
+          </p:cNvPicPr>
+          <p:nvPr/>
+        </p:nvPicPr>
+        <p:blipFill>
+          <a:blip r:embed="rId2" cstate="print">
+            <a:extLst>
+              <a:ext uri="{28A0092B-C50C-407E-A947-70E740481C1C}">
+                <a14:useLocalDpi xmlns:a14="http://schemas.microsoft.com/office/drawing/2010/main" val="0"/>
+              </a:ext>
+            </a:extLst>
+          </a:blip>
+          <a:stretch>
+            <a:fillRect/>
+          </a:stretch>
+        </p:blipFill>
+        <p:spPr>
+          <a:xfrm>
+            <a:off x="1828794" y="742946"/>
+            <a:ext cx="5486411" cy="3657607"/>
+          </a:xfrm>
+          <a:prstGeom prst="rect">
+            <a:avLst/>
+          </a:prstGeom>
+        </p:spPr>
+      </p:pic>
+      <p:pic>
+        <p:nvPicPr>
+          <p:cNvPr id="10" name="I1"/>
+          <p:cNvPicPr>
+            <a:picLocks noChangeAspect="1"/>
+          </p:cNvPicPr>
+          <p:nvPr/>
+        </p:nvPicPr>
+        <p:blipFill>
+          <a:blip r:embed="rId3" cstate="print">
+            <a:extLst>
+              <a:ext uri="{28A0092B-C50C-407E-A947-70E740481C1C}">
+                <a14:useLocalDpi xmlns:a14="http://schemas.microsoft.com/office/drawing/2010/main" val="0"/>
+              </a:ext>
+            </a:extLst>
+          </a:blip>
+          <a:stretch>
+            <a:fillRect/>
+          </a:stretch>
+        </p:blipFill>
+        <p:spPr>
+          <a:xfrm>
+            <a:off x="1828794" y="742946"/>
+            <a:ext cx="5486411" cy="3657607"/>
+          </a:xfrm>
+          <a:prstGeom prst="rect">
+            <a:avLst/>
+          </a:prstGeom>
+        </p:spPr>
+      </p:pic>
+      <p:pic>
+        <p:nvPicPr>
+          <p:cNvPr id="11" name="I2"/>
+          <p:cNvPicPr>
+            <a:picLocks noChangeAspect="1"/>
+          </p:cNvPicPr>
+          <p:nvPr/>
+        </p:nvPicPr>
+        <p:blipFill>
+          <a:blip r:embed="rId4" cstate="print">
+            <a:extLst>
+              <a:ext uri="{28A0092B-C50C-407E-A947-70E740481C1C}">
+                <a14:useLocalDpi xmlns:a14="http://schemas.microsoft.com/office/drawing/2010/main" val="0"/>
+              </a:ext>
+            </a:extLst>
+          </a:blip>
+          <a:stretch>
+            <a:fillRect/>
+          </a:stretch>
+        </p:blipFill>
+        <p:spPr>
+          <a:xfrm>
+            <a:off x="1828794" y="742946"/>
+            <a:ext cx="5486411" cy="3657607"/>
+          </a:xfrm>
+          <a:prstGeom prst="rect">
+            <a:avLst/>
+          </a:prstGeom>
+        </p:spPr>
+      </p:pic>
+      <p:pic>
+        <p:nvPicPr>
+          <p:cNvPr id="12" name="I3"/>
+          <p:cNvPicPr>
+            <a:picLocks noChangeAspect="1"/>
+          </p:cNvPicPr>
+          <p:nvPr/>
+        </p:nvPicPr>
+        <p:blipFill>
+          <a:blip r:embed="rId5" cstate="print">
+            <a:extLst>
+              <a:ext uri="{28A0092B-C50C-407E-A947-70E740481C1C}">
+                <a14:useLocalDpi xmlns:a14="http://schemas.microsoft.com/office/drawing/2010/main" val="0"/>
+              </a:ext>
+            </a:extLst>
+          </a:blip>
+          <a:stretch>
+            <a:fillRect/>
+          </a:stretch>
+        </p:blipFill>
+        <p:spPr>
+          <a:xfrm>
+            <a:off x="1828794" y="742946"/>
+            <a:ext cx="5486411" cy="3657607"/>
+          </a:xfrm>
+          <a:prstGeom prst="rect">
+            <a:avLst/>
+          </a:prstGeom>
+        </p:spPr>
+      </p:pic>
+      <p:pic>
+        <p:nvPicPr>
+          <p:cNvPr id="13" name="I4"/>
+          <p:cNvPicPr>
+            <a:picLocks noChangeAspect="1"/>
+          </p:cNvPicPr>
+          <p:nvPr/>
+        </p:nvPicPr>
+        <p:blipFill>
+          <a:blip r:embed="rId6" cstate="print">
+            <a:extLst>
+              <a:ext uri="{28A0092B-C50C-407E-A947-70E740481C1C}">
+                <a14:useLocalDpi xmlns:a14="http://schemas.microsoft.com/office/drawing/2010/main" val="0"/>
+              </a:ext>
+            </a:extLst>
+          </a:blip>
+          <a:stretch>
+            <a:fillRect/>
+          </a:stretch>
+        </p:blipFill>
+        <p:spPr>
+          <a:xfrm>
+            <a:off x="1828794" y="742946"/>
+            <a:ext cx="5486411" cy="3657607"/>
+          </a:xfrm>
+          <a:prstGeom prst="rect">
+            <a:avLst/>
+          </a:prstGeom>
+        </p:spPr>
+      </p:pic>
+      <p:pic>
+        <p:nvPicPr>
+          <p:cNvPr id="14" name="I5"/>
+          <p:cNvPicPr>
+            <a:picLocks noChangeAspect="1"/>
+          </p:cNvPicPr>
+          <p:nvPr/>
+        </p:nvPicPr>
+        <p:blipFill>
+          <a:blip r:embed="rId7" cstate="print">
+            <a:extLst>
+              <a:ext uri="{28A0092B-C50C-407E-A947-70E740481C1C}">
+                <a14:useLocalDpi xmlns:a14="http://schemas.microsoft.com/office/drawing/2010/main" val="0"/>
+              </a:ext>
+            </a:extLst>
+          </a:blip>
+          <a:stretch>
+            <a:fillRect/>
+          </a:stretch>
+        </p:blipFill>
+        <p:spPr>
+          <a:xfrm>
+            <a:off x="1828794" y="742946"/>
+            <a:ext cx="5486411" cy="3657607"/>
+          </a:xfrm>
+          <a:prstGeom prst="rect">
+            <a:avLst/>
+          </a:prstGeom>
+        </p:spPr>
+      </p:pic>
+      <p:pic>
+        <p:nvPicPr>
+          <p:cNvPr id="15" name="I6"/>
+          <p:cNvPicPr>
+            <a:picLocks noChangeAspect="1"/>
+          </p:cNvPicPr>
+          <p:nvPr/>
+        </p:nvPicPr>
+        <p:blipFill>
+          <a:blip r:embed="rId8" cstate="print">
+            <a:extLst>
+              <a:ext uri="{28A0092B-C50C-407E-A947-70E740481C1C}">
+                <a14:useLocalDpi xmlns:a14="http://schemas.microsoft.com/office/drawing/2010/main" val="0"/>
+              </a:ext>
+            </a:extLst>
+          </a:blip>
+          <a:stretch>
+            <a:fillRect/>
+          </a:stretch>
+        </p:blipFill>
+        <p:spPr>
+          <a:xfrm>
+            <a:off x="1828794" y="742946"/>
+            <a:ext cx="5486411" cy="3657607"/>
+          </a:xfrm>
+          <a:prstGeom prst="rect">
+            <a:avLst/>
+          </a:prstGeom>
+        </p:spPr>
+      </p:pic>
+      <p:pic>
+        <p:nvPicPr>
+          <p:cNvPr id="16" name="I7"/>
+          <p:cNvPicPr>
+            <a:picLocks noChangeAspect="1"/>
+          </p:cNvPicPr>
+          <p:nvPr/>
+        </p:nvPicPr>
+        <p:blipFill>
+          <a:blip r:embed="rId9" cstate="print">
+            <a:extLst>
+              <a:ext uri="{28A0092B-C50C-407E-A947-70E740481C1C}">
+                <a14:useLocalDpi xmlns:a14="http://schemas.microsoft.com/office/drawing/2010/main" val="0"/>
+              </a:ext>
+            </a:extLst>
+          </a:blip>
+          <a:stretch>
+            <a:fillRect/>
+          </a:stretch>
+        </p:blipFill>
+        <p:spPr>
+          <a:xfrm>
+            <a:off x="1828794" y="742946"/>
+            <a:ext cx="5486411" cy="3657607"/>
+          </a:xfrm>
+          <a:prstGeom prst="rect">
+            <a:avLst/>
+          </a:prstGeom>
+        </p:spPr>
+      </p:pic>
+      <p:pic>
+        <p:nvPicPr>
+          <p:cNvPr id="17" name="I8"/>
+          <p:cNvPicPr>
+            <a:picLocks noChangeAspect="1"/>
+          </p:cNvPicPr>
+          <p:nvPr/>
+        </p:nvPicPr>
+        <p:blipFill>
+          <a:blip r:embed="rId10" cstate="print">
+            <a:extLst>
+              <a:ext uri="{28A0092B-C50C-407E-A947-70E740481C1C}">
+                <a14:useLocalDpi xmlns:a14="http://schemas.microsoft.com/office/drawing/2010/main" val="0"/>
+              </a:ext>
+            </a:extLst>
+          </a:blip>
+          <a:stretch>
+            <a:fillRect/>
+          </a:stretch>
+        </p:blipFill>
+        <p:spPr>
+          <a:xfrm>
+            <a:off x="1828794" y="742946"/>
+            <a:ext cx="5486411" cy="3657607"/>
+          </a:xfrm>
+          <a:prstGeom prst="rect">
+            <a:avLst/>
+          </a:prstGeom>
+        </p:spPr>
+      </p:pic>
+      <p:pic>
+        <p:nvPicPr>
+          <p:cNvPr id="18" name="I9"/>
+          <p:cNvPicPr>
+            <a:picLocks noChangeAspect="1"/>
+          </p:cNvPicPr>
+          <p:nvPr/>
+        </p:nvPicPr>
+        <p:blipFill>
+          <a:blip r:embed="rId11" cstate="print">
+            <a:extLst>
+              <a:ext uri="{28A0092B-C50C-407E-A947-70E740481C1C}">
+                <a14:useLocalDpi xmlns:a14="http://schemas.microsoft.com/office/drawing/2010/main" val="0"/>
+              </a:ext>
+            </a:extLst>
+          </a:blip>
+          <a:stretch>
+            <a:fillRect/>
+          </a:stretch>
+        </p:blipFill>
+        <p:spPr>
+          <a:xfrm>
+            <a:off x="1828794" y="742946"/>
+            <a:ext cx="5486411" cy="3657607"/>
+          </a:xfrm>
+          <a:prstGeom prst="rect">
+            <a:avLst/>
+          </a:prstGeom>
+        </p:spPr>
+      </p:pic>
+      <p:pic>
+        <p:nvPicPr>
+          <p:cNvPr id="19" name="I10"/>
+          <p:cNvPicPr>
+            <a:picLocks noChangeAspect="1"/>
+          </p:cNvPicPr>
+          <p:nvPr/>
+        </p:nvPicPr>
+        <p:blipFill>
+          <a:blip r:embed="rId12" cstate="print">
+            <a:extLst>
+              <a:ext uri="{28A0092B-C50C-407E-A947-70E740481C1C}">
+                <a14:useLocalDpi xmlns:a14="http://schemas.microsoft.com/office/drawing/2010/main" val="0"/>
+              </a:ext>
+            </a:extLst>
+          </a:blip>
+          <a:stretch>
+            <a:fillRect/>
+          </a:stretch>
+        </p:blipFill>
+        <p:spPr>
+          <a:xfrm>
+            <a:off x="1828794" y="742946"/>
+            <a:ext cx="5486411" cy="3657607"/>
+          </a:xfrm>
+          <a:prstGeom prst="rect">
+            <a:avLst/>
+          </a:prstGeom>
+        </p:spPr>
+      </p:pic>
+      <p:pic>
+        <p:nvPicPr>
+          <p:cNvPr id="20" name="I11"/>
+          <p:cNvPicPr>
+            <a:picLocks noChangeAspect="1"/>
+          </p:cNvPicPr>
+          <p:nvPr/>
+        </p:nvPicPr>
+        <p:blipFill>
+          <a:blip r:embed="rId13" cstate="print">
+            <a:extLst>
+              <a:ext uri="{28A0092B-C50C-407E-A947-70E740481C1C}">
+                <a14:useLocalDpi xmlns:a14="http://schemas.microsoft.com/office/drawing/2010/main" val="0"/>
+              </a:ext>
+            </a:extLst>
+          </a:blip>
+          <a:stretch>
+            <a:fillRect/>
+          </a:stretch>
+        </p:blipFill>
+        <p:spPr>
+          <a:xfrm>
+            <a:off x="1828794" y="742946"/>
+            <a:ext cx="5486411" cy="3657607"/>
+          </a:xfrm>
+          <a:prstGeom prst="rect">
+            <a:avLst/>
+          </a:prstGeom>
+        </p:spPr>
+      </p:pic>
+      <p:pic>
+        <p:nvPicPr>
+          <p:cNvPr id="21" name="I12"/>
+          <p:cNvPicPr>
+            <a:picLocks noChangeAspect="1"/>
+          </p:cNvPicPr>
+          <p:nvPr/>
+        </p:nvPicPr>
+        <p:blipFill>
+          <a:blip r:embed="rId14" cstate="print">
+            <a:extLst>
+              <a:ext uri="{28A0092B-C50C-407E-A947-70E740481C1C}">
+                <a14:useLocalDpi xmlns:a14="http://schemas.microsoft.com/office/drawing/2010/main" val="0"/>
+              </a:ext>
+            </a:extLst>
+          </a:blip>
+          <a:stretch>
+            <a:fillRect/>
+          </a:stretch>
+        </p:blipFill>
+        <p:spPr>
+          <a:xfrm>
+            <a:off x="1828794" y="742946"/>
+            <a:ext cx="5486411" cy="3657607"/>
+          </a:xfrm>
+          <a:prstGeom prst="rect">
+            <a:avLst/>
+          </a:prstGeom>
+        </p:spPr>
+      </p:pic>
+      <p:pic>
+        <p:nvPicPr>
+          <p:cNvPr id="22" name="I13"/>
+          <p:cNvPicPr>
+            <a:picLocks noChangeAspect="1"/>
+          </p:cNvPicPr>
+          <p:nvPr/>
+        </p:nvPicPr>
+        <p:blipFill>
+          <a:blip r:embed="rId15" cstate="print">
+            <a:extLst>
+              <a:ext uri="{28A0092B-C50C-407E-A947-70E740481C1C}">
+                <a14:useLocalDpi xmlns:a14="http://schemas.microsoft.com/office/drawing/2010/main" val="0"/>
+              </a:ext>
+            </a:extLst>
+          </a:blip>
+          <a:stretch>
+            <a:fillRect/>
+          </a:stretch>
+        </p:blipFill>
+        <p:spPr>
+          <a:xfrm>
+            <a:off x="1828794" y="742946"/>
+            <a:ext cx="5486411" cy="3657607"/>
+          </a:xfrm>
+          <a:prstGeom prst="rect">
+            <a:avLst/>
+          </a:prstGeom>
+        </p:spPr>
+      </p:pic>
+      <p:pic>
+        <p:nvPicPr>
+          <p:cNvPr id="23" name="I14"/>
+          <p:cNvPicPr>
+            <a:picLocks noChangeAspect="1"/>
+          </p:cNvPicPr>
+          <p:nvPr/>
+        </p:nvPicPr>
+        <p:blipFill>
+          <a:blip r:embed="rId16" cstate="print">
+            <a:extLst>
+              <a:ext uri="{28A0092B-C50C-407E-A947-70E740481C1C}">
+                <a14:useLocalDpi xmlns:a14="http://schemas.microsoft.com/office/drawing/2010/main" val="0"/>
+              </a:ext>
+            </a:extLst>
+          </a:blip>
+          <a:stretch>
+            <a:fillRect/>
+          </a:stretch>
+        </p:blipFill>
+        <p:spPr>
+          <a:xfrm>
+            <a:off x="1828794" y="742946"/>
+            <a:ext cx="5486411" cy="3657607"/>
+          </a:xfrm>
+          <a:prstGeom prst="rect">
+            <a:avLst/>
+          </a:prstGeom>
+        </p:spPr>
+      </p:pic>
+      <p:pic>
+        <p:nvPicPr>
+          <p:cNvPr id="24" name="I15"/>
+          <p:cNvPicPr>
+            <a:picLocks noChangeAspect="1"/>
+          </p:cNvPicPr>
+          <p:nvPr/>
+        </p:nvPicPr>
+        <p:blipFill>
+          <a:blip r:embed="rId17" cstate="print">
+            <a:extLst>
+              <a:ext uri="{28A0092B-C50C-407E-A947-70E740481C1C}">
+                <a14:useLocalDpi xmlns:a14="http://schemas.microsoft.com/office/drawing/2010/main" val="0"/>
+              </a:ext>
+            </a:extLst>
+          </a:blip>
+          <a:stretch>
+            <a:fillRect/>
+          </a:stretch>
+        </p:blipFill>
+        <p:spPr>
+          <a:xfrm>
+            <a:off x="1828794" y="742946"/>
+            <a:ext cx="5486411" cy="3657607"/>
+          </a:xfrm>
+          <a:prstGeom prst="rect">
+            <a:avLst/>
+          </a:prstGeom>
+        </p:spPr>
+      </p:pic>
+      <p:pic>
+        <p:nvPicPr>
+          <p:cNvPr id="25" name="I16"/>
+          <p:cNvPicPr>
+            <a:picLocks noChangeAspect="1"/>
+          </p:cNvPicPr>
+          <p:nvPr/>
+        </p:nvPicPr>
+        <p:blipFill>
+          <a:blip r:embed="rId18" cstate="print">
+            <a:extLst>
+              <a:ext uri="{28A0092B-C50C-407E-A947-70E740481C1C}">
+                <a14:useLocalDpi xmlns:a14="http://schemas.microsoft.com/office/drawing/2010/main" val="0"/>
+              </a:ext>
+            </a:extLst>
+          </a:blip>
+          <a:stretch>
+            <a:fillRect/>
+          </a:stretch>
+        </p:blipFill>
+        <p:spPr>
+          <a:xfrm>
+            <a:off x="1828794" y="742946"/>
+            <a:ext cx="5486411" cy="3657607"/>
+          </a:xfrm>
+          <a:prstGeom prst="rect">
+            <a:avLst/>
+          </a:prstGeom>
+        </p:spPr>
+      </p:pic>
+      <p:pic>
+        <p:nvPicPr>
+          <p:cNvPr id="26" name="I17"/>
+          <p:cNvPicPr>
+            <a:picLocks noChangeAspect="1"/>
+          </p:cNvPicPr>
+          <p:nvPr/>
+        </p:nvPicPr>
+        <p:blipFill>
+          <a:blip r:embed="rId19" cstate="print">
+            <a:extLst>
+              <a:ext uri="{28A0092B-C50C-407E-A947-70E740481C1C}">
+                <a14:useLocalDpi xmlns:a14="http://schemas.microsoft.com/office/drawing/2010/main" val="0"/>
+              </a:ext>
+            </a:extLst>
+          </a:blip>
+          <a:stretch>
+            <a:fillRect/>
+          </a:stretch>
+        </p:blipFill>
+        <p:spPr>
+          <a:xfrm>
+            <a:off x="1828794" y="742946"/>
+            <a:ext cx="5486411" cy="3657607"/>
+          </a:xfrm>
+          <a:prstGeom prst="rect">
+            <a:avLst/>
+          </a:prstGeom>
+        </p:spPr>
+      </p:pic>
+      <p:pic>
+        <p:nvPicPr>
+          <p:cNvPr id="27" name="I18"/>
+          <p:cNvPicPr>
+            <a:picLocks noChangeAspect="1"/>
+          </p:cNvPicPr>
+          <p:nvPr/>
+        </p:nvPicPr>
+        <p:blipFill>
+          <a:blip r:embed="rId20" cstate="print">
+            <a:extLst>
+              <a:ext uri="{28A0092B-C50C-407E-A947-70E740481C1C}">
+                <a14:useLocalDpi xmlns:a14="http://schemas.microsoft.com/office/drawing/2010/main" val="0"/>
+              </a:ext>
+            </a:extLst>
+          </a:blip>
+          <a:stretch>
+            <a:fillRect/>
+          </a:stretch>
+        </p:blipFill>
+        <p:spPr>
+          <a:xfrm>
+            <a:off x="1828794" y="742946"/>
+            <a:ext cx="5486411" cy="3657607"/>
+          </a:xfrm>
+          <a:prstGeom prst="rect">
+            <a:avLst/>
+          </a:prstGeom>
+        </p:spPr>
+      </p:pic>
+      <p:pic>
+        <p:nvPicPr>
+          <p:cNvPr id="28" name="I19"/>
+          <p:cNvPicPr>
+            <a:picLocks noChangeAspect="1"/>
+          </p:cNvPicPr>
+          <p:nvPr/>
+        </p:nvPicPr>
+        <p:blipFill>
+          <a:blip r:embed="rId21" cstate="print">
+            <a:extLst>
+              <a:ext uri="{28A0092B-C50C-407E-A947-70E740481C1C}">
+                <a14:useLocalDpi xmlns:a14="http://schemas.microsoft.com/office/drawing/2010/main" val="0"/>
+              </a:ext>
+            </a:extLst>
+          </a:blip>
+          <a:stretch>
+            <a:fillRect/>
+          </a:stretch>
+        </p:blipFill>
+        <p:spPr>
+          <a:xfrm>
+            <a:off x="1828794" y="742946"/>
+            <a:ext cx="5486411" cy="3657607"/>
+          </a:xfrm>
+          <a:prstGeom prst="rect">
+            <a:avLst/>
+          </a:prstGeom>
+        </p:spPr>
+      </p:pic>
+      <p:pic>
+        <p:nvPicPr>
+          <p:cNvPr id="8" name="I20"/>
+          <p:cNvPicPr>
+            <a:picLocks noChangeAspect="1"/>
+          </p:cNvPicPr>
+          <p:nvPr/>
+        </p:nvPicPr>
+        <p:blipFill>
+          <a:blip r:embed="rId22" cstate="print">
+            <a:extLst>
+              <a:ext uri="{28A0092B-C50C-407E-A947-70E740481C1C}">
+                <a14:useLocalDpi xmlns:a14="http://schemas.microsoft.com/office/drawing/2010/main" val="0"/>
+              </a:ext>
+            </a:extLst>
+          </a:blip>
+          <a:stretch>
+            <a:fillRect/>
+          </a:stretch>
+        </p:blipFill>
+        <p:spPr>
+          <a:xfrm>
+            <a:off x="1828794" y="741600"/>
+            <a:ext cx="5486411" cy="3657607"/>
+          </a:xfrm>
+          <a:prstGeom prst="rect">
+            <a:avLst/>
+          </a:prstGeom>
+        </p:spPr>
+      </p:pic>
+    </p:spTree>
+    <p:extLst>
+      <p:ext uri="{BB962C8B-B14F-4D97-AF65-F5344CB8AC3E}">
+        <p14:creationId xmlns:p14="http://schemas.microsoft.com/office/powerpoint/2010/main" val="3505386990"/>
+      </p:ext>
+    </p:extLst>
+  </p:cSld>
+  <p:clrMapOvr>
+    <a:masterClrMapping/>
+  </p:clrMapOvr>
+  <p:timing>
+    <p:tnLst>
+      <p:par>
+        <p:cTn id="1" dur="indefinite" restart="never" nodeType="tmRoot">
+          <p:childTnLst>
+            <p:seq concurrent="1" nextAc="seek">
+              <p:cTn id="2" dur="indefinite" nodeType="mainSeq">
+                <p:childTnLst>
+                  <p:par>
+                    <p:cTn id="3" fill="hold">
+                      <p:stCondLst>
+                        <p:cond delay="indefinite"/>
+                      </p:stCondLst>
+                      <p:childTnLst>
+                        <p:par>
+                          <p:cTn id="4" fill="hold">
+                            <p:stCondLst>
+                              <p:cond delay="0"/>
+                            </p:stCondLst>
+                            <p:childTnLst>
+                              <p:par>
+                                <p:cTn id="5" presetID="10" presetClass="entr" presetSubtype="0" fill="hold" nodeType="clickEffect">
+                                  <p:stCondLst>
+                                    <p:cond delay="0"/>
+                                  </p:stCondLst>
+                                  <p:childTnLst>
+                                    <p:set>
+                                      <p:cBhvr>
+                                        <p:cTn id="6" dur="1" fill="hold">
+                                          <p:stCondLst>
+                                            <p:cond delay="0"/>
+                                          </p:stCondLst>
+                                        </p:cTn>
+                                        <p:tgtEl>
+                                          <p:spTgt spid="10"/>
+                                        </p:tgtEl>
+                                        <p:attrNameLst>
+                                          <p:attrName>style.visibility</p:attrName>
+                                        </p:attrNameLst>
+                                      </p:cBhvr>
+                                      <p:to>
+                                        <p:strVal val="visible"/>
+                                      </p:to>
+                                    </p:set>
+                                    <p:animEffect transition="in" filter="fade">
+                                      <p:cBhvr>
+                                        <p:cTn id="7" dur="250"/>
+                                        <p:tgtEl>
+                                          <p:spTgt spid="10"/>
+                                        </p:tgtEl>
+                                      </p:cBhvr>
+                                    </p:animEffect>
+                                  </p:childTnLst>
+                                </p:cTn>
+                              </p:par>
+                            </p:childTnLst>
+                          </p:cTn>
+                        </p:par>
+                        <p:par>
+                          <p:cTn id="8" fill="hold">
+                            <p:stCondLst>
+                              <p:cond delay="250"/>
+                            </p:stCondLst>
+                            <p:childTnLst>
+                              <p:par>
+                                <p:cTn id="9" presetID="10" presetClass="entr" presetSubtype="0" fill="hold" nodeType="afterEffect">
+                                  <p:stCondLst>
+                                    <p:cond delay="1000"/>
+                                  </p:stCondLst>
+                                  <p:childTnLst>
+                                    <p:set>
+                                      <p:cBhvr>
+                                        <p:cTn id="10" dur="1" fill="hold">
+                                          <p:stCondLst>
+                                            <p:cond delay="0"/>
+                                          </p:stCondLst>
+                                        </p:cTn>
+                                        <p:tgtEl>
+                                          <p:spTgt spid="11"/>
+                                        </p:tgtEl>
+                                        <p:attrNameLst>
+                                          <p:attrName>style.visibility</p:attrName>
+                                        </p:attrNameLst>
+                                      </p:cBhvr>
+                                      <p:to>
+                                        <p:strVal val="visible"/>
+                                      </p:to>
+                                    </p:set>
+                                    <p:animEffect transition="in" filter="fade">
+                                      <p:cBhvr>
+                                        <p:cTn id="11" dur="250"/>
+                                        <p:tgtEl>
+                                          <p:spTgt spid="11"/>
+                                        </p:tgtEl>
+                                      </p:cBhvr>
+                                    </p:animEffect>
+                                  </p:childTnLst>
+                                </p:cTn>
+                              </p:par>
+                            </p:childTnLst>
+                          </p:cTn>
+                        </p:par>
+                        <p:par>
+                          <p:cTn id="12" fill="hold">
+                            <p:stCondLst>
+                              <p:cond delay="1500"/>
+                            </p:stCondLst>
+                            <p:childTnLst>
+                              <p:par>
+                                <p:cTn id="13" presetID="10" presetClass="entr" presetSubtype="0" fill="hold" nodeType="afterEffect">
+                                  <p:stCondLst>
+                                    <p:cond delay="1000"/>
+                                  </p:stCondLst>
+                                  <p:childTnLst>
+                                    <p:set>
+                                      <p:cBhvr>
+                                        <p:cTn id="14" dur="1" fill="hold">
+                                          <p:stCondLst>
+                                            <p:cond delay="0"/>
+                                          </p:stCondLst>
+                                        </p:cTn>
+                                        <p:tgtEl>
+                                          <p:spTgt spid="12"/>
+                                        </p:tgtEl>
+                                        <p:attrNameLst>
+                                          <p:attrName>style.visibility</p:attrName>
+                                        </p:attrNameLst>
+                                      </p:cBhvr>
+                                      <p:to>
+                                        <p:strVal val="visible"/>
+                                      </p:to>
+                                    </p:set>
+                                    <p:animEffect transition="in" filter="fade">
+                                      <p:cBhvr>
+                                        <p:cTn id="15" dur="250"/>
+                                        <p:tgtEl>
+                                          <p:spTgt spid="12"/>
+                                        </p:tgtEl>
+                                      </p:cBhvr>
+                                    </p:animEffect>
+                                  </p:childTnLst>
+                                </p:cTn>
+                              </p:par>
+                            </p:childTnLst>
+                          </p:cTn>
+                        </p:par>
+                        <p:par>
+                          <p:cTn id="16" fill="hold">
+                            <p:stCondLst>
+                              <p:cond delay="2750"/>
+                            </p:stCondLst>
+                            <p:childTnLst>
+                              <p:par>
+                                <p:cTn id="17" presetID="10" presetClass="entr" presetSubtype="0" fill="hold" nodeType="afterEffect">
+                                  <p:stCondLst>
+                                    <p:cond delay="1000"/>
+                                  </p:stCondLst>
+                                  <p:childTnLst>
+                                    <p:set>
+                                      <p:cBhvr>
+                                        <p:cTn id="18" dur="1" fill="hold">
+                                          <p:stCondLst>
+                                            <p:cond delay="0"/>
+                                          </p:stCondLst>
+                                        </p:cTn>
+                                        <p:tgtEl>
+                                          <p:spTgt spid="13"/>
+                                        </p:tgtEl>
+                                        <p:attrNameLst>
+                                          <p:attrName>style.visibility</p:attrName>
+                                        </p:attrNameLst>
+                                      </p:cBhvr>
+                                      <p:to>
+                                        <p:strVal val="visible"/>
+                                      </p:to>
+                                    </p:set>
+                                    <p:animEffect transition="in" filter="fade">
+                                      <p:cBhvr>
+                                        <p:cTn id="19" dur="250"/>
+                                        <p:tgtEl>
+                                          <p:spTgt spid="13"/>
+                                        </p:tgtEl>
+                                      </p:cBhvr>
+                                    </p:animEffect>
+                                  </p:childTnLst>
+                                </p:cTn>
+                              </p:par>
+                            </p:childTnLst>
+                          </p:cTn>
+                        </p:par>
+                        <p:par>
+                          <p:cTn id="20" fill="hold">
+                            <p:stCondLst>
+                              <p:cond delay="4000"/>
+                            </p:stCondLst>
+                            <p:childTnLst>
+                              <p:par>
+                                <p:cTn id="21" presetID="10" presetClass="entr" presetSubtype="0" fill="hold" nodeType="afterEffect">
+                                  <p:stCondLst>
+                                    <p:cond delay="1000"/>
+                                  </p:stCondLst>
+                                  <p:childTnLst>
+                                    <p:set>
+                                      <p:cBhvr>
+                                        <p:cTn id="22" dur="1" fill="hold">
+                                          <p:stCondLst>
+                                            <p:cond delay="0"/>
+                                          </p:stCondLst>
+                                        </p:cTn>
+                                        <p:tgtEl>
+                                          <p:spTgt spid="14"/>
+                                        </p:tgtEl>
+                                        <p:attrNameLst>
+                                          <p:attrName>style.visibility</p:attrName>
+                                        </p:attrNameLst>
+                                      </p:cBhvr>
+                                      <p:to>
+                                        <p:strVal val="visible"/>
+                                      </p:to>
+                                    </p:set>
+                                    <p:animEffect transition="in" filter="fade">
+                                      <p:cBhvr>
+                                        <p:cTn id="23" dur="250"/>
+                                        <p:tgtEl>
+                                          <p:spTgt spid="14"/>
+                                        </p:tgtEl>
+                                      </p:cBhvr>
+                                    </p:animEffect>
+                                  </p:childTnLst>
+                                </p:cTn>
+                              </p:par>
+                            </p:childTnLst>
+                          </p:cTn>
+                        </p:par>
+                        <p:par>
+                          <p:cTn id="24" fill="hold">
+                            <p:stCondLst>
+                              <p:cond delay="5250"/>
+                            </p:stCondLst>
+                            <p:childTnLst>
+                              <p:par>
+                                <p:cTn id="25" presetID="10" presetClass="entr" presetSubtype="0" fill="hold" nodeType="afterEffect">
+                                  <p:stCondLst>
+                                    <p:cond delay="1000"/>
+                                  </p:stCondLst>
+                                  <p:childTnLst>
+                                    <p:set>
+                                      <p:cBhvr>
+                                        <p:cTn id="26" dur="1" fill="hold">
+                                          <p:stCondLst>
+                                            <p:cond delay="0"/>
+                                          </p:stCondLst>
+                                        </p:cTn>
+                                        <p:tgtEl>
+                                          <p:spTgt spid="15"/>
+                                        </p:tgtEl>
+                                        <p:attrNameLst>
+                                          <p:attrName>style.visibility</p:attrName>
+                                        </p:attrNameLst>
+                                      </p:cBhvr>
+                                      <p:to>
+                                        <p:strVal val="visible"/>
+                                      </p:to>
+                                    </p:set>
+                                    <p:animEffect transition="in" filter="fade">
+                                      <p:cBhvr>
+                                        <p:cTn id="27" dur="250"/>
+                                        <p:tgtEl>
+                                          <p:spTgt spid="15"/>
+                                        </p:tgtEl>
+                                      </p:cBhvr>
+                                    </p:animEffect>
+                                  </p:childTnLst>
+                                </p:cTn>
+                              </p:par>
+                            </p:childTnLst>
+                          </p:cTn>
+                        </p:par>
+                        <p:par>
+                          <p:cTn id="28" fill="hold">
+                            <p:stCondLst>
+                              <p:cond delay="6500"/>
+                            </p:stCondLst>
+                            <p:childTnLst>
+                              <p:par>
+                                <p:cTn id="29" presetID="10" presetClass="entr" presetSubtype="0" fill="hold" nodeType="afterEffect">
+                                  <p:stCondLst>
+                                    <p:cond delay="1000"/>
+                                  </p:stCondLst>
+                                  <p:childTnLst>
+                                    <p:set>
+                                      <p:cBhvr>
+                                        <p:cTn id="30" dur="1" fill="hold">
+                                          <p:stCondLst>
+                                            <p:cond delay="0"/>
+                                          </p:stCondLst>
+                                        </p:cTn>
+                                        <p:tgtEl>
+                                          <p:spTgt spid="16"/>
+                                        </p:tgtEl>
+                                        <p:attrNameLst>
+                                          <p:attrName>style.visibility</p:attrName>
+                                        </p:attrNameLst>
+                                      </p:cBhvr>
+                                      <p:to>
+                                        <p:strVal val="visible"/>
+                                      </p:to>
+                                    </p:set>
+                                    <p:animEffect transition="in" filter="fade">
+                                      <p:cBhvr>
+                                        <p:cTn id="31" dur="250"/>
+                                        <p:tgtEl>
+                                          <p:spTgt spid="16"/>
+                                        </p:tgtEl>
+                                      </p:cBhvr>
+                                    </p:animEffect>
+                                  </p:childTnLst>
+                                </p:cTn>
+                              </p:par>
+                            </p:childTnLst>
+                          </p:cTn>
+                        </p:par>
+                        <p:par>
+                          <p:cTn id="32" fill="hold">
+                            <p:stCondLst>
+                              <p:cond delay="7750"/>
+                            </p:stCondLst>
+                            <p:childTnLst>
+                              <p:par>
+                                <p:cTn id="33" presetID="10" presetClass="entr" presetSubtype="0" fill="hold" nodeType="afterEffect">
+                                  <p:stCondLst>
+                                    <p:cond delay="1000"/>
+                                  </p:stCondLst>
+                                  <p:childTnLst>
+                                    <p:set>
+                                      <p:cBhvr>
+                                        <p:cTn id="34" dur="1" fill="hold">
+                                          <p:stCondLst>
+                                            <p:cond delay="0"/>
+                                          </p:stCondLst>
+                                        </p:cTn>
+                                        <p:tgtEl>
+                                          <p:spTgt spid="17"/>
+                                        </p:tgtEl>
+                                        <p:attrNameLst>
+                                          <p:attrName>style.visibility</p:attrName>
+                                        </p:attrNameLst>
+                                      </p:cBhvr>
+                                      <p:to>
+                                        <p:strVal val="visible"/>
+                                      </p:to>
+                                    </p:set>
+                                    <p:animEffect transition="in" filter="fade">
+                                      <p:cBhvr>
+                                        <p:cTn id="35" dur="250"/>
+                                        <p:tgtEl>
+                                          <p:spTgt spid="17"/>
+                                        </p:tgtEl>
+                                      </p:cBhvr>
+                                    </p:animEffect>
+                                  </p:childTnLst>
+                                </p:cTn>
+                              </p:par>
+                            </p:childTnLst>
+                          </p:cTn>
+                        </p:par>
+                        <p:par>
+                          <p:cTn id="36" fill="hold">
+                            <p:stCondLst>
+                              <p:cond delay="9000"/>
+                            </p:stCondLst>
+                            <p:childTnLst>
+                              <p:par>
+                                <p:cTn id="37" presetID="10" presetClass="entr" presetSubtype="0" fill="hold" nodeType="afterEffect">
+                                  <p:stCondLst>
+                                    <p:cond delay="1000"/>
+                                  </p:stCondLst>
+                                  <p:childTnLst>
+                                    <p:set>
+                                      <p:cBhvr>
+                                        <p:cTn id="38" dur="1" fill="hold">
+                                          <p:stCondLst>
+                                            <p:cond delay="0"/>
+                                          </p:stCondLst>
+                                        </p:cTn>
+                                        <p:tgtEl>
+                                          <p:spTgt spid="18"/>
+                                        </p:tgtEl>
+                                        <p:attrNameLst>
+                                          <p:attrName>style.visibility</p:attrName>
+                                        </p:attrNameLst>
+                                      </p:cBhvr>
+                                      <p:to>
+                                        <p:strVal val="visible"/>
+                                      </p:to>
+                                    </p:set>
+                                    <p:animEffect transition="in" filter="fade">
+                                      <p:cBhvr>
+                                        <p:cTn id="39" dur="250"/>
+                                        <p:tgtEl>
+                                          <p:spTgt spid="18"/>
+                                        </p:tgtEl>
+                                      </p:cBhvr>
+                                    </p:animEffect>
+                                  </p:childTnLst>
+                                </p:cTn>
+                              </p:par>
+                            </p:childTnLst>
+                          </p:cTn>
+                        </p:par>
+                        <p:par>
+                          <p:cTn id="40" fill="hold">
+                            <p:stCondLst>
+                              <p:cond delay="10250"/>
+                            </p:stCondLst>
+                            <p:childTnLst>
+                              <p:par>
+                                <p:cTn id="41" presetID="10" presetClass="entr" presetSubtype="0" fill="hold" nodeType="afterEffect">
+                                  <p:stCondLst>
+                                    <p:cond delay="1000"/>
+                                  </p:stCondLst>
+                                  <p:childTnLst>
+                                    <p:set>
+                                      <p:cBhvr>
+                                        <p:cTn id="42" dur="1" fill="hold">
+                                          <p:stCondLst>
+                                            <p:cond delay="0"/>
+                                          </p:stCondLst>
+                                        </p:cTn>
+                                        <p:tgtEl>
+                                          <p:spTgt spid="19"/>
+                                        </p:tgtEl>
+                                        <p:attrNameLst>
+                                          <p:attrName>style.visibility</p:attrName>
+                                        </p:attrNameLst>
+                                      </p:cBhvr>
+                                      <p:to>
+                                        <p:strVal val="visible"/>
+                                      </p:to>
+                                    </p:set>
+                                    <p:animEffect transition="in" filter="fade">
+                                      <p:cBhvr>
+                                        <p:cTn id="43" dur="250"/>
+                                        <p:tgtEl>
+                                          <p:spTgt spid="19"/>
+                                        </p:tgtEl>
+                                      </p:cBhvr>
+                                    </p:animEffect>
+                                  </p:childTnLst>
+                                </p:cTn>
+                              </p:par>
+                            </p:childTnLst>
+                          </p:cTn>
+                        </p:par>
+                        <p:par>
+                          <p:cTn id="44" fill="hold">
+                            <p:stCondLst>
+                              <p:cond delay="11500"/>
+                            </p:stCondLst>
+                            <p:childTnLst>
+                              <p:par>
+                                <p:cTn id="45" presetID="10" presetClass="entr" presetSubtype="0" fill="hold" nodeType="afterEffect">
+                                  <p:stCondLst>
+                                    <p:cond delay="1000"/>
+                                  </p:stCondLst>
+                                  <p:childTnLst>
+                                    <p:set>
+                                      <p:cBhvr>
+                                        <p:cTn id="46" dur="1" fill="hold">
+                                          <p:stCondLst>
+                                            <p:cond delay="0"/>
+                                          </p:stCondLst>
+                                        </p:cTn>
+                                        <p:tgtEl>
+                                          <p:spTgt spid="20"/>
+                                        </p:tgtEl>
+                                        <p:attrNameLst>
+                                          <p:attrName>style.visibility</p:attrName>
+                                        </p:attrNameLst>
+                                      </p:cBhvr>
+                                      <p:to>
+                                        <p:strVal val="visible"/>
+                                      </p:to>
+                                    </p:set>
+                                    <p:animEffect transition="in" filter="fade">
+                                      <p:cBhvr>
+                                        <p:cTn id="47" dur="250"/>
+                                        <p:tgtEl>
+                                          <p:spTgt spid="20"/>
+                                        </p:tgtEl>
+                                      </p:cBhvr>
+                                    </p:animEffect>
+                                  </p:childTnLst>
+                                </p:cTn>
+                              </p:par>
+                            </p:childTnLst>
+                          </p:cTn>
+                        </p:par>
+                        <p:par>
+                          <p:cTn id="48" fill="hold">
+                            <p:stCondLst>
+                              <p:cond delay="12750"/>
+                            </p:stCondLst>
+                            <p:childTnLst>
+                              <p:par>
+                                <p:cTn id="49" presetID="10" presetClass="entr" presetSubtype="0" fill="hold" nodeType="afterEffect">
+                                  <p:stCondLst>
+                                    <p:cond delay="1000"/>
+                                  </p:stCondLst>
+                                  <p:childTnLst>
+                                    <p:set>
+                                      <p:cBhvr>
+                                        <p:cTn id="50" dur="1" fill="hold">
+                                          <p:stCondLst>
+                                            <p:cond delay="0"/>
+                                          </p:stCondLst>
+                                        </p:cTn>
+                                        <p:tgtEl>
+                                          <p:spTgt spid="21"/>
+                                        </p:tgtEl>
+                                        <p:attrNameLst>
+                                          <p:attrName>style.visibility</p:attrName>
+                                        </p:attrNameLst>
+                                      </p:cBhvr>
+                                      <p:to>
+                                        <p:strVal val="visible"/>
+                                      </p:to>
+                                    </p:set>
+                                    <p:animEffect transition="in" filter="fade">
+                                      <p:cBhvr>
+                                        <p:cTn id="51" dur="250"/>
+                                        <p:tgtEl>
+                                          <p:spTgt spid="21"/>
+                                        </p:tgtEl>
+                                      </p:cBhvr>
+                                    </p:animEffect>
+                                  </p:childTnLst>
+                                </p:cTn>
+                              </p:par>
+                            </p:childTnLst>
+                          </p:cTn>
+                        </p:par>
+                        <p:par>
+                          <p:cTn id="52" fill="hold">
+                            <p:stCondLst>
+                              <p:cond delay="14000"/>
+                            </p:stCondLst>
+                            <p:childTnLst>
+                              <p:par>
+                                <p:cTn id="53" presetID="10" presetClass="entr" presetSubtype="0" fill="hold" nodeType="afterEffect">
+                                  <p:stCondLst>
+                                    <p:cond delay="1000"/>
+                                  </p:stCondLst>
+                                  <p:childTnLst>
+                                    <p:set>
+                                      <p:cBhvr>
+                                        <p:cTn id="54" dur="1" fill="hold">
+                                          <p:stCondLst>
+                                            <p:cond delay="0"/>
+                                          </p:stCondLst>
+                                        </p:cTn>
+                                        <p:tgtEl>
+                                          <p:spTgt spid="22"/>
+                                        </p:tgtEl>
+                                        <p:attrNameLst>
+                                          <p:attrName>style.visibility</p:attrName>
+                                        </p:attrNameLst>
+                                      </p:cBhvr>
+                                      <p:to>
+                                        <p:strVal val="visible"/>
+                                      </p:to>
+                                    </p:set>
+                                    <p:animEffect transition="in" filter="fade">
+                                      <p:cBhvr>
+                                        <p:cTn id="55" dur="250"/>
+                                        <p:tgtEl>
+                                          <p:spTgt spid="22"/>
+                                        </p:tgtEl>
+                                      </p:cBhvr>
+                                    </p:animEffect>
+                                  </p:childTnLst>
+                                </p:cTn>
+                              </p:par>
+                            </p:childTnLst>
+                          </p:cTn>
+                        </p:par>
+                        <p:par>
+                          <p:cTn id="56" fill="hold">
+                            <p:stCondLst>
+                              <p:cond delay="15250"/>
+                            </p:stCondLst>
+                            <p:childTnLst>
+                              <p:par>
+                                <p:cTn id="57" presetID="10" presetClass="entr" presetSubtype="0" fill="hold" nodeType="afterEffect">
+                                  <p:stCondLst>
+                                    <p:cond delay="1000"/>
+                                  </p:stCondLst>
+                                  <p:childTnLst>
+                                    <p:set>
+                                      <p:cBhvr>
+                                        <p:cTn id="58" dur="1" fill="hold">
+                                          <p:stCondLst>
+                                            <p:cond delay="0"/>
+                                          </p:stCondLst>
+                                        </p:cTn>
+                                        <p:tgtEl>
+                                          <p:spTgt spid="23"/>
+                                        </p:tgtEl>
+                                        <p:attrNameLst>
+                                          <p:attrName>style.visibility</p:attrName>
+                                        </p:attrNameLst>
+                                      </p:cBhvr>
+                                      <p:to>
+                                        <p:strVal val="visible"/>
+                                      </p:to>
+                                    </p:set>
+                                    <p:animEffect transition="in" filter="fade">
+                                      <p:cBhvr>
+                                        <p:cTn id="59" dur="250"/>
+                                        <p:tgtEl>
+                                          <p:spTgt spid="23"/>
+                                        </p:tgtEl>
+                                      </p:cBhvr>
+                                    </p:animEffect>
+                                  </p:childTnLst>
+                                </p:cTn>
+                              </p:par>
+                            </p:childTnLst>
+                          </p:cTn>
+                        </p:par>
+                        <p:par>
+                          <p:cTn id="60" fill="hold">
+                            <p:stCondLst>
+                              <p:cond delay="16500"/>
+                            </p:stCondLst>
+                            <p:childTnLst>
+                              <p:par>
+                                <p:cTn id="61" presetID="10" presetClass="entr" presetSubtype="0" fill="hold" nodeType="afterEffect">
+                                  <p:stCondLst>
+                                    <p:cond delay="1000"/>
+                                  </p:stCondLst>
+                                  <p:childTnLst>
+                                    <p:set>
+                                      <p:cBhvr>
+                                        <p:cTn id="62" dur="1" fill="hold">
+                                          <p:stCondLst>
+                                            <p:cond delay="0"/>
+                                          </p:stCondLst>
+                                        </p:cTn>
+                                        <p:tgtEl>
+                                          <p:spTgt spid="24"/>
+                                        </p:tgtEl>
+                                        <p:attrNameLst>
+                                          <p:attrName>style.visibility</p:attrName>
+                                        </p:attrNameLst>
+                                      </p:cBhvr>
+                                      <p:to>
+                                        <p:strVal val="visible"/>
+                                      </p:to>
+                                    </p:set>
+                                    <p:animEffect transition="in" filter="fade">
+                                      <p:cBhvr>
+                                        <p:cTn id="63" dur="250"/>
+                                        <p:tgtEl>
+                                          <p:spTgt spid="24"/>
+                                        </p:tgtEl>
+                                      </p:cBhvr>
+                                    </p:animEffect>
+                                  </p:childTnLst>
+                                </p:cTn>
+                              </p:par>
+                            </p:childTnLst>
+                          </p:cTn>
+                        </p:par>
+                        <p:par>
+                          <p:cTn id="64" fill="hold">
+                            <p:stCondLst>
+                              <p:cond delay="17750"/>
+                            </p:stCondLst>
+                            <p:childTnLst>
+                              <p:par>
+                                <p:cTn id="65" presetID="10" presetClass="entr" presetSubtype="0" fill="hold" nodeType="afterEffect">
+                                  <p:stCondLst>
+                                    <p:cond delay="1000"/>
+                                  </p:stCondLst>
+                                  <p:childTnLst>
+                                    <p:set>
+                                      <p:cBhvr>
+                                        <p:cTn id="66" dur="1" fill="hold">
+                                          <p:stCondLst>
+                                            <p:cond delay="0"/>
+                                          </p:stCondLst>
+                                        </p:cTn>
+                                        <p:tgtEl>
+                                          <p:spTgt spid="25"/>
+                                        </p:tgtEl>
+                                        <p:attrNameLst>
+                                          <p:attrName>style.visibility</p:attrName>
+                                        </p:attrNameLst>
+                                      </p:cBhvr>
+                                      <p:to>
+                                        <p:strVal val="visible"/>
+                                      </p:to>
+                                    </p:set>
+                                    <p:animEffect transition="in" filter="fade">
+                                      <p:cBhvr>
+                                        <p:cTn id="67" dur="250"/>
+                                        <p:tgtEl>
+                                          <p:spTgt spid="25"/>
+                                        </p:tgtEl>
+                                      </p:cBhvr>
+                                    </p:animEffect>
+                                  </p:childTnLst>
+                                </p:cTn>
+                              </p:par>
+                            </p:childTnLst>
+                          </p:cTn>
+                        </p:par>
+                        <p:par>
+                          <p:cTn id="68" fill="hold">
+                            <p:stCondLst>
+                              <p:cond delay="19000"/>
+                            </p:stCondLst>
+                            <p:childTnLst>
+                              <p:par>
+                                <p:cTn id="69" presetID="10" presetClass="entr" presetSubtype="0" fill="hold" nodeType="afterEffect">
+                                  <p:stCondLst>
+                                    <p:cond delay="1000"/>
+                                  </p:stCondLst>
+                                  <p:childTnLst>
+                                    <p:set>
+                                      <p:cBhvr>
+                                        <p:cTn id="70" dur="1" fill="hold">
+                                          <p:stCondLst>
+                                            <p:cond delay="0"/>
+                                          </p:stCondLst>
+                                        </p:cTn>
+                                        <p:tgtEl>
+                                          <p:spTgt spid="26"/>
+                                        </p:tgtEl>
+                                        <p:attrNameLst>
+                                          <p:attrName>style.visibility</p:attrName>
+                                        </p:attrNameLst>
+                                      </p:cBhvr>
+                                      <p:to>
+                                        <p:strVal val="visible"/>
+                                      </p:to>
+                                    </p:set>
+                                    <p:animEffect transition="in" filter="fade">
+                                      <p:cBhvr>
+                                        <p:cTn id="71" dur="250"/>
+                                        <p:tgtEl>
+                                          <p:spTgt spid="26"/>
+                                        </p:tgtEl>
+                                      </p:cBhvr>
+                                    </p:animEffect>
+                                  </p:childTnLst>
+                                </p:cTn>
+                              </p:par>
+                            </p:childTnLst>
+                          </p:cTn>
+                        </p:par>
+                        <p:par>
+                          <p:cTn id="72" fill="hold">
+                            <p:stCondLst>
+                              <p:cond delay="20250"/>
+                            </p:stCondLst>
+                            <p:childTnLst>
+                              <p:par>
+                                <p:cTn id="73" presetID="10" presetClass="entr" presetSubtype="0" fill="hold" nodeType="afterEffect">
+                                  <p:stCondLst>
+                                    <p:cond delay="1000"/>
+                                  </p:stCondLst>
+                                  <p:childTnLst>
+                                    <p:set>
+                                      <p:cBhvr>
+                                        <p:cTn id="74" dur="1" fill="hold">
+                                          <p:stCondLst>
+                                            <p:cond delay="0"/>
+                                          </p:stCondLst>
+                                        </p:cTn>
+                                        <p:tgtEl>
+                                          <p:spTgt spid="27"/>
+                                        </p:tgtEl>
+                                        <p:attrNameLst>
+                                          <p:attrName>style.visibility</p:attrName>
+                                        </p:attrNameLst>
+                                      </p:cBhvr>
+                                      <p:to>
+                                        <p:strVal val="visible"/>
+                                      </p:to>
+                                    </p:set>
+                                    <p:animEffect transition="in" filter="fade">
+                                      <p:cBhvr>
+                                        <p:cTn id="75" dur="250"/>
+                                        <p:tgtEl>
+                                          <p:spTgt spid="27"/>
+                                        </p:tgtEl>
+                                      </p:cBhvr>
+                                    </p:animEffect>
+                                  </p:childTnLst>
+                                </p:cTn>
+                              </p:par>
+                            </p:childTnLst>
+                          </p:cTn>
+                        </p:par>
+                        <p:par>
+                          <p:cTn id="76" fill="hold">
+                            <p:stCondLst>
+                              <p:cond delay="21500"/>
+                            </p:stCondLst>
+                            <p:childTnLst>
+                              <p:par>
+                                <p:cTn id="77" presetID="10" presetClass="entr" presetSubtype="0" fill="hold" nodeType="afterEffect">
+                                  <p:stCondLst>
+                                    <p:cond delay="1000"/>
+                                  </p:stCondLst>
+                                  <p:childTnLst>
+                                    <p:set>
+                                      <p:cBhvr>
+                                        <p:cTn id="78" dur="1" fill="hold">
+                                          <p:stCondLst>
+                                            <p:cond delay="0"/>
+                                          </p:stCondLst>
+                                        </p:cTn>
+                                        <p:tgtEl>
+                                          <p:spTgt spid="28"/>
+                                        </p:tgtEl>
+                                        <p:attrNameLst>
+                                          <p:attrName>style.visibility</p:attrName>
+                                        </p:attrNameLst>
+                                      </p:cBhvr>
+                                      <p:to>
+                                        <p:strVal val="visible"/>
+                                      </p:to>
+                                    </p:set>
+                                    <p:animEffect transition="in" filter="fade">
+                                      <p:cBhvr>
+                                        <p:cTn id="79" dur="250"/>
+                                        <p:tgtEl>
+                                          <p:spTgt spid="28"/>
+                                        </p:tgtEl>
+                                      </p:cBhvr>
+                                    </p:animEffect>
+                                  </p:childTnLst>
+                                </p:cTn>
+                              </p:par>
+                            </p:childTnLst>
+                          </p:cTn>
+                        </p:par>
+                        <p:par>
+                          <p:cTn id="80" fill="hold">
+                            <p:stCondLst>
+                              <p:cond delay="22750"/>
+                            </p:stCondLst>
+                            <p:childTnLst>
+                              <p:par>
+                                <p:cTn id="81" presetID="10" presetClass="entr" presetSubtype="0" fill="hold" nodeType="afterEffect">
+                                  <p:stCondLst>
+                                    <p:cond delay="1000"/>
+                                  </p:stCondLst>
+                                  <p:childTnLst>
+                                    <p:set>
+                                      <p:cBhvr>
+                                        <p:cTn id="82" dur="1" fill="hold">
+                                          <p:stCondLst>
+                                            <p:cond delay="0"/>
+                                          </p:stCondLst>
+                                        </p:cTn>
+                                        <p:tgtEl>
+                                          <p:spTgt spid="8"/>
+                                        </p:tgtEl>
+                                        <p:attrNameLst>
+                                          <p:attrName>style.visibility</p:attrName>
+                                        </p:attrNameLst>
+                                      </p:cBhvr>
+                                      <p:to>
+                                        <p:strVal val="visible"/>
+                                      </p:to>
+                                    </p:set>
+                                    <p:animEffect transition="in" filter="fade">
+                                      <p:cBhvr>
+                                        <p:cTn id="83" dur="250"/>
+                                        <p:tgtEl>
+                                          <p:spTgt spid="8"/>
+                                        </p:tgtEl>
+                                      </p:cBhvr>
+                                    </p:animEffect>
+                                  </p:childTnLst>
+                                </p:cTn>
+                              </p:par>
+                            </p:childTnLst>
+                          </p:cTn>
+                        </p:par>
+                      </p:childTnLst>
+                    </p:cTn>
+                  </p:par>
+                </p:childTnLst>
+              </p:cTn>
+              <p:prevCondLst>
+                <p:cond evt="onPrev" delay="0">
+                  <p:tgtEl>
+                    <p:sldTgt/>
+                  </p:tgtEl>
+                </p:cond>
+              </p:prevCondLst>
+              <p:nextCondLst>
+                <p:cond evt="onNext" delay="0">
+                  <p:tgtEl>
+                    <p:sldTgt/>
+                  </p:tgtEl>
+                </p:cond>
+              </p:nextCondLst>
+            </p:seq>
+          </p:childTnLst>
+        </p:cTn>
       </p:par>
     </p:tnLst>
   </p:timing>
@@ -6927,7 +8599,7 @@
           <a:p>
             <a:fld id="{296000BE-0612-4D88-A1AC-FF1287139C2E}" type="datetime1">
               <a:rPr lang="de-DE" smtClean="0"/>
-              <a:t>17.06.2015</a:t>
+              <a:t>18.06.2015</a:t>
             </a:fld>
             <a:endParaRPr lang="de-DE" dirty="0"/>
           </a:p>
@@ -7125,7 +8797,7 @@
           <a:p>
             <a:fld id="{D9A33BE7-191D-4D84-96A8-D32FBF7D1E60}" type="datetime1">
               <a:rPr lang="de-DE" smtClean="0"/>
-              <a:t>17.06.2015</a:t>
+              <a:t>18.06.2015</a:t>
             </a:fld>
             <a:endParaRPr lang="de-DE"/>
           </a:p>
@@ -8096,7 +9768,7 @@
             <a:fld id="{AC76AE4E-B847-44C0-9E80-FADAC514238D}" type="datetime1">
               <a:rPr lang="de-DE" smtClean="0"/>
               <a:pPr/>
-              <a:t>17.06.2015</a:t>
+              <a:t>18.06.2015</a:t>
             </a:fld>
             <a:endParaRPr lang="de-DE" dirty="0"/>
           </a:p>
@@ -8641,7 +10313,7 @@
           <a:p>
             <a:fld id="{296000BE-0612-4D88-A1AC-FF1287139C2E}" type="datetime1">
               <a:rPr lang="de-DE" smtClean="0"/>
-              <a:t>17.06.2015</a:t>
+              <a:t>18.06.2015</a:t>
             </a:fld>
             <a:endParaRPr lang="de-DE" dirty="0"/>
           </a:p>
@@ -8842,7 +10514,7 @@
           <a:p>
             <a:fld id="{296000BE-0612-4D88-A1AC-FF1287139C2E}" type="datetime1">
               <a:rPr lang="de-DE" smtClean="0"/>
-              <a:t>17.06.2015</a:t>
+              <a:t>18.06.2015</a:t>
             </a:fld>
             <a:endParaRPr lang="de-DE" dirty="0"/>
           </a:p>
@@ -8978,8 +10650,8 @@
           </a:prstGeom>
         </p:spPr>
       </p:pic>
-      <mc:AlternateContent xmlns:mc="http://schemas.openxmlformats.org/markup-compatibility/2006">
-        <mc:Choice xmlns:a14="http://schemas.microsoft.com/office/drawing/2010/main" Requires="a14">
+      <mc:AlternateContent xmlns:mc="http://schemas.openxmlformats.org/markup-compatibility/2006" xmlns:a14="http://schemas.microsoft.com/office/drawing/2010/main">
+        <mc:Choice Requires="a14">
           <p:sp>
             <p:nvSpPr>
               <p:cNvPr id="11" name="TextBox 10"/>
@@ -9002,6 +10674,7 @@
               </a:bodyPr>
               <a:lstStyle/>
               <a:p>
+                <a:pPr/>
                 <a14:m>
                   <m:oMathPara xmlns:m="http://schemas.openxmlformats.org/officeDocument/2006/math">
                     <m:oMathParaPr>
@@ -9064,7 +10737,7 @@
             </p:txBody>
           </p:sp>
         </mc:Choice>
-        <mc:Fallback>
+        <mc:Fallback xmlns="">
           <p:sp>
             <p:nvSpPr>
               <p:cNvPr id="11" name="TextBox 10"/>
@@ -9103,8 +10776,8 @@
           </p:sp>
         </mc:Fallback>
       </mc:AlternateContent>
-      <mc:AlternateContent xmlns:mc="http://schemas.openxmlformats.org/markup-compatibility/2006">
-        <mc:Choice xmlns:a14="http://schemas.microsoft.com/office/drawing/2010/main" Requires="a14">
+      <mc:AlternateContent xmlns:mc="http://schemas.openxmlformats.org/markup-compatibility/2006" xmlns:a14="http://schemas.microsoft.com/office/drawing/2010/main">
+        <mc:Choice Requires="a14">
           <p:sp>
             <p:nvSpPr>
               <p:cNvPr id="12" name="TextBox 11"/>
@@ -9127,6 +10800,7 @@
               </a:bodyPr>
               <a:lstStyle/>
               <a:p>
+                <a:pPr/>
                 <a14:m>
                   <m:oMathPara xmlns:m="http://schemas.openxmlformats.org/officeDocument/2006/math">
                     <m:oMathParaPr>
@@ -9273,7 +10947,7 @@
             </p:txBody>
           </p:sp>
         </mc:Choice>
-        <mc:Fallback>
+        <mc:Fallback xmlns="">
           <p:sp>
             <p:nvSpPr>
               <p:cNvPr id="12" name="TextBox 11"/>
@@ -9601,7 +11275,7 @@
           <a:p>
             <a:fld id="{296000BE-0612-4D88-A1AC-FF1287139C2E}" type="datetime1">
               <a:rPr lang="de-DE" smtClean="0"/>
-              <a:t>17.06.2015</a:t>
+              <a:t>18.06.2015</a:t>
             </a:fld>
             <a:endParaRPr lang="de-DE" dirty="0"/>
           </a:p>
@@ -9764,7 +11438,7 @@
           <a:p>
             <a:fld id="{296000BE-0612-4D88-A1AC-FF1287139C2E}" type="datetime1">
               <a:rPr lang="de-DE" smtClean="0"/>
-              <a:t>17.06.2015</a:t>
+              <a:t>18.06.2015</a:t>
             </a:fld>
             <a:endParaRPr lang="de-DE" dirty="0"/>
           </a:p>

--- a/Praesentation/FMSynthese-Markus.pptx
+++ b/Praesentation/FMSynthese-Markus.pptx
@@ -259,7 +259,7 @@
             <a:fld id="{364A5697-ABCF-455C-8519-931EFDD64AAA}" type="datetimeFigureOut">
               <a:rPr lang="de-DE" smtClean="0"/>
               <a:pPr/>
-              <a:t>20.06.2015</a:t>
+              <a:t>21.06.2015</a:t>
             </a:fld>
             <a:endParaRPr lang="de-DE"/>
           </a:p>
@@ -421,7 +421,7 @@
             <a:fld id="{B162E40F-E87F-4C0D-9DAF-92DD7B84B6D5}" type="slidenum">
               <a:rPr lang="de-DE" smtClean="0"/>
               <a:pPr/>
-              <a:t>‹#›</a:t>
+              <a:t>‹Nr.›</a:t>
             </a:fld>
             <a:endParaRPr lang="de-DE"/>
           </a:p>
@@ -850,7 +850,7 @@
           <a:p>
             <a:fld id="{118C39E7-DE90-41C1-AA3B-F993836B02BE}" type="datetime1">
               <a:rPr lang="de-DE" smtClean="0"/>
-              <a:t>20.06.2015</a:t>
+              <a:t>21.06.2015</a:t>
             </a:fld>
             <a:endParaRPr lang="de-DE"/>
           </a:p>
@@ -897,7 +897,7 @@
             <a:fld id="{6C6AE60A-B69C-4790-82F7-3882EDF23186}" type="slidenum">
               <a:rPr lang="de-DE" smtClean="0"/>
               <a:pPr/>
-              <a:t>‹#›</a:t>
+              <a:t>‹Nr.›</a:t>
             </a:fld>
             <a:endParaRPr lang="de-DE"/>
           </a:p>
@@ -1030,7 +1030,7 @@
           <a:p>
             <a:fld id="{B1B93457-8CBC-4CBC-AFA6-88355C5DAFDC}" type="datetime1">
               <a:rPr lang="de-DE" smtClean="0"/>
-              <a:t>20.06.2015</a:t>
+              <a:t>21.06.2015</a:t>
             </a:fld>
             <a:endParaRPr lang="de-DE"/>
           </a:p>
@@ -1077,7 +1077,7 @@
             <a:fld id="{6C6AE60A-B69C-4790-82F7-3882EDF23186}" type="slidenum">
               <a:rPr lang="de-DE" smtClean="0"/>
               <a:pPr/>
-              <a:t>‹#›</a:t>
+              <a:t>‹Nr.›</a:t>
             </a:fld>
             <a:endParaRPr lang="de-DE"/>
           </a:p>
@@ -1208,7 +1208,7 @@
           <a:p>
             <a:fld id="{296000BE-0612-4D88-A1AC-FF1287139C2E}" type="datetime1">
               <a:rPr lang="de-DE" smtClean="0"/>
-              <a:t>20.06.2015</a:t>
+              <a:t>21.06.2015</a:t>
             </a:fld>
             <a:endParaRPr lang="de-DE" dirty="0"/>
           </a:p>
@@ -1254,7 +1254,7 @@
           <a:p>
             <a:fld id="{8740CB20-F870-467D-84CE-AB32061190A1}" type="slidenum">
               <a:rPr lang="en-US" smtClean="0"/>
-              <a:t>‹#›</a:t>
+              <a:t>‹Nr.›</a:t>
             </a:fld>
             <a:r>
               <a:rPr lang="de-DE" smtClean="0"/>
@@ -1464,7 +1464,7 @@
           <a:p>
             <a:fld id="{C80D71F6-99A2-4718-B360-65885A8D0927}" type="datetime1">
               <a:rPr lang="de-DE" smtClean="0"/>
-              <a:t>20.06.2015</a:t>
+              <a:t>21.06.2015</a:t>
             </a:fld>
             <a:endParaRPr lang="de-DE"/>
           </a:p>
@@ -1511,7 +1511,7 @@
             <a:fld id="{6C6AE60A-B69C-4790-82F7-3882EDF23186}" type="slidenum">
               <a:rPr lang="de-DE" smtClean="0"/>
               <a:pPr/>
-              <a:t>‹#›</a:t>
+              <a:t>‹Nr.›</a:t>
             </a:fld>
             <a:endParaRPr lang="de-DE"/>
           </a:p>
@@ -1759,7 +1759,7 @@
           <a:p>
             <a:fld id="{29DA34F2-331A-4BAF-BC0B-E5952E369A92}" type="datetime1">
               <a:rPr lang="de-DE" smtClean="0"/>
-              <a:t>20.06.2015</a:t>
+              <a:t>21.06.2015</a:t>
             </a:fld>
             <a:endParaRPr lang="de-DE"/>
           </a:p>
@@ -1806,7 +1806,7 @@
             <a:fld id="{6C6AE60A-B69C-4790-82F7-3882EDF23186}" type="slidenum">
               <a:rPr lang="de-DE" smtClean="0"/>
               <a:pPr/>
-              <a:t>‹#›</a:t>
+              <a:t>‹Nr.›</a:t>
             </a:fld>
             <a:endParaRPr lang="de-DE"/>
           </a:p>
@@ -2188,7 +2188,7 @@
           <a:p>
             <a:fld id="{6E10866E-AA72-4753-8ABE-452D5C085871}" type="datetime1">
               <a:rPr lang="de-DE" smtClean="0"/>
-              <a:t>20.06.2015</a:t>
+              <a:t>21.06.2015</a:t>
             </a:fld>
             <a:endParaRPr lang="de-DE"/>
           </a:p>
@@ -2235,7 +2235,7 @@
             <a:fld id="{6C6AE60A-B69C-4790-82F7-3882EDF23186}" type="slidenum">
               <a:rPr lang="de-DE" smtClean="0"/>
               <a:pPr/>
-              <a:t>‹#›</a:t>
+              <a:t>‹Nr.›</a:t>
             </a:fld>
             <a:endParaRPr lang="de-DE"/>
           </a:p>
@@ -2313,7 +2313,7 @@
           <a:p>
             <a:fld id="{A782DF66-3609-46AF-9A5C-DF0EDD34A7DB}" type="datetime1">
               <a:rPr lang="de-DE" smtClean="0"/>
-              <a:t>20.06.2015</a:t>
+              <a:t>21.06.2015</a:t>
             </a:fld>
             <a:endParaRPr lang="de-DE"/>
           </a:p>
@@ -2360,7 +2360,7 @@
             <a:fld id="{6C6AE60A-B69C-4790-82F7-3882EDF23186}" type="slidenum">
               <a:rPr lang="de-DE" smtClean="0"/>
               <a:pPr/>
-              <a:t>‹#›</a:t>
+              <a:t>‹Nr.›</a:t>
             </a:fld>
             <a:endParaRPr lang="de-DE"/>
           </a:p>
@@ -2408,7 +2408,7 @@
           <a:p>
             <a:fld id="{D9A33BE7-191D-4D84-96A8-D32FBF7D1E60}" type="datetime1">
               <a:rPr lang="de-DE" smtClean="0"/>
-              <a:t>20.06.2015</a:t>
+              <a:t>21.06.2015</a:t>
             </a:fld>
             <a:endParaRPr lang="de-DE"/>
           </a:p>
@@ -2455,7 +2455,7 @@
             <a:fld id="{6C6AE60A-B69C-4790-82F7-3882EDF23186}" type="slidenum">
               <a:rPr lang="de-DE" smtClean="0"/>
               <a:pPr/>
-              <a:t>‹#›</a:t>
+              <a:t>‹Nr.›</a:t>
             </a:fld>
             <a:endParaRPr lang="de-DE"/>
           </a:p>
@@ -2685,7 +2685,7 @@
           <a:p>
             <a:fld id="{B525E46A-CAE0-47F8-9D57-934823E6F137}" type="datetime1">
               <a:rPr lang="de-DE" smtClean="0"/>
-              <a:t>20.06.2015</a:t>
+              <a:t>21.06.2015</a:t>
             </a:fld>
             <a:endParaRPr lang="de-DE"/>
           </a:p>
@@ -2732,7 +2732,7 @@
             <a:fld id="{6C6AE60A-B69C-4790-82F7-3882EDF23186}" type="slidenum">
               <a:rPr lang="de-DE" smtClean="0"/>
               <a:pPr/>
-              <a:t>‹#›</a:t>
+              <a:t>‹Nr.›</a:t>
             </a:fld>
             <a:endParaRPr lang="de-DE"/>
           </a:p>
@@ -2938,7 +2938,7 @@
           <a:p>
             <a:fld id="{A77F82AC-1FA4-4A3F-9E15-2C049775FF58}" type="datetime1">
               <a:rPr lang="de-DE" smtClean="0"/>
-              <a:t>20.06.2015</a:t>
+              <a:t>21.06.2015</a:t>
             </a:fld>
             <a:endParaRPr lang="de-DE"/>
           </a:p>
@@ -2985,7 +2985,7 @@
             <a:fld id="{6C6AE60A-B69C-4790-82F7-3882EDF23186}" type="slidenum">
               <a:rPr lang="de-DE" smtClean="0"/>
               <a:pPr/>
-              <a:t>‹#›</a:t>
+              <a:t>‹Nr.›</a:t>
             </a:fld>
             <a:endParaRPr lang="de-DE"/>
           </a:p>
@@ -3151,7 +3151,7 @@
           <a:p>
             <a:fld id="{296000BE-0612-4D88-A1AC-FF1287139C2E}" type="datetime1">
               <a:rPr lang="de-DE" smtClean="0"/>
-              <a:t>20.06.2015</a:t>
+              <a:t>21.06.2015</a:t>
             </a:fld>
             <a:endParaRPr lang="de-DE" dirty="0"/>
           </a:p>
@@ -3234,7 +3234,7 @@
             <a:fld id="{6C6AE60A-B69C-4790-82F7-3882EDF23186}" type="slidenum">
               <a:rPr lang="de-DE" smtClean="0"/>
               <a:pPr/>
-              <a:t>‹#›</a:t>
+              <a:t>‹Nr.›</a:t>
             </a:fld>
             <a:r>
               <a:rPr lang="de-DE" dirty="0" smtClean="0"/>
@@ -4196,7 +4196,7 @@
           <a:p>
             <a:fld id="{296000BE-0612-4D88-A1AC-FF1287139C2E}" type="datetime1">
               <a:rPr lang="de-DE" smtClean="0"/>
-              <a:t>20.06.2015</a:t>
+              <a:t>21.06.2015</a:t>
             </a:fld>
             <a:endParaRPr lang="de-DE" dirty="0"/>
           </a:p>
@@ -4673,7 +4673,7 @@
           <a:p>
             <a:fld id="{296000BE-0612-4D88-A1AC-FF1287139C2E}" type="datetime1">
               <a:rPr lang="de-DE" smtClean="0"/>
-              <a:t>20.06.2015</a:t>
+              <a:t>21.06.2015</a:t>
             </a:fld>
             <a:endParaRPr lang="de-DE" dirty="0"/>
           </a:p>
@@ -4916,7 +4916,7 @@
           <a:p>
             <a:fld id="{296000BE-0612-4D88-A1AC-FF1287139C2E}" type="datetime1">
               <a:rPr lang="de-DE" smtClean="0"/>
-              <a:t>20.06.2015</a:t>
+              <a:t>21.06.2015</a:t>
             </a:fld>
             <a:endParaRPr lang="de-DE" dirty="0"/>
           </a:p>
@@ -5461,7 +5461,7 @@
           <a:p>
             <a:fld id="{296000BE-0612-4D88-A1AC-FF1287139C2E}" type="datetime1">
               <a:rPr lang="de-DE" smtClean="0"/>
-              <a:t>20.06.2015</a:t>
+              <a:t>21.06.2015</a:t>
             </a:fld>
             <a:endParaRPr lang="de-DE" dirty="0"/>
           </a:p>
@@ -5879,7 +5879,7 @@
           <a:p>
             <a:fld id="{296000BE-0612-4D88-A1AC-FF1287139C2E}" type="datetime1">
               <a:rPr lang="de-DE" smtClean="0"/>
-              <a:t>20.06.2015</a:t>
+              <a:t>21.06.2015</a:t>
             </a:fld>
             <a:endParaRPr lang="de-DE" dirty="0"/>
           </a:p>
@@ -6080,7 +6080,7 @@
           <a:p>
             <a:fld id="{296000BE-0612-4D88-A1AC-FF1287139C2E}" type="datetime1">
               <a:rPr lang="de-DE" smtClean="0"/>
-              <a:t>20.06.2015</a:t>
+              <a:t>21.06.2015</a:t>
             </a:fld>
             <a:endParaRPr lang="de-DE" dirty="0"/>
           </a:p>
@@ -6484,7 +6484,7 @@
           <a:p>
             <a:fld id="{296000BE-0612-4D88-A1AC-FF1287139C2E}" type="datetime1">
               <a:rPr lang="de-DE" smtClean="0"/>
-              <a:t>20.06.2015</a:t>
+              <a:t>21.06.2015</a:t>
             </a:fld>
             <a:endParaRPr lang="de-DE" dirty="0"/>
           </a:p>
@@ -7060,7 +7060,7 @@
           <a:p>
             <a:fld id="{296000BE-0612-4D88-A1AC-FF1287139C2E}" type="datetime1">
               <a:rPr lang="de-DE" smtClean="0"/>
-              <a:t>20.06.2015</a:t>
+              <a:t>21.06.2015</a:t>
             </a:fld>
             <a:endParaRPr lang="de-DE" dirty="0"/>
           </a:p>
@@ -7324,7 +7324,7 @@
           <a:p>
             <a:fld id="{296000BE-0612-4D88-A1AC-FF1287139C2E}" type="datetime1">
               <a:rPr lang="de-DE" smtClean="0"/>
-              <a:t>20.06.2015</a:t>
+              <a:t>21.06.2015</a:t>
             </a:fld>
             <a:endParaRPr lang="de-DE" dirty="0"/>
           </a:p>
@@ -7476,7 +7476,7 @@
           <a:p>
             <a:fld id="{A782DF66-3609-46AF-9A5C-DF0EDD34A7DB}" type="datetime1">
               <a:rPr lang="de-DE" smtClean="0"/>
-              <a:t>20.06.2015</a:t>
+              <a:t>21.06.2015</a:t>
             </a:fld>
             <a:endParaRPr lang="de-DE"/>
           </a:p>
@@ -7653,7 +7653,7 @@
           <a:p>
             <a:fld id="{ADBF581A-36B1-4C7D-8A13-2529E78B81D4}" type="datetime1">
               <a:rPr lang="de-DE" smtClean="0"/>
-              <a:t>20.06.2015</a:t>
+              <a:t>21.06.2015</a:t>
             </a:fld>
             <a:endParaRPr lang="de-DE"/>
           </a:p>
@@ -7825,7 +7825,7 @@
           <a:p>
             <a:fld id="{C80D71F6-99A2-4718-B360-65885A8D0927}" type="datetime1">
               <a:rPr lang="de-DE" smtClean="0"/>
-              <a:t>20.06.2015</a:t>
+              <a:t>21.06.2015</a:t>
             </a:fld>
             <a:endParaRPr lang="de-DE"/>
           </a:p>
@@ -7954,7 +7954,7 @@
           <a:p>
             <a:fld id="{296000BE-0612-4D88-A1AC-FF1287139C2E}" type="datetime1">
               <a:rPr lang="de-DE" smtClean="0"/>
-              <a:t>20.06.2015</a:t>
+              <a:t>21.06.2015</a:t>
             </a:fld>
             <a:endParaRPr lang="de-DE" dirty="0"/>
           </a:p>
@@ -8121,7 +8121,7 @@
           <a:p>
             <a:fld id="{296000BE-0612-4D88-A1AC-FF1287139C2E}" type="datetime1">
               <a:rPr lang="de-DE" smtClean="0"/>
-              <a:t>20.06.2015</a:t>
+              <a:t>21.06.2015</a:t>
             </a:fld>
             <a:endParaRPr lang="de-DE" dirty="0"/>
           </a:p>
@@ -8415,12 +8415,12 @@
           <a:lstStyle/>
           <a:p>
             <a:r>
-              <a:rPr lang="de-DE" dirty="0" err="1" smtClean="0">
+              <a:rPr lang="de-DE" smtClean="0">
                 <a:solidFill>
                   <a:srgbClr val="FF0000"/>
                 </a:solidFill>
               </a:rPr>
-              <a:t>Unterschwinungen</a:t>
+              <a:t>Unterschwingungen</a:t>
             </a:r>
             <a:endParaRPr lang="de-DE" dirty="0">
               <a:solidFill>
@@ -8939,7 +8939,7 @@
           <a:p>
             <a:fld id="{296000BE-0612-4D88-A1AC-FF1287139C2E}" type="datetime1">
               <a:rPr lang="de-DE" smtClean="0"/>
-              <a:t>20.06.2015</a:t>
+              <a:t>21.06.2015</a:t>
             </a:fld>
             <a:endParaRPr lang="de-DE" dirty="0"/>
           </a:p>
@@ -9369,7 +9369,7 @@
           <a:p>
             <a:fld id="{296000BE-0612-4D88-A1AC-FF1287139C2E}" type="datetime1">
               <a:rPr lang="de-DE" smtClean="0"/>
-              <a:t>20.06.2015</a:t>
+              <a:t>21.06.2015</a:t>
             </a:fld>
             <a:endParaRPr lang="de-DE" dirty="0"/>
           </a:p>
@@ -9544,7 +9544,7 @@
           <a:p>
             <a:fld id="{296000BE-0612-4D88-A1AC-FF1287139C2E}" type="datetime1">
               <a:rPr lang="de-DE" smtClean="0"/>
-              <a:t>20.06.2015</a:t>
+              <a:t>21.06.2015</a:t>
             </a:fld>
             <a:endParaRPr lang="de-DE" dirty="0"/>
           </a:p>
@@ -9735,7 +9735,7 @@
           <a:p>
             <a:fld id="{296000BE-0612-4D88-A1AC-FF1287139C2E}" type="datetime1">
               <a:rPr lang="de-DE" smtClean="0"/>
-              <a:t>20.06.2015</a:t>
+              <a:t>21.06.2015</a:t>
             </a:fld>
             <a:endParaRPr lang="de-DE" dirty="0"/>
           </a:p>
@@ -9864,7 +9864,7 @@
           <a:p>
             <a:fld id="{296000BE-0612-4D88-A1AC-FF1287139C2E}" type="datetime1">
               <a:rPr lang="de-DE" smtClean="0"/>
-              <a:t>20.06.2015</a:t>
+              <a:t>21.06.2015</a:t>
             </a:fld>
             <a:endParaRPr lang="de-DE" dirty="0"/>
           </a:p>
@@ -11539,7 +11539,7 @@
           <a:p>
             <a:fld id="{A782DF66-3609-46AF-9A5C-DF0EDD34A7DB}" type="datetime1">
               <a:rPr lang="de-DE" smtClean="0"/>
-              <a:t>20.06.2015</a:t>
+              <a:t>21.06.2015</a:t>
             </a:fld>
             <a:endParaRPr lang="de-DE"/>
           </a:p>
@@ -12030,7 +12030,7 @@
           <a:p>
             <a:fld id="{A782DF66-3609-46AF-9A5C-DF0EDD34A7DB}" type="datetime1">
               <a:rPr lang="de-DE" smtClean="0"/>
-              <a:t>20.06.2015</a:t>
+              <a:t>21.06.2015</a:t>
             </a:fld>
             <a:endParaRPr lang="de-DE"/>
           </a:p>
@@ -12243,7 +12243,7 @@
           <a:p>
             <a:fld id="{D9A33BE7-191D-4D84-96A8-D32FBF7D1E60}" type="datetime1">
               <a:rPr lang="de-DE" smtClean="0"/>
-              <a:t>20.06.2015</a:t>
+              <a:t>21.06.2015</a:t>
             </a:fld>
             <a:endParaRPr lang="de-DE"/>
           </a:p>
@@ -13135,7 +13135,7 @@
           <a:p>
             <a:fld id="{A782DF66-3609-46AF-9A5C-DF0EDD34A7DB}" type="datetime1">
               <a:rPr lang="de-DE" smtClean="0"/>
-              <a:t>20.06.2015</a:t>
+              <a:t>21.06.2015</a:t>
             </a:fld>
             <a:endParaRPr lang="de-DE"/>
           </a:p>
@@ -13295,7 +13295,7 @@
           <a:p>
             <a:fld id="{A782DF66-3609-46AF-9A5C-DF0EDD34A7DB}" type="datetime1">
               <a:rPr lang="de-DE" smtClean="0"/>
-              <a:t>20.06.2015</a:t>
+              <a:t>21.06.2015</a:t>
             </a:fld>
             <a:endParaRPr lang="de-DE"/>
           </a:p>
@@ -13455,7 +13455,7 @@
           <a:p>
             <a:fld id="{A782DF66-3609-46AF-9A5C-DF0EDD34A7DB}" type="datetime1">
               <a:rPr lang="de-DE" smtClean="0"/>
-              <a:t>20.06.2015</a:t>
+              <a:t>21.06.2015</a:t>
             </a:fld>
             <a:endParaRPr lang="de-DE"/>
           </a:p>
@@ -13653,7 +13653,7 @@
           <a:p>
             <a:fld id="{A782DF66-3609-46AF-9A5C-DF0EDD34A7DB}" type="datetime1">
               <a:rPr lang="de-DE" smtClean="0"/>
-              <a:t>20.06.2015</a:t>
+              <a:t>21.06.2015</a:t>
             </a:fld>
             <a:endParaRPr lang="de-DE"/>
           </a:p>
@@ -13819,7 +13819,7 @@
           <a:p>
             <a:fld id="{A782DF66-3609-46AF-9A5C-DF0EDD34A7DB}" type="datetime1">
               <a:rPr lang="de-DE" smtClean="0"/>
-              <a:t>20.06.2015</a:t>
+              <a:t>21.06.2015</a:t>
             </a:fld>
             <a:endParaRPr lang="de-DE"/>
           </a:p>
@@ -13991,7 +13991,7 @@
           <a:p>
             <a:fld id="{A782DF66-3609-46AF-9A5C-DF0EDD34A7DB}" type="datetime1">
               <a:rPr lang="de-DE" smtClean="0"/>
-              <a:t>20.06.2015</a:t>
+              <a:t>21.06.2015</a:t>
             </a:fld>
             <a:endParaRPr lang="de-DE"/>
           </a:p>
@@ -14155,7 +14155,7 @@
           <a:p>
             <a:fld id="{A782DF66-3609-46AF-9A5C-DF0EDD34A7DB}" type="datetime1">
               <a:rPr lang="de-DE" smtClean="0"/>
-              <a:t>20.06.2015</a:t>
+              <a:t>21.06.2015</a:t>
             </a:fld>
             <a:endParaRPr lang="de-DE"/>
           </a:p>
@@ -14316,7 +14316,7 @@
           <a:p>
             <a:fld id="{A782DF66-3609-46AF-9A5C-DF0EDD34A7DB}" type="datetime1">
               <a:rPr lang="de-DE" smtClean="0"/>
-              <a:t>20.06.2015</a:t>
+              <a:t>21.06.2015</a:t>
             </a:fld>
             <a:endParaRPr lang="de-DE"/>
           </a:p>
@@ -14465,7 +14465,7 @@
           <a:p>
             <a:fld id="{296000BE-0612-4D88-A1AC-FF1287139C2E}" type="datetime1">
               <a:rPr lang="de-DE" smtClean="0"/>
-              <a:t>20.06.2015</a:t>
+              <a:t>21.06.2015</a:t>
             </a:fld>
             <a:endParaRPr lang="de-DE" dirty="0"/>
           </a:p>
@@ -14691,7 +14691,7 @@
             <a:fld id="{AC76AE4E-B847-44C0-9E80-FADAC514238D}" type="datetime1">
               <a:rPr lang="de-DE" smtClean="0"/>
               <a:pPr/>
-              <a:t>20.06.2015</a:t>
+              <a:t>21.06.2015</a:t>
             </a:fld>
             <a:endParaRPr lang="de-DE" dirty="0"/>
           </a:p>
@@ -15302,7 +15302,7 @@
           <a:p>
             <a:fld id="{296000BE-0612-4D88-A1AC-FF1287139C2E}" type="datetime1">
               <a:rPr lang="de-DE" smtClean="0"/>
-              <a:t>20.06.2015</a:t>
+              <a:t>21.06.2015</a:t>
             </a:fld>
             <a:endParaRPr lang="de-DE" dirty="0"/>
           </a:p>
@@ -15842,7 +15842,7 @@
           <a:p>
             <a:fld id="{296000BE-0612-4D88-A1AC-FF1287139C2E}" type="datetime1">
               <a:rPr lang="de-DE" smtClean="0"/>
-              <a:t>20.06.2015</a:t>
+              <a:t>21.06.2015</a:t>
             </a:fld>
             <a:endParaRPr lang="de-DE" dirty="0"/>
           </a:p>
@@ -17191,7 +17191,7 @@
           <a:p>
             <a:fld id="{296000BE-0612-4D88-A1AC-FF1287139C2E}" type="datetime1">
               <a:rPr lang="de-DE" smtClean="0"/>
-              <a:t>20.06.2015</a:t>
+              <a:t>21.06.2015</a:t>
             </a:fld>
             <a:endParaRPr lang="de-DE" dirty="0"/>
           </a:p>
@@ -17495,7 +17495,7 @@
           <a:p>
             <a:fld id="{296000BE-0612-4D88-A1AC-FF1287139C2E}" type="datetime1">
               <a:rPr lang="de-DE" smtClean="0"/>
-              <a:t>20.06.2015</a:t>
+              <a:t>21.06.2015</a:t>
             </a:fld>
             <a:endParaRPr lang="de-DE" dirty="0"/>
           </a:p>

--- a/Praesentation/FMSynthese-Markus.pptx
+++ b/Praesentation/FMSynthese-Markus.pptx
@@ -5,7 +5,7 @@
     <p:sldMasterId id="2147483648" r:id="rId1"/>
   </p:sldMasterIdLst>
   <p:notesMasterIdLst>
-    <p:notesMasterId r:id="rId39"/>
+    <p:notesMasterId r:id="rId44"/>
   </p:notesMasterIdLst>
   <p:sldIdLst>
     <p:sldId id="259" r:id="rId2"/>
@@ -39,12 +39,17 @@
     <p:sldId id="292" r:id="rId30"/>
     <p:sldId id="293" r:id="rId31"/>
     <p:sldId id="294" r:id="rId32"/>
-    <p:sldId id="297" r:id="rId33"/>
-    <p:sldId id="298" r:id="rId34"/>
+    <p:sldId id="309" r:id="rId33"/>
+    <p:sldId id="310" r:id="rId34"/>
     <p:sldId id="299" r:id="rId35"/>
     <p:sldId id="300" r:id="rId36"/>
     <p:sldId id="301" r:id="rId37"/>
     <p:sldId id="302" r:id="rId38"/>
+    <p:sldId id="308" r:id="rId39"/>
+    <p:sldId id="303" r:id="rId40"/>
+    <p:sldId id="305" r:id="rId41"/>
+    <p:sldId id="306" r:id="rId42"/>
+    <p:sldId id="307" r:id="rId43"/>
   </p:sldIdLst>
   <p:sldSz cx="9144000" cy="5143500" type="screen16x9"/>
   <p:notesSz cx="6858000" cy="9144000"/>
@@ -259,7 +264,7 @@
             <a:fld id="{364A5697-ABCF-455C-8519-931EFDD64AAA}" type="datetimeFigureOut">
               <a:rPr lang="de-DE" smtClean="0"/>
               <a:pPr/>
-              <a:t>20.06.2015</a:t>
+              <a:t>21.06.2015</a:t>
             </a:fld>
             <a:endParaRPr lang="de-DE"/>
           </a:p>
@@ -850,7 +855,7 @@
           <a:p>
             <a:fld id="{118C39E7-DE90-41C1-AA3B-F993836B02BE}" type="datetime1">
               <a:rPr lang="de-DE" smtClean="0"/>
-              <a:t>20.06.2015</a:t>
+              <a:t>21.06.2015</a:t>
             </a:fld>
             <a:endParaRPr lang="de-DE"/>
           </a:p>
@@ -1030,7 +1035,7 @@
           <a:p>
             <a:fld id="{B1B93457-8CBC-4CBC-AFA6-88355C5DAFDC}" type="datetime1">
               <a:rPr lang="de-DE" smtClean="0"/>
-              <a:t>20.06.2015</a:t>
+              <a:t>21.06.2015</a:t>
             </a:fld>
             <a:endParaRPr lang="de-DE"/>
           </a:p>
@@ -1208,7 +1213,7 @@
           <a:p>
             <a:fld id="{296000BE-0612-4D88-A1AC-FF1287139C2E}" type="datetime1">
               <a:rPr lang="de-DE" smtClean="0"/>
-              <a:t>20.06.2015</a:t>
+              <a:t>21.06.2015</a:t>
             </a:fld>
             <a:endParaRPr lang="de-DE" dirty="0"/>
           </a:p>
@@ -1296,6 +1301,38 @@
           <a:chExt cx="0" cy="0"/>
         </a:xfrm>
       </p:grpSpPr>
+      <p:pic>
+        <p:nvPicPr>
+          <p:cNvPr id="7" name="Grafik 12"/>
+          <p:cNvPicPr>
+            <a:picLocks noChangeAspect="1"/>
+          </p:cNvPicPr>
+          <p:nvPr userDrawn="1"/>
+        </p:nvPicPr>
+        <p:blipFill rotWithShape="1">
+          <a:blip r:embed="rId2" cstate="print">
+            <a:extLst>
+              <a:ext uri="{28A0092B-C50C-407E-A947-70E740481C1C}">
+                <a14:useLocalDpi xmlns:a14="http://schemas.microsoft.com/office/drawing/2010/main" val="0"/>
+              </a:ext>
+            </a:extLst>
+          </a:blip>
+          <a:srcRect r="33768"/>
+          <a:stretch/>
+        </p:blipFill>
+        <p:spPr>
+          <a:xfrm>
+            <a:off x="0" y="4155926"/>
+            <a:ext cx="9180512" cy="918071"/>
+          </a:xfrm>
+          <a:prstGeom prst="rect">
+            <a:avLst/>
+          </a:prstGeom>
+          <a:solidFill>
+            <a:schemeClr val="bg1"/>
+          </a:solidFill>
+        </p:spPr>
+      </p:pic>
       <p:sp>
         <p:nvSpPr>
           <p:cNvPr id="2" name="Titel 1"/>
@@ -1464,7 +1501,7 @@
           <a:p>
             <a:fld id="{C80D71F6-99A2-4718-B360-65885A8D0927}" type="datetime1">
               <a:rPr lang="de-DE" smtClean="0"/>
-              <a:t>20.06.2015</a:t>
+              <a:t>21.06.2015</a:t>
             </a:fld>
             <a:endParaRPr lang="de-DE"/>
           </a:p>
@@ -1759,7 +1796,7 @@
           <a:p>
             <a:fld id="{29DA34F2-331A-4BAF-BC0B-E5952E369A92}" type="datetime1">
               <a:rPr lang="de-DE" smtClean="0"/>
-              <a:t>20.06.2015</a:t>
+              <a:t>21.06.2015</a:t>
             </a:fld>
             <a:endParaRPr lang="de-DE"/>
           </a:p>
@@ -2188,7 +2225,7 @@
           <a:p>
             <a:fld id="{6E10866E-AA72-4753-8ABE-452D5C085871}" type="datetime1">
               <a:rPr lang="de-DE" smtClean="0"/>
-              <a:t>20.06.2015</a:t>
+              <a:t>21.06.2015</a:t>
             </a:fld>
             <a:endParaRPr lang="de-DE"/>
           </a:p>
@@ -2313,7 +2350,7 @@
           <a:p>
             <a:fld id="{A782DF66-3609-46AF-9A5C-DF0EDD34A7DB}" type="datetime1">
               <a:rPr lang="de-DE" smtClean="0"/>
-              <a:t>20.06.2015</a:t>
+              <a:t>21.06.2015</a:t>
             </a:fld>
             <a:endParaRPr lang="de-DE"/>
           </a:p>
@@ -2408,7 +2445,7 @@
           <a:p>
             <a:fld id="{D9A33BE7-191D-4D84-96A8-D32FBF7D1E60}" type="datetime1">
               <a:rPr lang="de-DE" smtClean="0"/>
-              <a:t>20.06.2015</a:t>
+              <a:t>21.06.2015</a:t>
             </a:fld>
             <a:endParaRPr lang="de-DE"/>
           </a:p>
@@ -2685,7 +2722,7 @@
           <a:p>
             <a:fld id="{B525E46A-CAE0-47F8-9D57-934823E6F137}" type="datetime1">
               <a:rPr lang="de-DE" smtClean="0"/>
-              <a:t>20.06.2015</a:t>
+              <a:t>21.06.2015</a:t>
             </a:fld>
             <a:endParaRPr lang="de-DE"/>
           </a:p>
@@ -2938,7 +2975,7 @@
           <a:p>
             <a:fld id="{A77F82AC-1FA4-4A3F-9E15-2C049775FF58}" type="datetime1">
               <a:rPr lang="de-DE" smtClean="0"/>
-              <a:t>20.06.2015</a:t>
+              <a:t>21.06.2015</a:t>
             </a:fld>
             <a:endParaRPr lang="de-DE"/>
           </a:p>
@@ -3151,7 +3188,7 @@
           <a:p>
             <a:fld id="{296000BE-0612-4D88-A1AC-FF1287139C2E}" type="datetime1">
               <a:rPr lang="de-DE" smtClean="0"/>
-              <a:t>20.06.2015</a:t>
+              <a:t>21.06.2015</a:t>
             </a:fld>
             <a:endParaRPr lang="de-DE" dirty="0"/>
           </a:p>
@@ -4196,7 +4233,7 @@
           <a:p>
             <a:fld id="{296000BE-0612-4D88-A1AC-FF1287139C2E}" type="datetime1">
               <a:rPr lang="de-DE" smtClean="0"/>
-              <a:t>20.06.2015</a:t>
+              <a:t>21.06.2015</a:t>
             </a:fld>
             <a:endParaRPr lang="de-DE" dirty="0"/>
           </a:p>
@@ -4673,7 +4710,7 @@
           <a:p>
             <a:fld id="{296000BE-0612-4D88-A1AC-FF1287139C2E}" type="datetime1">
               <a:rPr lang="de-DE" smtClean="0"/>
-              <a:t>20.06.2015</a:t>
+              <a:t>21.06.2015</a:t>
             </a:fld>
             <a:endParaRPr lang="de-DE" dirty="0"/>
           </a:p>
@@ -4916,7 +4953,7 @@
           <a:p>
             <a:fld id="{296000BE-0612-4D88-A1AC-FF1287139C2E}" type="datetime1">
               <a:rPr lang="de-DE" smtClean="0"/>
-              <a:t>20.06.2015</a:t>
+              <a:t>21.06.2015</a:t>
             </a:fld>
             <a:endParaRPr lang="de-DE" dirty="0"/>
           </a:p>
@@ -5461,7 +5498,7 @@
           <a:p>
             <a:fld id="{296000BE-0612-4D88-A1AC-FF1287139C2E}" type="datetime1">
               <a:rPr lang="de-DE" smtClean="0"/>
-              <a:t>20.06.2015</a:t>
+              <a:t>21.06.2015</a:t>
             </a:fld>
             <a:endParaRPr lang="de-DE" dirty="0"/>
           </a:p>
@@ -5879,7 +5916,7 @@
           <a:p>
             <a:fld id="{296000BE-0612-4D88-A1AC-FF1287139C2E}" type="datetime1">
               <a:rPr lang="de-DE" smtClean="0"/>
-              <a:t>20.06.2015</a:t>
+              <a:t>21.06.2015</a:t>
             </a:fld>
             <a:endParaRPr lang="de-DE" dirty="0"/>
           </a:p>
@@ -5961,7 +5998,7 @@
         </p:blipFill>
         <p:spPr>
           <a:xfrm>
-            <a:off x="1855453" y="2715766"/>
+            <a:off x="2534910" y="2857498"/>
             <a:ext cx="5217346" cy="783809"/>
           </a:xfrm>
           <a:prstGeom prst="rect">
@@ -5995,7 +6032,7 @@
         </p:blipFill>
         <p:spPr>
           <a:xfrm>
-            <a:off x="1861920" y="1995686"/>
+            <a:off x="2541377" y="1818968"/>
             <a:ext cx="5073535" cy="321390"/>
           </a:xfrm>
           <a:prstGeom prst="rect">
@@ -6003,6 +6040,160 @@
           </a:prstGeom>
         </p:spPr>
       </p:pic>
+      <p:sp>
+        <p:nvSpPr>
+          <p:cNvPr id="3" name="TextBox 2"/>
+          <p:cNvSpPr txBox="1"/>
+          <p:nvPr/>
+        </p:nvSpPr>
+        <p:spPr>
+          <a:xfrm>
+            <a:off x="1439615" y="3018568"/>
+            <a:ext cx="720069" cy="461665"/>
+          </a:xfrm>
+          <a:prstGeom prst="rect">
+            <a:avLst/>
+          </a:prstGeom>
+          <a:noFill/>
+        </p:spPr>
+        <p:txBody>
+          <a:bodyPr wrap="none" rtlCol="0">
+            <a:spAutoFit/>
+          </a:bodyPr>
+          <a:lstStyle/>
+          <a:p>
+            <a:r>
+              <a:rPr lang="de-DE" sz="2400" dirty="0" smtClean="0"/>
+              <a:t>FM:</a:t>
+            </a:r>
+            <a:endParaRPr lang="de-DE" sz="2400" dirty="0"/>
+          </a:p>
+        </p:txBody>
+      </p:sp>
+      <p:sp>
+        <p:nvSpPr>
+          <p:cNvPr id="11" name="TextBox 10"/>
+          <p:cNvSpPr txBox="1"/>
+          <p:nvPr/>
+        </p:nvSpPr>
+        <p:spPr>
+          <a:xfrm>
+            <a:off x="1433204" y="1748830"/>
+            <a:ext cx="732893" cy="461665"/>
+          </a:xfrm>
+          <a:prstGeom prst="rect">
+            <a:avLst/>
+          </a:prstGeom>
+          <a:noFill/>
+        </p:spPr>
+        <p:txBody>
+          <a:bodyPr wrap="none" rtlCol="0">
+            <a:spAutoFit/>
+          </a:bodyPr>
+          <a:lstStyle/>
+          <a:p>
+            <a:r>
+              <a:rPr lang="de-DE" sz="2400" dirty="0" smtClean="0"/>
+              <a:t>PM:</a:t>
+            </a:r>
+            <a:endParaRPr lang="de-DE" sz="2400" dirty="0"/>
+          </a:p>
+        </p:txBody>
+      </p:sp>
+      <p:sp>
+        <p:nvSpPr>
+          <p:cNvPr id="7" name="Rectangle 6"/>
+          <p:cNvSpPr/>
+          <p:nvPr/>
+        </p:nvSpPr>
+        <p:spPr>
+          <a:xfrm>
+            <a:off x="1057923" y="1489601"/>
+            <a:ext cx="7028154" cy="950506"/>
+          </a:xfrm>
+          <a:prstGeom prst="rect">
+            <a:avLst/>
+          </a:prstGeom>
+          <a:noFill/>
+          <a:ln>
+            <a:solidFill>
+              <a:schemeClr val="tx1">
+                <a:lumMod val="50000"/>
+                <a:lumOff val="50000"/>
+              </a:schemeClr>
+            </a:solidFill>
+          </a:ln>
+        </p:spPr>
+        <p:style>
+          <a:lnRef idx="2">
+            <a:schemeClr val="dk1"/>
+          </a:lnRef>
+          <a:fillRef idx="1">
+            <a:schemeClr val="lt1"/>
+          </a:fillRef>
+          <a:effectRef idx="0">
+            <a:schemeClr val="dk1"/>
+          </a:effectRef>
+          <a:fontRef idx="minor">
+            <a:schemeClr val="dk1"/>
+          </a:fontRef>
+        </p:style>
+        <p:txBody>
+          <a:bodyPr rtlCol="0" anchor="ctr"/>
+          <a:lstStyle/>
+          <a:p>
+            <a:pPr algn="ctr"/>
+            <a:endParaRPr lang="de-DE"/>
+          </a:p>
+        </p:txBody>
+      </p:sp>
+      <p:sp>
+        <p:nvSpPr>
+          <p:cNvPr id="12" name="Rectangle 11"/>
+          <p:cNvSpPr/>
+          <p:nvPr/>
+        </p:nvSpPr>
+        <p:spPr>
+          <a:xfrm>
+            <a:off x="1057923" y="2774148"/>
+            <a:ext cx="7028154" cy="950506"/>
+          </a:xfrm>
+          <a:prstGeom prst="rect">
+            <a:avLst/>
+          </a:prstGeom>
+          <a:noFill/>
+          <a:ln>
+            <a:solidFill>
+              <a:schemeClr val="tx1">
+                <a:lumMod val="50000"/>
+                <a:lumOff val="50000"/>
+              </a:schemeClr>
+            </a:solidFill>
+          </a:ln>
+        </p:spPr>
+        <p:style>
+          <a:lnRef idx="2">
+            <a:schemeClr val="dk1"/>
+          </a:lnRef>
+          <a:fillRef idx="1">
+            <a:schemeClr val="lt1"/>
+          </a:fillRef>
+          <a:effectRef idx="0">
+            <a:schemeClr val="dk1"/>
+          </a:effectRef>
+          <a:fontRef idx="minor">
+            <a:schemeClr val="dk1"/>
+          </a:fontRef>
+        </p:style>
+        <p:txBody>
+          <a:bodyPr rtlCol="0" anchor="ctr"/>
+          <a:lstStyle/>
+          <a:p>
+            <a:pPr algn="ctr"/>
+            <a:endParaRPr lang="de-DE"/>
+          </a:p>
+        </p:txBody>
+      </p:sp>
     </p:spTree>
     <p:extLst>
       <p:ext uri="{BB962C8B-B14F-4D97-AF65-F5344CB8AC3E}">
@@ -6080,7 +6271,7 @@
           <a:p>
             <a:fld id="{296000BE-0612-4D88-A1AC-FF1287139C2E}" type="datetime1">
               <a:rPr lang="de-DE" smtClean="0"/>
-              <a:t>20.06.2015</a:t>
+              <a:t>21.06.2015</a:t>
             </a:fld>
             <a:endParaRPr lang="de-DE" dirty="0"/>
           </a:p>
@@ -6484,7 +6675,7 @@
           <a:p>
             <a:fld id="{296000BE-0612-4D88-A1AC-FF1287139C2E}" type="datetime1">
               <a:rPr lang="de-DE" smtClean="0"/>
-              <a:t>20.06.2015</a:t>
+              <a:t>21.06.2015</a:t>
             </a:fld>
             <a:endParaRPr lang="de-DE" dirty="0"/>
           </a:p>
@@ -6553,7 +6744,7 @@
           </p:nvPr>
         </p:nvPicPr>
         <p:blipFill>
-          <a:blip r:embed="rId7" cstate="print">
+          <a:blip r:embed="rId8" cstate="print">
             <a:extLst>
               <a:ext uri="{28A0092B-C50C-407E-A947-70E740481C1C}">
                 <a14:useLocalDpi xmlns:a14="http://schemas.microsoft.com/office/drawing/2010/main" val="0"/>
@@ -6576,47 +6767,13 @@
       </p:pic>
       <p:pic>
         <p:nvPicPr>
-          <p:cNvPr id="15" name="Picture 14"/>
+          <p:cNvPr id="16" name="Picture 15"/>
           <p:cNvPicPr>
             <a:picLocks noChangeAspect="1"/>
           </p:cNvPicPr>
           <p:nvPr>
             <p:custDataLst>
               <p:tags r:id="rId2"/>
-            </p:custDataLst>
-          </p:nvPr>
-        </p:nvPicPr>
-        <p:blipFill>
-          <a:blip r:embed="rId8" cstate="print">
-            <a:extLst>
-              <a:ext uri="{28A0092B-C50C-407E-A947-70E740481C1C}">
-                <a14:useLocalDpi xmlns:a14="http://schemas.microsoft.com/office/drawing/2010/main" val="0"/>
-              </a:ext>
-            </a:extLst>
-          </a:blip>
-          <a:stretch>
-            <a:fillRect/>
-          </a:stretch>
-        </p:blipFill>
-        <p:spPr>
-          <a:xfrm>
-            <a:off x="6020575" y="2246339"/>
-            <a:ext cx="2495897" cy="308025"/>
-          </a:xfrm>
-          <a:prstGeom prst="rect">
-            <a:avLst/>
-          </a:prstGeom>
-        </p:spPr>
-      </p:pic>
-      <p:pic>
-        <p:nvPicPr>
-          <p:cNvPr id="12" name="Picture 11"/>
-          <p:cNvPicPr>
-            <a:picLocks noChangeAspect="1"/>
-          </p:cNvPicPr>
-          <p:nvPr>
-            <p:custDataLst>
-              <p:tags r:id="rId3"/>
             </p:custDataLst>
           </p:nvPr>
         </p:nvPicPr>
@@ -6634,8 +6791,8 @@
         </p:blipFill>
         <p:spPr>
           <a:xfrm>
-            <a:off x="457200" y="2554364"/>
-            <a:ext cx="5214224" cy="700700"/>
+            <a:off x="6027440" y="3307779"/>
+            <a:ext cx="2488440" cy="280390"/>
           </a:xfrm>
           <a:prstGeom prst="rect">
             <a:avLst/>
@@ -6644,13 +6801,13 @@
       </p:pic>
       <p:pic>
         <p:nvPicPr>
-          <p:cNvPr id="18" name="Picture 17"/>
+          <p:cNvPr id="9" name="Picture 8"/>
           <p:cNvPicPr>
             <a:picLocks noChangeAspect="1"/>
           </p:cNvPicPr>
           <p:nvPr>
             <p:custDataLst>
-              <p:tags r:id="rId4"/>
+              <p:tags r:id="rId3"/>
             </p:custDataLst>
           </p:nvPr>
         </p:nvPicPr>
@@ -6668,8 +6825,8 @@
         </p:blipFill>
         <p:spPr>
           <a:xfrm>
-            <a:off x="6588224" y="3269031"/>
-            <a:ext cx="816978" cy="231680"/>
+            <a:off x="1576472" y="2787774"/>
+            <a:ext cx="3835521" cy="318925"/>
           </a:xfrm>
           <a:prstGeom prst="rect">
             <a:avLst/>
@@ -6678,13 +6835,13 @@
       </p:pic>
       <p:pic>
         <p:nvPicPr>
-          <p:cNvPr id="20" name="Picture 19"/>
+          <p:cNvPr id="18" name="Picture 17"/>
           <p:cNvPicPr>
             <a:picLocks noChangeAspect="1"/>
           </p:cNvPicPr>
           <p:nvPr>
             <p:custDataLst>
-              <p:tags r:id="rId5"/>
+              <p:tags r:id="rId4"/>
             </p:custDataLst>
           </p:nvPr>
         </p:nvPicPr>
@@ -6702,8 +6859,76 @@
         </p:blipFill>
         <p:spPr>
           <a:xfrm>
-            <a:off x="457200" y="3708835"/>
-            <a:ext cx="5232750" cy="709080"/>
+            <a:off x="6991312" y="1987960"/>
+            <a:ext cx="816978" cy="231680"/>
+          </a:xfrm>
+          <a:prstGeom prst="rect">
+            <a:avLst/>
+          </a:prstGeom>
+        </p:spPr>
+      </p:pic>
+      <p:pic>
+        <p:nvPicPr>
+          <p:cNvPr id="13" name="Picture 12"/>
+          <p:cNvPicPr>
+            <a:picLocks noChangeAspect="1"/>
+          </p:cNvPicPr>
+          <p:nvPr>
+            <p:custDataLst>
+              <p:tags r:id="rId5"/>
+            </p:custDataLst>
+          </p:nvPr>
+        </p:nvPicPr>
+        <p:blipFill>
+          <a:blip r:embed="rId12" cstate="print">
+            <a:extLst>
+              <a:ext uri="{28A0092B-C50C-407E-A947-70E740481C1C}">
+                <a14:useLocalDpi xmlns:a14="http://schemas.microsoft.com/office/drawing/2010/main" val="0"/>
+              </a:ext>
+            </a:extLst>
+          </a:blip>
+          <a:stretch>
+            <a:fillRect/>
+          </a:stretch>
+        </p:blipFill>
+        <p:spPr>
+          <a:xfrm>
+            <a:off x="1576472" y="3816887"/>
+            <a:ext cx="3794039" cy="318925"/>
+          </a:xfrm>
+          <a:prstGeom prst="rect">
+            <a:avLst/>
+          </a:prstGeom>
+        </p:spPr>
+      </p:pic>
+      <p:pic>
+        <p:nvPicPr>
+          <p:cNvPr id="11" name="Picture 10"/>
+          <p:cNvPicPr>
+            <a:picLocks noChangeAspect="1"/>
+          </p:cNvPicPr>
+          <p:nvPr>
+            <p:custDataLst>
+              <p:tags r:id="rId6"/>
+            </p:custDataLst>
+          </p:nvPr>
+        </p:nvPicPr>
+        <p:blipFill>
+          <a:blip r:embed="rId13" cstate="print">
+            <a:extLst>
+              <a:ext uri="{28A0092B-C50C-407E-A947-70E740481C1C}">
+                <a14:useLocalDpi xmlns:a14="http://schemas.microsoft.com/office/drawing/2010/main" val="0"/>
+              </a:ext>
+            </a:extLst>
+          </a:blip>
+          <a:stretch>
+            <a:fillRect/>
+          </a:stretch>
+        </p:blipFill>
+        <p:spPr>
+          <a:xfrm>
+            <a:off x="7020272" y="2395703"/>
+            <a:ext cx="788018" cy="352093"/>
           </a:xfrm>
           <a:prstGeom prst="rect">
             <a:avLst/>
@@ -6754,7 +6979,7 @@
                                           </p:stCondLst>
                                         </p:cTn>
                                         <p:tgtEl>
-                                          <p:spTgt spid="15"/>
+                                          <p:spTgt spid="18"/>
                                         </p:tgtEl>
                                         <p:attrNameLst>
                                           <p:attrName>style.visibility</p:attrName>
@@ -6768,7 +6993,7 @@
                                       <p:cBhvr>
                                         <p:cTn id="7" dur="500"/>
                                         <p:tgtEl>
-                                          <p:spTgt spid="15"/>
+                                          <p:spTgt spid="18"/>
                                         </p:tgtEl>
                                       </p:cBhvr>
                                     </p:animEffect>
@@ -6807,7 +7032,7 @@
                                           </p:stCondLst>
                                         </p:cTn>
                                         <p:tgtEl>
-                                          <p:spTgt spid="12"/>
+                                          <p:spTgt spid="11"/>
                                         </p:tgtEl>
                                         <p:attrNameLst>
                                           <p:attrName>style.visibility</p:attrName>
@@ -6821,7 +7046,7 @@
                                       <p:cBhvr>
                                         <p:cTn id="12" dur="500"/>
                                         <p:tgtEl>
-                                          <p:spTgt spid="12"/>
+                                          <p:spTgt spid="11"/>
                                         </p:tgtEl>
                                       </p:cBhvr>
                                     </p:animEffect>
@@ -6847,20 +7072,96 @@
                             </p:stCondLst>
                             <p:childTnLst>
                               <p:par>
-                                <p:cTn id="15" presetID="10" presetClass="entr" presetSubtype="0" fill="hold" nodeType="clickEffect">
+                                <p:cTn id="15" presetID="9" presetClass="emph" presetSubtype="0" nodeType="clickEffect">
+                                  <p:stCondLst>
+                                    <p:cond delay="0"/>
+                                  </p:stCondLst>
+                                  <p:childTnLst>
+                                    <p:set>
+                                      <p:cBhvr rctx="PPT">
+                                        <p:cTn id="16" dur="indefinite"/>
+                                        <p:tgtEl>
+                                          <p:spTgt spid="8"/>
+                                        </p:tgtEl>
+                                        <p:attrNameLst>
+                                          <p:attrName>style.opacity</p:attrName>
+                                        </p:attrNameLst>
+                                      </p:cBhvr>
+                                      <p:to>
+                                        <p:strVal val="0.5"/>
+                                      </p:to>
+                                    </p:set>
+                                    <p:animEffect filter="image" prLst="opacity: 0.5">
+                                      <p:cBhvr rctx="IE">
+                                        <p:cTn id="17" dur="indefinite"/>
+                                        <p:tgtEl>
+                                          <p:spTgt spid="8"/>
+                                        </p:tgtEl>
+                                      </p:cBhvr>
+                                    </p:animEffect>
+                                  </p:childTnLst>
+                                </p:cTn>
+                              </p:par>
+                              <p:par>
+                                <p:cTn id="18" presetID="1" presetClass="entr" presetSubtype="0" fill="hold" nodeType="withEffect">
                                   <p:stCondLst>
                                     <p:cond delay="0"/>
                                   </p:stCondLst>
                                   <p:childTnLst>
                                     <p:set>
                                       <p:cBhvr>
-                                        <p:cTn id="16" dur="1" fill="hold">
+                                        <p:cTn id="19" dur="1" fill="hold">
                                           <p:stCondLst>
                                             <p:cond delay="0"/>
                                           </p:stCondLst>
                                         </p:cTn>
                                         <p:tgtEl>
-                                          <p:spTgt spid="18"/>
+                                          <p:spTgt spid="9"/>
+                                        </p:tgtEl>
+                                        <p:attrNameLst>
+                                          <p:attrName>style.visibility</p:attrName>
+                                        </p:attrNameLst>
+                                      </p:cBhvr>
+                                      <p:to>
+                                        <p:strVal val="visible"/>
+                                      </p:to>
+                                    </p:set>
+                                  </p:childTnLst>
+                                </p:cTn>
+                              </p:par>
+                            </p:childTnLst>
+                          </p:cTn>
+                        </p:par>
+                      </p:childTnLst>
+                    </p:cTn>
+                  </p:par>
+                  <p:par>
+                    <p:cTn id="20" fill="hold">
+                      <p:stCondLst>
+                        <p:cond delay="indefinite"/>
+                      </p:stCondLst>
+                      <p:childTnLst>
+                        <p:par>
+                          <p:cTn id="21" fill="hold">
+                            <p:stCondLst>
+                              <p:cond delay="0"/>
+                            </p:stCondLst>
+                            <p:childTnLst>
+                              <p:par>
+                                <p:cTn id="22" presetID="10" presetClass="entr" presetSubtype="0" fill="hold" nodeType="clickEffect">
+                                  <p:stCondLst>
+                                    <p:cond delay="0"/>
+                                  </p:stCondLst>
+                                  <p:childTnLst>
+                                    <p:set>
+                                      <p:cBhvr>
+                                        <p:cTn id="23" dur="1" fill="hold">
+                                          <p:stCondLst>
+                                            <p:cond delay="0"/>
+                                          </p:stCondLst>
+                                        </p:cTn>
+                                        <p:tgtEl>
+                                          <p:spTgt spid="16"/>
                                         </p:tgtEl>
                                         <p:attrNameLst>
                                           <p:attrName>style.visibility</p:attrName>
@@ -6872,9 +7173,9 @@
                                     </p:set>
                                     <p:animEffect transition="in" filter="fade">
                                       <p:cBhvr>
-                                        <p:cTn id="17" dur="500"/>
+                                        <p:cTn id="24" dur="500"/>
                                         <p:tgtEl>
-                                          <p:spTgt spid="18"/>
+                                          <p:spTgt spid="16"/>
                                         </p:tgtEl>
                                       </p:cBhvr>
                                     </p:animEffect>
@@ -6888,32 +7189,63 @@
                     </p:cTn>
                   </p:par>
                   <p:par>
-                    <p:cTn id="18" fill="hold">
+                    <p:cTn id="25" fill="hold">
                       <p:stCondLst>
                         <p:cond delay="indefinite"/>
                       </p:stCondLst>
                       <p:childTnLst>
                         <p:par>
-                          <p:cTn id="19" fill="hold">
+                          <p:cTn id="26" fill="hold">
                             <p:stCondLst>
                               <p:cond delay="0"/>
                             </p:stCondLst>
                             <p:childTnLst>
                               <p:par>
-                                <p:cTn id="20" presetID="10" presetClass="entr" presetSubtype="0" fill="hold" nodeType="clickEffect">
+                                <p:cTn id="27" presetID="9" presetClass="emph" presetSubtype="0" nodeType="clickEffect">
+                                  <p:stCondLst>
+                                    <p:cond delay="0"/>
+                                  </p:stCondLst>
+                                  <p:childTnLst>
+                                    <p:set>
+                                      <p:cBhvr rctx="PPT">
+                                        <p:cTn id="28" dur="indefinite"/>
+                                        <p:tgtEl>
+                                          <p:spTgt spid="9"/>
+                                        </p:tgtEl>
+                                        <p:attrNameLst>
+                                          <p:attrName>style.opacity</p:attrName>
+                                        </p:attrNameLst>
+                                      </p:cBhvr>
+                                      <p:to>
+                                        <p:strVal val="0.5"/>
+                                      </p:to>
+                                    </p:set>
+                                    <p:animEffect filter="image" prLst="opacity: 0.5">
+                                      <p:cBhvr rctx="IE">
+                                        <p:cTn id="29" dur="indefinite"/>
+                                        <p:tgtEl>
+                                          <p:spTgt spid="9"/>
+                                        </p:tgtEl>
+                                      </p:cBhvr>
+                                    </p:animEffect>
+                                  </p:childTnLst>
+                                </p:cTn>
+                              </p:par>
+                              <p:par>
+                                <p:cTn id="30" presetID="1" presetClass="entr" presetSubtype="0" fill="hold" nodeType="withEffect">
                                   <p:stCondLst>
                                     <p:cond delay="0"/>
                                   </p:stCondLst>
                                   <p:childTnLst>
                                     <p:set>
                                       <p:cBhvr>
-                                        <p:cTn id="21" dur="1" fill="hold">
+                                        <p:cTn id="31" dur="1" fill="hold">
                                           <p:stCondLst>
                                             <p:cond delay="0"/>
                                           </p:stCondLst>
                                         </p:cTn>
                                         <p:tgtEl>
-                                          <p:spTgt spid="20"/>
+                                          <p:spTgt spid="13"/>
                                         </p:tgtEl>
                                         <p:attrNameLst>
                                           <p:attrName>style.visibility</p:attrName>
@@ -6923,14 +7255,6 @@
                                         <p:strVal val="visible"/>
                                       </p:to>
                                     </p:set>
-                                    <p:animEffect transition="in" filter="fade">
-                                      <p:cBhvr>
-                                        <p:cTn id="22" dur="500"/>
-                                        <p:tgtEl>
-                                          <p:spTgt spid="20"/>
-                                        </p:tgtEl>
-                                      </p:cBhvr>
-                                    </p:animEffect>
                                   </p:childTnLst>
                                 </p:cTn>
                               </p:par>
@@ -7018,7 +7342,7 @@
           <a:p>
             <a:r>
               <a:rPr lang="de-DE" dirty="0" smtClean="0"/>
-              <a:t>Unsere Herleitung:</a:t>
+              <a:t>unsere Herleitung:</a:t>
             </a:r>
           </a:p>
           <a:p>
@@ -7032,6 +7356,10 @@
           </a:p>
           <a:p>
             <a:r>
+              <a:rPr lang="de-DE" dirty="0" smtClean="0"/>
+              <a:t>nach </a:t>
+            </a:r>
+            <a:r>
               <a:rPr lang="de-DE" dirty="0" err="1" smtClean="0"/>
               <a:t>Chowning</a:t>
             </a:r>
@@ -7060,7 +7388,7 @@
           <a:p>
             <a:fld id="{296000BE-0612-4D88-A1AC-FF1287139C2E}" type="datetime1">
               <a:rPr lang="de-DE" smtClean="0"/>
-              <a:t>20.06.2015</a:t>
+              <a:t>21.06.2015</a:t>
             </a:fld>
             <a:endParaRPr lang="de-DE" dirty="0"/>
           </a:p>
@@ -7125,6 +7453,40 @@
           <p:nvPr>
             <p:custDataLst>
               <p:tags r:id="rId1"/>
+            </p:custDataLst>
+          </p:nvPr>
+        </p:nvPicPr>
+        <p:blipFill>
+          <a:blip r:embed="rId4" cstate="print">
+            <a:extLst>
+              <a:ext uri="{28A0092B-C50C-407E-A947-70E740481C1C}">
+                <a14:useLocalDpi xmlns:a14="http://schemas.microsoft.com/office/drawing/2010/main" val="0"/>
+              </a:ext>
+            </a:extLst>
+          </a:blip>
+          <a:stretch>
+            <a:fillRect/>
+          </a:stretch>
+        </p:blipFill>
+        <p:spPr>
+          <a:xfrm>
+            <a:off x="971600" y="3579862"/>
+            <a:ext cx="4030383" cy="317594"/>
+          </a:xfrm>
+          <a:prstGeom prst="rect">
+            <a:avLst/>
+          </a:prstGeom>
+        </p:spPr>
+      </p:pic>
+      <p:pic>
+        <p:nvPicPr>
+          <p:cNvPr id="10" name="Picture 9"/>
+          <p:cNvPicPr>
+            <a:picLocks noChangeAspect="1"/>
+          </p:cNvPicPr>
+          <p:nvPr>
+            <p:custDataLst>
+              <p:tags r:id="rId2"/>
             </p:custDataLst>
           </p:nvPr>
         </p:nvPicPr>
@@ -7142,76 +7504,8 @@
         </p:blipFill>
         <p:spPr>
           <a:xfrm>
-            <a:off x="971600" y="3478292"/>
-            <a:ext cx="4030383" cy="317594"/>
-          </a:xfrm>
-          <a:prstGeom prst="rect">
-            <a:avLst/>
-          </a:prstGeom>
-        </p:spPr>
-      </p:pic>
-      <p:pic>
-        <p:nvPicPr>
-          <p:cNvPr id="8" name="Picture 7"/>
-          <p:cNvPicPr>
-            <a:picLocks noChangeAspect="1"/>
-          </p:cNvPicPr>
-          <p:nvPr>
-            <p:custDataLst>
-              <p:tags r:id="rId2"/>
-            </p:custDataLst>
-          </p:nvPr>
-        </p:nvPicPr>
-        <p:blipFill>
-          <a:blip r:embed="rId6" cstate="print">
-            <a:extLst>
-              <a:ext uri="{28A0092B-C50C-407E-A947-70E740481C1C}">
-                <a14:useLocalDpi xmlns:a14="http://schemas.microsoft.com/office/drawing/2010/main" val="0"/>
-              </a:ext>
-            </a:extLst>
-          </a:blip>
-          <a:stretch>
-            <a:fillRect/>
-          </a:stretch>
-        </p:blipFill>
-        <p:spPr>
-          <a:xfrm>
-            <a:off x="968417" y="1862670"/>
-            <a:ext cx="5232750" cy="709080"/>
-          </a:xfrm>
-          <a:prstGeom prst="rect">
-            <a:avLst/>
-          </a:prstGeom>
-        </p:spPr>
-      </p:pic>
-      <p:pic>
-        <p:nvPicPr>
-          <p:cNvPr id="9" name="Picture 8"/>
-          <p:cNvPicPr>
-            <a:picLocks noChangeAspect="1"/>
-          </p:cNvPicPr>
-          <p:nvPr>
-            <p:custDataLst>
-              <p:tags r:id="rId3"/>
-            </p:custDataLst>
-          </p:nvPr>
-        </p:nvPicPr>
-        <p:blipFill>
-          <a:blip r:embed="rId7" cstate="print">
-            <a:extLst>
-              <a:ext uri="{28A0092B-C50C-407E-A947-70E740481C1C}">
-                <a14:useLocalDpi xmlns:a14="http://schemas.microsoft.com/office/drawing/2010/main" val="0"/>
-              </a:ext>
-            </a:extLst>
-          </a:blip>
-          <a:stretch>
-            <a:fillRect/>
-          </a:stretch>
-        </p:blipFill>
-        <p:spPr>
-          <a:xfrm>
-            <a:off x="7380312" y="2041163"/>
-            <a:ext cx="788018" cy="352093"/>
+            <a:off x="971600" y="2021622"/>
+            <a:ext cx="4867289" cy="317600"/>
           </a:xfrm>
           <a:prstGeom prst="rect">
             <a:avLst/>
@@ -7324,7 +7618,7 @@
           <a:p>
             <a:fld id="{296000BE-0612-4D88-A1AC-FF1287139C2E}" type="datetime1">
               <a:rPr lang="de-DE" smtClean="0"/>
-              <a:t>20.06.2015</a:t>
+              <a:t>21.06.2015</a:t>
             </a:fld>
             <a:endParaRPr lang="de-DE" dirty="0"/>
           </a:p>
@@ -7476,7 +7770,7 @@
           <a:p>
             <a:fld id="{A782DF66-3609-46AF-9A5C-DF0EDD34A7DB}" type="datetime1">
               <a:rPr lang="de-DE" smtClean="0"/>
-              <a:t>20.06.2015</a:t>
+              <a:t>21.06.2015</a:t>
             </a:fld>
             <a:endParaRPr lang="de-DE"/>
           </a:p>
@@ -7653,7 +7947,7 @@
           <a:p>
             <a:fld id="{ADBF581A-36B1-4C7D-8A13-2529E78B81D4}" type="datetime1">
               <a:rPr lang="de-DE" smtClean="0"/>
-              <a:t>20.06.2015</a:t>
+              <a:t>21.06.2015</a:t>
             </a:fld>
             <a:endParaRPr lang="de-DE"/>
           </a:p>
@@ -7825,7 +8119,7 @@
           <a:p>
             <a:fld id="{C80D71F6-99A2-4718-B360-65885A8D0927}" type="datetime1">
               <a:rPr lang="de-DE" smtClean="0"/>
-              <a:t>20.06.2015</a:t>
+              <a:t>21.06.2015</a:t>
             </a:fld>
             <a:endParaRPr lang="de-DE"/>
           </a:p>
@@ -7954,7 +8248,7 @@
           <a:p>
             <a:fld id="{296000BE-0612-4D88-A1AC-FF1287139C2E}" type="datetime1">
               <a:rPr lang="de-DE" smtClean="0"/>
-              <a:t>20.06.2015</a:t>
+              <a:t>21.06.2015</a:t>
             </a:fld>
             <a:endParaRPr lang="de-DE" dirty="0"/>
           </a:p>
@@ -8121,7 +8415,7 @@
           <a:p>
             <a:fld id="{296000BE-0612-4D88-A1AC-FF1287139C2E}" type="datetime1">
               <a:rPr lang="de-DE" smtClean="0"/>
-              <a:t>20.06.2015</a:t>
+              <a:t>21.06.2015</a:t>
             </a:fld>
             <a:endParaRPr lang="de-DE" dirty="0"/>
           </a:p>
@@ -8939,7 +9233,7 @@
           <a:p>
             <a:fld id="{296000BE-0612-4D88-A1AC-FF1287139C2E}" type="datetime1">
               <a:rPr lang="de-DE" smtClean="0"/>
-              <a:t>20.06.2015</a:t>
+              <a:t>21.06.2015</a:t>
             </a:fld>
             <a:endParaRPr lang="de-DE" dirty="0"/>
           </a:p>
@@ -9369,7 +9663,7 @@
           <a:p>
             <a:fld id="{296000BE-0612-4D88-A1AC-FF1287139C2E}" type="datetime1">
               <a:rPr lang="de-DE" smtClean="0"/>
-              <a:t>20.06.2015</a:t>
+              <a:t>21.06.2015</a:t>
             </a:fld>
             <a:endParaRPr lang="de-DE" dirty="0"/>
           </a:p>
@@ -9544,7 +9838,7 @@
           <a:p>
             <a:fld id="{296000BE-0612-4D88-A1AC-FF1287139C2E}" type="datetime1">
               <a:rPr lang="de-DE" smtClean="0"/>
-              <a:t>20.06.2015</a:t>
+              <a:t>21.06.2015</a:t>
             </a:fld>
             <a:endParaRPr lang="de-DE" dirty="0"/>
           </a:p>
@@ -9735,7 +10029,7 @@
           <a:p>
             <a:fld id="{296000BE-0612-4D88-A1AC-FF1287139C2E}" type="datetime1">
               <a:rPr lang="de-DE" smtClean="0"/>
-              <a:t>20.06.2015</a:t>
+              <a:t>21.06.2015</a:t>
             </a:fld>
             <a:endParaRPr lang="de-DE" dirty="0"/>
           </a:p>
@@ -9812,7 +10106,7 @@
 </file>
 
 <file path=ppt/slides/slide27.xml><?xml version="1.0" encoding="utf-8"?>
-<p:sld xmlns:a="http://schemas.openxmlformats.org/drawingml/2006/main" xmlns:r="http://schemas.openxmlformats.org/officeDocument/2006/relationships" xmlns:p="http://schemas.openxmlformats.org/presentationml/2006/main">
+<p:sld xmlns:a="http://schemas.openxmlformats.org/drawingml/2006/main" xmlns:r="http://schemas.openxmlformats.org/officeDocument/2006/relationships" xmlns:p="http://schemas.openxmlformats.org/presentationml/2006/main" show="0">
   <p:cSld>
     <p:spTree>
       <p:nvGrpSpPr>
@@ -9864,7 +10158,7 @@
           <a:p>
             <a:fld id="{296000BE-0612-4D88-A1AC-FF1287139C2E}" type="datetime1">
               <a:rPr lang="de-DE" smtClean="0"/>
-              <a:t>20.06.2015</a:t>
+              <a:t>21.06.2015</a:t>
             </a:fld>
             <a:endParaRPr lang="de-DE" dirty="0"/>
           </a:p>
@@ -9922,67 +10216,7 @@
       </p:sp>
       <p:pic>
         <p:nvPicPr>
-          <p:cNvPr id="9" name="I0"/>
-          <p:cNvPicPr>
-            <a:picLocks noChangeAspect="1"/>
-          </p:cNvPicPr>
-          <p:nvPr/>
-        </p:nvPicPr>
-        <p:blipFill>
-          <a:blip r:embed="rId2" cstate="print">
-            <a:extLst>
-              <a:ext uri="{28A0092B-C50C-407E-A947-70E740481C1C}">
-                <a14:useLocalDpi xmlns:a14="http://schemas.microsoft.com/office/drawing/2010/main" val="0"/>
-              </a:ext>
-            </a:extLst>
-          </a:blip>
-          <a:stretch>
-            <a:fillRect/>
-          </a:stretch>
-        </p:blipFill>
-        <p:spPr>
-          <a:xfrm>
-            <a:off x="1828794" y="742946"/>
-            <a:ext cx="5486411" cy="3657607"/>
-          </a:xfrm>
-          <a:prstGeom prst="rect">
-            <a:avLst/>
-          </a:prstGeom>
-        </p:spPr>
-      </p:pic>
-      <p:pic>
-        <p:nvPicPr>
-          <p:cNvPr id="10" name="I1"/>
-          <p:cNvPicPr>
-            <a:picLocks noChangeAspect="1"/>
-          </p:cNvPicPr>
-          <p:nvPr/>
-        </p:nvPicPr>
-        <p:blipFill>
-          <a:blip r:embed="rId3" cstate="print">
-            <a:extLst>
-              <a:ext uri="{28A0092B-C50C-407E-A947-70E740481C1C}">
-                <a14:useLocalDpi xmlns:a14="http://schemas.microsoft.com/office/drawing/2010/main" val="0"/>
-              </a:ext>
-            </a:extLst>
-          </a:blip>
-          <a:stretch>
-            <a:fillRect/>
-          </a:stretch>
-        </p:blipFill>
-        <p:spPr>
-          <a:xfrm>
-            <a:off x="1828794" y="742946"/>
-            <a:ext cx="5486411" cy="3657607"/>
-          </a:xfrm>
-          <a:prstGeom prst="rect">
-            <a:avLst/>
-          </a:prstGeom>
-        </p:spPr>
-      </p:pic>
-      <p:pic>
-        <p:nvPicPr>
-          <p:cNvPr id="11" name="I2"/>
+          <p:cNvPr id="2" name="I0"/>
           <p:cNvPicPr>
             <a:picLocks noChangeAspect="1"/>
           </p:cNvPicPr>
@@ -10012,7 +10246,7 @@
       </p:pic>
       <p:pic>
         <p:nvPicPr>
-          <p:cNvPr id="12" name="I3"/>
+          <p:cNvPr id="3" name="I2"/>
           <p:cNvPicPr>
             <a:picLocks noChangeAspect="1"/>
           </p:cNvPicPr>
@@ -10042,7 +10276,7 @@
       </p:pic>
       <p:pic>
         <p:nvPicPr>
-          <p:cNvPr id="13" name="I4"/>
+          <p:cNvPr id="29" name="I4"/>
           <p:cNvPicPr>
             <a:picLocks noChangeAspect="1"/>
           </p:cNvPicPr>
@@ -10072,7 +10306,7 @@
       </p:pic>
       <p:pic>
         <p:nvPicPr>
-          <p:cNvPr id="14" name="I5"/>
+          <p:cNvPr id="30" name="I6"/>
           <p:cNvPicPr>
             <a:picLocks noChangeAspect="1"/>
           </p:cNvPicPr>
@@ -10102,7 +10336,7 @@
       </p:pic>
       <p:pic>
         <p:nvPicPr>
-          <p:cNvPr id="15" name="I6"/>
+          <p:cNvPr id="31" name="I8"/>
           <p:cNvPicPr>
             <a:picLocks noChangeAspect="1"/>
           </p:cNvPicPr>
@@ -10132,7 +10366,7 @@
       </p:pic>
       <p:pic>
         <p:nvPicPr>
-          <p:cNvPr id="16" name="I7"/>
+          <p:cNvPr id="32" name="I10"/>
           <p:cNvPicPr>
             <a:picLocks noChangeAspect="1"/>
           </p:cNvPicPr>
@@ -10162,7 +10396,7 @@
       </p:pic>
       <p:pic>
         <p:nvPicPr>
-          <p:cNvPr id="17" name="I8"/>
+          <p:cNvPr id="33" name="I12"/>
           <p:cNvPicPr>
             <a:picLocks noChangeAspect="1"/>
           </p:cNvPicPr>
@@ -10192,7 +10426,7 @@
       </p:pic>
       <p:pic>
         <p:nvPicPr>
-          <p:cNvPr id="18" name="I9"/>
+          <p:cNvPr id="34" name="I14"/>
           <p:cNvPicPr>
             <a:picLocks noChangeAspect="1"/>
           </p:cNvPicPr>
@@ -10222,7 +10456,7 @@
       </p:pic>
       <p:pic>
         <p:nvPicPr>
-          <p:cNvPr id="19" name="I10"/>
+          <p:cNvPr id="35" name="I16"/>
           <p:cNvPicPr>
             <a:picLocks noChangeAspect="1"/>
           </p:cNvPicPr>
@@ -10252,7 +10486,7 @@
       </p:pic>
       <p:pic>
         <p:nvPicPr>
-          <p:cNvPr id="20" name="I11"/>
+          <p:cNvPr id="36" name="I18"/>
           <p:cNvPicPr>
             <a:picLocks noChangeAspect="1"/>
           </p:cNvPicPr>
@@ -10282,7 +10516,7 @@
       </p:pic>
       <p:pic>
         <p:nvPicPr>
-          <p:cNvPr id="21" name="I12"/>
+          <p:cNvPr id="37" name="I20"/>
           <p:cNvPicPr>
             <a:picLocks noChangeAspect="1"/>
           </p:cNvPicPr>
@@ -10312,238 +10546,31 @@
       </p:pic>
       <p:pic>
         <p:nvPicPr>
-          <p:cNvPr id="22" name="I13"/>
+          <p:cNvPr id="38" name="Spektrum_mathe_I0_20">
+            <a:hlinkClick r:id="" action="ppaction://media"/>
+          </p:cNvPr>
           <p:cNvPicPr>
             <a:picLocks noChangeAspect="1"/>
           </p:cNvPicPr>
-          <p:nvPr/>
+          <p:nvPr>
+            <a:audioFile r:link="rId2"/>
+            <p:extLst>
+              <p:ext uri="{DAA4B4D4-6D71-4841-9C94-3DE7FCFB9230}">
+                <p14:media xmlns:p14="http://schemas.microsoft.com/office/powerpoint/2010/main" r:embed="rId1"/>
+              </p:ext>
+            </p:extLst>
+          </p:nvPr>
         </p:nvPicPr>
         <p:blipFill>
-          <a:blip r:embed="rId15" cstate="print">
-            <a:extLst>
-              <a:ext uri="{28A0092B-C50C-407E-A947-70E740481C1C}">
-                <a14:useLocalDpi xmlns:a14="http://schemas.microsoft.com/office/drawing/2010/main" val="0"/>
-              </a:ext>
-            </a:extLst>
-          </a:blip>
+          <a:blip r:embed="rId15"/>
           <a:stretch>
             <a:fillRect/>
           </a:stretch>
         </p:blipFill>
         <p:spPr>
           <a:xfrm>
-            <a:off x="1828794" y="742946"/>
-            <a:ext cx="5486411" cy="3657607"/>
-          </a:xfrm>
-          <a:prstGeom prst="rect">
-            <a:avLst/>
-          </a:prstGeom>
-        </p:spPr>
-      </p:pic>
-      <p:pic>
-        <p:nvPicPr>
-          <p:cNvPr id="23" name="I14"/>
-          <p:cNvPicPr>
-            <a:picLocks noChangeAspect="1"/>
-          </p:cNvPicPr>
-          <p:nvPr/>
-        </p:nvPicPr>
-        <p:blipFill>
-          <a:blip r:embed="rId16" cstate="print">
-            <a:extLst>
-              <a:ext uri="{28A0092B-C50C-407E-A947-70E740481C1C}">
-                <a14:useLocalDpi xmlns:a14="http://schemas.microsoft.com/office/drawing/2010/main" val="0"/>
-              </a:ext>
-            </a:extLst>
-          </a:blip>
-          <a:stretch>
-            <a:fillRect/>
-          </a:stretch>
-        </p:blipFill>
-        <p:spPr>
-          <a:xfrm>
-            <a:off x="1828794" y="742946"/>
-            <a:ext cx="5486411" cy="3657607"/>
-          </a:xfrm>
-          <a:prstGeom prst="rect">
-            <a:avLst/>
-          </a:prstGeom>
-        </p:spPr>
-      </p:pic>
-      <p:pic>
-        <p:nvPicPr>
-          <p:cNvPr id="24" name="I15"/>
-          <p:cNvPicPr>
-            <a:picLocks noChangeAspect="1"/>
-          </p:cNvPicPr>
-          <p:nvPr/>
-        </p:nvPicPr>
-        <p:blipFill>
-          <a:blip r:embed="rId17" cstate="print">
-            <a:extLst>
-              <a:ext uri="{28A0092B-C50C-407E-A947-70E740481C1C}">
-                <a14:useLocalDpi xmlns:a14="http://schemas.microsoft.com/office/drawing/2010/main" val="0"/>
-              </a:ext>
-            </a:extLst>
-          </a:blip>
-          <a:stretch>
-            <a:fillRect/>
-          </a:stretch>
-        </p:blipFill>
-        <p:spPr>
-          <a:xfrm>
-            <a:off x="1828794" y="742946"/>
-            <a:ext cx="5486411" cy="3657607"/>
-          </a:xfrm>
-          <a:prstGeom prst="rect">
-            <a:avLst/>
-          </a:prstGeom>
-        </p:spPr>
-      </p:pic>
-      <p:pic>
-        <p:nvPicPr>
-          <p:cNvPr id="25" name="I16"/>
-          <p:cNvPicPr>
-            <a:picLocks noChangeAspect="1"/>
-          </p:cNvPicPr>
-          <p:nvPr/>
-        </p:nvPicPr>
-        <p:blipFill>
-          <a:blip r:embed="rId18" cstate="print">
-            <a:extLst>
-              <a:ext uri="{28A0092B-C50C-407E-A947-70E740481C1C}">
-                <a14:useLocalDpi xmlns:a14="http://schemas.microsoft.com/office/drawing/2010/main" val="0"/>
-              </a:ext>
-            </a:extLst>
-          </a:blip>
-          <a:stretch>
-            <a:fillRect/>
-          </a:stretch>
-        </p:blipFill>
-        <p:spPr>
-          <a:xfrm>
-            <a:off x="1828794" y="742946"/>
-            <a:ext cx="5486411" cy="3657607"/>
-          </a:xfrm>
-          <a:prstGeom prst="rect">
-            <a:avLst/>
-          </a:prstGeom>
-        </p:spPr>
-      </p:pic>
-      <p:pic>
-        <p:nvPicPr>
-          <p:cNvPr id="26" name="I17"/>
-          <p:cNvPicPr>
-            <a:picLocks noChangeAspect="1"/>
-          </p:cNvPicPr>
-          <p:nvPr/>
-        </p:nvPicPr>
-        <p:blipFill>
-          <a:blip r:embed="rId19" cstate="print">
-            <a:extLst>
-              <a:ext uri="{28A0092B-C50C-407E-A947-70E740481C1C}">
-                <a14:useLocalDpi xmlns:a14="http://schemas.microsoft.com/office/drawing/2010/main" val="0"/>
-              </a:ext>
-            </a:extLst>
-          </a:blip>
-          <a:stretch>
-            <a:fillRect/>
-          </a:stretch>
-        </p:blipFill>
-        <p:spPr>
-          <a:xfrm>
-            <a:off x="1828794" y="742946"/>
-            <a:ext cx="5486411" cy="3657607"/>
-          </a:xfrm>
-          <a:prstGeom prst="rect">
-            <a:avLst/>
-          </a:prstGeom>
-        </p:spPr>
-      </p:pic>
-      <p:pic>
-        <p:nvPicPr>
-          <p:cNvPr id="27" name="I18"/>
-          <p:cNvPicPr>
-            <a:picLocks noChangeAspect="1"/>
-          </p:cNvPicPr>
-          <p:nvPr/>
-        </p:nvPicPr>
-        <p:blipFill>
-          <a:blip r:embed="rId20" cstate="print">
-            <a:extLst>
-              <a:ext uri="{28A0092B-C50C-407E-A947-70E740481C1C}">
-                <a14:useLocalDpi xmlns:a14="http://schemas.microsoft.com/office/drawing/2010/main" val="0"/>
-              </a:ext>
-            </a:extLst>
-          </a:blip>
-          <a:stretch>
-            <a:fillRect/>
-          </a:stretch>
-        </p:blipFill>
-        <p:spPr>
-          <a:xfrm>
-            <a:off x="1828794" y="742946"/>
-            <a:ext cx="5486411" cy="3657607"/>
-          </a:xfrm>
-          <a:prstGeom prst="rect">
-            <a:avLst/>
-          </a:prstGeom>
-        </p:spPr>
-      </p:pic>
-      <p:pic>
-        <p:nvPicPr>
-          <p:cNvPr id="28" name="I19"/>
-          <p:cNvPicPr>
-            <a:picLocks noChangeAspect="1"/>
-          </p:cNvPicPr>
-          <p:nvPr/>
-        </p:nvPicPr>
-        <p:blipFill>
-          <a:blip r:embed="rId21" cstate="print">
-            <a:extLst>
-              <a:ext uri="{28A0092B-C50C-407E-A947-70E740481C1C}">
-                <a14:useLocalDpi xmlns:a14="http://schemas.microsoft.com/office/drawing/2010/main" val="0"/>
-              </a:ext>
-            </a:extLst>
-          </a:blip>
-          <a:stretch>
-            <a:fillRect/>
-          </a:stretch>
-        </p:blipFill>
-        <p:spPr>
-          <a:xfrm>
-            <a:off x="1828794" y="742946"/>
-            <a:ext cx="5486411" cy="3657607"/>
-          </a:xfrm>
-          <a:prstGeom prst="rect">
-            <a:avLst/>
-          </a:prstGeom>
-        </p:spPr>
-      </p:pic>
-      <p:pic>
-        <p:nvPicPr>
-          <p:cNvPr id="8" name="I20"/>
-          <p:cNvPicPr>
-            <a:picLocks noChangeAspect="1"/>
-          </p:cNvPicPr>
-          <p:nvPr/>
-        </p:nvPicPr>
-        <p:blipFill>
-          <a:blip r:embed="rId22" cstate="print">
-            <a:extLst>
-              <a:ext uri="{28A0092B-C50C-407E-A947-70E740481C1C}">
-                <a14:useLocalDpi xmlns:a14="http://schemas.microsoft.com/office/drawing/2010/main" val="0"/>
-              </a:ext>
-            </a:extLst>
-          </a:blip>
-          <a:stretch>
-            <a:fillRect/>
-          </a:stretch>
-        </p:blipFill>
-        <p:spPr>
-          <a:xfrm>
-            <a:off x="1828794" y="741600"/>
-            <a:ext cx="5486411" cy="3657607"/>
+            <a:off x="8112224" y="3790953"/>
+            <a:ext cx="609600" cy="609600"/>
           </a:xfrm>
           <a:prstGeom prst="rect">
             <a:avLst/>
@@ -10560,6 +10587,14 @@
   <p:clrMapOvr>
     <a:masterClrMapping/>
   </p:clrMapOvr>
+  <mc:AlternateContent xmlns:mc="http://schemas.openxmlformats.org/markup-compatibility/2006" xmlns:p14="http://schemas.microsoft.com/office/powerpoint/2010/main">
+    <mc:Choice Requires="p14">
+      <p:transition spd="slow" p14:dur="2000"/>
+    </mc:Choice>
+    <mc:Fallback xmlns="">
+      <p:transition spd="slow"/>
+    </mc:Fallback>
+  </mc:AlternateContent>
   <p:timing>
     <p:tnLst>
       <p:par>
@@ -10581,20 +10616,37 @@
                             </p:stCondLst>
                             <p:childTnLst>
                               <p:par>
-                                <p:cTn id="5" presetID="10" presetClass="entr" presetSubtype="0" fill="hold" nodeType="clickEffect">
+                                <p:cTn id="5" presetID="1" presetClass="mediacall" presetSubtype="0" fill="hold" nodeType="clickEffect">
                                   <p:stCondLst>
                                     <p:cond delay="0"/>
                                   </p:stCondLst>
                                   <p:childTnLst>
+                                    <p:cmd type="call" cmd="playFrom(0.0)">
+                                      <p:cBhvr>
+                                        <p:cTn id="6" dur="11075" fill="hold"/>
+                                        <p:tgtEl>
+                                          <p:spTgt spid="38"/>
+                                        </p:tgtEl>
+                                      </p:cBhvr>
+                                    </p:cmd>
+                                  </p:childTnLst>
+                                </p:cTn>
+                              </p:par>
+                              <p:par>
+                                <p:cTn id="7" presetID="10" presetClass="entr" presetSubtype="0" fill="hold" nodeType="withEffect">
+                                  <p:stCondLst>
+                                    <p:cond delay="1000"/>
+                                  </p:stCondLst>
+                                  <p:childTnLst>
                                     <p:set>
                                       <p:cBhvr>
-                                        <p:cTn id="6" dur="1" fill="hold">
+                                        <p:cTn id="8" dur="1" fill="hold">
                                           <p:stCondLst>
                                             <p:cond delay="0"/>
                                           </p:stCondLst>
                                         </p:cTn>
                                         <p:tgtEl>
-                                          <p:spTgt spid="10"/>
+                                          <p:spTgt spid="3"/>
                                         </p:tgtEl>
                                         <p:attrNameLst>
                                           <p:attrName>style.visibility</p:attrName>
@@ -10606,39 +10658,30 @@
                                     </p:set>
                                     <p:animEffect transition="in" filter="fade">
                                       <p:cBhvr>
-                                        <p:cTn id="7" dur="250"/>
+                                        <p:cTn id="9" dur="250"/>
                                         <p:tgtEl>
-                                          <p:spTgt spid="10"/>
+                                          <p:spTgt spid="3"/>
                                         </p:tgtEl>
                                       </p:cBhvr>
                                     </p:animEffect>
                                   </p:childTnLst>
                                 </p:cTn>
                               </p:par>
-                            </p:childTnLst>
-                          </p:cTn>
-                        </p:par>
-                        <p:par>
-                          <p:cTn id="8" fill="hold">
-                            <p:stCondLst>
-                              <p:cond delay="250"/>
-                            </p:stCondLst>
-                            <p:childTnLst>
                               <p:par>
-                                <p:cTn id="9" presetID="10" presetClass="entr" presetSubtype="0" fill="hold" nodeType="afterEffect">
+                                <p:cTn id="10" presetID="10" presetClass="entr" presetSubtype="0" fill="hold" nodeType="withEffect">
                                   <p:stCondLst>
-                                    <p:cond delay="1000"/>
+                                    <p:cond delay="2000"/>
                                   </p:stCondLst>
                                   <p:childTnLst>
                                     <p:set>
                                       <p:cBhvr>
-                                        <p:cTn id="10" dur="1" fill="hold">
+                                        <p:cTn id="11" dur="1" fill="hold">
                                           <p:stCondLst>
                                             <p:cond delay="0"/>
                                           </p:stCondLst>
                                         </p:cTn>
                                         <p:tgtEl>
-                                          <p:spTgt spid="11"/>
+                                          <p:spTgt spid="29"/>
                                         </p:tgtEl>
                                         <p:attrNameLst>
                                           <p:attrName>style.visibility</p:attrName>
@@ -10650,28 +10693,19 @@
                                     </p:set>
                                     <p:animEffect transition="in" filter="fade">
                                       <p:cBhvr>
-                                        <p:cTn id="11" dur="250"/>
+                                        <p:cTn id="12" dur="250"/>
                                         <p:tgtEl>
-                                          <p:spTgt spid="11"/>
+                                          <p:spTgt spid="29"/>
                                         </p:tgtEl>
                                       </p:cBhvr>
                                     </p:animEffect>
                                   </p:childTnLst>
                                 </p:cTn>
                               </p:par>
-                            </p:childTnLst>
-                          </p:cTn>
-                        </p:par>
-                        <p:par>
-                          <p:cTn id="12" fill="hold">
-                            <p:stCondLst>
-                              <p:cond delay="1500"/>
-                            </p:stCondLst>
-                            <p:childTnLst>
                               <p:par>
-                                <p:cTn id="13" presetID="10" presetClass="entr" presetSubtype="0" fill="hold" nodeType="afterEffect">
+                                <p:cTn id="13" presetID="10" presetClass="entr" presetSubtype="0" fill="hold" nodeType="withEffect">
                                   <p:stCondLst>
-                                    <p:cond delay="1000"/>
+                                    <p:cond delay="3000"/>
                                   </p:stCondLst>
                                   <p:childTnLst>
                                     <p:set>
@@ -10682,7 +10716,7 @@
                                           </p:stCondLst>
                                         </p:cTn>
                                         <p:tgtEl>
-                                          <p:spTgt spid="12"/>
+                                          <p:spTgt spid="30"/>
                                         </p:tgtEl>
                                         <p:attrNameLst>
                                           <p:attrName>style.visibility</p:attrName>
@@ -10696,37 +10730,28 @@
                                       <p:cBhvr>
                                         <p:cTn id="15" dur="250"/>
                                         <p:tgtEl>
-                                          <p:spTgt spid="12"/>
+                                          <p:spTgt spid="30"/>
                                         </p:tgtEl>
                                       </p:cBhvr>
                                     </p:animEffect>
                                   </p:childTnLst>
                                 </p:cTn>
                               </p:par>
-                            </p:childTnLst>
-                          </p:cTn>
-                        </p:par>
-                        <p:par>
-                          <p:cTn id="16" fill="hold">
-                            <p:stCondLst>
-                              <p:cond delay="2750"/>
-                            </p:stCondLst>
-                            <p:childTnLst>
                               <p:par>
-                                <p:cTn id="17" presetID="10" presetClass="entr" presetSubtype="0" fill="hold" nodeType="afterEffect">
+                                <p:cTn id="16" presetID="10" presetClass="entr" presetSubtype="0" fill="hold" nodeType="withEffect">
                                   <p:stCondLst>
-                                    <p:cond delay="1000"/>
+                                    <p:cond delay="4000"/>
                                   </p:stCondLst>
                                   <p:childTnLst>
                                     <p:set>
                                       <p:cBhvr>
-                                        <p:cTn id="18" dur="1" fill="hold">
+                                        <p:cTn id="17" dur="1" fill="hold">
                                           <p:stCondLst>
                                             <p:cond delay="0"/>
                                           </p:stCondLst>
                                         </p:cTn>
                                         <p:tgtEl>
-                                          <p:spTgt spid="13"/>
+                                          <p:spTgt spid="31"/>
                                         </p:tgtEl>
                                         <p:attrNameLst>
                                           <p:attrName>style.visibility</p:attrName>
@@ -10738,39 +10763,30 @@
                                     </p:set>
                                     <p:animEffect transition="in" filter="fade">
                                       <p:cBhvr>
-                                        <p:cTn id="19" dur="250"/>
+                                        <p:cTn id="18" dur="250"/>
                                         <p:tgtEl>
-                                          <p:spTgt spid="13"/>
+                                          <p:spTgt spid="31"/>
                                         </p:tgtEl>
                                       </p:cBhvr>
                                     </p:animEffect>
                                   </p:childTnLst>
                                 </p:cTn>
                               </p:par>
-                            </p:childTnLst>
-                          </p:cTn>
-                        </p:par>
-                        <p:par>
-                          <p:cTn id="20" fill="hold">
-                            <p:stCondLst>
-                              <p:cond delay="4000"/>
-                            </p:stCondLst>
-                            <p:childTnLst>
                               <p:par>
-                                <p:cTn id="21" presetID="10" presetClass="entr" presetSubtype="0" fill="hold" nodeType="afterEffect">
+                                <p:cTn id="19" presetID="10" presetClass="entr" presetSubtype="0" fill="hold" nodeType="withEffect">
                                   <p:stCondLst>
-                                    <p:cond delay="1000"/>
+                                    <p:cond delay="5000"/>
                                   </p:stCondLst>
                                   <p:childTnLst>
                                     <p:set>
                                       <p:cBhvr>
-                                        <p:cTn id="22" dur="1" fill="hold">
+                                        <p:cTn id="20" dur="1" fill="hold">
                                           <p:stCondLst>
                                             <p:cond delay="0"/>
                                           </p:stCondLst>
                                         </p:cTn>
                                         <p:tgtEl>
-                                          <p:spTgt spid="14"/>
+                                          <p:spTgt spid="32"/>
                                         </p:tgtEl>
                                         <p:attrNameLst>
                                           <p:attrName>style.visibility</p:attrName>
@@ -10782,28 +10798,54 @@
                                     </p:set>
                                     <p:animEffect transition="in" filter="fade">
                                       <p:cBhvr>
-                                        <p:cTn id="23" dur="250"/>
+                                        <p:cTn id="21" dur="250"/>
                                         <p:tgtEl>
-                                          <p:spTgt spid="14"/>
+                                          <p:spTgt spid="32"/>
                                         </p:tgtEl>
                                       </p:cBhvr>
                                     </p:animEffect>
                                   </p:childTnLst>
                                 </p:cTn>
                               </p:par>
-                            </p:childTnLst>
-                          </p:cTn>
-                        </p:par>
-                        <p:par>
-                          <p:cTn id="24" fill="hold">
-                            <p:stCondLst>
-                              <p:cond delay="5250"/>
-                            </p:stCondLst>
-                            <p:childTnLst>
                               <p:par>
-                                <p:cTn id="25" presetID="10" presetClass="entr" presetSubtype="0" fill="hold" nodeType="afterEffect">
+                                <p:cTn id="22" presetID="10" presetClass="entr" presetSubtype="0" fill="hold" nodeType="withEffect">
                                   <p:stCondLst>
-                                    <p:cond delay="1000"/>
+                                    <p:cond delay="6000"/>
+                                  </p:stCondLst>
+                                  <p:childTnLst>
+                                    <p:set>
+                                      <p:cBhvr>
+                                        <p:cTn id="23" dur="1" fill="hold">
+                                          <p:stCondLst>
+                                            <p:cond delay="0"/>
+                                          </p:stCondLst>
+                                        </p:cTn>
+                                        <p:tgtEl>
+                                          <p:spTgt spid="33"/>
+                                        </p:tgtEl>
+                                        <p:attrNameLst>
+                                          <p:attrName>style.visibility</p:attrName>
+                                        </p:attrNameLst>
+                                      </p:cBhvr>
+                                      <p:to>
+                                        <p:strVal val="visible"/>
+                                      </p:to>
+                                    </p:set>
+                                    <p:animEffect transition="in" filter="fade">
+                                      <p:cBhvr>
+                                        <p:cTn id="24" dur="250"/>
+                                        <p:tgtEl>
+                                          <p:spTgt spid="33"/>
+                                        </p:tgtEl>
+                                      </p:cBhvr>
+                                    </p:animEffect>
+                                  </p:childTnLst>
+                                </p:cTn>
+                              </p:par>
+                              <p:par>
+                                <p:cTn id="25" presetID="10" presetClass="entr" presetSubtype="0" fill="hold" nodeType="withEffect">
+                                  <p:stCondLst>
+                                    <p:cond delay="7000"/>
                                   </p:stCondLst>
                                   <p:childTnLst>
                                     <p:set>
@@ -10814,7 +10856,7 @@
                                           </p:stCondLst>
                                         </p:cTn>
                                         <p:tgtEl>
-                                          <p:spTgt spid="15"/>
+                                          <p:spTgt spid="34"/>
                                         </p:tgtEl>
                                         <p:attrNameLst>
                                           <p:attrName>style.visibility</p:attrName>
@@ -10828,37 +10870,28 @@
                                       <p:cBhvr>
                                         <p:cTn id="27" dur="250"/>
                                         <p:tgtEl>
-                                          <p:spTgt spid="15"/>
+                                          <p:spTgt spid="34"/>
                                         </p:tgtEl>
                                       </p:cBhvr>
                                     </p:animEffect>
                                   </p:childTnLst>
                                 </p:cTn>
                               </p:par>
-                            </p:childTnLst>
-                          </p:cTn>
-                        </p:par>
-                        <p:par>
-                          <p:cTn id="28" fill="hold">
-                            <p:stCondLst>
-                              <p:cond delay="6500"/>
-                            </p:stCondLst>
-                            <p:childTnLst>
                               <p:par>
-                                <p:cTn id="29" presetID="10" presetClass="entr" presetSubtype="0" fill="hold" nodeType="afterEffect">
+                                <p:cTn id="28" presetID="10" presetClass="entr" presetSubtype="0" fill="hold" nodeType="withEffect">
                                   <p:stCondLst>
-                                    <p:cond delay="1000"/>
+                                    <p:cond delay="8000"/>
                                   </p:stCondLst>
                                   <p:childTnLst>
                                     <p:set>
                                       <p:cBhvr>
-                                        <p:cTn id="30" dur="1" fill="hold">
+                                        <p:cTn id="29" dur="1" fill="hold">
                                           <p:stCondLst>
                                             <p:cond delay="0"/>
                                           </p:stCondLst>
                                         </p:cTn>
                                         <p:tgtEl>
-                                          <p:spTgt spid="16"/>
+                                          <p:spTgt spid="35"/>
                                         </p:tgtEl>
                                         <p:attrNameLst>
                                           <p:attrName>style.visibility</p:attrName>
@@ -10870,39 +10903,30 @@
                                     </p:set>
                                     <p:animEffect transition="in" filter="fade">
                                       <p:cBhvr>
-                                        <p:cTn id="31" dur="250"/>
+                                        <p:cTn id="30" dur="250"/>
                                         <p:tgtEl>
-                                          <p:spTgt spid="16"/>
+                                          <p:spTgt spid="35"/>
                                         </p:tgtEl>
                                       </p:cBhvr>
                                     </p:animEffect>
                                   </p:childTnLst>
                                 </p:cTn>
                               </p:par>
-                            </p:childTnLst>
-                          </p:cTn>
-                        </p:par>
-                        <p:par>
-                          <p:cTn id="32" fill="hold">
-                            <p:stCondLst>
-                              <p:cond delay="7750"/>
-                            </p:stCondLst>
-                            <p:childTnLst>
                               <p:par>
-                                <p:cTn id="33" presetID="10" presetClass="entr" presetSubtype="0" fill="hold" nodeType="afterEffect">
+                                <p:cTn id="31" presetID="10" presetClass="entr" presetSubtype="0" fill="hold" nodeType="withEffect">
                                   <p:stCondLst>
-                                    <p:cond delay="1000"/>
+                                    <p:cond delay="9000"/>
                                   </p:stCondLst>
                                   <p:childTnLst>
                                     <p:set>
                                       <p:cBhvr>
-                                        <p:cTn id="34" dur="1" fill="hold">
+                                        <p:cTn id="32" dur="1" fill="hold">
                                           <p:stCondLst>
                                             <p:cond delay="0"/>
                                           </p:stCondLst>
                                         </p:cTn>
                                         <p:tgtEl>
-                                          <p:spTgt spid="17"/>
+                                          <p:spTgt spid="36"/>
                                         </p:tgtEl>
                                         <p:attrNameLst>
                                           <p:attrName>style.visibility</p:attrName>
@@ -10914,39 +10938,30 @@
                                     </p:set>
                                     <p:animEffect transition="in" filter="fade">
                                       <p:cBhvr>
-                                        <p:cTn id="35" dur="250"/>
+                                        <p:cTn id="33" dur="250"/>
                                         <p:tgtEl>
-                                          <p:spTgt spid="17"/>
+                                          <p:spTgt spid="36"/>
                                         </p:tgtEl>
                                       </p:cBhvr>
                                     </p:animEffect>
                                   </p:childTnLst>
                                 </p:cTn>
                               </p:par>
-                            </p:childTnLst>
-                          </p:cTn>
-                        </p:par>
-                        <p:par>
-                          <p:cTn id="36" fill="hold">
-                            <p:stCondLst>
-                              <p:cond delay="9000"/>
-                            </p:stCondLst>
-                            <p:childTnLst>
                               <p:par>
-                                <p:cTn id="37" presetID="10" presetClass="entr" presetSubtype="0" fill="hold" nodeType="afterEffect">
+                                <p:cTn id="34" presetID="10" presetClass="entr" presetSubtype="0" fill="hold" nodeType="withEffect">
                                   <p:stCondLst>
-                                    <p:cond delay="1000"/>
+                                    <p:cond delay="10000"/>
                                   </p:stCondLst>
                                   <p:childTnLst>
                                     <p:set>
                                       <p:cBhvr>
-                                        <p:cTn id="38" dur="1" fill="hold">
+                                        <p:cTn id="35" dur="1" fill="hold">
                                           <p:stCondLst>
                                             <p:cond delay="0"/>
                                           </p:stCondLst>
                                         </p:cTn>
                                         <p:tgtEl>
-                                          <p:spTgt spid="18"/>
+                                          <p:spTgt spid="37"/>
                                         </p:tgtEl>
                                         <p:attrNameLst>
                                           <p:attrName>style.visibility</p:attrName>
@@ -10958,493 +10973,9 @@
                                     </p:set>
                                     <p:animEffect transition="in" filter="fade">
                                       <p:cBhvr>
-                                        <p:cTn id="39" dur="250"/>
+                                        <p:cTn id="36" dur="250"/>
                                         <p:tgtEl>
-                                          <p:spTgt spid="18"/>
-                                        </p:tgtEl>
-                                      </p:cBhvr>
-                                    </p:animEffect>
-                                  </p:childTnLst>
-                                </p:cTn>
-                              </p:par>
-                            </p:childTnLst>
-                          </p:cTn>
-                        </p:par>
-                        <p:par>
-                          <p:cTn id="40" fill="hold">
-                            <p:stCondLst>
-                              <p:cond delay="10250"/>
-                            </p:stCondLst>
-                            <p:childTnLst>
-                              <p:par>
-                                <p:cTn id="41" presetID="10" presetClass="entr" presetSubtype="0" fill="hold" nodeType="afterEffect">
-                                  <p:stCondLst>
-                                    <p:cond delay="1000"/>
-                                  </p:stCondLst>
-                                  <p:childTnLst>
-                                    <p:set>
-                                      <p:cBhvr>
-                                        <p:cTn id="42" dur="1" fill="hold">
-                                          <p:stCondLst>
-                                            <p:cond delay="0"/>
-                                          </p:stCondLst>
-                                        </p:cTn>
-                                        <p:tgtEl>
-                                          <p:spTgt spid="19"/>
-                                        </p:tgtEl>
-                                        <p:attrNameLst>
-                                          <p:attrName>style.visibility</p:attrName>
-                                        </p:attrNameLst>
-                                      </p:cBhvr>
-                                      <p:to>
-                                        <p:strVal val="visible"/>
-                                      </p:to>
-                                    </p:set>
-                                    <p:animEffect transition="in" filter="fade">
-                                      <p:cBhvr>
-                                        <p:cTn id="43" dur="250"/>
-                                        <p:tgtEl>
-                                          <p:spTgt spid="19"/>
-                                        </p:tgtEl>
-                                      </p:cBhvr>
-                                    </p:animEffect>
-                                  </p:childTnLst>
-                                </p:cTn>
-                              </p:par>
-                            </p:childTnLst>
-                          </p:cTn>
-                        </p:par>
-                        <p:par>
-                          <p:cTn id="44" fill="hold">
-                            <p:stCondLst>
-                              <p:cond delay="11500"/>
-                            </p:stCondLst>
-                            <p:childTnLst>
-                              <p:par>
-                                <p:cTn id="45" presetID="10" presetClass="entr" presetSubtype="0" fill="hold" nodeType="afterEffect">
-                                  <p:stCondLst>
-                                    <p:cond delay="1000"/>
-                                  </p:stCondLst>
-                                  <p:childTnLst>
-                                    <p:set>
-                                      <p:cBhvr>
-                                        <p:cTn id="46" dur="1" fill="hold">
-                                          <p:stCondLst>
-                                            <p:cond delay="0"/>
-                                          </p:stCondLst>
-                                        </p:cTn>
-                                        <p:tgtEl>
-                                          <p:spTgt spid="20"/>
-                                        </p:tgtEl>
-                                        <p:attrNameLst>
-                                          <p:attrName>style.visibility</p:attrName>
-                                        </p:attrNameLst>
-                                      </p:cBhvr>
-                                      <p:to>
-                                        <p:strVal val="visible"/>
-                                      </p:to>
-                                    </p:set>
-                                    <p:animEffect transition="in" filter="fade">
-                                      <p:cBhvr>
-                                        <p:cTn id="47" dur="250"/>
-                                        <p:tgtEl>
-                                          <p:spTgt spid="20"/>
-                                        </p:tgtEl>
-                                      </p:cBhvr>
-                                    </p:animEffect>
-                                  </p:childTnLst>
-                                </p:cTn>
-                              </p:par>
-                            </p:childTnLst>
-                          </p:cTn>
-                        </p:par>
-                        <p:par>
-                          <p:cTn id="48" fill="hold">
-                            <p:stCondLst>
-                              <p:cond delay="12750"/>
-                            </p:stCondLst>
-                            <p:childTnLst>
-                              <p:par>
-                                <p:cTn id="49" presetID="10" presetClass="entr" presetSubtype="0" fill="hold" nodeType="afterEffect">
-                                  <p:stCondLst>
-                                    <p:cond delay="1000"/>
-                                  </p:stCondLst>
-                                  <p:childTnLst>
-                                    <p:set>
-                                      <p:cBhvr>
-                                        <p:cTn id="50" dur="1" fill="hold">
-                                          <p:stCondLst>
-                                            <p:cond delay="0"/>
-                                          </p:stCondLst>
-                                        </p:cTn>
-                                        <p:tgtEl>
-                                          <p:spTgt spid="21"/>
-                                        </p:tgtEl>
-                                        <p:attrNameLst>
-                                          <p:attrName>style.visibility</p:attrName>
-                                        </p:attrNameLst>
-                                      </p:cBhvr>
-                                      <p:to>
-                                        <p:strVal val="visible"/>
-                                      </p:to>
-                                    </p:set>
-                                    <p:animEffect transition="in" filter="fade">
-                                      <p:cBhvr>
-                                        <p:cTn id="51" dur="250"/>
-                                        <p:tgtEl>
-                                          <p:spTgt spid="21"/>
-                                        </p:tgtEl>
-                                      </p:cBhvr>
-                                    </p:animEffect>
-                                  </p:childTnLst>
-                                </p:cTn>
-                              </p:par>
-                            </p:childTnLst>
-                          </p:cTn>
-                        </p:par>
-                        <p:par>
-                          <p:cTn id="52" fill="hold">
-                            <p:stCondLst>
-                              <p:cond delay="14000"/>
-                            </p:stCondLst>
-                            <p:childTnLst>
-                              <p:par>
-                                <p:cTn id="53" presetID="10" presetClass="entr" presetSubtype="0" fill="hold" nodeType="afterEffect">
-                                  <p:stCondLst>
-                                    <p:cond delay="1000"/>
-                                  </p:stCondLst>
-                                  <p:childTnLst>
-                                    <p:set>
-                                      <p:cBhvr>
-                                        <p:cTn id="54" dur="1" fill="hold">
-                                          <p:stCondLst>
-                                            <p:cond delay="0"/>
-                                          </p:stCondLst>
-                                        </p:cTn>
-                                        <p:tgtEl>
-                                          <p:spTgt spid="22"/>
-                                        </p:tgtEl>
-                                        <p:attrNameLst>
-                                          <p:attrName>style.visibility</p:attrName>
-                                        </p:attrNameLst>
-                                      </p:cBhvr>
-                                      <p:to>
-                                        <p:strVal val="visible"/>
-                                      </p:to>
-                                    </p:set>
-                                    <p:animEffect transition="in" filter="fade">
-                                      <p:cBhvr>
-                                        <p:cTn id="55" dur="250"/>
-                                        <p:tgtEl>
-                                          <p:spTgt spid="22"/>
-                                        </p:tgtEl>
-                                      </p:cBhvr>
-                                    </p:animEffect>
-                                  </p:childTnLst>
-                                </p:cTn>
-                              </p:par>
-                            </p:childTnLst>
-                          </p:cTn>
-                        </p:par>
-                        <p:par>
-                          <p:cTn id="56" fill="hold">
-                            <p:stCondLst>
-                              <p:cond delay="15250"/>
-                            </p:stCondLst>
-                            <p:childTnLst>
-                              <p:par>
-                                <p:cTn id="57" presetID="10" presetClass="entr" presetSubtype="0" fill="hold" nodeType="afterEffect">
-                                  <p:stCondLst>
-                                    <p:cond delay="1000"/>
-                                  </p:stCondLst>
-                                  <p:childTnLst>
-                                    <p:set>
-                                      <p:cBhvr>
-                                        <p:cTn id="58" dur="1" fill="hold">
-                                          <p:stCondLst>
-                                            <p:cond delay="0"/>
-                                          </p:stCondLst>
-                                        </p:cTn>
-                                        <p:tgtEl>
-                                          <p:spTgt spid="23"/>
-                                        </p:tgtEl>
-                                        <p:attrNameLst>
-                                          <p:attrName>style.visibility</p:attrName>
-                                        </p:attrNameLst>
-                                      </p:cBhvr>
-                                      <p:to>
-                                        <p:strVal val="visible"/>
-                                      </p:to>
-                                    </p:set>
-                                    <p:animEffect transition="in" filter="fade">
-                                      <p:cBhvr>
-                                        <p:cTn id="59" dur="250"/>
-                                        <p:tgtEl>
-                                          <p:spTgt spid="23"/>
-                                        </p:tgtEl>
-                                      </p:cBhvr>
-                                    </p:animEffect>
-                                  </p:childTnLst>
-                                </p:cTn>
-                              </p:par>
-                            </p:childTnLst>
-                          </p:cTn>
-                        </p:par>
-                        <p:par>
-                          <p:cTn id="60" fill="hold">
-                            <p:stCondLst>
-                              <p:cond delay="16500"/>
-                            </p:stCondLst>
-                            <p:childTnLst>
-                              <p:par>
-                                <p:cTn id="61" presetID="10" presetClass="entr" presetSubtype="0" fill="hold" nodeType="afterEffect">
-                                  <p:stCondLst>
-                                    <p:cond delay="1000"/>
-                                  </p:stCondLst>
-                                  <p:childTnLst>
-                                    <p:set>
-                                      <p:cBhvr>
-                                        <p:cTn id="62" dur="1" fill="hold">
-                                          <p:stCondLst>
-                                            <p:cond delay="0"/>
-                                          </p:stCondLst>
-                                        </p:cTn>
-                                        <p:tgtEl>
-                                          <p:spTgt spid="24"/>
-                                        </p:tgtEl>
-                                        <p:attrNameLst>
-                                          <p:attrName>style.visibility</p:attrName>
-                                        </p:attrNameLst>
-                                      </p:cBhvr>
-                                      <p:to>
-                                        <p:strVal val="visible"/>
-                                      </p:to>
-                                    </p:set>
-                                    <p:animEffect transition="in" filter="fade">
-                                      <p:cBhvr>
-                                        <p:cTn id="63" dur="250"/>
-                                        <p:tgtEl>
-                                          <p:spTgt spid="24"/>
-                                        </p:tgtEl>
-                                      </p:cBhvr>
-                                    </p:animEffect>
-                                  </p:childTnLst>
-                                </p:cTn>
-                              </p:par>
-                            </p:childTnLst>
-                          </p:cTn>
-                        </p:par>
-                        <p:par>
-                          <p:cTn id="64" fill="hold">
-                            <p:stCondLst>
-                              <p:cond delay="17750"/>
-                            </p:stCondLst>
-                            <p:childTnLst>
-                              <p:par>
-                                <p:cTn id="65" presetID="10" presetClass="entr" presetSubtype="0" fill="hold" nodeType="afterEffect">
-                                  <p:stCondLst>
-                                    <p:cond delay="1000"/>
-                                  </p:stCondLst>
-                                  <p:childTnLst>
-                                    <p:set>
-                                      <p:cBhvr>
-                                        <p:cTn id="66" dur="1" fill="hold">
-                                          <p:stCondLst>
-                                            <p:cond delay="0"/>
-                                          </p:stCondLst>
-                                        </p:cTn>
-                                        <p:tgtEl>
-                                          <p:spTgt spid="25"/>
-                                        </p:tgtEl>
-                                        <p:attrNameLst>
-                                          <p:attrName>style.visibility</p:attrName>
-                                        </p:attrNameLst>
-                                      </p:cBhvr>
-                                      <p:to>
-                                        <p:strVal val="visible"/>
-                                      </p:to>
-                                    </p:set>
-                                    <p:animEffect transition="in" filter="fade">
-                                      <p:cBhvr>
-                                        <p:cTn id="67" dur="250"/>
-                                        <p:tgtEl>
-                                          <p:spTgt spid="25"/>
-                                        </p:tgtEl>
-                                      </p:cBhvr>
-                                    </p:animEffect>
-                                  </p:childTnLst>
-                                </p:cTn>
-                              </p:par>
-                            </p:childTnLst>
-                          </p:cTn>
-                        </p:par>
-                        <p:par>
-                          <p:cTn id="68" fill="hold">
-                            <p:stCondLst>
-                              <p:cond delay="19000"/>
-                            </p:stCondLst>
-                            <p:childTnLst>
-                              <p:par>
-                                <p:cTn id="69" presetID="10" presetClass="entr" presetSubtype="0" fill="hold" nodeType="afterEffect">
-                                  <p:stCondLst>
-                                    <p:cond delay="1000"/>
-                                  </p:stCondLst>
-                                  <p:childTnLst>
-                                    <p:set>
-                                      <p:cBhvr>
-                                        <p:cTn id="70" dur="1" fill="hold">
-                                          <p:stCondLst>
-                                            <p:cond delay="0"/>
-                                          </p:stCondLst>
-                                        </p:cTn>
-                                        <p:tgtEl>
-                                          <p:spTgt spid="26"/>
-                                        </p:tgtEl>
-                                        <p:attrNameLst>
-                                          <p:attrName>style.visibility</p:attrName>
-                                        </p:attrNameLst>
-                                      </p:cBhvr>
-                                      <p:to>
-                                        <p:strVal val="visible"/>
-                                      </p:to>
-                                    </p:set>
-                                    <p:animEffect transition="in" filter="fade">
-                                      <p:cBhvr>
-                                        <p:cTn id="71" dur="250"/>
-                                        <p:tgtEl>
-                                          <p:spTgt spid="26"/>
-                                        </p:tgtEl>
-                                      </p:cBhvr>
-                                    </p:animEffect>
-                                  </p:childTnLst>
-                                </p:cTn>
-                              </p:par>
-                            </p:childTnLst>
-                          </p:cTn>
-                        </p:par>
-                        <p:par>
-                          <p:cTn id="72" fill="hold">
-                            <p:stCondLst>
-                              <p:cond delay="20250"/>
-                            </p:stCondLst>
-                            <p:childTnLst>
-                              <p:par>
-                                <p:cTn id="73" presetID="10" presetClass="entr" presetSubtype="0" fill="hold" nodeType="afterEffect">
-                                  <p:stCondLst>
-                                    <p:cond delay="1000"/>
-                                  </p:stCondLst>
-                                  <p:childTnLst>
-                                    <p:set>
-                                      <p:cBhvr>
-                                        <p:cTn id="74" dur="1" fill="hold">
-                                          <p:stCondLst>
-                                            <p:cond delay="0"/>
-                                          </p:stCondLst>
-                                        </p:cTn>
-                                        <p:tgtEl>
-                                          <p:spTgt spid="27"/>
-                                        </p:tgtEl>
-                                        <p:attrNameLst>
-                                          <p:attrName>style.visibility</p:attrName>
-                                        </p:attrNameLst>
-                                      </p:cBhvr>
-                                      <p:to>
-                                        <p:strVal val="visible"/>
-                                      </p:to>
-                                    </p:set>
-                                    <p:animEffect transition="in" filter="fade">
-                                      <p:cBhvr>
-                                        <p:cTn id="75" dur="250"/>
-                                        <p:tgtEl>
-                                          <p:spTgt spid="27"/>
-                                        </p:tgtEl>
-                                      </p:cBhvr>
-                                    </p:animEffect>
-                                  </p:childTnLst>
-                                </p:cTn>
-                              </p:par>
-                            </p:childTnLst>
-                          </p:cTn>
-                        </p:par>
-                        <p:par>
-                          <p:cTn id="76" fill="hold">
-                            <p:stCondLst>
-                              <p:cond delay="21500"/>
-                            </p:stCondLst>
-                            <p:childTnLst>
-                              <p:par>
-                                <p:cTn id="77" presetID="10" presetClass="entr" presetSubtype="0" fill="hold" nodeType="afterEffect">
-                                  <p:stCondLst>
-                                    <p:cond delay="1000"/>
-                                  </p:stCondLst>
-                                  <p:childTnLst>
-                                    <p:set>
-                                      <p:cBhvr>
-                                        <p:cTn id="78" dur="1" fill="hold">
-                                          <p:stCondLst>
-                                            <p:cond delay="0"/>
-                                          </p:stCondLst>
-                                        </p:cTn>
-                                        <p:tgtEl>
-                                          <p:spTgt spid="28"/>
-                                        </p:tgtEl>
-                                        <p:attrNameLst>
-                                          <p:attrName>style.visibility</p:attrName>
-                                        </p:attrNameLst>
-                                      </p:cBhvr>
-                                      <p:to>
-                                        <p:strVal val="visible"/>
-                                      </p:to>
-                                    </p:set>
-                                    <p:animEffect transition="in" filter="fade">
-                                      <p:cBhvr>
-                                        <p:cTn id="79" dur="250"/>
-                                        <p:tgtEl>
-                                          <p:spTgt spid="28"/>
-                                        </p:tgtEl>
-                                      </p:cBhvr>
-                                    </p:animEffect>
-                                  </p:childTnLst>
-                                </p:cTn>
-                              </p:par>
-                            </p:childTnLst>
-                          </p:cTn>
-                        </p:par>
-                        <p:par>
-                          <p:cTn id="80" fill="hold">
-                            <p:stCondLst>
-                              <p:cond delay="22750"/>
-                            </p:stCondLst>
-                            <p:childTnLst>
-                              <p:par>
-                                <p:cTn id="81" presetID="10" presetClass="entr" presetSubtype="0" fill="hold" nodeType="afterEffect">
-                                  <p:stCondLst>
-                                    <p:cond delay="1000"/>
-                                  </p:stCondLst>
-                                  <p:childTnLst>
-                                    <p:set>
-                                      <p:cBhvr>
-                                        <p:cTn id="82" dur="1" fill="hold">
-                                          <p:stCondLst>
-                                            <p:cond delay="0"/>
-                                          </p:stCondLst>
-                                        </p:cTn>
-                                        <p:tgtEl>
-                                          <p:spTgt spid="8"/>
-                                        </p:tgtEl>
-                                        <p:attrNameLst>
-                                          <p:attrName>style.visibility</p:attrName>
-                                        </p:attrNameLst>
-                                      </p:cBhvr>
-                                      <p:to>
-                                        <p:strVal val="visible"/>
-                                      </p:to>
-                                    </p:set>
-                                    <p:animEffect transition="in" filter="fade">
-                                      <p:cBhvr>
-                                        <p:cTn id="83" dur="250"/>
-                                        <p:tgtEl>
-                                          <p:spTgt spid="8"/>
+                                          <p:spTgt spid="37"/>
                                         </p:tgtEl>
                                       </p:cBhvr>
                                     </p:animEffect>
@@ -11474,6 +11005,25 @@
                 </p:cond>
               </p:nextCondLst>
             </p:seq>
+            <p:audio>
+              <p:cMediaNode vol="80000">
+                <p:cTn id="37" fill="hold" display="0">
+                  <p:stCondLst>
+                    <p:cond delay="indefinite"/>
+                  </p:stCondLst>
+                  <p:endCondLst>
+                    <p:cond evt="onStopAudio" delay="0">
+                      <p:tgtEl>
+                        <p:sldTgt/>
+                      </p:tgtEl>
+                    </p:cond>
+                  </p:endCondLst>
+                </p:cTn>
+                <p:tgtEl>
+                  <p:spTgt spid="38"/>
+                </p:tgtEl>
+              </p:cMediaNode>
+            </p:audio>
           </p:childTnLst>
         </p:cTn>
       </p:par>
@@ -11539,7 +11089,7 @@
           <a:p>
             <a:fld id="{A782DF66-3609-46AF-9A5C-DF0EDD34A7DB}" type="datetime1">
               <a:rPr lang="de-DE" smtClean="0"/>
-              <a:t>20.06.2015</a:t>
+              <a:t>21.06.2015</a:t>
             </a:fld>
             <a:endParaRPr lang="de-DE"/>
           </a:p>
@@ -12030,7 +11580,7 @@
           <a:p>
             <a:fld id="{A782DF66-3609-46AF-9A5C-DF0EDD34A7DB}" type="datetime1">
               <a:rPr lang="de-DE" smtClean="0"/>
-              <a:t>20.06.2015</a:t>
+              <a:t>21.06.2015</a:t>
             </a:fld>
             <a:endParaRPr lang="de-DE"/>
           </a:p>
@@ -12243,7 +11793,7 @@
           <a:p>
             <a:fld id="{D9A33BE7-191D-4D84-96A8-D32FBF7D1E60}" type="datetime1">
               <a:rPr lang="de-DE" smtClean="0"/>
-              <a:t>20.06.2015</a:t>
+              <a:t>21.06.2015</a:t>
             </a:fld>
             <a:endParaRPr lang="de-DE"/>
           </a:p>
@@ -13135,7 +12685,7 @@
           <a:p>
             <a:fld id="{A782DF66-3609-46AF-9A5C-DF0EDD34A7DB}" type="datetime1">
               <a:rPr lang="de-DE" smtClean="0"/>
-              <a:t>20.06.2015</a:t>
+              <a:t>21.06.2015</a:t>
             </a:fld>
             <a:endParaRPr lang="de-DE"/>
           </a:p>
@@ -13295,7 +12845,7 @@
           <a:p>
             <a:fld id="{A782DF66-3609-46AF-9A5C-DF0EDD34A7DB}" type="datetime1">
               <a:rPr lang="de-DE" smtClean="0"/>
-              <a:t>20.06.2015</a:t>
+              <a:t>21.06.2015</a:t>
             </a:fld>
             <a:endParaRPr lang="de-DE"/>
           </a:p>
@@ -13417,7 +12967,7 @@
       </p:grpSpPr>
       <p:sp>
         <p:nvSpPr>
-          <p:cNvPr id="2" name="Title 1"/>
+          <p:cNvPr id="6" name="Title 5"/>
           <p:cNvSpPr>
             <a:spLocks noGrp="1"/>
           </p:cNvSpPr>
@@ -13431,10 +12981,28 @@
           <a:lstStyle/>
           <a:p>
             <a:r>
-              <a:rPr lang="de-DE" dirty="0" smtClean="0"/>
-              <a:t>N1=1; N2=2</a:t>
-            </a:r>
-            <a:endParaRPr lang="de-DE" dirty="0"/>
+              <a:rPr lang="de-DE" dirty="0"/>
+              <a:t>Frequenzverhältnisse</a:t>
+            </a:r>
+          </a:p>
+        </p:txBody>
+      </p:sp>
+      <p:sp>
+        <p:nvSpPr>
+          <p:cNvPr id="7" name="Text Placeholder 6"/>
+          <p:cNvSpPr>
+            <a:spLocks noGrp="1"/>
+          </p:cNvSpPr>
+          <p:nvPr>
+            <p:ph type="body" idx="1"/>
+          </p:nvPr>
+        </p:nvSpPr>
+        <p:spPr/>
+        <p:txBody>
+          <a:bodyPr/>
+          <a:lstStyle/>
+          <a:p>
+            <a:endParaRPr lang="de-DE"/>
           </a:p>
         </p:txBody>
       </p:sp>
@@ -13455,7 +13023,7 @@
           <a:p>
             <a:fld id="{A782DF66-3609-46AF-9A5C-DF0EDD34A7DB}" type="datetime1">
               <a:rPr lang="de-DE" smtClean="0"/>
-              <a:t>20.06.2015</a:t>
+              <a:t>21.06.2015</a:t>
             </a:fld>
             <a:endParaRPr lang="de-DE"/>
           </a:p>
@@ -13508,40 +13076,10 @@
           </a:p>
         </p:txBody>
       </p:sp>
-      <p:pic>
-        <p:nvPicPr>
-          <p:cNvPr id="6" name="Picture 5"/>
-          <p:cNvPicPr>
-            <a:picLocks noChangeAspect="1"/>
-          </p:cNvPicPr>
-          <p:nvPr/>
-        </p:nvPicPr>
-        <p:blipFill>
-          <a:blip r:embed="rId2" cstate="print">
-            <a:extLst>
-              <a:ext uri="{28A0092B-C50C-407E-A947-70E740481C1C}">
-                <a14:useLocalDpi xmlns:a14="http://schemas.microsoft.com/office/drawing/2010/main" val="0"/>
-              </a:ext>
-            </a:extLst>
-          </a:blip>
-          <a:stretch>
-            <a:fillRect/>
-          </a:stretch>
-        </p:blipFill>
-        <p:spPr>
-          <a:xfrm>
-            <a:off x="1828794" y="742946"/>
-            <a:ext cx="5486411" cy="3657607"/>
-          </a:xfrm>
-          <a:prstGeom prst="rect">
-            <a:avLst/>
-          </a:prstGeom>
-        </p:spPr>
-      </p:pic>
     </p:spTree>
     <p:extLst>
       <p:ext uri="{BB962C8B-B14F-4D97-AF65-F5344CB8AC3E}">
-        <p14:creationId xmlns:p14="http://schemas.microsoft.com/office/powerpoint/2010/main" val="976770617"/>
+        <p14:creationId xmlns:p14="http://schemas.microsoft.com/office/powerpoint/2010/main" val="2366524330"/>
       </p:ext>
     </p:extLst>
   </p:cSld>
@@ -13577,7 +13115,7 @@
       </p:grpSpPr>
       <p:sp>
         <p:nvSpPr>
-          <p:cNvPr id="2" name="Title 1"/>
+          <p:cNvPr id="7" name="Title 6"/>
           <p:cNvSpPr>
             <a:spLocks noGrp="1"/>
           </p:cNvSpPr>
@@ -13591,21 +13129,39 @@
           <a:lstStyle/>
           <a:p>
             <a:r>
-              <a:rPr lang="de-DE" dirty="0" smtClean="0"/>
-              <a:t>1-1</a:t>
-            </a:r>
+              <a:rPr lang="de-DE" dirty="0"/>
+              <a:t>Frequenzverhältnisse</a:t>
+            </a:r>
+          </a:p>
+        </p:txBody>
+      </p:sp>
+      <p:sp>
+        <p:nvSpPr>
+          <p:cNvPr id="8" name="Content Placeholder 7"/>
+          <p:cNvSpPr>
+            <a:spLocks noGrp="1"/>
+          </p:cNvSpPr>
+          <p:nvPr>
+            <p:ph idx="1"/>
+          </p:nvPr>
+        </p:nvSpPr>
+        <p:spPr/>
+        <p:txBody>
+          <a:bodyPr/>
+          <a:lstStyle/>
+          <a:p>
             <a:endParaRPr lang="de-DE" dirty="0"/>
           </a:p>
         </p:txBody>
       </p:sp>
       <p:sp>
         <p:nvSpPr>
-          <p:cNvPr id="6" name="Content Placeholder 5"/>
-          <p:cNvSpPr>
-            <a:spLocks noGrp="1"/>
-          </p:cNvSpPr>
-          <p:nvPr>
-            <p:ph idx="1"/>
+          <p:cNvPr id="4" name="Date Placeholder 3"/>
+          <p:cNvSpPr>
+            <a:spLocks noGrp="1"/>
+          </p:cNvSpPr>
+          <p:nvPr>
+            <p:ph type="dt" sz="half" idx="10"/>
           </p:nvPr>
         </p:nvSpPr>
         <p:spPr/>
@@ -13613,47 +13169,9 @@
           <a:bodyPr/>
           <a:lstStyle/>
           <a:p>
-            <a:pPr marL="514350" indent="-514350">
-              <a:buFont typeface="+mj-lt"/>
-              <a:buAutoNum type="arabicPeriod"/>
-            </a:pPr>
-            <a:r>
-              <a:rPr lang="de-DE" dirty="0" smtClean="0"/>
-              <a:t>Die </a:t>
-            </a:r>
-            <a:r>
-              <a:rPr lang="de-DE" dirty="0"/>
-              <a:t>Trägerfrequenz ist immer die </a:t>
-            </a:r>
-            <a:r>
-              <a:rPr lang="de-DE" dirty="0" smtClean="0"/>
-              <a:t>N1−</a:t>
-            </a:r>
-            <a:r>
-              <a:rPr lang="de-DE" dirty="0"/>
-              <a:t>te Harmonische.</a:t>
-            </a:r>
-          </a:p>
-        </p:txBody>
-      </p:sp>
-      <p:sp>
-        <p:nvSpPr>
-          <p:cNvPr id="3" name="Date Placeholder 2"/>
-          <p:cNvSpPr>
-            <a:spLocks noGrp="1"/>
-          </p:cNvSpPr>
-          <p:nvPr>
-            <p:ph type="dt" sz="half" idx="10"/>
-          </p:nvPr>
-        </p:nvSpPr>
-        <p:spPr/>
-        <p:txBody>
-          <a:bodyPr/>
-          <a:lstStyle/>
-          <a:p>
-            <a:fld id="{A782DF66-3609-46AF-9A5C-DF0EDD34A7DB}" type="datetime1">
+            <a:fld id="{C80D71F6-99A2-4718-B360-65885A8D0927}" type="datetime1">
               <a:rPr lang="de-DE" smtClean="0"/>
-              <a:t>20.06.2015</a:t>
+              <a:t>21.06.2015</a:t>
             </a:fld>
             <a:endParaRPr lang="de-DE"/>
           </a:p>
@@ -13661,7 +13179,7 @@
       </p:sp>
       <p:sp>
         <p:nvSpPr>
-          <p:cNvPr id="4" name="Footer Placeholder 3"/>
+          <p:cNvPr id="5" name="Footer Placeholder 4"/>
           <p:cNvSpPr>
             <a:spLocks noGrp="1"/>
           </p:cNvSpPr>
@@ -13684,7 +13202,7 @@
       </p:sp>
       <p:sp>
         <p:nvSpPr>
-          <p:cNvPr id="5" name="Slide Number Placeholder 4"/>
+          <p:cNvPr id="6" name="Slide Number Placeholder 5"/>
           <p:cNvSpPr>
             <a:spLocks noGrp="1"/>
           </p:cNvSpPr>
@@ -13706,10 +13224,44 @@
           </a:p>
         </p:txBody>
       </p:sp>
+      <p:pic>
+        <p:nvPicPr>
+          <p:cNvPr id="9" name="Picture 8"/>
+          <p:cNvPicPr>
+            <a:picLocks noChangeAspect="1"/>
+          </p:cNvPicPr>
+          <p:nvPr>
+            <p:custDataLst>
+              <p:tags r:id="rId1"/>
+            </p:custDataLst>
+          </p:nvPr>
+        </p:nvPicPr>
+        <p:blipFill>
+          <a:blip r:embed="rId3" cstate="print">
+            <a:extLst>
+              <a:ext uri="{28A0092B-C50C-407E-A947-70E740481C1C}">
+                <a14:useLocalDpi xmlns:a14="http://schemas.microsoft.com/office/drawing/2010/main" val="0"/>
+              </a:ext>
+            </a:extLst>
+          </a:blip>
+          <a:stretch>
+            <a:fillRect/>
+          </a:stretch>
+        </p:blipFill>
+        <p:spPr>
+          <a:xfrm>
+            <a:off x="3909939" y="2212607"/>
+            <a:ext cx="1339402" cy="718285"/>
+          </a:xfrm>
+          <a:prstGeom prst="rect">
+            <a:avLst/>
+          </a:prstGeom>
+        </p:spPr>
+      </p:pic>
     </p:spTree>
     <p:extLst>
       <p:ext uri="{BB962C8B-B14F-4D97-AF65-F5344CB8AC3E}">
-        <p14:creationId xmlns:p14="http://schemas.microsoft.com/office/powerpoint/2010/main" val="264405852"/>
+        <p14:creationId xmlns:p14="http://schemas.microsoft.com/office/powerpoint/2010/main" val="2111900875"/>
       </p:ext>
     </p:extLst>
   </p:cSld>
@@ -13727,6 +13279,2183 @@
 </file>
 
 <file path=ppt/slides/slide34.xml><?xml version="1.0" encoding="utf-8"?>
+<p:sld xmlns:a="http://schemas.openxmlformats.org/drawingml/2006/main" xmlns:r="http://schemas.openxmlformats.org/officeDocument/2006/relationships" xmlns:p="http://schemas.openxmlformats.org/presentationml/2006/main" show="0">
+  <p:cSld>
+    <p:spTree>
+      <p:nvGrpSpPr>
+        <p:cNvPr id="1" name=""/>
+        <p:cNvGrpSpPr/>
+        <p:nvPr/>
+      </p:nvGrpSpPr>
+      <p:grpSpPr>
+        <a:xfrm>
+          <a:off x="0" y="0"/>
+          <a:ext cx="0" cy="0"/>
+          <a:chOff x="0" y="0"/>
+          <a:chExt cx="0" cy="0"/>
+        </a:xfrm>
+      </p:grpSpPr>
+      <p:sp>
+        <p:nvSpPr>
+          <p:cNvPr id="2" name="Title 1"/>
+          <p:cNvSpPr>
+            <a:spLocks noGrp="1"/>
+          </p:cNvSpPr>
+          <p:nvPr>
+            <p:ph type="title"/>
+          </p:nvPr>
+        </p:nvSpPr>
+        <p:spPr/>
+        <p:txBody>
+          <a:bodyPr/>
+          <a:lstStyle/>
+          <a:p>
+            <a:r>
+              <a:rPr lang="de-DE" dirty="0"/>
+              <a:t>Frequenzverhältnisse</a:t>
+            </a:r>
+            <a:endParaRPr lang="de-DE" dirty="0"/>
+          </a:p>
+        </p:txBody>
+      </p:sp>
+      <p:sp>
+        <p:nvSpPr>
+          <p:cNvPr id="6" name="Content Placeholder 5"/>
+          <p:cNvSpPr>
+            <a:spLocks noGrp="1"/>
+          </p:cNvSpPr>
+          <p:nvPr>
+            <p:ph idx="1"/>
+          </p:nvPr>
+        </p:nvSpPr>
+        <p:spPr/>
+        <p:txBody>
+          <a:bodyPr/>
+          <a:lstStyle/>
+          <a:p>
+            <a:pPr marL="514350" indent="-514350">
+              <a:buFont typeface="+mj-lt"/>
+              <a:buAutoNum type="arabicPeriod"/>
+            </a:pPr>
+            <a:r>
+              <a:rPr lang="de-DE" dirty="0" smtClean="0"/>
+              <a:t>Die </a:t>
+            </a:r>
+            <a:r>
+              <a:rPr lang="de-DE" dirty="0"/>
+              <a:t>Trägerfrequenz ist immer die N1−te Harmonische.</a:t>
+            </a:r>
+          </a:p>
+          <a:p>
+            <a:pPr marL="0" indent="0">
+              <a:buNone/>
+            </a:pPr>
+            <a:endParaRPr lang="de-DE" dirty="0"/>
+          </a:p>
+        </p:txBody>
+      </p:sp>
+      <p:sp>
+        <p:nvSpPr>
+          <p:cNvPr id="3" name="Date Placeholder 2"/>
+          <p:cNvSpPr>
+            <a:spLocks noGrp="1"/>
+          </p:cNvSpPr>
+          <p:nvPr>
+            <p:ph type="dt" sz="half" idx="10"/>
+          </p:nvPr>
+        </p:nvSpPr>
+        <p:spPr/>
+        <p:txBody>
+          <a:bodyPr/>
+          <a:lstStyle/>
+          <a:p>
+            <a:fld id="{A782DF66-3609-46AF-9A5C-DF0EDD34A7DB}" type="datetime1">
+              <a:rPr lang="de-DE" smtClean="0"/>
+              <a:t>21.06.2015</a:t>
+            </a:fld>
+            <a:endParaRPr lang="de-DE"/>
+          </a:p>
+        </p:txBody>
+      </p:sp>
+      <p:sp>
+        <p:nvSpPr>
+          <p:cNvPr id="4" name="Footer Placeholder 3"/>
+          <p:cNvSpPr>
+            <a:spLocks noGrp="1"/>
+          </p:cNvSpPr>
+          <p:nvPr>
+            <p:ph type="ftr" sz="quarter" idx="11"/>
+          </p:nvPr>
+        </p:nvSpPr>
+        <p:spPr/>
+        <p:txBody>
+          <a:bodyPr/>
+          <a:lstStyle/>
+          <a:p>
+            <a:r>
+              <a:rPr lang="de-DE" smtClean="0"/>
+              <a:t>FM-Synthese</a:t>
+            </a:r>
+            <a:endParaRPr lang="de-DE"/>
+          </a:p>
+        </p:txBody>
+      </p:sp>
+      <p:sp>
+        <p:nvSpPr>
+          <p:cNvPr id="5" name="Slide Number Placeholder 4"/>
+          <p:cNvSpPr>
+            <a:spLocks noGrp="1"/>
+          </p:cNvSpPr>
+          <p:nvPr>
+            <p:ph type="sldNum" sz="quarter" idx="12"/>
+          </p:nvPr>
+        </p:nvSpPr>
+        <p:spPr/>
+        <p:txBody>
+          <a:bodyPr/>
+          <a:lstStyle/>
+          <a:p>
+            <a:fld id="{6C6AE60A-B69C-4790-82F7-3882EDF23186}" type="slidenum">
+              <a:rPr lang="de-DE" smtClean="0"/>
+              <a:pPr/>
+              <a:t>34</a:t>
+            </a:fld>
+            <a:endParaRPr lang="de-DE"/>
+          </a:p>
+        </p:txBody>
+      </p:sp>
+      <p:pic>
+        <p:nvPicPr>
+          <p:cNvPr id="8" name="Picture 7"/>
+          <p:cNvPicPr>
+            <a:picLocks noChangeAspect="1"/>
+          </p:cNvPicPr>
+          <p:nvPr/>
+        </p:nvPicPr>
+        <p:blipFill>
+          <a:blip r:embed="rId4" cstate="print">
+            <a:extLst>
+              <a:ext uri="{28A0092B-C50C-407E-A947-70E740481C1C}">
+                <a14:useLocalDpi xmlns:a14="http://schemas.microsoft.com/office/drawing/2010/main" val="0"/>
+              </a:ext>
+            </a:extLst>
+          </a:blip>
+          <a:stretch>
+            <a:fillRect/>
+          </a:stretch>
+        </p:blipFill>
+        <p:spPr>
+          <a:xfrm>
+            <a:off x="1828794" y="930367"/>
+            <a:ext cx="5486411" cy="3657607"/>
+          </a:xfrm>
+          <a:prstGeom prst="rect">
+            <a:avLst/>
+          </a:prstGeom>
+        </p:spPr>
+      </p:pic>
+      <p:pic>
+        <p:nvPicPr>
+          <p:cNvPr id="9" name="1_Ratio">
+            <a:hlinkClick r:id="" action="ppaction://media"/>
+          </p:cNvPr>
+          <p:cNvPicPr>
+            <a:picLocks noChangeAspect="1"/>
+          </p:cNvPicPr>
+          <p:nvPr>
+            <a:audioFile r:link="rId2"/>
+            <p:extLst>
+              <p:ext uri="{DAA4B4D4-6D71-4841-9C94-3DE7FCFB9230}">
+                <p14:media xmlns:p14="http://schemas.microsoft.com/office/powerpoint/2010/main" r:embed="rId1"/>
+              </p:ext>
+            </p:extLst>
+          </p:nvPr>
+        </p:nvPicPr>
+        <p:blipFill>
+          <a:blip r:embed="rId5"/>
+          <a:stretch>
+            <a:fillRect/>
+          </a:stretch>
+        </p:blipFill>
+        <p:spPr>
+          <a:xfrm>
+            <a:off x="8112224" y="3978374"/>
+            <a:ext cx="609600" cy="609600"/>
+          </a:xfrm>
+          <a:prstGeom prst="rect">
+            <a:avLst/>
+          </a:prstGeom>
+        </p:spPr>
+      </p:pic>
+    </p:spTree>
+    <p:extLst>
+      <p:ext uri="{BB962C8B-B14F-4D97-AF65-F5344CB8AC3E}">
+        <p14:creationId xmlns:p14="http://schemas.microsoft.com/office/powerpoint/2010/main" val="755011789"/>
+      </p:ext>
+    </p:extLst>
+  </p:cSld>
+  <p:clrMapOvr>
+    <a:masterClrMapping/>
+  </p:clrMapOvr>
+  <mc:AlternateContent xmlns:mc="http://schemas.openxmlformats.org/markup-compatibility/2006">
+    <mc:Choice xmlns:p14="http://schemas.microsoft.com/office/powerpoint/2010/main" Requires="p14">
+      <p:transition spd="slow" p14:dur="2000"/>
+    </mc:Choice>
+    <mc:Fallback>
+      <p:transition spd="slow"/>
+    </mc:Fallback>
+  </mc:AlternateContent>
+  <p:timing>
+    <p:tnLst>
+      <p:par>
+        <p:cTn id="1" dur="indefinite" restart="never" nodeType="tmRoot">
+          <p:childTnLst>
+            <p:seq concurrent="1" nextAc="seek">
+              <p:cTn id="2" dur="indefinite" nodeType="mainSeq">
+                <p:childTnLst>
+                  <p:par>
+                    <p:cTn id="3" fill="hold">
+                      <p:stCondLst>
+                        <p:cond delay="indefinite"/>
+                      </p:stCondLst>
+                      <p:childTnLst>
+                        <p:par>
+                          <p:cTn id="4" fill="hold">
+                            <p:stCondLst>
+                              <p:cond delay="0"/>
+                            </p:stCondLst>
+                            <p:childTnLst>
+                              <p:par>
+                                <p:cTn id="5" presetID="1" presetClass="entr" presetSubtype="0" fill="hold" nodeType="clickEffect">
+                                  <p:stCondLst>
+                                    <p:cond delay="0"/>
+                                  </p:stCondLst>
+                                  <p:childTnLst>
+                                    <p:set>
+                                      <p:cBhvr>
+                                        <p:cTn id="6" dur="1" fill="hold">
+                                          <p:stCondLst>
+                                            <p:cond delay="0"/>
+                                          </p:stCondLst>
+                                        </p:cTn>
+                                        <p:tgtEl>
+                                          <p:spTgt spid="8"/>
+                                        </p:tgtEl>
+                                        <p:attrNameLst>
+                                          <p:attrName>style.visibility</p:attrName>
+                                        </p:attrNameLst>
+                                      </p:cBhvr>
+                                      <p:to>
+                                        <p:strVal val="visible"/>
+                                      </p:to>
+                                    </p:set>
+                                  </p:childTnLst>
+                                </p:cTn>
+                              </p:par>
+                              <p:par>
+                                <p:cTn id="7" presetID="1" presetClass="exit" presetSubtype="0" fill="hold" grpId="0" nodeType="withEffect">
+                                  <p:stCondLst>
+                                    <p:cond delay="0"/>
+                                  </p:stCondLst>
+                                  <p:childTnLst>
+                                    <p:set>
+                                      <p:cBhvr>
+                                        <p:cTn id="8" dur="1" fill="hold">
+                                          <p:stCondLst>
+                                            <p:cond delay="0"/>
+                                          </p:stCondLst>
+                                        </p:cTn>
+                                        <p:tgtEl>
+                                          <p:spTgt spid="6">
+                                            <p:txEl>
+                                              <p:pRg st="0" end="0"/>
+                                            </p:txEl>
+                                          </p:spTgt>
+                                        </p:tgtEl>
+                                        <p:attrNameLst>
+                                          <p:attrName>style.visibility</p:attrName>
+                                        </p:attrNameLst>
+                                      </p:cBhvr>
+                                      <p:to>
+                                        <p:strVal val="hidden"/>
+                                      </p:to>
+                                    </p:set>
+                                  </p:childTnLst>
+                                </p:cTn>
+                              </p:par>
+                            </p:childTnLst>
+                          </p:cTn>
+                        </p:par>
+                      </p:childTnLst>
+                    </p:cTn>
+                  </p:par>
+                </p:childTnLst>
+              </p:cTn>
+              <p:prevCondLst>
+                <p:cond evt="onPrev" delay="0">
+                  <p:tgtEl>
+                    <p:sldTgt/>
+                  </p:tgtEl>
+                </p:cond>
+              </p:prevCondLst>
+              <p:nextCondLst>
+                <p:cond evt="onNext" delay="0">
+                  <p:tgtEl>
+                    <p:sldTgt/>
+                  </p:tgtEl>
+                </p:cond>
+              </p:nextCondLst>
+            </p:seq>
+            <p:seq concurrent="1" nextAc="seek">
+              <p:cTn id="9" restart="whenNotActive" fill="hold" evtFilter="cancelBubble" nodeType="interactiveSeq">
+                <p:stCondLst>
+                  <p:cond evt="onClick" delay="0">
+                    <p:tgtEl>
+                      <p:spTgt spid="9"/>
+                    </p:tgtEl>
+                  </p:cond>
+                </p:stCondLst>
+                <p:endSync evt="end" delay="0">
+                  <p:rtn val="all"/>
+                </p:endSync>
+                <p:childTnLst>
+                  <p:par>
+                    <p:cTn id="10" fill="hold">
+                      <p:stCondLst>
+                        <p:cond delay="0"/>
+                      </p:stCondLst>
+                      <p:childTnLst>
+                        <p:par>
+                          <p:cTn id="11" fill="hold">
+                            <p:stCondLst>
+                              <p:cond delay="0"/>
+                            </p:stCondLst>
+                            <p:childTnLst>
+                              <p:par>
+                                <p:cTn id="12" presetID="1" presetClass="mediacall" presetSubtype="0" fill="hold" nodeType="clickEffect">
+                                  <p:stCondLst>
+                                    <p:cond delay="0"/>
+                                  </p:stCondLst>
+                                  <p:childTnLst>
+                                    <p:cmd type="call" cmd="playFrom(0.0)">
+                                      <p:cBhvr>
+                                        <p:cTn id="13" dur="1041" fill="hold"/>
+                                        <p:tgtEl>
+                                          <p:spTgt spid="9"/>
+                                        </p:tgtEl>
+                                      </p:cBhvr>
+                                    </p:cmd>
+                                  </p:childTnLst>
+                                </p:cTn>
+                              </p:par>
+                            </p:childTnLst>
+                          </p:cTn>
+                        </p:par>
+                      </p:childTnLst>
+                    </p:cTn>
+                  </p:par>
+                </p:childTnLst>
+              </p:cTn>
+              <p:nextCondLst>
+                <p:cond evt="onClick" delay="0">
+                  <p:tgtEl>
+                    <p:spTgt spid="9"/>
+                  </p:tgtEl>
+                </p:cond>
+              </p:nextCondLst>
+            </p:seq>
+            <p:audio>
+              <p:cMediaNode vol="80000">
+                <p:cTn id="14" fill="hold" display="0">
+                  <p:stCondLst>
+                    <p:cond delay="indefinite"/>
+                  </p:stCondLst>
+                  <p:endCondLst>
+                    <p:cond evt="onStopAudio" delay="0">
+                      <p:tgtEl>
+                        <p:sldTgt/>
+                      </p:tgtEl>
+                    </p:cond>
+                  </p:endCondLst>
+                </p:cTn>
+                <p:tgtEl>
+                  <p:spTgt spid="9"/>
+                </p:tgtEl>
+              </p:cMediaNode>
+            </p:audio>
+          </p:childTnLst>
+        </p:cTn>
+      </p:par>
+    </p:tnLst>
+    <p:bldLst>
+      <p:bldP spid="6" grpId="0" build="p"/>
+    </p:bldLst>
+  </p:timing>
+</p:sld>
+</file>
+
+<file path=ppt/slides/slide35.xml><?xml version="1.0" encoding="utf-8"?>
+<p:sld xmlns:a="http://schemas.openxmlformats.org/drawingml/2006/main" xmlns:r="http://schemas.openxmlformats.org/officeDocument/2006/relationships" xmlns:p="http://schemas.openxmlformats.org/presentationml/2006/main" show="0">
+  <p:cSld>
+    <p:spTree>
+      <p:nvGrpSpPr>
+        <p:cNvPr id="1" name=""/>
+        <p:cNvGrpSpPr/>
+        <p:nvPr/>
+      </p:nvGrpSpPr>
+      <p:grpSpPr>
+        <a:xfrm>
+          <a:off x="0" y="0"/>
+          <a:ext cx="0" cy="0"/>
+          <a:chOff x="0" y="0"/>
+          <a:chExt cx="0" cy="0"/>
+        </a:xfrm>
+      </p:grpSpPr>
+      <p:sp>
+        <p:nvSpPr>
+          <p:cNvPr id="2" name="Title 1"/>
+          <p:cNvSpPr>
+            <a:spLocks noGrp="1"/>
+          </p:cNvSpPr>
+          <p:nvPr>
+            <p:ph type="title"/>
+          </p:nvPr>
+        </p:nvSpPr>
+        <p:spPr/>
+        <p:txBody>
+          <a:bodyPr/>
+          <a:lstStyle/>
+          <a:p>
+            <a:r>
+              <a:rPr lang="de-DE" dirty="0"/>
+              <a:t>Frequenzverhältnisse</a:t>
+            </a:r>
+            <a:endParaRPr lang="de-DE" dirty="0"/>
+          </a:p>
+        </p:txBody>
+      </p:sp>
+      <p:sp>
+        <p:nvSpPr>
+          <p:cNvPr id="3" name="Date Placeholder 2"/>
+          <p:cNvSpPr>
+            <a:spLocks noGrp="1"/>
+          </p:cNvSpPr>
+          <p:nvPr>
+            <p:ph type="dt" sz="half" idx="10"/>
+          </p:nvPr>
+        </p:nvSpPr>
+        <p:spPr/>
+        <p:txBody>
+          <a:bodyPr/>
+          <a:lstStyle/>
+          <a:p>
+            <a:fld id="{A782DF66-3609-46AF-9A5C-DF0EDD34A7DB}" type="datetime1">
+              <a:rPr lang="de-DE" smtClean="0"/>
+              <a:t>21.06.2015</a:t>
+            </a:fld>
+            <a:endParaRPr lang="de-DE"/>
+          </a:p>
+        </p:txBody>
+      </p:sp>
+      <p:sp>
+        <p:nvSpPr>
+          <p:cNvPr id="4" name="Footer Placeholder 3"/>
+          <p:cNvSpPr>
+            <a:spLocks noGrp="1"/>
+          </p:cNvSpPr>
+          <p:nvPr>
+            <p:ph type="ftr" sz="quarter" idx="11"/>
+          </p:nvPr>
+        </p:nvSpPr>
+        <p:spPr/>
+        <p:txBody>
+          <a:bodyPr/>
+          <a:lstStyle/>
+          <a:p>
+            <a:r>
+              <a:rPr lang="de-DE" smtClean="0"/>
+              <a:t>FM-Synthese</a:t>
+            </a:r>
+            <a:endParaRPr lang="de-DE"/>
+          </a:p>
+        </p:txBody>
+      </p:sp>
+      <p:sp>
+        <p:nvSpPr>
+          <p:cNvPr id="5" name="Slide Number Placeholder 4"/>
+          <p:cNvSpPr>
+            <a:spLocks noGrp="1"/>
+          </p:cNvSpPr>
+          <p:nvPr>
+            <p:ph type="sldNum" sz="quarter" idx="12"/>
+          </p:nvPr>
+        </p:nvSpPr>
+        <p:spPr/>
+        <p:txBody>
+          <a:bodyPr/>
+          <a:lstStyle/>
+          <a:p>
+            <a:fld id="{6C6AE60A-B69C-4790-82F7-3882EDF23186}" type="slidenum">
+              <a:rPr lang="de-DE" smtClean="0"/>
+              <a:pPr/>
+              <a:t>35</a:t>
+            </a:fld>
+            <a:endParaRPr lang="de-DE"/>
+          </a:p>
+        </p:txBody>
+      </p:sp>
+      <p:pic>
+        <p:nvPicPr>
+          <p:cNvPr id="7" name="Picture 6"/>
+          <p:cNvPicPr>
+            <a:picLocks noChangeAspect="1"/>
+          </p:cNvPicPr>
+          <p:nvPr/>
+        </p:nvPicPr>
+        <p:blipFill>
+          <a:blip r:embed="rId4" cstate="print">
+            <a:extLst>
+              <a:ext uri="{28A0092B-C50C-407E-A947-70E740481C1C}">
+                <a14:useLocalDpi xmlns:a14="http://schemas.microsoft.com/office/drawing/2010/main" val="0"/>
+              </a:ext>
+            </a:extLst>
+          </a:blip>
+          <a:stretch>
+            <a:fillRect/>
+          </a:stretch>
+        </p:blipFill>
+        <p:spPr>
+          <a:xfrm>
+            <a:off x="1828794" y="930367"/>
+            <a:ext cx="5486411" cy="3657607"/>
+          </a:xfrm>
+          <a:prstGeom prst="rect">
+            <a:avLst/>
+          </a:prstGeom>
+        </p:spPr>
+      </p:pic>
+      <p:sp>
+        <p:nvSpPr>
+          <p:cNvPr id="6" name="Content Placeholder 5"/>
+          <p:cNvSpPr>
+            <a:spLocks noGrp="1"/>
+          </p:cNvSpPr>
+          <p:nvPr>
+            <p:ph idx="1"/>
+          </p:nvPr>
+        </p:nvSpPr>
+        <p:spPr/>
+        <p:txBody>
+          <a:bodyPr/>
+          <a:lstStyle/>
+          <a:p>
+            <a:pPr marL="514350" indent="-514350">
+              <a:buFont typeface="+mj-lt"/>
+              <a:buAutoNum type="arabicPeriod" startAt="2"/>
+            </a:pPr>
+            <a:r>
+              <a:rPr lang="de-DE" dirty="0"/>
+              <a:t>Für </a:t>
+            </a:r>
+            <a:r>
+              <a:rPr lang="de-DE" dirty="0" smtClean="0"/>
+              <a:t>N2 </a:t>
+            </a:r>
+            <a:r>
+              <a:rPr lang="de-DE" dirty="0"/>
+              <a:t>= 1 enthält das Spektrum alle Harmonischen und der Grundton entspricht </a:t>
+            </a:r>
+            <a:r>
+              <a:rPr lang="de-DE" dirty="0" smtClean="0"/>
+              <a:t>der Modulationsfrequenz</a:t>
+            </a:r>
+            <a:r>
+              <a:rPr lang="de-DE" dirty="0"/>
+              <a:t>.</a:t>
+            </a:r>
+          </a:p>
+        </p:txBody>
+      </p:sp>
+      <p:pic>
+        <p:nvPicPr>
+          <p:cNvPr id="8" name="2_Ratio">
+            <a:hlinkClick r:id="" action="ppaction://media"/>
+          </p:cNvPr>
+          <p:cNvPicPr>
+            <a:picLocks noChangeAspect="1"/>
+          </p:cNvPicPr>
+          <p:nvPr>
+            <a:audioFile r:link="rId2"/>
+            <p:extLst>
+              <p:ext uri="{DAA4B4D4-6D71-4841-9C94-3DE7FCFB9230}">
+                <p14:media xmlns:p14="http://schemas.microsoft.com/office/powerpoint/2010/main" r:embed="rId1"/>
+              </p:ext>
+            </p:extLst>
+          </p:nvPr>
+        </p:nvPicPr>
+        <p:blipFill>
+          <a:blip r:embed="rId5"/>
+          <a:stretch>
+            <a:fillRect/>
+          </a:stretch>
+        </p:blipFill>
+        <p:spPr>
+          <a:xfrm>
+            <a:off x="8112224" y="3985023"/>
+            <a:ext cx="609600" cy="609600"/>
+          </a:xfrm>
+          <a:prstGeom prst="rect">
+            <a:avLst/>
+          </a:prstGeom>
+        </p:spPr>
+      </p:pic>
+    </p:spTree>
+    <p:extLst>
+      <p:ext uri="{BB962C8B-B14F-4D97-AF65-F5344CB8AC3E}">
+        <p14:creationId xmlns:p14="http://schemas.microsoft.com/office/powerpoint/2010/main" val="1515451731"/>
+      </p:ext>
+    </p:extLst>
+  </p:cSld>
+  <p:clrMapOvr>
+    <a:masterClrMapping/>
+  </p:clrMapOvr>
+  <mc:AlternateContent xmlns:mc="http://schemas.openxmlformats.org/markup-compatibility/2006">
+    <mc:Choice xmlns:p14="http://schemas.microsoft.com/office/powerpoint/2010/main" Requires="p14">
+      <p:transition spd="slow" p14:dur="2000"/>
+    </mc:Choice>
+    <mc:Fallback>
+      <p:transition spd="slow"/>
+    </mc:Fallback>
+  </mc:AlternateContent>
+  <p:timing>
+    <p:tnLst>
+      <p:par>
+        <p:cTn id="1" dur="indefinite" restart="never" nodeType="tmRoot">
+          <p:childTnLst>
+            <p:seq concurrent="1" nextAc="seek">
+              <p:cTn id="2" dur="indefinite" nodeType="mainSeq">
+                <p:childTnLst>
+                  <p:par>
+                    <p:cTn id="3" fill="hold">
+                      <p:stCondLst>
+                        <p:cond delay="indefinite"/>
+                      </p:stCondLst>
+                      <p:childTnLst>
+                        <p:par>
+                          <p:cTn id="4" fill="hold">
+                            <p:stCondLst>
+                              <p:cond delay="0"/>
+                            </p:stCondLst>
+                            <p:childTnLst>
+                              <p:par>
+                                <p:cTn id="5" presetID="1" presetClass="entr" presetSubtype="0" fill="hold" nodeType="clickEffect">
+                                  <p:stCondLst>
+                                    <p:cond delay="0"/>
+                                  </p:stCondLst>
+                                  <p:childTnLst>
+                                    <p:set>
+                                      <p:cBhvr>
+                                        <p:cTn id="6" dur="1" fill="hold">
+                                          <p:stCondLst>
+                                            <p:cond delay="0"/>
+                                          </p:stCondLst>
+                                        </p:cTn>
+                                        <p:tgtEl>
+                                          <p:spTgt spid="7"/>
+                                        </p:tgtEl>
+                                        <p:attrNameLst>
+                                          <p:attrName>style.visibility</p:attrName>
+                                        </p:attrNameLst>
+                                      </p:cBhvr>
+                                      <p:to>
+                                        <p:strVal val="visible"/>
+                                      </p:to>
+                                    </p:set>
+                                  </p:childTnLst>
+                                </p:cTn>
+                              </p:par>
+                              <p:par>
+                                <p:cTn id="7" presetID="1" presetClass="exit" presetSubtype="0" fill="hold" grpId="0" nodeType="withEffect">
+                                  <p:stCondLst>
+                                    <p:cond delay="0"/>
+                                  </p:stCondLst>
+                                  <p:childTnLst>
+                                    <p:set>
+                                      <p:cBhvr>
+                                        <p:cTn id="8" dur="1" fill="hold">
+                                          <p:stCondLst>
+                                            <p:cond delay="0"/>
+                                          </p:stCondLst>
+                                        </p:cTn>
+                                        <p:tgtEl>
+                                          <p:spTgt spid="6">
+                                            <p:txEl>
+                                              <p:pRg st="0" end="0"/>
+                                            </p:txEl>
+                                          </p:spTgt>
+                                        </p:tgtEl>
+                                        <p:attrNameLst>
+                                          <p:attrName>style.visibility</p:attrName>
+                                        </p:attrNameLst>
+                                      </p:cBhvr>
+                                      <p:to>
+                                        <p:strVal val="hidden"/>
+                                      </p:to>
+                                    </p:set>
+                                  </p:childTnLst>
+                                </p:cTn>
+                              </p:par>
+                            </p:childTnLst>
+                          </p:cTn>
+                        </p:par>
+                      </p:childTnLst>
+                    </p:cTn>
+                  </p:par>
+                </p:childTnLst>
+              </p:cTn>
+              <p:prevCondLst>
+                <p:cond evt="onPrev" delay="0">
+                  <p:tgtEl>
+                    <p:sldTgt/>
+                  </p:tgtEl>
+                </p:cond>
+              </p:prevCondLst>
+              <p:nextCondLst>
+                <p:cond evt="onNext" delay="0">
+                  <p:tgtEl>
+                    <p:sldTgt/>
+                  </p:tgtEl>
+                </p:cond>
+              </p:nextCondLst>
+            </p:seq>
+            <p:seq concurrent="1" nextAc="seek">
+              <p:cTn id="9" restart="whenNotActive" fill="hold" evtFilter="cancelBubble" nodeType="interactiveSeq">
+                <p:stCondLst>
+                  <p:cond evt="onClick" delay="0">
+                    <p:tgtEl>
+                      <p:spTgt spid="8"/>
+                    </p:tgtEl>
+                  </p:cond>
+                </p:stCondLst>
+                <p:endSync evt="end" delay="0">
+                  <p:rtn val="all"/>
+                </p:endSync>
+                <p:childTnLst>
+                  <p:par>
+                    <p:cTn id="10" fill="hold">
+                      <p:stCondLst>
+                        <p:cond delay="0"/>
+                      </p:stCondLst>
+                      <p:childTnLst>
+                        <p:par>
+                          <p:cTn id="11" fill="hold">
+                            <p:stCondLst>
+                              <p:cond delay="0"/>
+                            </p:stCondLst>
+                            <p:childTnLst>
+                              <p:par>
+                                <p:cTn id="12" presetID="1" presetClass="mediacall" presetSubtype="0" fill="hold" nodeType="clickEffect">
+                                  <p:stCondLst>
+                                    <p:cond delay="0"/>
+                                  </p:stCondLst>
+                                  <p:childTnLst>
+                                    <p:cmd type="call" cmd="playFrom(0.0)">
+                                      <p:cBhvr>
+                                        <p:cTn id="13" dur="1036" fill="hold"/>
+                                        <p:tgtEl>
+                                          <p:spTgt spid="8"/>
+                                        </p:tgtEl>
+                                      </p:cBhvr>
+                                    </p:cmd>
+                                  </p:childTnLst>
+                                </p:cTn>
+                              </p:par>
+                            </p:childTnLst>
+                          </p:cTn>
+                        </p:par>
+                      </p:childTnLst>
+                    </p:cTn>
+                  </p:par>
+                </p:childTnLst>
+              </p:cTn>
+              <p:nextCondLst>
+                <p:cond evt="onClick" delay="0">
+                  <p:tgtEl>
+                    <p:spTgt spid="8"/>
+                  </p:tgtEl>
+                </p:cond>
+              </p:nextCondLst>
+            </p:seq>
+            <p:audio>
+              <p:cMediaNode vol="80000">
+                <p:cTn id="14" fill="hold" display="0">
+                  <p:stCondLst>
+                    <p:cond delay="indefinite"/>
+                  </p:stCondLst>
+                  <p:endCondLst>
+                    <p:cond evt="onStopAudio" delay="0">
+                      <p:tgtEl>
+                        <p:sldTgt/>
+                      </p:tgtEl>
+                    </p:cond>
+                  </p:endCondLst>
+                </p:cTn>
+                <p:tgtEl>
+                  <p:spTgt spid="8"/>
+                </p:tgtEl>
+              </p:cMediaNode>
+            </p:audio>
+          </p:childTnLst>
+        </p:cTn>
+      </p:par>
+    </p:tnLst>
+    <p:bldLst>
+      <p:bldP spid="6" grpId="0" build="p"/>
+    </p:bldLst>
+  </p:timing>
+</p:sld>
+</file>
+
+<file path=ppt/slides/slide36.xml><?xml version="1.0" encoding="utf-8"?>
+<p:sld xmlns:a="http://schemas.openxmlformats.org/drawingml/2006/main" xmlns:r="http://schemas.openxmlformats.org/officeDocument/2006/relationships" xmlns:p="http://schemas.openxmlformats.org/presentationml/2006/main" show="0">
+  <p:cSld>
+    <p:spTree>
+      <p:nvGrpSpPr>
+        <p:cNvPr id="1" name=""/>
+        <p:cNvGrpSpPr/>
+        <p:nvPr/>
+      </p:nvGrpSpPr>
+      <p:grpSpPr>
+        <a:xfrm>
+          <a:off x="0" y="0"/>
+          <a:ext cx="0" cy="0"/>
+          <a:chOff x="0" y="0"/>
+          <a:chExt cx="0" cy="0"/>
+        </a:xfrm>
+      </p:grpSpPr>
+      <p:sp>
+        <p:nvSpPr>
+          <p:cNvPr id="2" name="Title 1"/>
+          <p:cNvSpPr>
+            <a:spLocks noGrp="1"/>
+          </p:cNvSpPr>
+          <p:nvPr>
+            <p:ph type="title"/>
+          </p:nvPr>
+        </p:nvSpPr>
+        <p:spPr/>
+        <p:txBody>
+          <a:bodyPr/>
+          <a:lstStyle/>
+          <a:p>
+            <a:r>
+              <a:rPr lang="de-DE" dirty="0"/>
+              <a:t>Frequenzverhältnisse</a:t>
+            </a:r>
+            <a:endParaRPr lang="de-DE" dirty="0"/>
+          </a:p>
+        </p:txBody>
+      </p:sp>
+      <p:sp>
+        <p:nvSpPr>
+          <p:cNvPr id="3" name="Date Placeholder 2"/>
+          <p:cNvSpPr>
+            <a:spLocks noGrp="1"/>
+          </p:cNvSpPr>
+          <p:nvPr>
+            <p:ph type="dt" sz="half" idx="10"/>
+          </p:nvPr>
+        </p:nvSpPr>
+        <p:spPr/>
+        <p:txBody>
+          <a:bodyPr/>
+          <a:lstStyle/>
+          <a:p>
+            <a:fld id="{A782DF66-3609-46AF-9A5C-DF0EDD34A7DB}" type="datetime1">
+              <a:rPr lang="de-DE" smtClean="0"/>
+              <a:t>21.06.2015</a:t>
+            </a:fld>
+            <a:endParaRPr lang="de-DE"/>
+          </a:p>
+        </p:txBody>
+      </p:sp>
+      <p:sp>
+        <p:nvSpPr>
+          <p:cNvPr id="4" name="Footer Placeholder 3"/>
+          <p:cNvSpPr>
+            <a:spLocks noGrp="1"/>
+          </p:cNvSpPr>
+          <p:nvPr>
+            <p:ph type="ftr" sz="quarter" idx="11"/>
+          </p:nvPr>
+        </p:nvSpPr>
+        <p:spPr/>
+        <p:txBody>
+          <a:bodyPr/>
+          <a:lstStyle/>
+          <a:p>
+            <a:r>
+              <a:rPr lang="de-DE" smtClean="0"/>
+              <a:t>FM-Synthese</a:t>
+            </a:r>
+            <a:endParaRPr lang="de-DE"/>
+          </a:p>
+        </p:txBody>
+      </p:sp>
+      <p:sp>
+        <p:nvSpPr>
+          <p:cNvPr id="5" name="Slide Number Placeholder 4"/>
+          <p:cNvSpPr>
+            <a:spLocks noGrp="1"/>
+          </p:cNvSpPr>
+          <p:nvPr>
+            <p:ph type="sldNum" sz="quarter" idx="12"/>
+          </p:nvPr>
+        </p:nvSpPr>
+        <p:spPr/>
+        <p:txBody>
+          <a:bodyPr/>
+          <a:lstStyle/>
+          <a:p>
+            <a:fld id="{6C6AE60A-B69C-4790-82F7-3882EDF23186}" type="slidenum">
+              <a:rPr lang="de-DE" smtClean="0"/>
+              <a:pPr/>
+              <a:t>36</a:t>
+            </a:fld>
+            <a:endParaRPr lang="de-DE"/>
+          </a:p>
+        </p:txBody>
+      </p:sp>
+      <p:pic>
+        <p:nvPicPr>
+          <p:cNvPr id="7" name="Picture 6"/>
+          <p:cNvPicPr>
+            <a:picLocks noChangeAspect="1"/>
+          </p:cNvPicPr>
+          <p:nvPr/>
+        </p:nvPicPr>
+        <p:blipFill>
+          <a:blip r:embed="rId4" cstate="print">
+            <a:extLst>
+              <a:ext uri="{28A0092B-C50C-407E-A947-70E740481C1C}">
+                <a14:useLocalDpi xmlns:a14="http://schemas.microsoft.com/office/drawing/2010/main" val="0"/>
+              </a:ext>
+            </a:extLst>
+          </a:blip>
+          <a:stretch>
+            <a:fillRect/>
+          </a:stretch>
+        </p:blipFill>
+        <p:spPr>
+          <a:xfrm>
+            <a:off x="1828794" y="987574"/>
+            <a:ext cx="5486411" cy="3657607"/>
+          </a:xfrm>
+          <a:prstGeom prst="rect">
+            <a:avLst/>
+          </a:prstGeom>
+        </p:spPr>
+      </p:pic>
+      <p:sp>
+        <p:nvSpPr>
+          <p:cNvPr id="6" name="Content Placeholder 5"/>
+          <p:cNvSpPr>
+            <a:spLocks noGrp="1"/>
+          </p:cNvSpPr>
+          <p:nvPr>
+            <p:ph idx="1"/>
+          </p:nvPr>
+        </p:nvSpPr>
+        <p:spPr/>
+        <p:txBody>
+          <a:bodyPr/>
+          <a:lstStyle/>
+          <a:p>
+            <a:pPr marL="514350" indent="-514350">
+              <a:buFont typeface="+mj-lt"/>
+              <a:buAutoNum type="arabicPeriod" startAt="3"/>
+            </a:pPr>
+            <a:r>
+              <a:rPr lang="de-DE" dirty="0"/>
+              <a:t>Wenn </a:t>
+            </a:r>
+            <a:r>
+              <a:rPr lang="de-DE" dirty="0" smtClean="0"/>
+              <a:t>N2 </a:t>
+            </a:r>
+            <a:r>
+              <a:rPr lang="de-DE" dirty="0"/>
+              <a:t>gerade ist, enthält das Spektrum nur ungerade Harmonische.</a:t>
+            </a:r>
+          </a:p>
+        </p:txBody>
+      </p:sp>
+      <p:pic>
+        <p:nvPicPr>
+          <p:cNvPr id="8" name="3_Ratio">
+            <a:hlinkClick r:id="" action="ppaction://media"/>
+          </p:cNvPr>
+          <p:cNvPicPr>
+            <a:picLocks noChangeAspect="1"/>
+          </p:cNvPicPr>
+          <p:nvPr>
+            <a:audioFile r:link="rId2"/>
+            <p:extLst>
+              <p:ext uri="{DAA4B4D4-6D71-4841-9C94-3DE7FCFB9230}">
+                <p14:media xmlns:p14="http://schemas.microsoft.com/office/powerpoint/2010/main" r:embed="rId1"/>
+              </p:ext>
+            </p:extLst>
+          </p:nvPr>
+        </p:nvPicPr>
+        <p:blipFill>
+          <a:blip r:embed="rId5"/>
+          <a:stretch>
+            <a:fillRect/>
+          </a:stretch>
+        </p:blipFill>
+        <p:spPr>
+          <a:xfrm>
+            <a:off x="8107665" y="3985023"/>
+            <a:ext cx="609600" cy="609600"/>
+          </a:xfrm>
+          <a:prstGeom prst="rect">
+            <a:avLst/>
+          </a:prstGeom>
+        </p:spPr>
+      </p:pic>
+    </p:spTree>
+    <p:extLst>
+      <p:ext uri="{BB962C8B-B14F-4D97-AF65-F5344CB8AC3E}">
+        <p14:creationId xmlns:p14="http://schemas.microsoft.com/office/powerpoint/2010/main" val="2978107605"/>
+      </p:ext>
+    </p:extLst>
+  </p:cSld>
+  <p:clrMapOvr>
+    <a:masterClrMapping/>
+  </p:clrMapOvr>
+  <mc:AlternateContent xmlns:mc="http://schemas.openxmlformats.org/markup-compatibility/2006">
+    <mc:Choice xmlns:p14="http://schemas.microsoft.com/office/powerpoint/2010/main" Requires="p14">
+      <p:transition spd="slow" p14:dur="2000"/>
+    </mc:Choice>
+    <mc:Fallback>
+      <p:transition spd="slow"/>
+    </mc:Fallback>
+  </mc:AlternateContent>
+  <p:timing>
+    <p:tnLst>
+      <p:par>
+        <p:cTn id="1" dur="indefinite" restart="never" nodeType="tmRoot">
+          <p:childTnLst>
+            <p:seq concurrent="1" nextAc="seek">
+              <p:cTn id="2" dur="indefinite" nodeType="mainSeq">
+                <p:childTnLst>
+                  <p:par>
+                    <p:cTn id="3" fill="hold">
+                      <p:stCondLst>
+                        <p:cond delay="indefinite"/>
+                      </p:stCondLst>
+                      <p:childTnLst>
+                        <p:par>
+                          <p:cTn id="4" fill="hold">
+                            <p:stCondLst>
+                              <p:cond delay="0"/>
+                            </p:stCondLst>
+                            <p:childTnLst>
+                              <p:par>
+                                <p:cTn id="5" presetID="1" presetClass="entr" presetSubtype="0" fill="hold" nodeType="clickEffect">
+                                  <p:stCondLst>
+                                    <p:cond delay="0"/>
+                                  </p:stCondLst>
+                                  <p:childTnLst>
+                                    <p:set>
+                                      <p:cBhvr>
+                                        <p:cTn id="6" dur="1" fill="hold">
+                                          <p:stCondLst>
+                                            <p:cond delay="0"/>
+                                          </p:stCondLst>
+                                        </p:cTn>
+                                        <p:tgtEl>
+                                          <p:spTgt spid="7"/>
+                                        </p:tgtEl>
+                                        <p:attrNameLst>
+                                          <p:attrName>style.visibility</p:attrName>
+                                        </p:attrNameLst>
+                                      </p:cBhvr>
+                                      <p:to>
+                                        <p:strVal val="visible"/>
+                                      </p:to>
+                                    </p:set>
+                                  </p:childTnLst>
+                                </p:cTn>
+                              </p:par>
+                              <p:par>
+                                <p:cTn id="7" presetID="1" presetClass="exit" presetSubtype="0" fill="hold" grpId="0" nodeType="withEffect">
+                                  <p:stCondLst>
+                                    <p:cond delay="0"/>
+                                  </p:stCondLst>
+                                  <p:childTnLst>
+                                    <p:set>
+                                      <p:cBhvr>
+                                        <p:cTn id="8" dur="1" fill="hold">
+                                          <p:stCondLst>
+                                            <p:cond delay="0"/>
+                                          </p:stCondLst>
+                                        </p:cTn>
+                                        <p:tgtEl>
+                                          <p:spTgt spid="6">
+                                            <p:txEl>
+                                              <p:pRg st="0" end="0"/>
+                                            </p:txEl>
+                                          </p:spTgt>
+                                        </p:tgtEl>
+                                        <p:attrNameLst>
+                                          <p:attrName>style.visibility</p:attrName>
+                                        </p:attrNameLst>
+                                      </p:cBhvr>
+                                      <p:to>
+                                        <p:strVal val="hidden"/>
+                                      </p:to>
+                                    </p:set>
+                                  </p:childTnLst>
+                                </p:cTn>
+                              </p:par>
+                            </p:childTnLst>
+                          </p:cTn>
+                        </p:par>
+                      </p:childTnLst>
+                    </p:cTn>
+                  </p:par>
+                </p:childTnLst>
+              </p:cTn>
+              <p:prevCondLst>
+                <p:cond evt="onPrev" delay="0">
+                  <p:tgtEl>
+                    <p:sldTgt/>
+                  </p:tgtEl>
+                </p:cond>
+              </p:prevCondLst>
+              <p:nextCondLst>
+                <p:cond evt="onNext" delay="0">
+                  <p:tgtEl>
+                    <p:sldTgt/>
+                  </p:tgtEl>
+                </p:cond>
+              </p:nextCondLst>
+            </p:seq>
+            <p:seq concurrent="1" nextAc="seek">
+              <p:cTn id="9" restart="whenNotActive" fill="hold" evtFilter="cancelBubble" nodeType="interactiveSeq">
+                <p:stCondLst>
+                  <p:cond evt="onClick" delay="0">
+                    <p:tgtEl>
+                      <p:spTgt spid="8"/>
+                    </p:tgtEl>
+                  </p:cond>
+                </p:stCondLst>
+                <p:endSync evt="end" delay="0">
+                  <p:rtn val="all"/>
+                </p:endSync>
+                <p:childTnLst>
+                  <p:par>
+                    <p:cTn id="10" fill="hold">
+                      <p:stCondLst>
+                        <p:cond delay="0"/>
+                      </p:stCondLst>
+                      <p:childTnLst>
+                        <p:par>
+                          <p:cTn id="11" fill="hold">
+                            <p:stCondLst>
+                              <p:cond delay="0"/>
+                            </p:stCondLst>
+                            <p:childTnLst>
+                              <p:par>
+                                <p:cTn id="12" presetID="1" presetClass="mediacall" presetSubtype="0" fill="hold" nodeType="clickEffect">
+                                  <p:stCondLst>
+                                    <p:cond delay="0"/>
+                                  </p:stCondLst>
+                                  <p:childTnLst>
+                                    <p:cmd type="call" cmd="playFrom(0.0)">
+                                      <p:cBhvr>
+                                        <p:cTn id="13" dur="1037" fill="hold"/>
+                                        <p:tgtEl>
+                                          <p:spTgt spid="8"/>
+                                        </p:tgtEl>
+                                      </p:cBhvr>
+                                    </p:cmd>
+                                  </p:childTnLst>
+                                </p:cTn>
+                              </p:par>
+                            </p:childTnLst>
+                          </p:cTn>
+                        </p:par>
+                      </p:childTnLst>
+                    </p:cTn>
+                  </p:par>
+                </p:childTnLst>
+              </p:cTn>
+              <p:nextCondLst>
+                <p:cond evt="onClick" delay="0">
+                  <p:tgtEl>
+                    <p:spTgt spid="8"/>
+                  </p:tgtEl>
+                </p:cond>
+              </p:nextCondLst>
+            </p:seq>
+            <p:audio>
+              <p:cMediaNode vol="80000">
+                <p:cTn id="14" fill="hold" display="0">
+                  <p:stCondLst>
+                    <p:cond delay="indefinite"/>
+                  </p:stCondLst>
+                  <p:endCondLst>
+                    <p:cond evt="onStopAudio" delay="0">
+                      <p:tgtEl>
+                        <p:sldTgt/>
+                      </p:tgtEl>
+                    </p:cond>
+                  </p:endCondLst>
+                </p:cTn>
+                <p:tgtEl>
+                  <p:spTgt spid="8"/>
+                </p:tgtEl>
+              </p:cMediaNode>
+            </p:audio>
+          </p:childTnLst>
+        </p:cTn>
+      </p:par>
+    </p:tnLst>
+    <p:bldLst>
+      <p:bldP spid="6" grpId="0" build="p"/>
+    </p:bldLst>
+  </p:timing>
+</p:sld>
+</file>
+
+<file path=ppt/slides/slide37.xml><?xml version="1.0" encoding="utf-8"?>
+<p:sld xmlns:a="http://schemas.openxmlformats.org/drawingml/2006/main" xmlns:r="http://schemas.openxmlformats.org/officeDocument/2006/relationships" xmlns:p="http://schemas.openxmlformats.org/presentationml/2006/main" show="0">
+  <p:cSld>
+    <p:spTree>
+      <p:nvGrpSpPr>
+        <p:cNvPr id="1" name=""/>
+        <p:cNvGrpSpPr/>
+        <p:nvPr/>
+      </p:nvGrpSpPr>
+      <p:grpSpPr>
+        <a:xfrm>
+          <a:off x="0" y="0"/>
+          <a:ext cx="0" cy="0"/>
+          <a:chOff x="0" y="0"/>
+          <a:chExt cx="0" cy="0"/>
+        </a:xfrm>
+      </p:grpSpPr>
+      <p:sp>
+        <p:nvSpPr>
+          <p:cNvPr id="2" name="Title 1"/>
+          <p:cNvSpPr>
+            <a:spLocks noGrp="1"/>
+          </p:cNvSpPr>
+          <p:nvPr>
+            <p:ph type="title"/>
+          </p:nvPr>
+        </p:nvSpPr>
+        <p:spPr/>
+        <p:txBody>
+          <a:bodyPr/>
+          <a:lstStyle/>
+          <a:p>
+            <a:r>
+              <a:rPr lang="de-DE" dirty="0"/>
+              <a:t>Frequenzverhältnisse</a:t>
+            </a:r>
+          </a:p>
+        </p:txBody>
+      </p:sp>
+      <p:pic>
+        <p:nvPicPr>
+          <p:cNvPr id="7" name="Picture 6"/>
+          <p:cNvPicPr>
+            <a:picLocks noChangeAspect="1"/>
+          </p:cNvPicPr>
+          <p:nvPr/>
+        </p:nvPicPr>
+        <p:blipFill>
+          <a:blip r:embed="rId4" cstate="print">
+            <a:extLst>
+              <a:ext uri="{28A0092B-C50C-407E-A947-70E740481C1C}">
+                <a14:useLocalDpi xmlns:a14="http://schemas.microsoft.com/office/drawing/2010/main" val="0"/>
+              </a:ext>
+            </a:extLst>
+          </a:blip>
+          <a:stretch>
+            <a:fillRect/>
+          </a:stretch>
+        </p:blipFill>
+        <p:spPr>
+          <a:xfrm>
+            <a:off x="1828794" y="930367"/>
+            <a:ext cx="5486411" cy="3657607"/>
+          </a:xfrm>
+          <a:prstGeom prst="rect">
+            <a:avLst/>
+          </a:prstGeom>
+        </p:spPr>
+      </p:pic>
+      <p:sp>
+        <p:nvSpPr>
+          <p:cNvPr id="6" name="Content Placeholder 5"/>
+          <p:cNvSpPr>
+            <a:spLocks noGrp="1"/>
+          </p:cNvSpPr>
+          <p:nvPr>
+            <p:ph idx="1"/>
+          </p:nvPr>
+        </p:nvSpPr>
+        <p:spPr/>
+        <p:txBody>
+          <a:bodyPr/>
+          <a:lstStyle/>
+          <a:p>
+            <a:pPr marL="514350" indent="-514350">
+              <a:buFont typeface="+mj-lt"/>
+              <a:buAutoNum type="arabicPeriod" startAt="4"/>
+            </a:pPr>
+            <a:r>
+              <a:rPr lang="de-DE" dirty="0" smtClean="0"/>
+              <a:t>Ist N2 </a:t>
+            </a:r>
+            <a:r>
+              <a:rPr lang="de-DE" dirty="0"/>
+              <a:t>= </a:t>
+            </a:r>
+            <a:r>
+              <a:rPr lang="de-DE" dirty="0" smtClean="0"/>
+              <a:t>3, fehlt jede </a:t>
+            </a:r>
+            <a:r>
+              <a:rPr lang="de-DE" dirty="0"/>
+              <a:t>dritte </a:t>
+            </a:r>
+            <a:r>
+              <a:rPr lang="de-DE" dirty="0" smtClean="0"/>
+              <a:t>Harmonische</a:t>
+            </a:r>
+            <a:endParaRPr lang="de-DE" dirty="0"/>
+          </a:p>
+        </p:txBody>
+      </p:sp>
+      <p:sp>
+        <p:nvSpPr>
+          <p:cNvPr id="3" name="Date Placeholder 2"/>
+          <p:cNvSpPr>
+            <a:spLocks noGrp="1"/>
+          </p:cNvSpPr>
+          <p:nvPr>
+            <p:ph type="dt" sz="half" idx="10"/>
+          </p:nvPr>
+        </p:nvSpPr>
+        <p:spPr/>
+        <p:txBody>
+          <a:bodyPr/>
+          <a:lstStyle/>
+          <a:p>
+            <a:fld id="{A782DF66-3609-46AF-9A5C-DF0EDD34A7DB}" type="datetime1">
+              <a:rPr lang="de-DE" smtClean="0"/>
+              <a:t>21.06.2015</a:t>
+            </a:fld>
+            <a:endParaRPr lang="de-DE"/>
+          </a:p>
+        </p:txBody>
+      </p:sp>
+      <p:sp>
+        <p:nvSpPr>
+          <p:cNvPr id="4" name="Footer Placeholder 3"/>
+          <p:cNvSpPr>
+            <a:spLocks noGrp="1"/>
+          </p:cNvSpPr>
+          <p:nvPr>
+            <p:ph type="ftr" sz="quarter" idx="11"/>
+          </p:nvPr>
+        </p:nvSpPr>
+        <p:spPr/>
+        <p:txBody>
+          <a:bodyPr/>
+          <a:lstStyle/>
+          <a:p>
+            <a:r>
+              <a:rPr lang="de-DE" smtClean="0"/>
+              <a:t>FM-Synthese</a:t>
+            </a:r>
+            <a:endParaRPr lang="de-DE"/>
+          </a:p>
+        </p:txBody>
+      </p:sp>
+      <p:sp>
+        <p:nvSpPr>
+          <p:cNvPr id="5" name="Slide Number Placeholder 4"/>
+          <p:cNvSpPr>
+            <a:spLocks noGrp="1"/>
+          </p:cNvSpPr>
+          <p:nvPr>
+            <p:ph type="sldNum" sz="quarter" idx="12"/>
+          </p:nvPr>
+        </p:nvSpPr>
+        <p:spPr/>
+        <p:txBody>
+          <a:bodyPr/>
+          <a:lstStyle/>
+          <a:p>
+            <a:fld id="{6C6AE60A-B69C-4790-82F7-3882EDF23186}" type="slidenum">
+              <a:rPr lang="de-DE" smtClean="0"/>
+              <a:pPr/>
+              <a:t>37</a:t>
+            </a:fld>
+            <a:endParaRPr lang="de-DE"/>
+          </a:p>
+        </p:txBody>
+      </p:sp>
+      <p:pic>
+        <p:nvPicPr>
+          <p:cNvPr id="8" name="4_Ratio">
+            <a:hlinkClick r:id="" action="ppaction://media"/>
+          </p:cNvPr>
+          <p:cNvPicPr>
+            <a:picLocks noChangeAspect="1"/>
+          </p:cNvPicPr>
+          <p:nvPr>
+            <a:audioFile r:link="rId2"/>
+            <p:extLst>
+              <p:ext uri="{DAA4B4D4-6D71-4841-9C94-3DE7FCFB9230}">
+                <p14:media xmlns:p14="http://schemas.microsoft.com/office/powerpoint/2010/main" r:embed="rId1"/>
+              </p:ext>
+            </p:extLst>
+          </p:nvPr>
+        </p:nvPicPr>
+        <p:blipFill>
+          <a:blip r:embed="rId5"/>
+          <a:stretch>
+            <a:fillRect/>
+          </a:stretch>
+        </p:blipFill>
+        <p:spPr>
+          <a:xfrm>
+            <a:off x="8112224" y="3985023"/>
+            <a:ext cx="609600" cy="609600"/>
+          </a:xfrm>
+          <a:prstGeom prst="rect">
+            <a:avLst/>
+          </a:prstGeom>
+        </p:spPr>
+      </p:pic>
+    </p:spTree>
+    <p:extLst>
+      <p:ext uri="{BB962C8B-B14F-4D97-AF65-F5344CB8AC3E}">
+        <p14:creationId xmlns:p14="http://schemas.microsoft.com/office/powerpoint/2010/main" val="891862529"/>
+      </p:ext>
+    </p:extLst>
+  </p:cSld>
+  <p:clrMapOvr>
+    <a:masterClrMapping/>
+  </p:clrMapOvr>
+  <mc:AlternateContent xmlns:mc="http://schemas.openxmlformats.org/markup-compatibility/2006">
+    <mc:Choice xmlns:p14="http://schemas.microsoft.com/office/powerpoint/2010/main" Requires="p14">
+      <p:transition spd="slow" p14:dur="2000"/>
+    </mc:Choice>
+    <mc:Fallback>
+      <p:transition spd="slow"/>
+    </mc:Fallback>
+  </mc:AlternateContent>
+  <p:timing>
+    <p:tnLst>
+      <p:par>
+        <p:cTn id="1" dur="indefinite" restart="never" nodeType="tmRoot">
+          <p:childTnLst>
+            <p:seq concurrent="1" nextAc="seek">
+              <p:cTn id="2" dur="indefinite" nodeType="mainSeq">
+                <p:childTnLst>
+                  <p:par>
+                    <p:cTn id="3" fill="hold">
+                      <p:stCondLst>
+                        <p:cond delay="indefinite"/>
+                      </p:stCondLst>
+                      <p:childTnLst>
+                        <p:par>
+                          <p:cTn id="4" fill="hold">
+                            <p:stCondLst>
+                              <p:cond delay="0"/>
+                            </p:stCondLst>
+                            <p:childTnLst>
+                              <p:par>
+                                <p:cTn id="5" presetID="1" presetClass="entr" presetSubtype="0" fill="hold" nodeType="clickEffect">
+                                  <p:stCondLst>
+                                    <p:cond delay="0"/>
+                                  </p:stCondLst>
+                                  <p:childTnLst>
+                                    <p:set>
+                                      <p:cBhvr>
+                                        <p:cTn id="6" dur="1" fill="hold">
+                                          <p:stCondLst>
+                                            <p:cond delay="0"/>
+                                          </p:stCondLst>
+                                        </p:cTn>
+                                        <p:tgtEl>
+                                          <p:spTgt spid="7"/>
+                                        </p:tgtEl>
+                                        <p:attrNameLst>
+                                          <p:attrName>style.visibility</p:attrName>
+                                        </p:attrNameLst>
+                                      </p:cBhvr>
+                                      <p:to>
+                                        <p:strVal val="visible"/>
+                                      </p:to>
+                                    </p:set>
+                                  </p:childTnLst>
+                                </p:cTn>
+                              </p:par>
+                              <p:par>
+                                <p:cTn id="7" presetID="1" presetClass="exit" presetSubtype="0" fill="hold" grpId="0" nodeType="withEffect">
+                                  <p:stCondLst>
+                                    <p:cond delay="0"/>
+                                  </p:stCondLst>
+                                  <p:childTnLst>
+                                    <p:set>
+                                      <p:cBhvr>
+                                        <p:cTn id="8" dur="1" fill="hold">
+                                          <p:stCondLst>
+                                            <p:cond delay="0"/>
+                                          </p:stCondLst>
+                                        </p:cTn>
+                                        <p:tgtEl>
+                                          <p:spTgt spid="6">
+                                            <p:txEl>
+                                              <p:pRg st="0" end="0"/>
+                                            </p:txEl>
+                                          </p:spTgt>
+                                        </p:tgtEl>
+                                        <p:attrNameLst>
+                                          <p:attrName>style.visibility</p:attrName>
+                                        </p:attrNameLst>
+                                      </p:cBhvr>
+                                      <p:to>
+                                        <p:strVal val="hidden"/>
+                                      </p:to>
+                                    </p:set>
+                                  </p:childTnLst>
+                                </p:cTn>
+                              </p:par>
+                            </p:childTnLst>
+                          </p:cTn>
+                        </p:par>
+                      </p:childTnLst>
+                    </p:cTn>
+                  </p:par>
+                </p:childTnLst>
+              </p:cTn>
+              <p:prevCondLst>
+                <p:cond evt="onPrev" delay="0">
+                  <p:tgtEl>
+                    <p:sldTgt/>
+                  </p:tgtEl>
+                </p:cond>
+              </p:prevCondLst>
+              <p:nextCondLst>
+                <p:cond evt="onNext" delay="0">
+                  <p:tgtEl>
+                    <p:sldTgt/>
+                  </p:tgtEl>
+                </p:cond>
+              </p:nextCondLst>
+            </p:seq>
+            <p:seq concurrent="1" nextAc="seek">
+              <p:cTn id="9" restart="whenNotActive" fill="hold" evtFilter="cancelBubble" nodeType="interactiveSeq">
+                <p:stCondLst>
+                  <p:cond evt="onClick" delay="0">
+                    <p:tgtEl>
+                      <p:spTgt spid="8"/>
+                    </p:tgtEl>
+                  </p:cond>
+                </p:stCondLst>
+                <p:endSync evt="end" delay="0">
+                  <p:rtn val="all"/>
+                </p:endSync>
+                <p:childTnLst>
+                  <p:par>
+                    <p:cTn id="10" fill="hold">
+                      <p:stCondLst>
+                        <p:cond delay="0"/>
+                      </p:stCondLst>
+                      <p:childTnLst>
+                        <p:par>
+                          <p:cTn id="11" fill="hold">
+                            <p:stCondLst>
+                              <p:cond delay="0"/>
+                            </p:stCondLst>
+                            <p:childTnLst>
+                              <p:par>
+                                <p:cTn id="12" presetID="1" presetClass="mediacall" presetSubtype="0" fill="hold" nodeType="clickEffect">
+                                  <p:stCondLst>
+                                    <p:cond delay="0"/>
+                                  </p:stCondLst>
+                                  <p:childTnLst>
+                                    <p:cmd type="call" cmd="playFrom(0.0)">
+                                      <p:cBhvr>
+                                        <p:cTn id="13" dur="1042" fill="hold"/>
+                                        <p:tgtEl>
+                                          <p:spTgt spid="8"/>
+                                        </p:tgtEl>
+                                      </p:cBhvr>
+                                    </p:cmd>
+                                  </p:childTnLst>
+                                </p:cTn>
+                              </p:par>
+                            </p:childTnLst>
+                          </p:cTn>
+                        </p:par>
+                      </p:childTnLst>
+                    </p:cTn>
+                  </p:par>
+                </p:childTnLst>
+              </p:cTn>
+              <p:nextCondLst>
+                <p:cond evt="onClick" delay="0">
+                  <p:tgtEl>
+                    <p:spTgt spid="8"/>
+                  </p:tgtEl>
+                </p:cond>
+              </p:nextCondLst>
+            </p:seq>
+            <p:audio>
+              <p:cMediaNode vol="80000">
+                <p:cTn id="14" fill="hold" display="0">
+                  <p:stCondLst>
+                    <p:cond delay="indefinite"/>
+                  </p:stCondLst>
+                  <p:endCondLst>
+                    <p:cond evt="onStopAudio" delay="0">
+                      <p:tgtEl>
+                        <p:sldTgt/>
+                      </p:tgtEl>
+                    </p:cond>
+                  </p:endCondLst>
+                </p:cTn>
+                <p:tgtEl>
+                  <p:spTgt spid="8"/>
+                </p:tgtEl>
+              </p:cMediaNode>
+            </p:audio>
+          </p:childTnLst>
+        </p:cTn>
+      </p:par>
+    </p:tnLst>
+    <p:bldLst>
+      <p:bldP spid="6" grpId="0" build="p"/>
+    </p:bldLst>
+  </p:timing>
+</p:sld>
+</file>
+
+<file path=ppt/slides/slide38.xml><?xml version="1.0" encoding="utf-8"?>
+<p:sld xmlns:a="http://schemas.openxmlformats.org/drawingml/2006/main" xmlns:r="http://schemas.openxmlformats.org/officeDocument/2006/relationships" xmlns:p="http://schemas.openxmlformats.org/presentationml/2006/main" show="0">
+  <p:cSld>
+    <p:spTree>
+      <p:nvGrpSpPr>
+        <p:cNvPr id="1" name=""/>
+        <p:cNvGrpSpPr/>
+        <p:nvPr/>
+      </p:nvGrpSpPr>
+      <p:grpSpPr>
+        <a:xfrm>
+          <a:off x="0" y="0"/>
+          <a:ext cx="0" cy="0"/>
+          <a:chOff x="0" y="0"/>
+          <a:chExt cx="0" cy="0"/>
+        </a:xfrm>
+      </p:grpSpPr>
+      <p:sp>
+        <p:nvSpPr>
+          <p:cNvPr id="2" name="Title 1"/>
+          <p:cNvSpPr>
+            <a:spLocks noGrp="1"/>
+          </p:cNvSpPr>
+          <p:nvPr>
+            <p:ph type="title"/>
+          </p:nvPr>
+        </p:nvSpPr>
+        <p:spPr/>
+        <p:txBody>
+          <a:bodyPr/>
+          <a:lstStyle/>
+          <a:p>
+            <a:r>
+              <a:rPr lang="de-DE" dirty="0"/>
+              <a:t>Frequenzverhältnisse</a:t>
+            </a:r>
+          </a:p>
+        </p:txBody>
+      </p:sp>
+      <p:pic>
+        <p:nvPicPr>
+          <p:cNvPr id="9" name="Picture 8"/>
+          <p:cNvPicPr>
+            <a:picLocks noChangeAspect="1"/>
+          </p:cNvPicPr>
+          <p:nvPr/>
+        </p:nvPicPr>
+        <p:blipFill>
+          <a:blip r:embed="rId4" cstate="print">
+            <a:extLst>
+              <a:ext uri="{28A0092B-C50C-407E-A947-70E740481C1C}">
+                <a14:useLocalDpi xmlns:a14="http://schemas.microsoft.com/office/drawing/2010/main" val="0"/>
+              </a:ext>
+            </a:extLst>
+          </a:blip>
+          <a:stretch>
+            <a:fillRect/>
+          </a:stretch>
+        </p:blipFill>
+        <p:spPr>
+          <a:xfrm>
+            <a:off x="1828794" y="930367"/>
+            <a:ext cx="5486411" cy="3657607"/>
+          </a:xfrm>
+          <a:prstGeom prst="rect">
+            <a:avLst/>
+          </a:prstGeom>
+        </p:spPr>
+      </p:pic>
+      <mc:AlternateContent xmlns:mc="http://schemas.openxmlformats.org/markup-compatibility/2006">
+        <mc:Choice xmlns:a14="http://schemas.microsoft.com/office/drawing/2010/main" Requires="a14">
+          <p:sp>
+            <p:nvSpPr>
+              <p:cNvPr id="6" name="Content Placeholder 5"/>
+              <p:cNvSpPr>
+                <a:spLocks noGrp="1"/>
+              </p:cNvSpPr>
+              <p:nvPr>
+                <p:ph idx="1"/>
+              </p:nvPr>
+            </p:nvSpPr>
+            <p:spPr/>
+            <p:txBody>
+              <a:bodyPr/>
+              <a:lstStyle/>
+              <a:p>
+                <a:pPr marL="514350" indent="-514350">
+                  <a:buFont typeface="+mj-lt"/>
+                  <a:buAutoNum type="arabicPeriod" startAt="5"/>
+                </a:pPr>
+                <a:r>
+                  <a:rPr lang="de-DE" dirty="0" smtClean="0"/>
+                  <a:t>Ist </a:t>
+                </a:r>
+                <a14:m>
+                  <m:oMath xmlns:m="http://schemas.openxmlformats.org/officeDocument/2006/math">
+                    <m:f>
+                      <m:fPr>
+                        <m:ctrlPr>
+                          <a:rPr lang="de-DE" i="1" smtClean="0">
+                            <a:latin typeface="Cambria Math" panose="02040503050406030204" pitchFamily="18" charset="0"/>
+                          </a:rPr>
+                        </m:ctrlPr>
+                      </m:fPr>
+                      <m:num>
+                        <m:r>
+                          <a:rPr lang="en-US" b="0" i="1" smtClean="0">
+                            <a:latin typeface="Cambria Math" panose="02040503050406030204" pitchFamily="18" charset="0"/>
+                          </a:rPr>
+                          <m:t>𝑁</m:t>
+                        </m:r>
+                        <m:r>
+                          <a:rPr lang="en-US" b="0" i="1" smtClean="0">
+                            <a:latin typeface="Cambria Math" panose="02040503050406030204" pitchFamily="18" charset="0"/>
+                          </a:rPr>
+                          <m:t>1</m:t>
+                        </m:r>
+                      </m:num>
+                      <m:den>
+                        <m:r>
+                          <a:rPr lang="en-US" b="0" i="1" smtClean="0">
+                            <a:latin typeface="Cambria Math" panose="02040503050406030204" pitchFamily="18" charset="0"/>
+                          </a:rPr>
+                          <m:t>𝑁</m:t>
+                        </m:r>
+                        <m:r>
+                          <a:rPr lang="en-US" b="0" i="1" smtClean="0">
+                            <a:latin typeface="Cambria Math" panose="02040503050406030204" pitchFamily="18" charset="0"/>
+                          </a:rPr>
+                          <m:t>2</m:t>
+                        </m:r>
+                      </m:den>
+                    </m:f>
+                  </m:oMath>
+                </a14:m>
+                <a:r>
+                  <a:rPr lang="de-DE" dirty="0" smtClean="0"/>
+                  <a:t> </a:t>
+                </a:r>
+                <a:r>
+                  <a:rPr lang="de-DE" dirty="0" smtClean="0"/>
+                  <a:t>irrational, </a:t>
+                </a:r>
+                <a:r>
+                  <a:rPr lang="de-DE" dirty="0" smtClean="0"/>
+                  <a:t>resultiert </a:t>
+                </a:r>
+                <a:r>
+                  <a:rPr lang="de-DE" dirty="0"/>
+                  <a:t>ein disharmonisches </a:t>
+                </a:r>
+                <a:r>
+                  <a:rPr lang="de-DE" dirty="0" smtClean="0"/>
+                  <a:t>Klangspektrum</a:t>
+                </a:r>
+              </a:p>
+            </p:txBody>
+          </p:sp>
+        </mc:Choice>
+        <mc:Fallback>
+          <p:sp>
+            <p:nvSpPr>
+              <p:cNvPr id="6" name="Content Placeholder 5"/>
+              <p:cNvSpPr>
+                <a:spLocks noGrp="1" noRot="1" noChangeAspect="1" noMove="1" noResize="1" noEditPoints="1" noAdjustHandles="1" noChangeArrowheads="1" noChangeShapeType="1" noTextEdit="1"/>
+              </p:cNvSpPr>
+              <p:nvPr>
+                <p:ph idx="1"/>
+              </p:nvPr>
+            </p:nvSpPr>
+            <p:spPr>
+              <a:blipFill rotWithShape="0">
+                <a:blip r:embed="rId5"/>
+                <a:stretch>
+                  <a:fillRect l="-1481"/>
+                </a:stretch>
+              </a:blipFill>
+            </p:spPr>
+            <p:txBody>
+              <a:bodyPr/>
+              <a:lstStyle/>
+              <a:p>
+                <a:r>
+                  <a:rPr lang="de-DE">
+                    <a:noFill/>
+                  </a:rPr>
+                  <a:t> </a:t>
+                </a:r>
+              </a:p>
+            </p:txBody>
+          </p:sp>
+        </mc:Fallback>
+      </mc:AlternateContent>
+      <p:sp>
+        <p:nvSpPr>
+          <p:cNvPr id="3" name="Date Placeholder 2"/>
+          <p:cNvSpPr>
+            <a:spLocks noGrp="1"/>
+          </p:cNvSpPr>
+          <p:nvPr>
+            <p:ph type="dt" sz="half" idx="10"/>
+          </p:nvPr>
+        </p:nvSpPr>
+        <p:spPr/>
+        <p:txBody>
+          <a:bodyPr/>
+          <a:lstStyle/>
+          <a:p>
+            <a:fld id="{A782DF66-3609-46AF-9A5C-DF0EDD34A7DB}" type="datetime1">
+              <a:rPr lang="de-DE" smtClean="0"/>
+              <a:t>21.06.2015</a:t>
+            </a:fld>
+            <a:endParaRPr lang="de-DE"/>
+          </a:p>
+        </p:txBody>
+      </p:sp>
+      <p:sp>
+        <p:nvSpPr>
+          <p:cNvPr id="4" name="Footer Placeholder 3"/>
+          <p:cNvSpPr>
+            <a:spLocks noGrp="1"/>
+          </p:cNvSpPr>
+          <p:nvPr>
+            <p:ph type="ftr" sz="quarter" idx="11"/>
+          </p:nvPr>
+        </p:nvSpPr>
+        <p:spPr/>
+        <p:txBody>
+          <a:bodyPr/>
+          <a:lstStyle/>
+          <a:p>
+            <a:r>
+              <a:rPr lang="de-DE" smtClean="0"/>
+              <a:t>FM-Synthese</a:t>
+            </a:r>
+            <a:endParaRPr lang="de-DE"/>
+          </a:p>
+        </p:txBody>
+      </p:sp>
+      <p:sp>
+        <p:nvSpPr>
+          <p:cNvPr id="5" name="Slide Number Placeholder 4"/>
+          <p:cNvSpPr>
+            <a:spLocks noGrp="1"/>
+          </p:cNvSpPr>
+          <p:nvPr>
+            <p:ph type="sldNum" sz="quarter" idx="12"/>
+          </p:nvPr>
+        </p:nvSpPr>
+        <p:spPr/>
+        <p:txBody>
+          <a:bodyPr/>
+          <a:lstStyle/>
+          <a:p>
+            <a:fld id="{6C6AE60A-B69C-4790-82F7-3882EDF23186}" type="slidenum">
+              <a:rPr lang="de-DE" smtClean="0"/>
+              <a:pPr/>
+              <a:t>38</a:t>
+            </a:fld>
+            <a:endParaRPr lang="de-DE"/>
+          </a:p>
+        </p:txBody>
+      </p:sp>
+      <p:pic>
+        <p:nvPicPr>
+          <p:cNvPr id="8" name="5_Ratio">
+            <a:hlinkClick r:id="" action="ppaction://media"/>
+          </p:cNvPr>
+          <p:cNvPicPr>
+            <a:picLocks noChangeAspect="1"/>
+          </p:cNvPicPr>
+          <p:nvPr>
+            <a:audioFile r:link="rId2"/>
+            <p:extLst>
+              <p:ext uri="{DAA4B4D4-6D71-4841-9C94-3DE7FCFB9230}">
+                <p14:media xmlns:p14="http://schemas.microsoft.com/office/powerpoint/2010/main" r:embed="rId1"/>
+              </p:ext>
+            </p:extLst>
+          </p:nvPr>
+        </p:nvPicPr>
+        <p:blipFill>
+          <a:blip r:embed="rId6"/>
+          <a:stretch>
+            <a:fillRect/>
+          </a:stretch>
+        </p:blipFill>
+        <p:spPr>
+          <a:xfrm>
+            <a:off x="8112224" y="3985023"/>
+            <a:ext cx="609600" cy="609600"/>
+          </a:xfrm>
+          <a:prstGeom prst="rect">
+            <a:avLst/>
+          </a:prstGeom>
+        </p:spPr>
+      </p:pic>
+    </p:spTree>
+    <p:extLst>
+      <p:ext uri="{BB962C8B-B14F-4D97-AF65-F5344CB8AC3E}">
+        <p14:creationId xmlns:p14="http://schemas.microsoft.com/office/powerpoint/2010/main" val="1570723234"/>
+      </p:ext>
+    </p:extLst>
+  </p:cSld>
+  <p:clrMapOvr>
+    <a:masterClrMapping/>
+  </p:clrMapOvr>
+  <mc:AlternateContent xmlns:mc="http://schemas.openxmlformats.org/markup-compatibility/2006">
+    <mc:Choice xmlns:p14="http://schemas.microsoft.com/office/powerpoint/2010/main" Requires="p14">
+      <p:transition spd="slow" p14:dur="2000"/>
+    </mc:Choice>
+    <mc:Fallback>
+      <p:transition spd="slow"/>
+    </mc:Fallback>
+  </mc:AlternateContent>
+  <p:timing>
+    <p:tnLst>
+      <p:par>
+        <p:cTn id="1" dur="indefinite" restart="never" nodeType="tmRoot">
+          <p:childTnLst>
+            <p:seq concurrent="1" nextAc="seek">
+              <p:cTn id="2" dur="indefinite" nodeType="mainSeq">
+                <p:childTnLst>
+                  <p:par>
+                    <p:cTn id="3" fill="hold">
+                      <p:stCondLst>
+                        <p:cond delay="indefinite"/>
+                      </p:stCondLst>
+                      <p:childTnLst>
+                        <p:par>
+                          <p:cTn id="4" fill="hold">
+                            <p:stCondLst>
+                              <p:cond delay="0"/>
+                            </p:stCondLst>
+                            <p:childTnLst>
+                              <p:par>
+                                <p:cTn id="5" presetID="1" presetClass="exit" presetSubtype="0" fill="hold" grpId="0" nodeType="clickEffect">
+                                  <p:stCondLst>
+                                    <p:cond delay="0"/>
+                                  </p:stCondLst>
+                                  <p:childTnLst>
+                                    <p:set>
+                                      <p:cBhvr>
+                                        <p:cTn id="6" dur="1" fill="hold">
+                                          <p:stCondLst>
+                                            <p:cond delay="0"/>
+                                          </p:stCondLst>
+                                        </p:cTn>
+                                        <p:tgtEl>
+                                          <p:spTgt spid="6">
+                                            <p:txEl>
+                                              <p:pRg st="0" end="0"/>
+                                            </p:txEl>
+                                          </p:spTgt>
+                                        </p:tgtEl>
+                                        <p:attrNameLst>
+                                          <p:attrName>style.visibility</p:attrName>
+                                        </p:attrNameLst>
+                                      </p:cBhvr>
+                                      <p:to>
+                                        <p:strVal val="hidden"/>
+                                      </p:to>
+                                    </p:set>
+                                  </p:childTnLst>
+                                </p:cTn>
+                              </p:par>
+                              <p:par>
+                                <p:cTn id="7" presetID="1" presetClass="entr" presetSubtype="0" fill="hold" nodeType="withEffect">
+                                  <p:stCondLst>
+                                    <p:cond delay="0"/>
+                                  </p:stCondLst>
+                                  <p:childTnLst>
+                                    <p:set>
+                                      <p:cBhvr>
+                                        <p:cTn id="8" dur="1" fill="hold">
+                                          <p:stCondLst>
+                                            <p:cond delay="0"/>
+                                          </p:stCondLst>
+                                        </p:cTn>
+                                        <p:tgtEl>
+                                          <p:spTgt spid="9"/>
+                                        </p:tgtEl>
+                                        <p:attrNameLst>
+                                          <p:attrName>style.visibility</p:attrName>
+                                        </p:attrNameLst>
+                                      </p:cBhvr>
+                                      <p:to>
+                                        <p:strVal val="visible"/>
+                                      </p:to>
+                                    </p:set>
+                                  </p:childTnLst>
+                                </p:cTn>
+                              </p:par>
+                            </p:childTnLst>
+                          </p:cTn>
+                        </p:par>
+                      </p:childTnLst>
+                    </p:cTn>
+                  </p:par>
+                </p:childTnLst>
+              </p:cTn>
+              <p:prevCondLst>
+                <p:cond evt="onPrev" delay="0">
+                  <p:tgtEl>
+                    <p:sldTgt/>
+                  </p:tgtEl>
+                </p:cond>
+              </p:prevCondLst>
+              <p:nextCondLst>
+                <p:cond evt="onNext" delay="0">
+                  <p:tgtEl>
+                    <p:sldTgt/>
+                  </p:tgtEl>
+                </p:cond>
+              </p:nextCondLst>
+            </p:seq>
+            <p:seq concurrent="1" nextAc="seek">
+              <p:cTn id="9" restart="whenNotActive" fill="hold" evtFilter="cancelBubble" nodeType="interactiveSeq">
+                <p:stCondLst>
+                  <p:cond evt="onClick" delay="0">
+                    <p:tgtEl>
+                      <p:spTgt spid="8"/>
+                    </p:tgtEl>
+                  </p:cond>
+                </p:stCondLst>
+                <p:endSync evt="end" delay="0">
+                  <p:rtn val="all"/>
+                </p:endSync>
+                <p:childTnLst>
+                  <p:par>
+                    <p:cTn id="10" fill="hold">
+                      <p:stCondLst>
+                        <p:cond delay="0"/>
+                      </p:stCondLst>
+                      <p:childTnLst>
+                        <p:par>
+                          <p:cTn id="11" fill="hold">
+                            <p:stCondLst>
+                              <p:cond delay="0"/>
+                            </p:stCondLst>
+                            <p:childTnLst>
+                              <p:par>
+                                <p:cTn id="12" presetID="1" presetClass="mediacall" presetSubtype="0" fill="hold" nodeType="clickEffect">
+                                  <p:stCondLst>
+                                    <p:cond delay="0"/>
+                                  </p:stCondLst>
+                                  <p:childTnLst>
+                                    <p:cmd type="call" cmd="playFrom(0.0)">
+                                      <p:cBhvr>
+                                        <p:cTn id="13" dur="1030" fill="hold"/>
+                                        <p:tgtEl>
+                                          <p:spTgt spid="8"/>
+                                        </p:tgtEl>
+                                      </p:cBhvr>
+                                    </p:cmd>
+                                  </p:childTnLst>
+                                </p:cTn>
+                              </p:par>
+                            </p:childTnLst>
+                          </p:cTn>
+                        </p:par>
+                      </p:childTnLst>
+                    </p:cTn>
+                  </p:par>
+                </p:childTnLst>
+              </p:cTn>
+              <p:nextCondLst>
+                <p:cond evt="onClick" delay="0">
+                  <p:tgtEl>
+                    <p:spTgt spid="8"/>
+                  </p:tgtEl>
+                </p:cond>
+              </p:nextCondLst>
+            </p:seq>
+            <p:audio>
+              <p:cMediaNode vol="80000">
+                <p:cTn id="14" fill="hold" display="0">
+                  <p:stCondLst>
+                    <p:cond delay="indefinite"/>
+                  </p:stCondLst>
+                  <p:endCondLst>
+                    <p:cond evt="onStopAudio" delay="0">
+                      <p:tgtEl>
+                        <p:sldTgt/>
+                      </p:tgtEl>
+                    </p:cond>
+                  </p:endCondLst>
+                </p:cTn>
+                <p:tgtEl>
+                  <p:spTgt spid="8"/>
+                </p:tgtEl>
+              </p:cMediaNode>
+            </p:audio>
+          </p:childTnLst>
+        </p:cTn>
+      </p:par>
+    </p:tnLst>
+    <p:bldLst>
+      <p:bldP spid="6" grpId="0" build="p"/>
+    </p:bldLst>
+  </p:timing>
+</p:sld>
+</file>
+
+<file path=ppt/slides/slide39.xml><?xml version="1.0" encoding="utf-8"?>
 <p:sld xmlns:a="http://schemas.openxmlformats.org/drawingml/2006/main" xmlns:r="http://schemas.openxmlformats.org/officeDocument/2006/relationships" xmlns:p="http://schemas.openxmlformats.org/presentationml/2006/main">
   <p:cSld>
     <p:spTree>
@@ -13760,7 +15489,7 @@
           <a:p>
             <a:r>
               <a:rPr lang="de-DE" dirty="0" smtClean="0"/>
-              <a:t>4-1</a:t>
+              <a:t>Fazit</a:t>
             </a:r>
             <a:endParaRPr lang="de-DE" dirty="0"/>
           </a:p>
@@ -13768,7 +15497,7 @@
       </p:sp>
       <p:sp>
         <p:nvSpPr>
-          <p:cNvPr id="6" name="Content Placeholder 5"/>
+          <p:cNvPr id="3" name="Content Placeholder 2"/>
           <p:cNvSpPr>
             <a:spLocks noGrp="1"/>
           </p:cNvSpPr>
@@ -13781,30 +15510,17 @@
           <a:bodyPr/>
           <a:lstStyle/>
           <a:p>
-            <a:pPr marL="514350" indent="-514350">
-              <a:buFont typeface="+mj-lt"/>
-              <a:buAutoNum type="arabicPeriod"/>
-            </a:pPr>
             <a:r>
               <a:rPr lang="de-DE" dirty="0" smtClean="0"/>
-              <a:t>Die </a:t>
-            </a:r>
-            <a:r>
-              <a:rPr lang="de-DE" dirty="0"/>
-              <a:t>Trägerfrequenz ist immer die N1−te Harmonische.</a:t>
-            </a:r>
-          </a:p>
-          <a:p>
-            <a:pPr marL="0" indent="0">
-              <a:buNone/>
-            </a:pPr>
+              <a:t>Interessante Mathematik</a:t>
+            </a:r>
             <a:endParaRPr lang="de-DE" dirty="0"/>
           </a:p>
         </p:txBody>
       </p:sp>
       <p:sp>
         <p:nvSpPr>
-          <p:cNvPr id="3" name="Date Placeholder 2"/>
+          <p:cNvPr id="4" name="Date Placeholder 3"/>
           <p:cNvSpPr>
             <a:spLocks noGrp="1"/>
           </p:cNvSpPr>
@@ -13817,17 +15533,17 @@
           <a:bodyPr/>
           <a:lstStyle/>
           <a:p>
-            <a:fld id="{A782DF66-3609-46AF-9A5C-DF0EDD34A7DB}" type="datetime1">
+            <a:fld id="{296000BE-0612-4D88-A1AC-FF1287139C2E}" type="datetime1">
               <a:rPr lang="de-DE" smtClean="0"/>
-              <a:t>20.06.2015</a:t>
+              <a:t>21.06.2015</a:t>
             </a:fld>
-            <a:endParaRPr lang="de-DE"/>
-          </a:p>
-        </p:txBody>
-      </p:sp>
-      <p:sp>
-        <p:nvSpPr>
-          <p:cNvPr id="4" name="Footer Placeholder 3"/>
+            <a:endParaRPr lang="de-DE" dirty="0"/>
+          </a:p>
+        </p:txBody>
+      </p:sp>
+      <p:sp>
+        <p:nvSpPr>
+          <p:cNvPr id="5" name="Footer Placeholder 4"/>
           <p:cNvSpPr>
             <a:spLocks noGrp="1"/>
           </p:cNvSpPr>
@@ -13844,13 +15560,13 @@
               <a:rPr lang="de-DE" smtClean="0"/>
               <a:t>FM-Synthese</a:t>
             </a:r>
-            <a:endParaRPr lang="de-DE"/>
-          </a:p>
-        </p:txBody>
-      </p:sp>
-      <p:sp>
-        <p:nvSpPr>
-          <p:cNvPr id="5" name="Slide Number Placeholder 4"/>
+            <a:endParaRPr lang="de-DE" dirty="0"/>
+          </a:p>
+        </p:txBody>
+      </p:sp>
+      <p:sp>
+        <p:nvSpPr>
+          <p:cNvPr id="6" name="Slide Number Placeholder 5"/>
           <p:cNvSpPr>
             <a:spLocks noGrp="1"/>
           </p:cNvSpPr>
@@ -13863,516 +15579,22 @@
           <a:bodyPr/>
           <a:lstStyle/>
           <a:p>
-            <a:fld id="{6C6AE60A-B69C-4790-82F7-3882EDF23186}" type="slidenum">
+            <a:fld id="{8740CB20-F870-467D-84CE-AB32061190A1}" type="slidenum">
+              <a:rPr lang="en-US" smtClean="0"/>
+              <a:t>39</a:t>
+            </a:fld>
+            <a:r>
               <a:rPr lang="de-DE" smtClean="0"/>
-              <a:pPr/>
-              <a:t>34</a:t>
-            </a:fld>
-            <a:endParaRPr lang="de-DE"/>
+              <a:t>   </a:t>
+            </a:r>
+            <a:endParaRPr lang="de-DE" dirty="0"/>
           </a:p>
         </p:txBody>
       </p:sp>
     </p:spTree>
     <p:extLst>
       <p:ext uri="{BB962C8B-B14F-4D97-AF65-F5344CB8AC3E}">
-        <p14:creationId xmlns:p14="http://schemas.microsoft.com/office/powerpoint/2010/main" val="755011789"/>
-      </p:ext>
-    </p:extLst>
-  </p:cSld>
-  <p:clrMapOvr>
-    <a:masterClrMapping/>
-  </p:clrMapOvr>
-  <p:timing>
-    <p:tnLst>
-      <p:par>
-        <p:cTn id="1" dur="indefinite" restart="never" nodeType="tmRoot"/>
-      </p:par>
-    </p:tnLst>
-  </p:timing>
-</p:sld>
-</file>
-
-<file path=ppt/slides/slide35.xml><?xml version="1.0" encoding="utf-8"?>
-<p:sld xmlns:a="http://schemas.openxmlformats.org/drawingml/2006/main" xmlns:r="http://schemas.openxmlformats.org/officeDocument/2006/relationships" xmlns:p="http://schemas.openxmlformats.org/presentationml/2006/main">
-  <p:cSld>
-    <p:spTree>
-      <p:nvGrpSpPr>
-        <p:cNvPr id="1" name=""/>
-        <p:cNvGrpSpPr/>
-        <p:nvPr/>
-      </p:nvGrpSpPr>
-      <p:grpSpPr>
-        <a:xfrm>
-          <a:off x="0" y="0"/>
-          <a:ext cx="0" cy="0"/>
-          <a:chOff x="0" y="0"/>
-          <a:chExt cx="0" cy="0"/>
-        </a:xfrm>
-      </p:grpSpPr>
-      <p:sp>
-        <p:nvSpPr>
-          <p:cNvPr id="2" name="Title 1"/>
-          <p:cNvSpPr>
-            <a:spLocks noGrp="1"/>
-          </p:cNvSpPr>
-          <p:nvPr>
-            <p:ph type="title"/>
-          </p:nvPr>
-        </p:nvSpPr>
-        <p:spPr/>
-        <p:txBody>
-          <a:bodyPr/>
-          <a:lstStyle/>
-          <a:p>
-            <a:r>
-              <a:rPr lang="de-DE" dirty="0" smtClean="0"/>
-              <a:t>xxx</a:t>
-            </a:r>
-            <a:endParaRPr lang="de-DE" dirty="0"/>
-          </a:p>
-        </p:txBody>
-      </p:sp>
-      <p:sp>
-        <p:nvSpPr>
-          <p:cNvPr id="6" name="Content Placeholder 5"/>
-          <p:cNvSpPr>
-            <a:spLocks noGrp="1"/>
-          </p:cNvSpPr>
-          <p:nvPr>
-            <p:ph idx="1"/>
-          </p:nvPr>
-        </p:nvSpPr>
-        <p:spPr/>
-        <p:txBody>
-          <a:bodyPr/>
-          <a:lstStyle/>
-          <a:p>
-            <a:pPr marL="514350" indent="-514350">
-              <a:buFont typeface="+mj-lt"/>
-              <a:buAutoNum type="arabicPeriod" startAt="2"/>
-            </a:pPr>
-            <a:r>
-              <a:rPr lang="de-DE" dirty="0"/>
-              <a:t>Für </a:t>
-            </a:r>
-            <a:r>
-              <a:rPr lang="de-DE" dirty="0" smtClean="0"/>
-              <a:t>N2 </a:t>
-            </a:r>
-            <a:r>
-              <a:rPr lang="de-DE" dirty="0"/>
-              <a:t>= 1 enthält das Spektrum alle Harmonischen und der Grundton entspricht </a:t>
-            </a:r>
-            <a:r>
-              <a:rPr lang="de-DE" dirty="0" smtClean="0"/>
-              <a:t>der Modulationsfrequenz</a:t>
-            </a:r>
-            <a:r>
-              <a:rPr lang="de-DE" dirty="0"/>
-              <a:t>.</a:t>
-            </a:r>
-          </a:p>
-        </p:txBody>
-      </p:sp>
-      <p:sp>
-        <p:nvSpPr>
-          <p:cNvPr id="3" name="Date Placeholder 2"/>
-          <p:cNvSpPr>
-            <a:spLocks noGrp="1"/>
-          </p:cNvSpPr>
-          <p:nvPr>
-            <p:ph type="dt" sz="half" idx="10"/>
-          </p:nvPr>
-        </p:nvSpPr>
-        <p:spPr/>
-        <p:txBody>
-          <a:bodyPr/>
-          <a:lstStyle/>
-          <a:p>
-            <a:fld id="{A782DF66-3609-46AF-9A5C-DF0EDD34A7DB}" type="datetime1">
-              <a:rPr lang="de-DE" smtClean="0"/>
-              <a:t>20.06.2015</a:t>
-            </a:fld>
-            <a:endParaRPr lang="de-DE"/>
-          </a:p>
-        </p:txBody>
-      </p:sp>
-      <p:sp>
-        <p:nvSpPr>
-          <p:cNvPr id="4" name="Footer Placeholder 3"/>
-          <p:cNvSpPr>
-            <a:spLocks noGrp="1"/>
-          </p:cNvSpPr>
-          <p:nvPr>
-            <p:ph type="ftr" sz="quarter" idx="11"/>
-          </p:nvPr>
-        </p:nvSpPr>
-        <p:spPr/>
-        <p:txBody>
-          <a:bodyPr/>
-          <a:lstStyle/>
-          <a:p>
-            <a:r>
-              <a:rPr lang="de-DE" smtClean="0"/>
-              <a:t>FM-Synthese</a:t>
-            </a:r>
-            <a:endParaRPr lang="de-DE"/>
-          </a:p>
-        </p:txBody>
-      </p:sp>
-      <p:sp>
-        <p:nvSpPr>
-          <p:cNvPr id="5" name="Slide Number Placeholder 4"/>
-          <p:cNvSpPr>
-            <a:spLocks noGrp="1"/>
-          </p:cNvSpPr>
-          <p:nvPr>
-            <p:ph type="sldNum" sz="quarter" idx="12"/>
-          </p:nvPr>
-        </p:nvSpPr>
-        <p:spPr/>
-        <p:txBody>
-          <a:bodyPr/>
-          <a:lstStyle/>
-          <a:p>
-            <a:fld id="{6C6AE60A-B69C-4790-82F7-3882EDF23186}" type="slidenum">
-              <a:rPr lang="de-DE" smtClean="0"/>
-              <a:pPr/>
-              <a:t>35</a:t>
-            </a:fld>
-            <a:endParaRPr lang="de-DE"/>
-          </a:p>
-        </p:txBody>
-      </p:sp>
-    </p:spTree>
-    <p:extLst>
-      <p:ext uri="{BB962C8B-B14F-4D97-AF65-F5344CB8AC3E}">
-        <p14:creationId xmlns:p14="http://schemas.microsoft.com/office/powerpoint/2010/main" val="1515451731"/>
-      </p:ext>
-    </p:extLst>
-  </p:cSld>
-  <p:clrMapOvr>
-    <a:masterClrMapping/>
-  </p:clrMapOvr>
-  <p:timing>
-    <p:tnLst>
-      <p:par>
-        <p:cTn id="1" dur="indefinite" restart="never" nodeType="tmRoot"/>
-      </p:par>
-    </p:tnLst>
-  </p:timing>
-</p:sld>
-</file>
-
-<file path=ppt/slides/slide36.xml><?xml version="1.0" encoding="utf-8"?>
-<p:sld xmlns:a="http://schemas.openxmlformats.org/drawingml/2006/main" xmlns:r="http://schemas.openxmlformats.org/officeDocument/2006/relationships" xmlns:p="http://schemas.openxmlformats.org/presentationml/2006/main">
-  <p:cSld>
-    <p:spTree>
-      <p:nvGrpSpPr>
-        <p:cNvPr id="1" name=""/>
-        <p:cNvGrpSpPr/>
-        <p:nvPr/>
-      </p:nvGrpSpPr>
-      <p:grpSpPr>
-        <a:xfrm>
-          <a:off x="0" y="0"/>
-          <a:ext cx="0" cy="0"/>
-          <a:chOff x="0" y="0"/>
-          <a:chExt cx="0" cy="0"/>
-        </a:xfrm>
-      </p:grpSpPr>
-      <p:sp>
-        <p:nvSpPr>
-          <p:cNvPr id="2" name="Title 1"/>
-          <p:cNvSpPr>
-            <a:spLocks noGrp="1"/>
-          </p:cNvSpPr>
-          <p:nvPr>
-            <p:ph type="title"/>
-          </p:nvPr>
-        </p:nvSpPr>
-        <p:spPr/>
-        <p:txBody>
-          <a:bodyPr/>
-          <a:lstStyle/>
-          <a:p>
-            <a:r>
-              <a:rPr lang="de-DE" dirty="0" smtClean="0"/>
-              <a:t>xxx</a:t>
-            </a:r>
-            <a:endParaRPr lang="de-DE" dirty="0"/>
-          </a:p>
-        </p:txBody>
-      </p:sp>
-      <p:sp>
-        <p:nvSpPr>
-          <p:cNvPr id="6" name="Content Placeholder 5"/>
-          <p:cNvSpPr>
-            <a:spLocks noGrp="1"/>
-          </p:cNvSpPr>
-          <p:nvPr>
-            <p:ph idx="1"/>
-          </p:nvPr>
-        </p:nvSpPr>
-        <p:spPr/>
-        <p:txBody>
-          <a:bodyPr/>
-          <a:lstStyle/>
-          <a:p>
-            <a:pPr marL="514350" indent="-514350">
-              <a:buFont typeface="+mj-lt"/>
-              <a:buAutoNum type="arabicPeriod" startAt="3"/>
-            </a:pPr>
-            <a:r>
-              <a:rPr lang="de-DE" dirty="0"/>
-              <a:t>Wenn </a:t>
-            </a:r>
-            <a:r>
-              <a:rPr lang="de-DE" dirty="0" smtClean="0"/>
-              <a:t>N2 </a:t>
-            </a:r>
-            <a:r>
-              <a:rPr lang="de-DE" dirty="0"/>
-              <a:t>gerade ist, enthält das Spektrum nur ungerade Harmonische.</a:t>
-            </a:r>
-          </a:p>
-        </p:txBody>
-      </p:sp>
-      <p:sp>
-        <p:nvSpPr>
-          <p:cNvPr id="3" name="Date Placeholder 2"/>
-          <p:cNvSpPr>
-            <a:spLocks noGrp="1"/>
-          </p:cNvSpPr>
-          <p:nvPr>
-            <p:ph type="dt" sz="half" idx="10"/>
-          </p:nvPr>
-        </p:nvSpPr>
-        <p:spPr/>
-        <p:txBody>
-          <a:bodyPr/>
-          <a:lstStyle/>
-          <a:p>
-            <a:fld id="{A782DF66-3609-46AF-9A5C-DF0EDD34A7DB}" type="datetime1">
-              <a:rPr lang="de-DE" smtClean="0"/>
-              <a:t>20.06.2015</a:t>
-            </a:fld>
-            <a:endParaRPr lang="de-DE"/>
-          </a:p>
-        </p:txBody>
-      </p:sp>
-      <p:sp>
-        <p:nvSpPr>
-          <p:cNvPr id="4" name="Footer Placeholder 3"/>
-          <p:cNvSpPr>
-            <a:spLocks noGrp="1"/>
-          </p:cNvSpPr>
-          <p:nvPr>
-            <p:ph type="ftr" sz="quarter" idx="11"/>
-          </p:nvPr>
-        </p:nvSpPr>
-        <p:spPr/>
-        <p:txBody>
-          <a:bodyPr/>
-          <a:lstStyle/>
-          <a:p>
-            <a:r>
-              <a:rPr lang="de-DE" smtClean="0"/>
-              <a:t>FM-Synthese</a:t>
-            </a:r>
-            <a:endParaRPr lang="de-DE"/>
-          </a:p>
-        </p:txBody>
-      </p:sp>
-      <p:sp>
-        <p:nvSpPr>
-          <p:cNvPr id="5" name="Slide Number Placeholder 4"/>
-          <p:cNvSpPr>
-            <a:spLocks noGrp="1"/>
-          </p:cNvSpPr>
-          <p:nvPr>
-            <p:ph type="sldNum" sz="quarter" idx="12"/>
-          </p:nvPr>
-        </p:nvSpPr>
-        <p:spPr/>
-        <p:txBody>
-          <a:bodyPr/>
-          <a:lstStyle/>
-          <a:p>
-            <a:fld id="{6C6AE60A-B69C-4790-82F7-3882EDF23186}" type="slidenum">
-              <a:rPr lang="de-DE" smtClean="0"/>
-              <a:pPr/>
-              <a:t>36</a:t>
-            </a:fld>
-            <a:endParaRPr lang="de-DE"/>
-          </a:p>
-        </p:txBody>
-      </p:sp>
-    </p:spTree>
-    <p:extLst>
-      <p:ext uri="{BB962C8B-B14F-4D97-AF65-F5344CB8AC3E}">
-        <p14:creationId xmlns:p14="http://schemas.microsoft.com/office/powerpoint/2010/main" val="2978107605"/>
-      </p:ext>
-    </p:extLst>
-  </p:cSld>
-  <p:clrMapOvr>
-    <a:masterClrMapping/>
-  </p:clrMapOvr>
-  <p:timing>
-    <p:tnLst>
-      <p:par>
-        <p:cTn id="1" dur="indefinite" restart="never" nodeType="tmRoot"/>
-      </p:par>
-    </p:tnLst>
-  </p:timing>
-</p:sld>
-</file>
-
-<file path=ppt/slides/slide37.xml><?xml version="1.0" encoding="utf-8"?>
-<p:sld xmlns:a="http://schemas.openxmlformats.org/drawingml/2006/main" xmlns:r="http://schemas.openxmlformats.org/officeDocument/2006/relationships" xmlns:p="http://schemas.openxmlformats.org/presentationml/2006/main">
-  <p:cSld>
-    <p:spTree>
-      <p:nvGrpSpPr>
-        <p:cNvPr id="1" name=""/>
-        <p:cNvGrpSpPr/>
-        <p:nvPr/>
-      </p:nvGrpSpPr>
-      <p:grpSpPr>
-        <a:xfrm>
-          <a:off x="0" y="0"/>
-          <a:ext cx="0" cy="0"/>
-          <a:chOff x="0" y="0"/>
-          <a:chExt cx="0" cy="0"/>
-        </a:xfrm>
-      </p:grpSpPr>
-      <p:sp>
-        <p:nvSpPr>
-          <p:cNvPr id="2" name="Title 1"/>
-          <p:cNvSpPr>
-            <a:spLocks noGrp="1"/>
-          </p:cNvSpPr>
-          <p:nvPr>
-            <p:ph type="title"/>
-          </p:nvPr>
-        </p:nvSpPr>
-        <p:spPr/>
-        <p:txBody>
-          <a:bodyPr/>
-          <a:lstStyle/>
-          <a:p>
-            <a:r>
-              <a:rPr lang="de-DE" dirty="0" smtClean="0"/>
-              <a:t>xxx</a:t>
-            </a:r>
-            <a:endParaRPr lang="de-DE" dirty="0"/>
-          </a:p>
-        </p:txBody>
-      </p:sp>
-      <p:sp>
-        <p:nvSpPr>
-          <p:cNvPr id="6" name="Content Placeholder 5"/>
-          <p:cNvSpPr>
-            <a:spLocks noGrp="1"/>
-          </p:cNvSpPr>
-          <p:nvPr>
-            <p:ph idx="1"/>
-          </p:nvPr>
-        </p:nvSpPr>
-        <p:spPr/>
-        <p:txBody>
-          <a:bodyPr/>
-          <a:lstStyle/>
-          <a:p>
-            <a:pPr marL="514350" indent="-514350">
-              <a:buFont typeface="+mj-lt"/>
-              <a:buAutoNum type="arabicPeriod" startAt="4"/>
-            </a:pPr>
-            <a:r>
-              <a:rPr lang="de-DE" smtClean="0"/>
-              <a:t>Ist N2 </a:t>
-            </a:r>
-            <a:r>
-              <a:rPr lang="de-DE"/>
-              <a:t>= 3, fehlt jede dritte Harmonische in der Reihe der Harmonischen</a:t>
-            </a:r>
-            <a:endParaRPr lang="de-DE" dirty="0"/>
-          </a:p>
-        </p:txBody>
-      </p:sp>
-      <p:sp>
-        <p:nvSpPr>
-          <p:cNvPr id="3" name="Date Placeholder 2"/>
-          <p:cNvSpPr>
-            <a:spLocks noGrp="1"/>
-          </p:cNvSpPr>
-          <p:nvPr>
-            <p:ph type="dt" sz="half" idx="10"/>
-          </p:nvPr>
-        </p:nvSpPr>
-        <p:spPr/>
-        <p:txBody>
-          <a:bodyPr/>
-          <a:lstStyle/>
-          <a:p>
-            <a:fld id="{A782DF66-3609-46AF-9A5C-DF0EDD34A7DB}" type="datetime1">
-              <a:rPr lang="de-DE" smtClean="0"/>
-              <a:t>20.06.2015</a:t>
-            </a:fld>
-            <a:endParaRPr lang="de-DE"/>
-          </a:p>
-        </p:txBody>
-      </p:sp>
-      <p:sp>
-        <p:nvSpPr>
-          <p:cNvPr id="4" name="Footer Placeholder 3"/>
-          <p:cNvSpPr>
-            <a:spLocks noGrp="1"/>
-          </p:cNvSpPr>
-          <p:nvPr>
-            <p:ph type="ftr" sz="quarter" idx="11"/>
-          </p:nvPr>
-        </p:nvSpPr>
-        <p:spPr/>
-        <p:txBody>
-          <a:bodyPr/>
-          <a:lstStyle/>
-          <a:p>
-            <a:r>
-              <a:rPr lang="de-DE" smtClean="0"/>
-              <a:t>FM-Synthese</a:t>
-            </a:r>
-            <a:endParaRPr lang="de-DE"/>
-          </a:p>
-        </p:txBody>
-      </p:sp>
-      <p:sp>
-        <p:nvSpPr>
-          <p:cNvPr id="5" name="Slide Number Placeholder 4"/>
-          <p:cNvSpPr>
-            <a:spLocks noGrp="1"/>
-          </p:cNvSpPr>
-          <p:nvPr>
-            <p:ph type="sldNum" sz="quarter" idx="12"/>
-          </p:nvPr>
-        </p:nvSpPr>
-        <p:spPr/>
-        <p:txBody>
-          <a:bodyPr/>
-          <a:lstStyle/>
-          <a:p>
-            <a:fld id="{6C6AE60A-B69C-4790-82F7-3882EDF23186}" type="slidenum">
-              <a:rPr lang="de-DE" smtClean="0"/>
-              <a:pPr/>
-              <a:t>37</a:t>
-            </a:fld>
-            <a:endParaRPr lang="de-DE"/>
-          </a:p>
-        </p:txBody>
-      </p:sp>
-    </p:spTree>
-    <p:extLst>
-      <p:ext uri="{BB962C8B-B14F-4D97-AF65-F5344CB8AC3E}">
-        <p14:creationId xmlns:p14="http://schemas.microsoft.com/office/powerpoint/2010/main" val="891862529"/>
+        <p14:creationId xmlns:p14="http://schemas.microsoft.com/office/powerpoint/2010/main" val="4156486172"/>
       </p:ext>
     </p:extLst>
   </p:cSld>
@@ -14423,27 +15645,8 @@
           <a:p>
             <a:r>
               <a:rPr lang="de-DE" dirty="0" smtClean="0"/>
-              <a:t>PM oder FM?</a:t>
-            </a:r>
-            <a:endParaRPr lang="de-DE" dirty="0"/>
-          </a:p>
-        </p:txBody>
-      </p:sp>
-      <p:sp>
-        <p:nvSpPr>
-          <p:cNvPr id="3" name="Content Placeholder 2"/>
-          <p:cNvSpPr>
-            <a:spLocks noGrp="1"/>
-          </p:cNvSpPr>
-          <p:nvPr>
-            <p:ph idx="1"/>
-          </p:nvPr>
-        </p:nvSpPr>
-        <p:spPr/>
-        <p:txBody>
-          <a:bodyPr/>
-          <a:lstStyle/>
-          <a:p>
+              <a:t>FM oder PM?</a:t>
+            </a:r>
             <a:endParaRPr lang="de-DE" dirty="0"/>
           </a:p>
         </p:txBody>
@@ -14465,7 +15668,7 @@
           <a:p>
             <a:fld id="{296000BE-0612-4D88-A1AC-FF1287139C2E}" type="datetime1">
               <a:rPr lang="de-DE" smtClean="0"/>
-              <a:t>20.06.2015</a:t>
+              <a:t>21.06.2015</a:t>
             </a:fld>
             <a:endParaRPr lang="de-DE" dirty="0"/>
           </a:p>
@@ -14544,7 +15747,7 @@
         </p:blipFill>
         <p:spPr bwMode="auto">
           <a:xfrm>
-            <a:off x="5364088" y="1531011"/>
+            <a:off x="971600" y="1367304"/>
             <a:ext cx="2683569" cy="2768931"/>
           </a:xfrm>
           <a:prstGeom prst="rect">
@@ -14601,7 +15804,7 @@
         </p:blipFill>
         <p:spPr>
           <a:xfrm>
-            <a:off x="755576" y="2576131"/>
+            <a:off x="5004048" y="2391730"/>
             <a:ext cx="3530999" cy="360040"/>
           </a:xfrm>
           <a:prstGeom prst="rect">
@@ -14613,6 +15816,479 @@
     <p:extLst>
       <p:ext uri="{BB962C8B-B14F-4D97-AF65-F5344CB8AC3E}">
         <p14:creationId xmlns:p14="http://schemas.microsoft.com/office/powerpoint/2010/main" val="1141562586"/>
+      </p:ext>
+    </p:extLst>
+  </p:cSld>
+  <p:clrMapOvr>
+    <a:masterClrMapping/>
+  </p:clrMapOvr>
+  <p:timing>
+    <p:tnLst>
+      <p:par>
+        <p:cTn id="1" dur="indefinite" restart="never" nodeType="tmRoot">
+          <p:childTnLst>
+            <p:seq concurrent="1" nextAc="seek">
+              <p:cTn id="2" dur="indefinite" nodeType="mainSeq">
+                <p:childTnLst>
+                  <p:par>
+                    <p:cTn id="3" fill="hold">
+                      <p:stCondLst>
+                        <p:cond delay="indefinite"/>
+                      </p:stCondLst>
+                      <p:childTnLst>
+                        <p:par>
+                          <p:cTn id="4" fill="hold">
+                            <p:stCondLst>
+                              <p:cond delay="0"/>
+                            </p:stCondLst>
+                            <p:childTnLst>
+                              <p:par>
+                                <p:cTn id="5" presetID="10" presetClass="entr" presetSubtype="0" fill="hold" nodeType="clickEffect">
+                                  <p:stCondLst>
+                                    <p:cond delay="0"/>
+                                  </p:stCondLst>
+                                  <p:childTnLst>
+                                    <p:set>
+                                      <p:cBhvr>
+                                        <p:cTn id="6" dur="1" fill="hold">
+                                          <p:stCondLst>
+                                            <p:cond delay="0"/>
+                                          </p:stCondLst>
+                                        </p:cTn>
+                                        <p:tgtEl>
+                                          <p:spTgt spid="8"/>
+                                        </p:tgtEl>
+                                        <p:attrNameLst>
+                                          <p:attrName>style.visibility</p:attrName>
+                                        </p:attrNameLst>
+                                      </p:cBhvr>
+                                      <p:to>
+                                        <p:strVal val="visible"/>
+                                      </p:to>
+                                    </p:set>
+                                    <p:animEffect transition="in" filter="fade">
+                                      <p:cBhvr>
+                                        <p:cTn id="7" dur="500"/>
+                                        <p:tgtEl>
+                                          <p:spTgt spid="8"/>
+                                        </p:tgtEl>
+                                      </p:cBhvr>
+                                    </p:animEffect>
+                                  </p:childTnLst>
+                                </p:cTn>
+                              </p:par>
+                            </p:childTnLst>
+                          </p:cTn>
+                        </p:par>
+                      </p:childTnLst>
+                    </p:cTn>
+                  </p:par>
+                </p:childTnLst>
+              </p:cTn>
+              <p:prevCondLst>
+                <p:cond evt="onPrev" delay="0">
+                  <p:tgtEl>
+                    <p:sldTgt/>
+                  </p:tgtEl>
+                </p:cond>
+              </p:prevCondLst>
+              <p:nextCondLst>
+                <p:cond evt="onNext" delay="0">
+                  <p:tgtEl>
+                    <p:sldTgt/>
+                  </p:tgtEl>
+                </p:cond>
+              </p:nextCondLst>
+            </p:seq>
+          </p:childTnLst>
+        </p:cTn>
+      </p:par>
+    </p:tnLst>
+  </p:timing>
+</p:sld>
+</file>
+
+<file path=ppt/slides/slide40.xml><?xml version="1.0" encoding="utf-8"?>
+<p:sld xmlns:a="http://schemas.openxmlformats.org/drawingml/2006/main" xmlns:r="http://schemas.openxmlformats.org/officeDocument/2006/relationships" xmlns:p="http://schemas.openxmlformats.org/presentationml/2006/main">
+  <p:cSld>
+    <p:spTree>
+      <p:nvGrpSpPr>
+        <p:cNvPr id="1" name=""/>
+        <p:cNvGrpSpPr/>
+        <p:nvPr/>
+      </p:nvGrpSpPr>
+      <p:grpSpPr>
+        <a:xfrm>
+          <a:off x="0" y="0"/>
+          <a:ext cx="0" cy="0"/>
+          <a:chOff x="0" y="0"/>
+          <a:chExt cx="0" cy="0"/>
+        </a:xfrm>
+      </p:grpSpPr>
+      <p:sp>
+        <p:nvSpPr>
+          <p:cNvPr id="2" name="Title 1"/>
+          <p:cNvSpPr>
+            <a:spLocks noGrp="1"/>
+          </p:cNvSpPr>
+          <p:nvPr>
+            <p:ph type="title"/>
+          </p:nvPr>
+        </p:nvSpPr>
+        <p:spPr/>
+        <p:txBody>
+          <a:bodyPr/>
+          <a:lstStyle/>
+          <a:p>
+            <a:r>
+              <a:rPr lang="de-DE" dirty="0" smtClean="0"/>
+              <a:t>Quellen</a:t>
+            </a:r>
+            <a:endParaRPr lang="de-DE" dirty="0"/>
+          </a:p>
+        </p:txBody>
+      </p:sp>
+      <p:sp>
+        <p:nvSpPr>
+          <p:cNvPr id="4" name="Date Placeholder 3"/>
+          <p:cNvSpPr>
+            <a:spLocks noGrp="1"/>
+          </p:cNvSpPr>
+          <p:nvPr>
+            <p:ph type="dt" sz="half" idx="10"/>
+          </p:nvPr>
+        </p:nvSpPr>
+        <p:spPr/>
+        <p:txBody>
+          <a:bodyPr/>
+          <a:lstStyle/>
+          <a:p>
+            <a:fld id="{296000BE-0612-4D88-A1AC-FF1287139C2E}" type="datetime1">
+              <a:rPr lang="de-DE" smtClean="0"/>
+              <a:t>21.06.2015</a:t>
+            </a:fld>
+            <a:endParaRPr lang="de-DE" dirty="0"/>
+          </a:p>
+        </p:txBody>
+      </p:sp>
+      <p:sp>
+        <p:nvSpPr>
+          <p:cNvPr id="5" name="Footer Placeholder 4"/>
+          <p:cNvSpPr>
+            <a:spLocks noGrp="1"/>
+          </p:cNvSpPr>
+          <p:nvPr>
+            <p:ph type="ftr" sz="quarter" idx="11"/>
+          </p:nvPr>
+        </p:nvSpPr>
+        <p:spPr/>
+        <p:txBody>
+          <a:bodyPr/>
+          <a:lstStyle/>
+          <a:p>
+            <a:r>
+              <a:rPr lang="de-DE" smtClean="0"/>
+              <a:t>FM-Synthese</a:t>
+            </a:r>
+            <a:endParaRPr lang="de-DE" dirty="0"/>
+          </a:p>
+        </p:txBody>
+      </p:sp>
+      <p:sp>
+        <p:nvSpPr>
+          <p:cNvPr id="6" name="Slide Number Placeholder 5"/>
+          <p:cNvSpPr>
+            <a:spLocks noGrp="1"/>
+          </p:cNvSpPr>
+          <p:nvPr>
+            <p:ph type="sldNum" sz="quarter" idx="12"/>
+          </p:nvPr>
+        </p:nvSpPr>
+        <p:spPr/>
+        <p:txBody>
+          <a:bodyPr/>
+          <a:lstStyle/>
+          <a:p>
+            <a:fld id="{8740CB20-F870-467D-84CE-AB32061190A1}" type="slidenum">
+              <a:rPr lang="en-US" smtClean="0"/>
+              <a:t>40</a:t>
+            </a:fld>
+            <a:r>
+              <a:rPr lang="de-DE" smtClean="0"/>
+              <a:t>   </a:t>
+            </a:r>
+            <a:endParaRPr lang="de-DE" dirty="0"/>
+          </a:p>
+        </p:txBody>
+      </p:sp>
+      <p:pic>
+        <p:nvPicPr>
+          <p:cNvPr id="10" name="Content Placeholder 9"/>
+          <p:cNvPicPr>
+            <a:picLocks noGrp="1" noChangeAspect="1"/>
+          </p:cNvPicPr>
+          <p:nvPr>
+            <p:ph idx="1"/>
+          </p:nvPr>
+        </p:nvPicPr>
+        <p:blipFill>
+          <a:blip r:embed="rId2"/>
+          <a:stretch>
+            <a:fillRect/>
+          </a:stretch>
+        </p:blipFill>
+        <p:spPr>
+          <a:xfrm>
+            <a:off x="457200" y="1263650"/>
+            <a:ext cx="8229600" cy="3267075"/>
+          </a:xfrm>
+          <a:prstGeom prst="rect">
+            <a:avLst/>
+          </a:prstGeom>
+        </p:spPr>
+      </p:pic>
+    </p:spTree>
+    <p:extLst>
+      <p:ext uri="{BB962C8B-B14F-4D97-AF65-F5344CB8AC3E}">
+        <p14:creationId xmlns:p14="http://schemas.microsoft.com/office/powerpoint/2010/main" val="2659116360"/>
+      </p:ext>
+    </p:extLst>
+  </p:cSld>
+  <p:clrMapOvr>
+    <a:masterClrMapping/>
+  </p:clrMapOvr>
+  <p:timing>
+    <p:tnLst>
+      <p:par>
+        <p:cTn id="1" dur="indefinite" restart="never" nodeType="tmRoot"/>
+      </p:par>
+    </p:tnLst>
+  </p:timing>
+</p:sld>
+</file>
+
+<file path=ppt/slides/slide41.xml><?xml version="1.0" encoding="utf-8"?>
+<p:sld xmlns:a="http://schemas.openxmlformats.org/drawingml/2006/main" xmlns:r="http://schemas.openxmlformats.org/officeDocument/2006/relationships" xmlns:p="http://schemas.openxmlformats.org/presentationml/2006/main">
+  <p:cSld>
+    <p:spTree>
+      <p:nvGrpSpPr>
+        <p:cNvPr id="1" name=""/>
+        <p:cNvGrpSpPr/>
+        <p:nvPr/>
+      </p:nvGrpSpPr>
+      <p:grpSpPr>
+        <a:xfrm>
+          <a:off x="0" y="0"/>
+          <a:ext cx="0" cy="0"/>
+          <a:chOff x="0" y="0"/>
+          <a:chExt cx="0" cy="0"/>
+        </a:xfrm>
+      </p:grpSpPr>
+      <p:sp>
+        <p:nvSpPr>
+          <p:cNvPr id="2" name="Title 1"/>
+          <p:cNvSpPr>
+            <a:spLocks noGrp="1"/>
+          </p:cNvSpPr>
+          <p:nvPr>
+            <p:ph type="title"/>
+          </p:nvPr>
+        </p:nvSpPr>
+        <p:spPr/>
+        <p:txBody>
+          <a:bodyPr/>
+          <a:lstStyle/>
+          <a:p>
+            <a:r>
+              <a:rPr lang="de-DE" dirty="0" smtClean="0"/>
+              <a:t>Quellen</a:t>
+            </a:r>
+            <a:endParaRPr lang="de-DE" dirty="0"/>
+          </a:p>
+        </p:txBody>
+      </p:sp>
+      <p:pic>
+        <p:nvPicPr>
+          <p:cNvPr id="7" name="Content Placeholder 6"/>
+          <p:cNvPicPr>
+            <a:picLocks noGrp="1" noChangeAspect="1"/>
+          </p:cNvPicPr>
+          <p:nvPr>
+            <p:ph idx="1"/>
+          </p:nvPr>
+        </p:nvPicPr>
+        <p:blipFill>
+          <a:blip r:embed="rId2"/>
+          <a:stretch>
+            <a:fillRect/>
+          </a:stretch>
+        </p:blipFill>
+        <p:spPr>
+          <a:xfrm>
+            <a:off x="457200" y="1231334"/>
+            <a:ext cx="8229600" cy="3331706"/>
+          </a:xfrm>
+          <a:prstGeom prst="rect">
+            <a:avLst/>
+          </a:prstGeom>
+        </p:spPr>
+      </p:pic>
+      <p:sp>
+        <p:nvSpPr>
+          <p:cNvPr id="4" name="Date Placeholder 3"/>
+          <p:cNvSpPr>
+            <a:spLocks noGrp="1"/>
+          </p:cNvSpPr>
+          <p:nvPr>
+            <p:ph type="dt" sz="half" idx="10"/>
+          </p:nvPr>
+        </p:nvSpPr>
+        <p:spPr/>
+        <p:txBody>
+          <a:bodyPr/>
+          <a:lstStyle/>
+          <a:p>
+            <a:fld id="{296000BE-0612-4D88-A1AC-FF1287139C2E}" type="datetime1">
+              <a:rPr lang="de-DE" smtClean="0"/>
+              <a:t>21.06.2015</a:t>
+            </a:fld>
+            <a:endParaRPr lang="de-DE" dirty="0"/>
+          </a:p>
+        </p:txBody>
+      </p:sp>
+      <p:sp>
+        <p:nvSpPr>
+          <p:cNvPr id="5" name="Footer Placeholder 4"/>
+          <p:cNvSpPr>
+            <a:spLocks noGrp="1"/>
+          </p:cNvSpPr>
+          <p:nvPr>
+            <p:ph type="ftr" sz="quarter" idx="11"/>
+          </p:nvPr>
+        </p:nvSpPr>
+        <p:spPr/>
+        <p:txBody>
+          <a:bodyPr/>
+          <a:lstStyle/>
+          <a:p>
+            <a:r>
+              <a:rPr lang="de-DE" smtClean="0"/>
+              <a:t>FM-Synthese</a:t>
+            </a:r>
+            <a:endParaRPr lang="de-DE" dirty="0"/>
+          </a:p>
+        </p:txBody>
+      </p:sp>
+      <p:sp>
+        <p:nvSpPr>
+          <p:cNvPr id="6" name="Slide Number Placeholder 5"/>
+          <p:cNvSpPr>
+            <a:spLocks noGrp="1"/>
+          </p:cNvSpPr>
+          <p:nvPr>
+            <p:ph type="sldNum" sz="quarter" idx="12"/>
+          </p:nvPr>
+        </p:nvSpPr>
+        <p:spPr/>
+        <p:txBody>
+          <a:bodyPr/>
+          <a:lstStyle/>
+          <a:p>
+            <a:fld id="{8740CB20-F870-467D-84CE-AB32061190A1}" type="slidenum">
+              <a:rPr lang="en-US" smtClean="0"/>
+              <a:t>41</a:t>
+            </a:fld>
+            <a:r>
+              <a:rPr lang="de-DE" smtClean="0"/>
+              <a:t>   </a:t>
+            </a:r>
+            <a:endParaRPr lang="de-DE" dirty="0"/>
+          </a:p>
+        </p:txBody>
+      </p:sp>
+    </p:spTree>
+    <p:extLst>
+      <p:ext uri="{BB962C8B-B14F-4D97-AF65-F5344CB8AC3E}">
+        <p14:creationId xmlns:p14="http://schemas.microsoft.com/office/powerpoint/2010/main" val="624521727"/>
+      </p:ext>
+    </p:extLst>
+  </p:cSld>
+  <p:clrMapOvr>
+    <a:masterClrMapping/>
+  </p:clrMapOvr>
+  <p:timing>
+    <p:tnLst>
+      <p:par>
+        <p:cTn id="1" dur="indefinite" restart="never" nodeType="tmRoot"/>
+      </p:par>
+    </p:tnLst>
+  </p:timing>
+</p:sld>
+</file>
+
+<file path=ppt/slides/slide42.xml><?xml version="1.0" encoding="utf-8"?>
+<p:sld xmlns:a="http://schemas.openxmlformats.org/drawingml/2006/main" xmlns:r="http://schemas.openxmlformats.org/officeDocument/2006/relationships" xmlns:p="http://schemas.openxmlformats.org/presentationml/2006/main">
+  <p:cSld>
+    <p:spTree>
+      <p:nvGrpSpPr>
+        <p:cNvPr id="1" name=""/>
+        <p:cNvGrpSpPr/>
+        <p:nvPr/>
+      </p:nvGrpSpPr>
+      <p:grpSpPr>
+        <a:xfrm>
+          <a:off x="0" y="0"/>
+          <a:ext cx="0" cy="0"/>
+          <a:chOff x="0" y="0"/>
+          <a:chExt cx="0" cy="0"/>
+        </a:xfrm>
+      </p:grpSpPr>
+      <p:sp>
+        <p:nvSpPr>
+          <p:cNvPr id="9" name="Title 8"/>
+          <p:cNvSpPr>
+            <a:spLocks noGrp="1"/>
+          </p:cNvSpPr>
+          <p:nvPr>
+            <p:ph type="title"/>
+          </p:nvPr>
+        </p:nvSpPr>
+        <p:spPr/>
+        <p:txBody>
+          <a:bodyPr/>
+          <a:lstStyle/>
+          <a:p>
+            <a:r>
+              <a:rPr lang="de-DE" dirty="0" smtClean="0"/>
+              <a:t>ENDE</a:t>
+            </a:r>
+            <a:endParaRPr lang="de-DE" dirty="0"/>
+          </a:p>
+        </p:txBody>
+      </p:sp>
+      <p:sp>
+        <p:nvSpPr>
+          <p:cNvPr id="10" name="Text Placeholder 9"/>
+          <p:cNvSpPr>
+            <a:spLocks noGrp="1"/>
+          </p:cNvSpPr>
+          <p:nvPr>
+            <p:ph type="body" idx="1"/>
+          </p:nvPr>
+        </p:nvSpPr>
+        <p:spPr/>
+        <p:txBody>
+          <a:bodyPr/>
+          <a:lstStyle/>
+          <a:p>
+            <a:endParaRPr lang="de-DE"/>
+          </a:p>
+        </p:txBody>
+      </p:sp>
+    </p:spTree>
+    <p:extLst>
+      <p:ext uri="{BB962C8B-B14F-4D97-AF65-F5344CB8AC3E}">
+        <p14:creationId xmlns:p14="http://schemas.microsoft.com/office/powerpoint/2010/main" val="3982353250"/>
       </p:ext>
     </p:extLst>
   </p:cSld>
@@ -14691,7 +16367,7 @@
             <a:fld id="{AC76AE4E-B847-44C0-9E80-FADAC514238D}" type="datetime1">
               <a:rPr lang="de-DE" smtClean="0"/>
               <a:pPr/>
-              <a:t>20.06.2015</a:t>
+              <a:t>21.06.2015</a:t>
             </a:fld>
             <a:endParaRPr lang="de-DE" dirty="0"/>
           </a:p>
@@ -15302,7 +16978,7 @@
           <a:p>
             <a:fld id="{296000BE-0612-4D88-A1AC-FF1287139C2E}" type="datetime1">
               <a:rPr lang="de-DE" smtClean="0"/>
-              <a:t>20.06.2015</a:t>
+              <a:t>21.06.2015</a:t>
             </a:fld>
             <a:endParaRPr lang="de-DE" dirty="0"/>
           </a:p>
@@ -15360,7 +17036,7 @@
       </p:sp>
       <p:pic>
         <p:nvPicPr>
-          <p:cNvPr id="11" name="Picture 10"/>
+          <p:cNvPr id="9" name="Picture 8"/>
           <p:cNvPicPr>
             <a:picLocks noChangeAspect="1"/>
           </p:cNvPicPr>
@@ -15384,8 +17060,8 @@
         </p:blipFill>
         <p:spPr>
           <a:xfrm>
-            <a:off x="2033127" y="3088424"/>
-            <a:ext cx="5077746" cy="321586"/>
+            <a:off x="1824870" y="3088424"/>
+            <a:ext cx="5483434" cy="322928"/>
           </a:xfrm>
           <a:prstGeom prst="rect">
             <a:avLst/>
@@ -15400,7 +17076,7 @@
         </p:nvSpPr>
         <p:spPr>
           <a:xfrm>
-            <a:off x="5148064" y="3003798"/>
+            <a:off x="5364088" y="3003798"/>
             <a:ext cx="1872208" cy="486905"/>
           </a:xfrm>
           <a:prstGeom prst="rect">
@@ -15441,7 +17117,7 @@
             </p:nvSpPr>
             <p:spPr>
               <a:xfrm>
-                <a:off x="5746112" y="3520364"/>
+                <a:off x="6012160" y="3520364"/>
                 <a:ext cx="562655" cy="307777"/>
               </a:xfrm>
               <a:prstGeom prst="rect">
@@ -15525,7 +17201,7 @@
             </p:nvSpPr>
             <p:spPr>
               <a:xfrm>
-                <a:off x="5746112" y="3520364"/>
+                <a:off x="6012160" y="3520364"/>
                 <a:ext cx="562655" cy="307777"/>
               </a:xfrm>
               <a:prstGeom prst="rect">
@@ -15534,7 +17210,7 @@
               <a:blipFill rotWithShape="0">
                 <a:blip r:embed="rId5"/>
                 <a:stretch>
-                  <a:fillRect l="-9783" r="-15217" b="-37255"/>
+                  <a:fillRect l="-9677" r="-13978" b="-37255"/>
                 </a:stretch>
               </a:blipFill>
             </p:spPr>
@@ -15658,7 +17334,7 @@
                                           </p:stCondLst>
                                         </p:cTn>
                                         <p:tgtEl>
-                                          <p:spTgt spid="11"/>
+                                          <p:spTgt spid="9"/>
                                         </p:tgtEl>
                                         <p:attrNameLst>
                                           <p:attrName>style.visibility</p:attrName>
@@ -15672,7 +17348,7 @@
                                       <p:cBhvr>
                                         <p:cTn id="12" dur="500"/>
                                         <p:tgtEl>
-                                          <p:spTgt spid="11"/>
+                                          <p:spTgt spid="9"/>
                                         </p:tgtEl>
                                       </p:cBhvr>
                                     </p:animEffect>
@@ -15842,7 +17518,7 @@
           <a:p>
             <a:fld id="{296000BE-0612-4D88-A1AC-FF1287139C2E}" type="datetime1">
               <a:rPr lang="de-DE" smtClean="0"/>
-              <a:t>20.06.2015</a:t>
+              <a:t>21.06.2015</a:t>
             </a:fld>
             <a:endParaRPr lang="de-DE" dirty="0"/>
           </a:p>
@@ -16416,7 +18092,7 @@
               <a:gd name="adj2" fmla="val 0"/>
             </a:avLst>
           </a:prstGeom>
-          <a:ln w="19050">
+          <a:ln w="22225">
             <a:solidFill>
               <a:srgbClr val="00B050"/>
             </a:solidFill>
@@ -16462,7 +18138,7 @@
               <a:gd name="adj2" fmla="val 0"/>
             </a:avLst>
           </a:prstGeom>
-          <a:ln w="19050">
+          <a:ln w="22225">
             <a:solidFill>
               <a:srgbClr val="FF0000"/>
             </a:solidFill>
@@ -16614,6 +18290,76 @@
           </a:fontRef>
         </p:style>
       </p:cxnSp>
+      <p:cxnSp>
+        <p:nvCxnSpPr>
+          <p:cNvPr id="10" name="Straight Connector 9"/>
+          <p:cNvCxnSpPr/>
+          <p:nvPr/>
+        </p:nvCxnSpPr>
+        <p:spPr>
+          <a:xfrm>
+            <a:off x="4139952" y="4491802"/>
+            <a:ext cx="432048" cy="0"/>
+          </a:xfrm>
+          <a:prstGeom prst="line">
+            <a:avLst/>
+          </a:prstGeom>
+          <a:ln w="22225">
+            <a:solidFill>
+              <a:srgbClr val="FF0000"/>
+            </a:solidFill>
+          </a:ln>
+        </p:spPr>
+        <p:style>
+          <a:lnRef idx="1">
+            <a:schemeClr val="accent1"/>
+          </a:lnRef>
+          <a:fillRef idx="0">
+            <a:schemeClr val="accent1"/>
+          </a:fillRef>
+          <a:effectRef idx="0">
+            <a:schemeClr val="accent1"/>
+          </a:effectRef>
+          <a:fontRef idx="minor">
+            <a:schemeClr val="tx1"/>
+          </a:fontRef>
+        </p:style>
+      </p:cxnSp>
+      <p:cxnSp>
+        <p:nvCxnSpPr>
+          <p:cNvPr id="21" name="Straight Connector 20"/>
+          <p:cNvCxnSpPr/>
+          <p:nvPr/>
+        </p:nvCxnSpPr>
+        <p:spPr>
+          <a:xfrm>
+            <a:off x="4993416" y="4491802"/>
+            <a:ext cx="1804772" cy="0"/>
+          </a:xfrm>
+          <a:prstGeom prst="line">
+            <a:avLst/>
+          </a:prstGeom>
+          <a:ln w="22225">
+            <a:solidFill>
+              <a:srgbClr val="00B050"/>
+            </a:solidFill>
+          </a:ln>
+        </p:spPr>
+        <p:style>
+          <a:lnRef idx="1">
+            <a:schemeClr val="accent1"/>
+          </a:lnRef>
+          <a:fillRef idx="0">
+            <a:schemeClr val="accent1"/>
+          </a:fillRef>
+          <a:effectRef idx="0">
+            <a:schemeClr val="accent1"/>
+          </a:effectRef>
+          <a:fontRef idx="minor">
+            <a:schemeClr val="tx1"/>
+          </a:fontRef>
+        </p:style>
+      </p:cxnSp>
     </p:spTree>
     <p:extLst>
       <p:ext uri="{BB962C8B-B14F-4D97-AF65-F5344CB8AC3E}">
@@ -16715,7 +18461,7 @@
                                 </p:cTn>
                               </p:par>
                               <p:par>
-                                <p:cTn id="11" presetID="1" presetClass="exit" presetSubtype="0" fill="hold" nodeType="withEffect">
+                                <p:cTn id="11" presetID="1" presetClass="entr" presetSubtype="0" fill="hold" nodeType="withEffect">
                                   <p:stCondLst>
                                     <p:cond delay="0"/>
                                   </p:stCondLst>
@@ -16723,6 +18469,33 @@
                                     <p:set>
                                       <p:cBhvr>
                                         <p:cTn id="12" dur="1" fill="hold">
+                                          <p:stCondLst>
+                                            <p:cond delay="0"/>
+                                          </p:stCondLst>
+                                        </p:cTn>
+                                        <p:tgtEl>
+                                          <p:spTgt spid="10"/>
+                                        </p:tgtEl>
+                                        <p:attrNameLst>
+                                          <p:attrName>style.visibility</p:attrName>
+                                        </p:attrNameLst>
+                                      </p:cBhvr>
+                                      <p:to>
+                                        <p:strVal val="visible"/>
+                                      </p:to>
+                                    </p:set>
+                                  </p:childTnLst>
+                                </p:cTn>
+                              </p:par>
+                              <p:par>
+                                <p:cTn id="13" presetID="1" presetClass="exit" presetSubtype="0" fill="hold" nodeType="withEffect">
+                                  <p:stCondLst>
+                                    <p:cond delay="0"/>
+                                  </p:stCondLst>
+                                  <p:childTnLst>
+                                    <p:set>
+                                      <p:cBhvr>
+                                        <p:cTn id="14" dur="1" fill="hold">
                                           <p:stCondLst>
                                             <p:cond delay="0"/>
                                           </p:stCondLst>
@@ -16742,14 +18515,14 @@
                                 </p:cTn>
                               </p:par>
                               <p:par>
-                                <p:cTn id="13" presetID="10" presetClass="entr" presetSubtype="0" fill="hold" nodeType="withEffect">
+                                <p:cTn id="15" presetID="10" presetClass="entr" presetSubtype="0" fill="hold" nodeType="withEffect">
                                   <p:stCondLst>
                                     <p:cond delay="0"/>
                                   </p:stCondLst>
                                   <p:childTnLst>
                                     <p:set>
                                       <p:cBhvr>
-                                        <p:cTn id="14" dur="1" fill="hold">
+                                        <p:cTn id="16" dur="1" fill="hold">
                                           <p:stCondLst>
                                             <p:cond delay="0"/>
                                           </p:stCondLst>
@@ -16767,7 +18540,7 @@
                                     </p:set>
                                     <p:animEffect transition="in" filter="fade">
                                       <p:cBhvr>
-                                        <p:cTn id="15" dur="500"/>
+                                        <p:cTn id="17" dur="500"/>
                                         <p:tgtEl>
                                           <p:spTgt spid="17"/>
                                         </p:tgtEl>
@@ -16777,14 +18550,14 @@
                                 </p:cTn>
                               </p:par>
                               <p:par>
-                                <p:cTn id="16" presetID="10" presetClass="entr" presetSubtype="0" fill="hold" grpId="0" nodeType="withEffect">
+                                <p:cTn id="18" presetID="10" presetClass="entr" presetSubtype="0" fill="hold" grpId="0" nodeType="withEffect">
                                   <p:stCondLst>
                                     <p:cond delay="0"/>
                                   </p:stCondLst>
                                   <p:childTnLst>
                                     <p:set>
                                       <p:cBhvr>
-                                        <p:cTn id="17" dur="1" fill="hold">
+                                        <p:cTn id="19" dur="1" fill="hold">
                                           <p:stCondLst>
                                             <p:cond delay="0"/>
                                           </p:stCondLst>
@@ -16802,7 +18575,7 @@
                                     </p:set>
                                     <p:animEffect transition="in" filter="fade">
                                       <p:cBhvr>
-                                        <p:cTn id="18" dur="500"/>
+                                        <p:cTn id="20" dur="500"/>
                                         <p:tgtEl>
                                           <p:spTgt spid="11"/>
                                         </p:tgtEl>
@@ -16818,26 +18591,26 @@
                     </p:cTn>
                   </p:par>
                   <p:par>
-                    <p:cTn id="19" fill="hold">
+                    <p:cTn id="21" fill="hold">
                       <p:stCondLst>
                         <p:cond delay="indefinite"/>
                       </p:stCondLst>
                       <p:childTnLst>
                         <p:par>
-                          <p:cTn id="20" fill="hold">
+                          <p:cTn id="22" fill="hold">
                             <p:stCondLst>
                               <p:cond delay="0"/>
                             </p:stCondLst>
                             <p:childTnLst>
                               <p:par>
-                                <p:cTn id="21" presetID="10" presetClass="entr" presetSubtype="0" fill="hold" grpId="0" nodeType="clickEffect">
+                                <p:cTn id="23" presetID="10" presetClass="entr" presetSubtype="0" fill="hold" grpId="0" nodeType="clickEffect">
                                   <p:stCondLst>
                                     <p:cond delay="0"/>
                                   </p:stCondLst>
                                   <p:childTnLst>
                                     <p:set>
                                       <p:cBhvr>
-                                        <p:cTn id="22" dur="1" fill="hold">
+                                        <p:cTn id="24" dur="1" fill="hold">
                                           <p:stCondLst>
                                             <p:cond delay="0"/>
                                           </p:stCondLst>
@@ -16855,7 +18628,7 @@
                                     </p:set>
                                     <p:animEffect transition="in" filter="fade">
                                       <p:cBhvr>
-                                        <p:cTn id="23" dur="500"/>
+                                        <p:cTn id="25" dur="500"/>
                                         <p:tgtEl>
                                           <p:spTgt spid="12"/>
                                         </p:tgtEl>
@@ -16865,14 +18638,14 @@
                                 </p:cTn>
                               </p:par>
                               <p:par>
-                                <p:cTn id="24" presetID="10" presetClass="entr" presetSubtype="0" fill="hold" grpId="0" nodeType="withEffect">
+                                <p:cTn id="26" presetID="10" presetClass="entr" presetSubtype="0" fill="hold" grpId="0" nodeType="withEffect">
                                   <p:stCondLst>
                                     <p:cond delay="0"/>
                                   </p:stCondLst>
                                   <p:childTnLst>
                                     <p:set>
                                       <p:cBhvr>
-                                        <p:cTn id="25" dur="1" fill="hold">
+                                        <p:cTn id="27" dur="1" fill="hold">
                                           <p:stCondLst>
                                             <p:cond delay="0"/>
                                           </p:stCondLst>
@@ -16890,7 +18663,7 @@
                                     </p:set>
                                     <p:animEffect transition="in" filter="fade">
                                       <p:cBhvr>
-                                        <p:cTn id="26" dur="500"/>
+                                        <p:cTn id="28" dur="500"/>
                                         <p:tgtEl>
                                           <p:spTgt spid="19"/>
                                         </p:tgtEl>
@@ -16900,14 +18673,14 @@
                                 </p:cTn>
                               </p:par>
                               <p:par>
-                                <p:cTn id="27" presetID="10" presetClass="entr" presetSubtype="0" fill="hold" grpId="0" nodeType="withEffect">
+                                <p:cTn id="29" presetID="10" presetClass="entr" presetSubtype="0" fill="hold" grpId="0" nodeType="withEffect">
                                   <p:stCondLst>
                                     <p:cond delay="0"/>
                                   </p:stCondLst>
                                   <p:childTnLst>
                                     <p:set>
                                       <p:cBhvr>
-                                        <p:cTn id="28" dur="1" fill="hold">
+                                        <p:cTn id="30" dur="1" fill="hold">
                                           <p:stCondLst>
                                             <p:cond delay="0"/>
                                           </p:stCondLst>
@@ -16925,7 +18698,7 @@
                                     </p:set>
                                     <p:animEffect transition="in" filter="fade">
                                       <p:cBhvr>
-                                        <p:cTn id="29" dur="500"/>
+                                        <p:cTn id="31" dur="500"/>
                                         <p:tgtEl>
                                           <p:spTgt spid="16"/>
                                         </p:tgtEl>
@@ -16935,14 +18708,14 @@
                                 </p:cTn>
                               </p:par>
                               <p:par>
-                                <p:cTn id="30" presetID="10" presetClass="entr" presetSubtype="0" fill="hold" nodeType="withEffect">
+                                <p:cTn id="32" presetID="10" presetClass="entr" presetSubtype="0" fill="hold" nodeType="withEffect">
                                   <p:stCondLst>
                                     <p:cond delay="0"/>
                                   </p:stCondLst>
                                   <p:childTnLst>
                                     <p:set>
                                       <p:cBhvr>
-                                        <p:cTn id="31" dur="1" fill="hold">
+                                        <p:cTn id="33" dur="1" fill="hold">
                                           <p:stCondLst>
                                             <p:cond delay="0"/>
                                           </p:stCondLst>
@@ -16960,7 +18733,7 @@
                                     </p:set>
                                     <p:animEffect transition="in" filter="fade">
                                       <p:cBhvr>
-                                        <p:cTn id="32" dur="500"/>
+                                        <p:cTn id="34" dur="500"/>
                                         <p:tgtEl>
                                           <p:spTgt spid="18"/>
                                         </p:tgtEl>
@@ -16970,14 +18743,14 @@
                                 </p:cTn>
                               </p:par>
                               <p:par>
-                                <p:cTn id="33" presetID="1" presetClass="exit" presetSubtype="0" fill="hold" nodeType="withEffect">
+                                <p:cTn id="35" presetID="1" presetClass="exit" presetSubtype="0" fill="hold" nodeType="withEffect">
                                   <p:stCondLst>
                                     <p:cond delay="0"/>
                                   </p:stCondLst>
                                   <p:childTnLst>
                                     <p:set>
                                       <p:cBhvr>
-                                        <p:cTn id="34" dur="1" fill="hold">
+                                        <p:cTn id="36" dur="1" fill="hold">
                                           <p:stCondLst>
                                             <p:cond delay="0"/>
                                           </p:stCondLst>
@@ -16991,6 +18764,33 @@
                                       </p:cBhvr>
                                       <p:to>
                                         <p:strVal val="hidden"/>
+                                      </p:to>
+                                    </p:set>
+                                  </p:childTnLst>
+                                </p:cTn>
+                              </p:par>
+                              <p:par>
+                                <p:cTn id="37" presetID="1" presetClass="entr" presetSubtype="0" fill="hold" nodeType="withEffect">
+                                  <p:stCondLst>
+                                    <p:cond delay="0"/>
+                                  </p:stCondLst>
+                                  <p:childTnLst>
+                                    <p:set>
+                                      <p:cBhvr>
+                                        <p:cTn id="38" dur="1" fill="hold">
+                                          <p:stCondLst>
+                                            <p:cond delay="0"/>
+                                          </p:stCondLst>
+                                        </p:cTn>
+                                        <p:tgtEl>
+                                          <p:spTgt spid="21"/>
+                                        </p:tgtEl>
+                                        <p:attrNameLst>
+                                          <p:attrName>style.visibility</p:attrName>
+                                        </p:attrNameLst>
+                                      </p:cBhvr>
+                                      <p:to>
+                                        <p:strVal val="visible"/>
                                       </p:to>
                                     </p:set>
                                   </p:childTnLst>
@@ -17101,7 +18901,14 @@
                 </a:r>
                 <a:r>
                   <a:rPr lang="de-DE" dirty="0" smtClean="0"/>
-                  <a:t> des Trägersignals proportional zu </a:t>
+                  <a:t> des Trägersignals </a:t>
+                </a:r>
+                <a:br>
+                  <a:rPr lang="de-DE" dirty="0" smtClean="0"/>
+                </a:br>
+                <a:r>
+                  <a:rPr lang="de-DE" dirty="0" smtClean="0"/>
+                  <a:t>proportional zu </a:t>
                 </a:r>
                 <a14:m>
                   <m:oMath xmlns:m="http://schemas.openxmlformats.org/officeDocument/2006/math">
@@ -17155,7 +18962,7 @@
               <a:blipFill rotWithShape="0">
                 <a:blip r:embed="rId2"/>
                 <a:stretch>
-                  <a:fillRect t="-2154"/>
+                  <a:fillRect t="-1975"/>
                 </a:stretch>
               </a:blipFill>
             </p:spPr>
@@ -17191,7 +18998,7 @@
           <a:p>
             <a:fld id="{296000BE-0612-4D88-A1AC-FF1287139C2E}" type="datetime1">
               <a:rPr lang="de-DE" smtClean="0"/>
-              <a:t>20.06.2015</a:t>
+              <a:t>21.06.2015</a:t>
             </a:fld>
             <a:endParaRPr lang="de-DE" dirty="0"/>
           </a:p>
@@ -17495,7 +19302,7 @@
           <a:p>
             <a:fld id="{296000BE-0612-4D88-A1AC-FF1287139C2E}" type="datetime1">
               <a:rPr lang="de-DE" smtClean="0"/>
-              <a:t>20.06.2015</a:t>
+              <a:t>21.06.2015</a:t>
             </a:fld>
             <a:endParaRPr lang="de-DE" dirty="0"/>
           </a:p>
@@ -18363,11 +20170,11 @@
 
 <file path=ppt/tags/tag25.xml><?xml version="1.0" encoding="utf-8"?>
 <p:tagLst xmlns:a="http://schemas.openxmlformats.org/drawingml/2006/main" xmlns:r="http://schemas.openxmlformats.org/officeDocument/2006/relationships" xmlns:p="http://schemas.openxmlformats.org/presentationml/2006/main">
-  <p:tag name="ORIGINALHEIGHT" val="150,021"/>
-  <p:tag name="ORIGINALWIDTH" val="1227,921"/>
-  <p:tag name="LATEXADDIN" val="\documentclass{article}&#10;\usepackage{amsmath}&#10;\pagestyle{empty}&#10;\begin{document}&#10;&#10;&#10;$-\cos(\alpha)=\sin(\alpha + \frac{3\pi}{2}) $&#10;\end{document}"/>
+  <p:tag name="ORIGINALHEIGHT" val="135,769"/>
+  <p:tag name="ORIGINALWIDTH" val="1222,671"/>
+  <p:tag name="LATEXADDIN" val="\documentclass{article}&#10;\usepackage{amsmath}&#10;\pagestyle{empty}&#10;\begin{document}&#10;&#10;&#10;$-\cos(x)=\sin(x + 3\frac{\pi}{2}) $&#10;\end{document}"/>
   <p:tag name="IGUANATEXSIZE" val="20"/>
-  <p:tag name="IGUANATEXCURSOR" val="128"/>
+  <p:tag name="IGUANATEXCURSOR" val="98"/>
   <p:tag name="TRANSPARENCY" val="True"/>
   <p:tag name="FILENAME" val=""/>
   <p:tag name="INPUTTYPE" val="0"/>
@@ -18378,11 +20185,11 @@
 
 <file path=ppt/tags/tag26.xml><?xml version="1.0" encoding="utf-8"?>
 <p:tagLst xmlns:a="http://schemas.openxmlformats.org/drawingml/2006/main" xmlns:r="http://schemas.openxmlformats.org/officeDocument/2006/relationships" xmlns:p="http://schemas.openxmlformats.org/presentationml/2006/main">
-  <p:tag name="ORIGINALHEIGHT" val="275,2884"/>
-  <p:tag name="ORIGINALWIDTH" val="2051,536"/>
-  <p:tag name="LATEXADDIN" val="\documentclass{article}&#10;\usepackage{amsmath}&#10;\pagestyle{empty}&#10;\begin{document}&#10;&#10;&#10;$$s_{FM}(t)=A\cdot\sin(\omega_ct+\frac{k}{\omega_m}\cdot\sin(\omega_m t))$$&#10;&#10;\end{document}"/>
+  <p:tag name="ORIGINALHEIGHT" val="124,5174"/>
+  <p:tag name="ORIGINALWIDTH" val="1507,71"/>
+  <p:tag name="LATEXADDIN" val="\documentclass{article}&#10;\usepackage{amsmath}&#10;\pagestyle{empty}&#10;\begin{document}&#10;&#10;&#10;$$=A\cdot\sin(\omega_ct-I\cdot\cos(\omega_m t))$$&#10;&#10;\end{document}"/>
   <p:tag name="IGUANATEXSIZE" val="25"/>
-  <p:tag name="IGUANATEXCURSOR" val="142"/>
+  <p:tag name="IGUANATEXCURSOR" val="84"/>
   <p:tag name="TRANSPARENCY" val="False"/>
   <p:tag name="FILENAME" val=""/>
   <p:tag name="INPUTTYPE" val="0"/>
@@ -18408,11 +20215,11 @@
 
 <file path=ppt/tags/tag28.xml><?xml version="1.0" encoding="utf-8"?>
 <p:tagLst xmlns:a="http://schemas.openxmlformats.org/drawingml/2006/main" xmlns:r="http://schemas.openxmlformats.org/officeDocument/2006/relationships" xmlns:p="http://schemas.openxmlformats.org/presentationml/2006/main">
-  <p:tag name="ORIGINALHEIGHT" val="278,2888"/>
-  <p:tag name="ORIGINALWIDTH" val="2058,287"/>
-  <p:tag name="LATEXADDIN" val="\documentclass{article}&#10;\usepackage{amsmath}&#10;\pagestyle{empty}&#10;\begin{document}&#10;&#10;&#10;$$s_{FM}(t)=A\cdot\sin(\omega_ct+\frac{\Delta f}{\omega_m}\cdot\sin(\omega_m t))$$&#10;&#10;\end{document}"/>
+  <p:tag name="ORIGINALHEIGHT" val="124,5174"/>
+  <p:tag name="ORIGINALWIDTH" val="1491,958"/>
+  <p:tag name="LATEXADDIN" val="\documentclass{article}&#10;\usepackage{amsmath}&#10;\pagestyle{empty}&#10;\begin{document}&#10;&#10;&#10;$$\approx A\cdot\sin(\omega_ct+I\cdot\sin(\omega_m t))$$&#10;&#10;\end{document}"/>
   <p:tag name="IGUANATEXSIZE" val="25"/>
-  <p:tag name="IGUANATEXCURSOR" val="129"/>
+  <p:tag name="IGUANATEXCURSOR" val="92"/>
   <p:tag name="TRANSPARENCY" val="False"/>
   <p:tag name="FILENAME" val=""/>
   <p:tag name="INPUTTYPE" val="0"/>
@@ -18423,11 +20230,11 @@
 
 <file path=ppt/tags/tag29.xml><?xml version="1.0" encoding="utf-8"?>
 <p:tagLst xmlns:a="http://schemas.openxmlformats.org/drawingml/2006/main" xmlns:r="http://schemas.openxmlformats.org/officeDocument/2006/relationships" xmlns:p="http://schemas.openxmlformats.org/presentationml/2006/main">
-  <p:tag name="ORIGINALHEIGHT" val="124,5174"/>
-  <p:tag name="ORIGINALWIDTH" val="1585,721"/>
-  <p:tag name="LATEXADDIN" val="\documentclass{article}&#10;\usepackage{amsmath}&#10;\pagestyle{empty}&#10;\begin{document}&#10;&#10;$$e(t)=A\cdot\sin(\alpha t + I\cdot\sin(\beta t)) $$&#10;&#10;&#10;\end{document}"/>
-  <p:tag name="IGUANATEXSIZE" val="25"/>
-  <p:tag name="IGUANATEXCURSOR" val="116"/>
+  <p:tag name="ORIGINALHEIGHT" val="173,2742"/>
+  <p:tag name="ORIGINALWIDTH" val="387,8041"/>
+  <p:tag name="LATEXADDIN" val="\documentclass{article}&#10;\usepackage{amsmath}&#10;\pagestyle{empty}&#10;\begin{document}&#10;&#10;$I=\frac{\Delta f}{\omega_m}$&#10;&#10;&#10;\end{document}"/>
+  <p:tag name="IGUANATEXSIZE" val="20"/>
+  <p:tag name="IGUANATEXCURSOR" val="110"/>
   <p:tag name="TRANSPARENCY" val="True"/>
   <p:tag name="FILENAME" val=""/>
   <p:tag name="INPUTTYPE" val="0"/>
@@ -18453,12 +20260,12 @@
 
 <file path=ppt/tags/tag30.xml><?xml version="1.0" encoding="utf-8"?>
 <p:tagLst xmlns:a="http://schemas.openxmlformats.org/drawingml/2006/main" xmlns:r="http://schemas.openxmlformats.org/officeDocument/2006/relationships" xmlns:p="http://schemas.openxmlformats.org/presentationml/2006/main">
-  <p:tag name="ORIGINALHEIGHT" val="278,2888"/>
-  <p:tag name="ORIGINALWIDTH" val="2058,287"/>
-  <p:tag name="LATEXADDIN" val="\documentclass{article}&#10;\usepackage{amsmath}&#10;\pagestyle{empty}&#10;\begin{document}&#10;&#10;&#10;$$s_{FM}(t)=A\cdot\sin(\omega_ct+\frac{\Delta f}{\omega_m}\cdot\sin(\omega_m t))$$&#10;&#10;\end{document}"/>
+  <p:tag name="ORIGINALHEIGHT" val="124,5174"/>
+  <p:tag name="ORIGINALWIDTH" val="1585,721"/>
+  <p:tag name="LATEXADDIN" val="\documentclass{article}&#10;\usepackage{amsmath}&#10;\pagestyle{empty}&#10;\begin{document}&#10;&#10;$$e(t)=A\cdot\sin(\alpha t + I\cdot\sin(\beta t)) $$&#10;&#10;&#10;\end{document}"/>
   <p:tag name="IGUANATEXSIZE" val="25"/>
-  <p:tag name="IGUANATEXCURSOR" val="129"/>
-  <p:tag name="TRANSPARENCY" val="False"/>
+  <p:tag name="IGUANATEXCURSOR" val="116"/>
+  <p:tag name="TRANSPARENCY" val="True"/>
   <p:tag name="FILENAME" val=""/>
   <p:tag name="INPUTTYPE" val="0"/>
   <p:tag name="LATEXENGINEID" val="1"/>
@@ -18468,12 +20275,12 @@
 
 <file path=ppt/tags/tag31.xml><?xml version="1.0" encoding="utf-8"?>
 <p:tagLst xmlns:a="http://schemas.openxmlformats.org/drawingml/2006/main" xmlns:r="http://schemas.openxmlformats.org/officeDocument/2006/relationships" xmlns:p="http://schemas.openxmlformats.org/presentationml/2006/main">
-  <p:tag name="ORIGINALHEIGHT" val="173,2742"/>
-  <p:tag name="ORIGINALWIDTH" val="387,8041"/>
-  <p:tag name="LATEXADDIN" val="\documentclass{article}&#10;\usepackage{amsmath}&#10;\pagestyle{empty}&#10;\begin{document}&#10;&#10;$I=\frac{\Delta f}{\omega_m}$&#10;&#10;&#10;\end{document}"/>
-  <p:tag name="IGUANATEXSIZE" val="20"/>
-  <p:tag name="IGUANATEXCURSOR" val="110"/>
-  <p:tag name="TRANSPARENCY" val="True"/>
+  <p:tag name="ORIGINALHEIGHT" val="124,5174"/>
+  <p:tag name="ORIGINALWIDTH" val="1914,267"/>
+  <p:tag name="LATEXADDIN" val="\documentclass{article}&#10;\usepackage{amsmath}&#10;\pagestyle{empty}&#10;\begin{document}&#10;&#10;&#10;$$s_{FM}(t)=A\cdot\sin(\omega_ct+I\cdot\sin(\omega_m t))$$&#10;&#10;\end{document}"/>
+  <p:tag name="IGUANATEXSIZE" val="25"/>
+  <p:tag name="IGUANATEXCURSOR" val="116"/>
+  <p:tag name="TRANSPARENCY" val="False"/>
   <p:tag name="FILENAME" val=""/>
   <p:tag name="INPUTTYPE" val="0"/>
   <p:tag name="LATEXENGINEID" val="1"/>
@@ -18556,13 +20363,28 @@
 </p:tagLst>
 </file>
 
+<file path=ppt/tags/tag37.xml><?xml version="1.0" encoding="utf-8"?>
+<p:tagLst xmlns:a="http://schemas.openxmlformats.org/drawingml/2006/main" xmlns:r="http://schemas.openxmlformats.org/officeDocument/2006/relationships" xmlns:p="http://schemas.openxmlformats.org/presentationml/2006/main">
+  <p:tag name="ORIGINALHEIGHT" val="282,7895"/>
+  <p:tag name="ORIGINALWIDTH" val="527,3236"/>
+  <p:tag name="LATEXADDIN" val="\documentclass{article}&#10;\usepackage{amsmath}&#10;\pagestyle{empty}&#10;\begin{document}&#10;&#10;$$\frac{f_c}{f_m}=\frac{N1}{N2}$$&#10;&#10;&#10;\end{document}"/>
+  <p:tag name="IGUANATEXSIZE" val="25"/>
+  <p:tag name="IGUANATEXCURSOR" val="111"/>
+  <p:tag name="TRANSPARENCY" val="True"/>
+  <p:tag name="FILENAME" val=""/>
+  <p:tag name="INPUTTYPE" val="0"/>
+  <p:tag name="LATEXENGINEID" val="1"/>
+  <p:tag name="TEMPFOLDER" val="C:\Users\Markus\AppData\Local\Temp\"/>
+</p:tagLst>
+</file>
+
 <file path=ppt/tags/tag4.xml><?xml version="1.0" encoding="utf-8"?>
 <p:tagLst xmlns:a="http://schemas.openxmlformats.org/drawingml/2006/main" xmlns:r="http://schemas.openxmlformats.org/officeDocument/2006/relationships" xmlns:p="http://schemas.openxmlformats.org/presentationml/2006/main">
   <p:tag name="ORIGINALHEIGHT" val="124,5174"/>
-  <p:tag name="ORIGINALWIDTH" val="1997,529"/>
-  <p:tag name="LATEXADDIN" val="\documentclass{article}&#10;\usepackage{amsmath}&#10;\pagestyle{empty}&#10;\begin{document}&#10;&#10;&#10;$s_{PM}(t)=A\cdot \sin(\omega_0 t + \varphi_0 + k\cdot m(t))$&#10;&#10;\end{document}"/>
+  <p:tag name="ORIGINALWIDTH" val="2156,551"/>
+  <p:tag name="LATEXADDIN" val="\documentclass{article}&#10;\usepackage{amsmath}&#10;\pagestyle{empty}&#10;\begin{document}&#10;&#10;&#10;$$\Rightarrow s_{PM}(t)=A\cdot \sin(\omega_0 t + \varphi_0 + k\cdot m(t))$$&#10;&#10;\end{document}"/>
   <p:tag name="IGUANATEXSIZE" val="25"/>
-  <p:tag name="IGUANATEXCURSOR" val="131"/>
+  <p:tag name="IGUANATEXCURSOR" val="157"/>
   <p:tag name="TRANSPARENCY" val="True"/>
   <p:tag name="FILENAME" val=""/>
   <p:tag name="INPUTTYPE" val="0"/>

--- a/Praesentation/FMSynthese-Markus.pptx
+++ b/Praesentation/FMSynthese-Markus.pptx
@@ -5,7 +5,7 @@
     <p:sldMasterId id="2147483648" r:id="rId1"/>
   </p:sldMasterIdLst>
   <p:notesMasterIdLst>
-    <p:notesMasterId r:id="rId44"/>
+    <p:notesMasterId r:id="rId43"/>
   </p:notesMasterIdLst>
   <p:sldIdLst>
     <p:sldId id="259" r:id="rId2"/>
@@ -25,31 +25,30 @@
     <p:sldId id="273" r:id="rId16"/>
     <p:sldId id="275" r:id="rId17"/>
     <p:sldId id="277" r:id="rId18"/>
-    <p:sldId id="288" r:id="rId19"/>
-    <p:sldId id="279" r:id="rId20"/>
-    <p:sldId id="282" r:id="rId21"/>
-    <p:sldId id="296" r:id="rId22"/>
-    <p:sldId id="283" r:id="rId23"/>
-    <p:sldId id="295" r:id="rId24"/>
-    <p:sldId id="284" r:id="rId25"/>
-    <p:sldId id="285" r:id="rId26"/>
-    <p:sldId id="286" r:id="rId27"/>
-    <p:sldId id="278" r:id="rId28"/>
-    <p:sldId id="281" r:id="rId29"/>
-    <p:sldId id="292" r:id="rId30"/>
-    <p:sldId id="293" r:id="rId31"/>
-    <p:sldId id="294" r:id="rId32"/>
-    <p:sldId id="309" r:id="rId33"/>
-    <p:sldId id="310" r:id="rId34"/>
-    <p:sldId id="299" r:id="rId35"/>
-    <p:sldId id="300" r:id="rId36"/>
-    <p:sldId id="301" r:id="rId37"/>
-    <p:sldId id="302" r:id="rId38"/>
-    <p:sldId id="308" r:id="rId39"/>
-    <p:sldId id="303" r:id="rId40"/>
-    <p:sldId id="305" r:id="rId41"/>
-    <p:sldId id="306" r:id="rId42"/>
-    <p:sldId id="307" r:id="rId43"/>
+    <p:sldId id="279" r:id="rId19"/>
+    <p:sldId id="282" r:id="rId20"/>
+    <p:sldId id="296" r:id="rId21"/>
+    <p:sldId id="283" r:id="rId22"/>
+    <p:sldId id="295" r:id="rId23"/>
+    <p:sldId id="284" r:id="rId24"/>
+    <p:sldId id="285" r:id="rId25"/>
+    <p:sldId id="286" r:id="rId26"/>
+    <p:sldId id="278" r:id="rId27"/>
+    <p:sldId id="281" r:id="rId28"/>
+    <p:sldId id="292" r:id="rId29"/>
+    <p:sldId id="293" r:id="rId30"/>
+    <p:sldId id="294" r:id="rId31"/>
+    <p:sldId id="309" r:id="rId32"/>
+    <p:sldId id="310" r:id="rId33"/>
+    <p:sldId id="299" r:id="rId34"/>
+    <p:sldId id="300" r:id="rId35"/>
+    <p:sldId id="301" r:id="rId36"/>
+    <p:sldId id="302" r:id="rId37"/>
+    <p:sldId id="308" r:id="rId38"/>
+    <p:sldId id="303" r:id="rId39"/>
+    <p:sldId id="305" r:id="rId40"/>
+    <p:sldId id="306" r:id="rId41"/>
+    <p:sldId id="307" r:id="rId42"/>
   </p:sldIdLst>
   <p:sldSz cx="9144000" cy="5143500" type="screen16x9"/>
   <p:notesSz cx="6858000" cy="9144000"/>
@@ -533,6 +532,370 @@
     </a:lvl9pPr>
   </p:notesStyle>
 </p:notesMaster>
+</file>
+
+<file path=ppt/notesSlides/notesSlide1.xml><?xml version="1.0" encoding="utf-8"?>
+<p:notes xmlns:a="http://schemas.openxmlformats.org/drawingml/2006/main" xmlns:r="http://schemas.openxmlformats.org/officeDocument/2006/relationships" xmlns:p="http://schemas.openxmlformats.org/presentationml/2006/main">
+  <p:cSld>
+    <p:spTree>
+      <p:nvGrpSpPr>
+        <p:cNvPr id="1" name=""/>
+        <p:cNvGrpSpPr/>
+        <p:nvPr/>
+      </p:nvGrpSpPr>
+      <p:grpSpPr>
+        <a:xfrm>
+          <a:off x="0" y="0"/>
+          <a:ext cx="0" cy="0"/>
+          <a:chOff x="0" y="0"/>
+          <a:chExt cx="0" cy="0"/>
+        </a:xfrm>
+      </p:grpSpPr>
+      <p:sp>
+        <p:nvSpPr>
+          <p:cNvPr id="2" name="Slide Image Placeholder 1"/>
+          <p:cNvSpPr>
+            <a:spLocks noGrp="1" noRot="1" noChangeAspect="1"/>
+          </p:cNvSpPr>
+          <p:nvPr>
+            <p:ph type="sldImg"/>
+          </p:nvPr>
+        </p:nvSpPr>
+        <p:spPr/>
+      </p:sp>
+      <p:sp>
+        <p:nvSpPr>
+          <p:cNvPr id="3" name="Notes Placeholder 2"/>
+          <p:cNvSpPr>
+            <a:spLocks noGrp="1"/>
+          </p:cNvSpPr>
+          <p:nvPr>
+            <p:ph type="body" idx="1"/>
+          </p:nvPr>
+        </p:nvSpPr>
+        <p:spPr/>
+        <p:txBody>
+          <a:bodyPr/>
+          <a:lstStyle/>
+          <a:p>
+            <a:r>
+              <a:rPr lang="de-DE" dirty="0" smtClean="0"/>
+              <a:t>WPF Programm</a:t>
+            </a:r>
+            <a:endParaRPr lang="de-DE" dirty="0"/>
+          </a:p>
+        </p:txBody>
+      </p:sp>
+      <p:sp>
+        <p:nvSpPr>
+          <p:cNvPr id="4" name="Slide Number Placeholder 3"/>
+          <p:cNvSpPr>
+            <a:spLocks noGrp="1"/>
+          </p:cNvSpPr>
+          <p:nvPr>
+            <p:ph type="sldNum" sz="quarter" idx="10"/>
+          </p:nvPr>
+        </p:nvSpPr>
+        <p:spPr/>
+        <p:txBody>
+          <a:bodyPr/>
+          <a:lstStyle/>
+          <a:p>
+            <a:fld id="{B162E40F-E87F-4C0D-9DAF-92DD7B84B6D5}" type="slidenum">
+              <a:rPr lang="de-DE" smtClean="0"/>
+              <a:pPr/>
+              <a:t>7</a:t>
+            </a:fld>
+            <a:endParaRPr lang="de-DE"/>
+          </a:p>
+        </p:txBody>
+      </p:sp>
+    </p:spTree>
+    <p:extLst>
+      <p:ext uri="{BB962C8B-B14F-4D97-AF65-F5344CB8AC3E}">
+        <p14:creationId xmlns:p14="http://schemas.microsoft.com/office/powerpoint/2010/main" val="683116550"/>
+      </p:ext>
+    </p:extLst>
+  </p:cSld>
+  <p:clrMapOvr>
+    <a:masterClrMapping/>
+  </p:clrMapOvr>
+</p:notes>
+</file>
+
+<file path=ppt/notesSlides/notesSlide2.xml><?xml version="1.0" encoding="utf-8"?>
+<p:notes xmlns:a="http://schemas.openxmlformats.org/drawingml/2006/main" xmlns:r="http://schemas.openxmlformats.org/officeDocument/2006/relationships" xmlns:p="http://schemas.openxmlformats.org/presentationml/2006/main">
+  <p:cSld>
+    <p:spTree>
+      <p:nvGrpSpPr>
+        <p:cNvPr id="1" name=""/>
+        <p:cNvGrpSpPr/>
+        <p:nvPr/>
+      </p:nvGrpSpPr>
+      <p:grpSpPr>
+        <a:xfrm>
+          <a:off x="0" y="0"/>
+          <a:ext cx="0" cy="0"/>
+          <a:chOff x="0" y="0"/>
+          <a:chExt cx="0" cy="0"/>
+        </a:xfrm>
+      </p:grpSpPr>
+      <p:sp>
+        <p:nvSpPr>
+          <p:cNvPr id="2" name="Slide Image Placeholder 1"/>
+          <p:cNvSpPr>
+            <a:spLocks noGrp="1" noRot="1" noChangeAspect="1"/>
+          </p:cNvSpPr>
+          <p:nvPr>
+            <p:ph type="sldImg"/>
+          </p:nvPr>
+        </p:nvSpPr>
+        <p:spPr/>
+      </p:sp>
+      <p:sp>
+        <p:nvSpPr>
+          <p:cNvPr id="3" name="Notes Placeholder 2"/>
+          <p:cNvSpPr>
+            <a:spLocks noGrp="1"/>
+          </p:cNvSpPr>
+          <p:nvPr>
+            <p:ph type="body" idx="1"/>
+          </p:nvPr>
+        </p:nvSpPr>
+        <p:spPr/>
+        <p:txBody>
+          <a:bodyPr/>
+          <a:lstStyle/>
+          <a:p>
+            <a:r>
+              <a:rPr lang="de-DE" dirty="0" smtClean="0"/>
+              <a:t>WPF Programm</a:t>
+            </a:r>
+            <a:endParaRPr lang="de-DE" dirty="0"/>
+          </a:p>
+        </p:txBody>
+      </p:sp>
+      <p:sp>
+        <p:nvSpPr>
+          <p:cNvPr id="4" name="Slide Number Placeholder 3"/>
+          <p:cNvSpPr>
+            <a:spLocks noGrp="1"/>
+          </p:cNvSpPr>
+          <p:nvPr>
+            <p:ph type="sldNum" sz="quarter" idx="10"/>
+          </p:nvPr>
+        </p:nvSpPr>
+        <p:spPr/>
+        <p:txBody>
+          <a:bodyPr/>
+          <a:lstStyle/>
+          <a:p>
+            <a:fld id="{B162E40F-E87F-4C0D-9DAF-92DD7B84B6D5}" type="slidenum">
+              <a:rPr lang="de-DE" smtClean="0"/>
+              <a:pPr/>
+              <a:t>10</a:t>
+            </a:fld>
+            <a:endParaRPr lang="de-DE"/>
+          </a:p>
+        </p:txBody>
+      </p:sp>
+    </p:spTree>
+    <p:extLst>
+      <p:ext uri="{BB962C8B-B14F-4D97-AF65-F5344CB8AC3E}">
+        <p14:creationId xmlns:p14="http://schemas.microsoft.com/office/powerpoint/2010/main" val="3446462171"/>
+      </p:ext>
+    </p:extLst>
+  </p:cSld>
+  <p:clrMapOvr>
+    <a:masterClrMapping/>
+  </p:clrMapOvr>
+</p:notes>
+</file>
+
+<file path=ppt/notesSlides/notesSlide3.xml><?xml version="1.0" encoding="utf-8"?>
+<p:notes xmlns:a="http://schemas.openxmlformats.org/drawingml/2006/main" xmlns:r="http://schemas.openxmlformats.org/officeDocument/2006/relationships" xmlns:p="http://schemas.openxmlformats.org/presentationml/2006/main">
+  <p:cSld>
+    <p:spTree>
+      <p:nvGrpSpPr>
+        <p:cNvPr id="1" name=""/>
+        <p:cNvGrpSpPr/>
+        <p:nvPr/>
+      </p:nvGrpSpPr>
+      <p:grpSpPr>
+        <a:xfrm>
+          <a:off x="0" y="0"/>
+          <a:ext cx="0" cy="0"/>
+          <a:chOff x="0" y="0"/>
+          <a:chExt cx="0" cy="0"/>
+        </a:xfrm>
+      </p:grpSpPr>
+      <p:sp>
+        <p:nvSpPr>
+          <p:cNvPr id="2" name="Slide Image Placeholder 1"/>
+          <p:cNvSpPr>
+            <a:spLocks noGrp="1" noRot="1" noChangeAspect="1"/>
+          </p:cNvSpPr>
+          <p:nvPr>
+            <p:ph type="sldImg"/>
+          </p:nvPr>
+        </p:nvSpPr>
+        <p:spPr/>
+      </p:sp>
+      <p:sp>
+        <p:nvSpPr>
+          <p:cNvPr id="3" name="Notes Placeholder 2"/>
+          <p:cNvSpPr>
+            <a:spLocks noGrp="1"/>
+          </p:cNvSpPr>
+          <p:nvPr>
+            <p:ph type="body" idx="1"/>
+          </p:nvPr>
+        </p:nvSpPr>
+        <p:spPr/>
+        <p:txBody>
+          <a:bodyPr/>
+          <a:lstStyle/>
+          <a:p>
+            <a:r>
+              <a:rPr lang="de-DE" dirty="0" smtClean="0"/>
+              <a:t>Zusammenfassen</a:t>
+            </a:r>
+            <a:endParaRPr lang="de-DE" dirty="0"/>
+          </a:p>
+        </p:txBody>
+      </p:sp>
+      <p:sp>
+        <p:nvSpPr>
+          <p:cNvPr id="4" name="Slide Number Placeholder 3"/>
+          <p:cNvSpPr>
+            <a:spLocks noGrp="1"/>
+          </p:cNvSpPr>
+          <p:nvPr>
+            <p:ph type="sldNum" sz="quarter" idx="10"/>
+          </p:nvPr>
+        </p:nvSpPr>
+        <p:spPr/>
+        <p:txBody>
+          <a:bodyPr/>
+          <a:lstStyle/>
+          <a:p>
+            <a:fld id="{B162E40F-E87F-4C0D-9DAF-92DD7B84B6D5}" type="slidenum">
+              <a:rPr lang="de-DE" smtClean="0"/>
+              <a:pPr/>
+              <a:t>17</a:t>
+            </a:fld>
+            <a:endParaRPr lang="de-DE"/>
+          </a:p>
+        </p:txBody>
+      </p:sp>
+    </p:spTree>
+    <p:extLst>
+      <p:ext uri="{BB962C8B-B14F-4D97-AF65-F5344CB8AC3E}">
+        <p14:creationId xmlns:p14="http://schemas.microsoft.com/office/powerpoint/2010/main" val="2520997980"/>
+      </p:ext>
+    </p:extLst>
+  </p:cSld>
+  <p:clrMapOvr>
+    <a:masterClrMapping/>
+  </p:clrMapOvr>
+</p:notes>
+</file>
+
+<file path=ppt/notesSlides/notesSlide4.xml><?xml version="1.0" encoding="utf-8"?>
+<p:notes xmlns:a="http://schemas.openxmlformats.org/drawingml/2006/main" xmlns:r="http://schemas.openxmlformats.org/officeDocument/2006/relationships" xmlns:p="http://schemas.openxmlformats.org/presentationml/2006/main">
+  <p:cSld>
+    <p:spTree>
+      <p:nvGrpSpPr>
+        <p:cNvPr id="1" name=""/>
+        <p:cNvGrpSpPr/>
+        <p:nvPr/>
+      </p:nvGrpSpPr>
+      <p:grpSpPr>
+        <a:xfrm>
+          <a:off x="0" y="0"/>
+          <a:ext cx="0" cy="0"/>
+          <a:chOff x="0" y="0"/>
+          <a:chExt cx="0" cy="0"/>
+        </a:xfrm>
+      </p:grpSpPr>
+      <p:sp>
+        <p:nvSpPr>
+          <p:cNvPr id="2" name="Slide Image Placeholder 1"/>
+          <p:cNvSpPr>
+            <a:spLocks noGrp="1" noRot="1" noChangeAspect="1"/>
+          </p:cNvSpPr>
+          <p:nvPr>
+            <p:ph type="sldImg"/>
+          </p:nvPr>
+        </p:nvSpPr>
+        <p:spPr/>
+      </p:sp>
+      <p:sp>
+        <p:nvSpPr>
+          <p:cNvPr id="3" name="Notes Placeholder 2"/>
+          <p:cNvSpPr>
+            <a:spLocks noGrp="1"/>
+          </p:cNvSpPr>
+          <p:nvPr>
+            <p:ph type="body" idx="1"/>
+          </p:nvPr>
+        </p:nvSpPr>
+        <p:spPr/>
+        <p:txBody>
+          <a:bodyPr/>
+          <a:lstStyle/>
+          <a:p>
+            <a:r>
+              <a:rPr lang="de-DE" dirty="0" smtClean="0"/>
+              <a:t>J-n(I) = -1^n </a:t>
+            </a:r>
+            <a:r>
+              <a:rPr lang="de-DE" dirty="0" err="1" smtClean="0"/>
+              <a:t>Jn</a:t>
+            </a:r>
+            <a:r>
+              <a:rPr lang="de-DE" dirty="0" smtClean="0"/>
+              <a:t>(I) Tafel</a:t>
+            </a:r>
+            <a:endParaRPr lang="de-DE" dirty="0"/>
+          </a:p>
+        </p:txBody>
+      </p:sp>
+      <p:sp>
+        <p:nvSpPr>
+          <p:cNvPr id="4" name="Slide Number Placeholder 3"/>
+          <p:cNvSpPr>
+            <a:spLocks noGrp="1"/>
+          </p:cNvSpPr>
+          <p:nvPr>
+            <p:ph type="sldNum" sz="quarter" idx="10"/>
+          </p:nvPr>
+        </p:nvSpPr>
+        <p:spPr/>
+        <p:txBody>
+          <a:bodyPr/>
+          <a:lstStyle/>
+          <a:p>
+            <a:fld id="{B162E40F-E87F-4C0D-9DAF-92DD7B84B6D5}" type="slidenum">
+              <a:rPr lang="de-DE" smtClean="0"/>
+              <a:pPr/>
+              <a:t>21</a:t>
+            </a:fld>
+            <a:endParaRPr lang="de-DE"/>
+          </a:p>
+        </p:txBody>
+      </p:sp>
+    </p:spTree>
+    <p:extLst>
+      <p:ext uri="{BB962C8B-B14F-4D97-AF65-F5344CB8AC3E}">
+        <p14:creationId xmlns:p14="http://schemas.microsoft.com/office/powerpoint/2010/main" val="50806333"/>
+      </p:ext>
+    </p:extLst>
+  </p:cSld>
+  <p:clrMapOvr>
+    <a:masterClrMapping/>
+  </p:clrMapOvr>
+</p:notes>
 </file>
 
 <file path=ppt/slideLayouts/slideLayout1.xml><?xml version="1.0" encoding="utf-8"?>
@@ -4298,7 +4661,7 @@
           <p:nvPr/>
         </p:nvPicPr>
         <p:blipFill>
-          <a:blip r:embed="rId2">
+          <a:blip r:embed="rId3">
             <a:extLst>
               <a:ext uri="{28A0092B-C50C-407E-A947-70E740481C1C}">
                 <a14:useLocalDpi xmlns:a14="http://schemas.microsoft.com/office/drawing/2010/main" val="0"/>
@@ -4328,7 +4691,7 @@
           <p:nvPr/>
         </p:nvPicPr>
         <p:blipFill>
-          <a:blip r:embed="rId3">
+          <a:blip r:embed="rId4">
             <a:extLst>
               <a:ext uri="{28A0092B-C50C-407E-A947-70E740481C1C}">
                 <a14:useLocalDpi xmlns:a14="http://schemas.microsoft.com/office/drawing/2010/main" val="0"/>
@@ -4358,7 +4721,7 @@
           <p:nvPr/>
         </p:nvPicPr>
         <p:blipFill>
-          <a:blip r:embed="rId4">
+          <a:blip r:embed="rId5">
             <a:extLst>
               <a:ext uri="{28A0092B-C50C-407E-A947-70E740481C1C}">
                 <a14:useLocalDpi xmlns:a14="http://schemas.microsoft.com/office/drawing/2010/main" val="0"/>
@@ -4388,7 +4751,7 @@
           <p:nvPr/>
         </p:nvPicPr>
         <p:blipFill>
-          <a:blip r:embed="rId5">
+          <a:blip r:embed="rId6">
             <a:extLst>
               <a:ext uri="{28A0092B-C50C-407E-A947-70E740481C1C}">
                 <a14:useLocalDpi xmlns:a14="http://schemas.microsoft.com/office/drawing/2010/main" val="0"/>
@@ -7457,7 +7820,7 @@
           </p:nvPr>
         </p:nvPicPr>
         <p:blipFill>
-          <a:blip r:embed="rId4" cstate="print">
+          <a:blip r:embed="rId5" cstate="print">
             <a:extLst>
               <a:ext uri="{28A0092B-C50C-407E-A947-70E740481C1C}">
                 <a14:useLocalDpi xmlns:a14="http://schemas.microsoft.com/office/drawing/2010/main" val="0"/>
@@ -7491,7 +7854,7 @@
           </p:nvPr>
         </p:nvPicPr>
         <p:blipFill>
-          <a:blip r:embed="rId5" cstate="print">
+          <a:blip r:embed="rId6" cstate="print">
             <a:extLst>
               <a:ext uri="{28A0092B-C50C-407E-A947-70E740481C1C}">
                 <a14:useLocalDpi xmlns:a14="http://schemas.microsoft.com/office/drawing/2010/main" val="0"/>
@@ -7551,7 +7914,7 @@
       </p:grpSpPr>
       <p:sp>
         <p:nvSpPr>
-          <p:cNvPr id="2" name="Title 1"/>
+          <p:cNvPr id="6" name="Title 5"/>
           <p:cNvSpPr>
             <a:spLocks noGrp="1"/>
           </p:cNvSpPr>
@@ -7566,7 +7929,7 @@
           <a:p>
             <a:r>
               <a:rPr lang="de-DE" dirty="0" smtClean="0"/>
-              <a:t>Zusammen gefasst</a:t>
+              <a:t>Klangspektren</a:t>
             </a:r>
             <a:endParaRPr lang="de-DE" dirty="0"/>
           </a:p>
@@ -7574,36 +7937,26 @@
       </p:sp>
       <p:sp>
         <p:nvSpPr>
-          <p:cNvPr id="3" name="Content Placeholder 2"/>
-          <p:cNvSpPr>
-            <a:spLocks noGrp="1"/>
-          </p:cNvSpPr>
-          <p:nvPr>
-            <p:ph idx="1"/>
-          </p:nvPr>
-        </p:nvSpPr>
-        <p:spPr/>
-        <p:txBody>
-          <a:bodyPr/>
-          <a:lstStyle/>
-          <a:p>
-            <a:r>
-              <a:rPr lang="de-DE" dirty="0" smtClean="0"/>
-              <a:t>PM und FM sehr ähnlich</a:t>
-            </a:r>
-          </a:p>
-          <a:p>
-            <a:r>
-              <a:rPr lang="de-DE" dirty="0" smtClean="0"/>
-              <a:t>FM-Synthese de facto gleich</a:t>
-            </a:r>
+          <p:cNvPr id="7" name="Text Placeholder 6"/>
+          <p:cNvSpPr>
+            <a:spLocks noGrp="1"/>
+          </p:cNvSpPr>
+          <p:nvPr>
+            <p:ph type="body" idx="1"/>
+          </p:nvPr>
+        </p:nvSpPr>
+        <p:spPr/>
+        <p:txBody>
+          <a:bodyPr/>
+          <a:lstStyle/>
+          <a:p>
             <a:endParaRPr lang="de-DE" dirty="0"/>
           </a:p>
         </p:txBody>
       </p:sp>
       <p:sp>
         <p:nvSpPr>
-          <p:cNvPr id="4" name="Date Placeholder 3"/>
+          <p:cNvPr id="3" name="Date Placeholder 2"/>
           <p:cNvSpPr>
             <a:spLocks noGrp="1"/>
           </p:cNvSpPr>
@@ -7616,17 +7969,17 @@
           <a:bodyPr/>
           <a:lstStyle/>
           <a:p>
-            <a:fld id="{296000BE-0612-4D88-A1AC-FF1287139C2E}" type="datetime1">
+            <a:fld id="{A782DF66-3609-46AF-9A5C-DF0EDD34A7DB}" type="datetime1">
               <a:rPr lang="de-DE" smtClean="0"/>
               <a:t>21.06.2015</a:t>
             </a:fld>
-            <a:endParaRPr lang="de-DE" dirty="0"/>
-          </a:p>
-        </p:txBody>
-      </p:sp>
-      <p:sp>
-        <p:nvSpPr>
-          <p:cNvPr id="5" name="Footer Placeholder 4"/>
+            <a:endParaRPr lang="de-DE"/>
+          </a:p>
+        </p:txBody>
+      </p:sp>
+      <p:sp>
+        <p:nvSpPr>
+          <p:cNvPr id="4" name="Footer Placeholder 3"/>
           <p:cNvSpPr>
             <a:spLocks noGrp="1"/>
           </p:cNvSpPr>
@@ -7643,13 +7996,13 @@
               <a:rPr lang="de-DE" smtClean="0"/>
               <a:t>FM-Synthese</a:t>
             </a:r>
-            <a:endParaRPr lang="de-DE" dirty="0"/>
-          </a:p>
-        </p:txBody>
-      </p:sp>
-      <p:sp>
-        <p:nvSpPr>
-          <p:cNvPr id="6" name="Slide Number Placeholder 5"/>
+            <a:endParaRPr lang="de-DE"/>
+          </a:p>
+        </p:txBody>
+      </p:sp>
+      <p:sp>
+        <p:nvSpPr>
+          <p:cNvPr id="5" name="Slide Number Placeholder 4"/>
           <p:cNvSpPr>
             <a:spLocks noGrp="1"/>
           </p:cNvSpPr>
@@ -7662,22 +8015,19 @@
           <a:bodyPr/>
           <a:lstStyle/>
           <a:p>
-            <a:fld id="{8740CB20-F870-467D-84CE-AB32061190A1}" type="slidenum">
-              <a:rPr lang="en-US" smtClean="0"/>
+            <a:fld id="{6C6AE60A-B69C-4790-82F7-3882EDF23186}" type="slidenum">
+              <a:rPr lang="de-DE" smtClean="0"/>
+              <a:pPr/>
               <a:t>18</a:t>
             </a:fld>
-            <a:r>
-              <a:rPr lang="de-DE" smtClean="0"/>
-              <a:t>   </a:t>
-            </a:r>
-            <a:endParaRPr lang="de-DE" dirty="0"/>
+            <a:endParaRPr lang="de-DE"/>
           </a:p>
         </p:txBody>
       </p:sp>
     </p:spTree>
     <p:extLst>
       <p:ext uri="{BB962C8B-B14F-4D97-AF65-F5344CB8AC3E}">
-        <p14:creationId xmlns:p14="http://schemas.microsoft.com/office/powerpoint/2010/main" val="845736452"/>
+        <p14:creationId xmlns:p14="http://schemas.microsoft.com/office/powerpoint/2010/main" val="1041777510"/>
       </p:ext>
     </p:extLst>
   </p:cSld>
@@ -7713,7 +8063,7 @@
       </p:grpSpPr>
       <p:sp>
         <p:nvSpPr>
-          <p:cNvPr id="6" name="Title 5"/>
+          <p:cNvPr id="7" name="Title 6"/>
           <p:cNvSpPr>
             <a:spLocks noGrp="1"/>
           </p:cNvSpPr>
@@ -7727,8 +8077,8 @@
           <a:lstStyle/>
           <a:p>
             <a:r>
-              <a:rPr lang="de-DE" dirty="0" err="1" smtClean="0"/>
-              <a:t>klangspektrum</a:t>
+              <a:rPr lang="de-DE" dirty="0" smtClean="0"/>
+              <a:t>Klangspektrum</a:t>
             </a:r>
             <a:endParaRPr lang="de-DE" dirty="0"/>
           </a:p>
@@ -7736,26 +8086,44 @@
       </p:sp>
       <p:sp>
         <p:nvSpPr>
-          <p:cNvPr id="7" name="Text Placeholder 6"/>
-          <p:cNvSpPr>
-            <a:spLocks noGrp="1"/>
-          </p:cNvSpPr>
-          <p:nvPr>
-            <p:ph type="body" idx="1"/>
-          </p:nvPr>
-        </p:nvSpPr>
-        <p:spPr/>
-        <p:txBody>
-          <a:bodyPr/>
-          <a:lstStyle/>
-          <a:p>
+          <p:cNvPr id="8" name="Content Placeholder 7"/>
+          <p:cNvSpPr>
+            <a:spLocks noGrp="1"/>
+          </p:cNvSpPr>
+          <p:nvPr>
+            <p:ph idx="1"/>
+          </p:nvPr>
+        </p:nvSpPr>
+        <p:spPr/>
+        <p:txBody>
+          <a:bodyPr/>
+          <a:lstStyle/>
+          <a:p>
+            <a:r>
+              <a:rPr lang="de-DE" dirty="0" smtClean="0"/>
+              <a:t>Fourier-Analyse</a:t>
+            </a:r>
+          </a:p>
+          <a:p>
+            <a:pPr lvl="1"/>
+            <a:r>
+              <a:rPr lang="de-DE" dirty="0" smtClean="0"/>
+              <a:t>FFT in MATLAB</a:t>
+            </a:r>
+          </a:p>
+          <a:p>
+            <a:pPr lvl="1"/>
+            <a:r>
+              <a:rPr lang="de-DE" dirty="0" smtClean="0"/>
+              <a:t>Fourier-Reihe bestimmen „per Hand“</a:t>
+            </a:r>
             <a:endParaRPr lang="de-DE" dirty="0"/>
           </a:p>
         </p:txBody>
       </p:sp>
       <p:sp>
         <p:nvSpPr>
-          <p:cNvPr id="3" name="Date Placeholder 2"/>
+          <p:cNvPr id="4" name="Date Placeholder 3"/>
           <p:cNvSpPr>
             <a:spLocks noGrp="1"/>
           </p:cNvSpPr>
@@ -7768,7 +8136,7 @@
           <a:bodyPr/>
           <a:lstStyle/>
           <a:p>
-            <a:fld id="{A782DF66-3609-46AF-9A5C-DF0EDD34A7DB}" type="datetime1">
+            <a:fld id="{C80D71F6-99A2-4718-B360-65885A8D0927}" type="datetime1">
               <a:rPr lang="de-DE" smtClean="0"/>
               <a:t>21.06.2015</a:t>
             </a:fld>
@@ -7778,7 +8146,7 @@
       </p:sp>
       <p:sp>
         <p:nvSpPr>
-          <p:cNvPr id="4" name="Footer Placeholder 3"/>
+          <p:cNvPr id="5" name="Footer Placeholder 4"/>
           <p:cNvSpPr>
             <a:spLocks noGrp="1"/>
           </p:cNvSpPr>
@@ -7801,7 +8169,7 @@
       </p:sp>
       <p:sp>
         <p:nvSpPr>
-          <p:cNvPr id="5" name="Slide Number Placeholder 4"/>
+          <p:cNvPr id="6" name="Slide Number Placeholder 5"/>
           <p:cNvSpPr>
             <a:spLocks noGrp="1"/>
           </p:cNvSpPr>
@@ -7826,7 +8194,7 @@
     </p:spTree>
     <p:extLst>
       <p:ext uri="{BB962C8B-B14F-4D97-AF65-F5344CB8AC3E}">
-        <p14:creationId xmlns:p14="http://schemas.microsoft.com/office/powerpoint/2010/main" val="1041777510"/>
+        <p14:creationId xmlns:p14="http://schemas.microsoft.com/office/powerpoint/2010/main" val="2955880758"/>
       </p:ext>
     </p:extLst>
   </p:cSld>
@@ -7920,8 +8288,15 @@
           <a:p>
             <a:r>
               <a:rPr lang="de-DE" dirty="0" smtClean="0"/>
-              <a:t>Klangspektrum</a:t>
-            </a:r>
+              <a:t>Klangspektren</a:t>
+            </a:r>
+          </a:p>
+          <a:p>
+            <a:r>
+              <a:rPr lang="de-DE" dirty="0"/>
+              <a:t>Frequenzverhältnisse</a:t>
+            </a:r>
+            <a:endParaRPr lang="de-DE" dirty="0" smtClean="0"/>
           </a:p>
         </p:txBody>
       </p:sp>
@@ -8044,173 +8419,6 @@
       </p:grpSpPr>
       <p:sp>
         <p:nvSpPr>
-          <p:cNvPr id="7" name="Title 6"/>
-          <p:cNvSpPr>
-            <a:spLocks noGrp="1"/>
-          </p:cNvSpPr>
-          <p:nvPr>
-            <p:ph type="title"/>
-          </p:nvPr>
-        </p:nvSpPr>
-        <p:spPr/>
-        <p:txBody>
-          <a:bodyPr/>
-          <a:lstStyle/>
-          <a:p>
-            <a:r>
-              <a:rPr lang="de-DE" dirty="0" smtClean="0"/>
-              <a:t>Klangspektrum</a:t>
-            </a:r>
-            <a:endParaRPr lang="de-DE" dirty="0"/>
-          </a:p>
-        </p:txBody>
-      </p:sp>
-      <p:sp>
-        <p:nvSpPr>
-          <p:cNvPr id="8" name="Content Placeholder 7"/>
-          <p:cNvSpPr>
-            <a:spLocks noGrp="1"/>
-          </p:cNvSpPr>
-          <p:nvPr>
-            <p:ph idx="1"/>
-          </p:nvPr>
-        </p:nvSpPr>
-        <p:spPr/>
-        <p:txBody>
-          <a:bodyPr/>
-          <a:lstStyle/>
-          <a:p>
-            <a:r>
-              <a:rPr lang="de-DE" dirty="0" smtClean="0"/>
-              <a:t>Fourier-Analyse</a:t>
-            </a:r>
-          </a:p>
-          <a:p>
-            <a:pPr lvl="1"/>
-            <a:r>
-              <a:rPr lang="de-DE" dirty="0" smtClean="0"/>
-              <a:t>FFT in MATLAB</a:t>
-            </a:r>
-          </a:p>
-          <a:p>
-            <a:pPr lvl="1"/>
-            <a:r>
-              <a:rPr lang="de-DE" dirty="0" smtClean="0"/>
-              <a:t>Fourier-Reihe bestimmen „per Hand“</a:t>
-            </a:r>
-            <a:endParaRPr lang="de-DE" dirty="0"/>
-          </a:p>
-        </p:txBody>
-      </p:sp>
-      <p:sp>
-        <p:nvSpPr>
-          <p:cNvPr id="4" name="Date Placeholder 3"/>
-          <p:cNvSpPr>
-            <a:spLocks noGrp="1"/>
-          </p:cNvSpPr>
-          <p:nvPr>
-            <p:ph type="dt" sz="half" idx="10"/>
-          </p:nvPr>
-        </p:nvSpPr>
-        <p:spPr/>
-        <p:txBody>
-          <a:bodyPr/>
-          <a:lstStyle/>
-          <a:p>
-            <a:fld id="{C80D71F6-99A2-4718-B360-65885A8D0927}" type="datetime1">
-              <a:rPr lang="de-DE" smtClean="0"/>
-              <a:t>21.06.2015</a:t>
-            </a:fld>
-            <a:endParaRPr lang="de-DE"/>
-          </a:p>
-        </p:txBody>
-      </p:sp>
-      <p:sp>
-        <p:nvSpPr>
-          <p:cNvPr id="5" name="Footer Placeholder 4"/>
-          <p:cNvSpPr>
-            <a:spLocks noGrp="1"/>
-          </p:cNvSpPr>
-          <p:nvPr>
-            <p:ph type="ftr" sz="quarter" idx="11"/>
-          </p:nvPr>
-        </p:nvSpPr>
-        <p:spPr/>
-        <p:txBody>
-          <a:bodyPr/>
-          <a:lstStyle/>
-          <a:p>
-            <a:r>
-              <a:rPr lang="de-DE" smtClean="0"/>
-              <a:t>FM-Synthese</a:t>
-            </a:r>
-            <a:endParaRPr lang="de-DE"/>
-          </a:p>
-        </p:txBody>
-      </p:sp>
-      <p:sp>
-        <p:nvSpPr>
-          <p:cNvPr id="6" name="Slide Number Placeholder 5"/>
-          <p:cNvSpPr>
-            <a:spLocks noGrp="1"/>
-          </p:cNvSpPr>
-          <p:nvPr>
-            <p:ph type="sldNum" sz="quarter" idx="12"/>
-          </p:nvPr>
-        </p:nvSpPr>
-        <p:spPr/>
-        <p:txBody>
-          <a:bodyPr/>
-          <a:lstStyle/>
-          <a:p>
-            <a:fld id="{6C6AE60A-B69C-4790-82F7-3882EDF23186}" type="slidenum">
-              <a:rPr lang="de-DE" smtClean="0"/>
-              <a:pPr/>
-              <a:t>20</a:t>
-            </a:fld>
-            <a:endParaRPr lang="de-DE"/>
-          </a:p>
-        </p:txBody>
-      </p:sp>
-    </p:spTree>
-    <p:extLst>
-      <p:ext uri="{BB962C8B-B14F-4D97-AF65-F5344CB8AC3E}">
-        <p14:creationId xmlns:p14="http://schemas.microsoft.com/office/powerpoint/2010/main" val="2955880758"/>
-      </p:ext>
-    </p:extLst>
-  </p:cSld>
-  <p:clrMapOvr>
-    <a:masterClrMapping/>
-  </p:clrMapOvr>
-  <p:timing>
-    <p:tnLst>
-      <p:par>
-        <p:cTn id="1" dur="indefinite" restart="never" nodeType="tmRoot"/>
-      </p:par>
-    </p:tnLst>
-  </p:timing>
-</p:sld>
-</file>
-
-<file path=ppt/slides/slide21.xml><?xml version="1.0" encoding="utf-8"?>
-<p:sld xmlns:a="http://schemas.openxmlformats.org/drawingml/2006/main" xmlns:r="http://schemas.openxmlformats.org/officeDocument/2006/relationships" xmlns:p="http://schemas.openxmlformats.org/presentationml/2006/main">
-  <p:cSld>
-    <p:spTree>
-      <p:nvGrpSpPr>
-        <p:cNvPr id="1" name=""/>
-        <p:cNvGrpSpPr/>
-        <p:nvPr/>
-      </p:nvGrpSpPr>
-      <p:grpSpPr>
-        <a:xfrm>
-          <a:off x="0" y="0"/>
-          <a:ext cx="0" cy="0"/>
-          <a:chOff x="0" y="0"/>
-          <a:chExt cx="0" cy="0"/>
-        </a:xfrm>
-      </p:grpSpPr>
-      <p:sp>
-        <p:nvSpPr>
           <p:cNvPr id="2" name="Title 1"/>
           <p:cNvSpPr>
             <a:spLocks noGrp="1"/>
@@ -8294,7 +8502,7 @@
           <a:p>
             <a:fld id="{8740CB20-F870-467D-84CE-AB32061190A1}" type="slidenum">
               <a:rPr lang="en-US" smtClean="0"/>
-              <a:t>21</a:t>
+              <a:t>20</a:t>
             </a:fld>
             <a:r>
               <a:rPr lang="de-DE" smtClean="0"/>
@@ -8358,7 +8566,7 @@
 </p:sld>
 </file>
 
-<file path=ppt/slides/slide22.xml><?xml version="1.0" encoding="utf-8"?>
+<file path=ppt/slides/slide21.xml><?xml version="1.0" encoding="utf-8"?>
 <p:sld xmlns:a="http://schemas.openxmlformats.org/drawingml/2006/main" xmlns:r="http://schemas.openxmlformats.org/officeDocument/2006/relationships" xmlns:p="http://schemas.openxmlformats.org/presentationml/2006/main">
   <p:cSld>
     <p:spTree>
@@ -8461,7 +8669,7 @@
           <a:p>
             <a:fld id="{8740CB20-F870-467D-84CE-AB32061190A1}" type="slidenum">
               <a:rPr lang="en-US" smtClean="0"/>
-              <a:t>22</a:t>
+              <a:t>21</a:t>
             </a:fld>
             <a:r>
               <a:rPr lang="de-DE" smtClean="0"/>
@@ -8535,7 +8743,7 @@
           </p:nvPr>
         </p:nvPicPr>
         <p:blipFill>
-          <a:blip r:embed="rId3" cstate="print">
+          <a:blip r:embed="rId4" cstate="print">
             <a:extLst>
               <a:ext uri="{28A0092B-C50C-407E-A947-70E740481C1C}">
                 <a14:useLocalDpi xmlns:a14="http://schemas.microsoft.com/office/drawing/2010/main" val="0"/>
@@ -9177,8 +9385,8 @@
 </p:sld>
 </file>
 
-<file path=ppt/slides/slide23.xml><?xml version="1.0" encoding="utf-8"?>
-<p:sld xmlns:a="http://schemas.openxmlformats.org/drawingml/2006/main" xmlns:r="http://schemas.openxmlformats.org/officeDocument/2006/relationships" xmlns:p="http://schemas.openxmlformats.org/presentationml/2006/main">
+<file path=ppt/slides/slide22.xml><?xml version="1.0" encoding="utf-8"?>
+<p:sld xmlns:a="http://schemas.openxmlformats.org/drawingml/2006/main" xmlns:r="http://schemas.openxmlformats.org/officeDocument/2006/relationships" xmlns:p="http://schemas.openxmlformats.org/presentationml/2006/main" show="0">
   <p:cSld>
     <p:spTree>
       <p:nvGrpSpPr>
@@ -9279,7 +9487,7 @@
           <a:p>
             <a:fld id="{8740CB20-F870-467D-84CE-AB32061190A1}" type="slidenum">
               <a:rPr lang="en-US" smtClean="0"/>
-              <a:t>23</a:t>
+              <a:t>22</a:t>
             </a:fld>
             <a:r>
               <a:rPr lang="de-DE" smtClean="0"/>
@@ -9427,6 +9635,14 @@
   <p:clrMapOvr>
     <a:masterClrMapping/>
   </p:clrMapOvr>
+  <mc:AlternateContent xmlns:mc="http://schemas.openxmlformats.org/markup-compatibility/2006">
+    <mc:Choice xmlns:p14="http://schemas.microsoft.com/office/powerpoint/2010/main" Requires="p14">
+      <p:transition spd="slow" p14:dur="2000"/>
+    </mc:Choice>
+    <mc:Fallback>
+      <p:transition spd="slow"/>
+    </mc:Fallback>
+  </mc:AlternateContent>
   <p:timing>
     <p:tnLst>
       <p:par>
@@ -9583,7 +9799,7 @@
 </p:sld>
 </file>
 
-<file path=ppt/slides/slide24.xml><?xml version="1.0" encoding="utf-8"?>
+<file path=ppt/slides/slide23.xml><?xml version="1.0" encoding="utf-8"?>
 <p:sld xmlns:a="http://schemas.openxmlformats.org/drawingml/2006/main" xmlns:r="http://schemas.openxmlformats.org/officeDocument/2006/relationships" xmlns:p="http://schemas.openxmlformats.org/presentationml/2006/main" show="0">
   <p:cSld>
     <p:spTree>
@@ -9709,7 +9925,7 @@
           <a:p>
             <a:fld id="{8740CB20-F870-467D-84CE-AB32061190A1}" type="slidenum">
               <a:rPr lang="en-US" smtClean="0"/>
-              <a:t>24</a:t>
+              <a:t>23</a:t>
             </a:fld>
             <a:r>
               <a:rPr lang="de-DE" smtClean="0"/>
@@ -9781,7 +9997,7 @@
 </p:sld>
 </file>
 
-<file path=ppt/slides/slide25.xml><?xml version="1.0" encoding="utf-8"?>
+<file path=ppt/slides/slide24.xml><?xml version="1.0" encoding="utf-8"?>
 <p:sld xmlns:a="http://schemas.openxmlformats.org/drawingml/2006/main" xmlns:r="http://schemas.openxmlformats.org/officeDocument/2006/relationships" xmlns:p="http://schemas.openxmlformats.org/presentationml/2006/main">
   <p:cSld>
     <p:spTree>
@@ -9884,7 +10100,7 @@
           <a:p>
             <a:fld id="{8740CB20-F870-467D-84CE-AB32061190A1}" type="slidenum">
               <a:rPr lang="en-US" smtClean="0"/>
-              <a:t>25</a:t>
+              <a:t>24</a:t>
             </a:fld>
             <a:r>
               <a:rPr lang="de-DE" smtClean="0"/>
@@ -9943,7 +10159,7 @@
 </p:sld>
 </file>
 
-<file path=ppt/slides/slide26.xml><?xml version="1.0" encoding="utf-8"?>
+<file path=ppt/slides/slide25.xml><?xml version="1.0" encoding="utf-8"?>
 <p:sld xmlns:a="http://schemas.openxmlformats.org/drawingml/2006/main" xmlns:r="http://schemas.openxmlformats.org/officeDocument/2006/relationships" xmlns:p="http://schemas.openxmlformats.org/presentationml/2006/main">
   <p:cSld>
     <p:spTree>
@@ -10075,7 +10291,7 @@
           <a:p>
             <a:fld id="{8740CB20-F870-467D-84CE-AB32061190A1}" type="slidenum">
               <a:rPr lang="en-US" smtClean="0"/>
-              <a:t>26</a:t>
+              <a:t>25</a:t>
             </a:fld>
             <a:r>
               <a:rPr lang="de-DE" smtClean="0"/>
@@ -10105,8 +10321,8 @@
 </p:sld>
 </file>
 
-<file path=ppt/slides/slide27.xml><?xml version="1.0" encoding="utf-8"?>
-<p:sld xmlns:a="http://schemas.openxmlformats.org/drawingml/2006/main" xmlns:r="http://schemas.openxmlformats.org/officeDocument/2006/relationships" xmlns:p="http://schemas.openxmlformats.org/presentationml/2006/main" show="0">
+<file path=ppt/slides/slide26.xml><?xml version="1.0" encoding="utf-8"?>
+<p:sld xmlns:a="http://schemas.openxmlformats.org/drawingml/2006/main" xmlns:r="http://schemas.openxmlformats.org/officeDocument/2006/relationships" xmlns:p="http://schemas.openxmlformats.org/presentationml/2006/main">
   <p:cSld>
     <p:spTree>
       <p:nvGrpSpPr>
@@ -10204,7 +10420,7 @@
           <a:p>
             <a:fld id="{8740CB20-F870-467D-84CE-AB32061190A1}" type="slidenum">
               <a:rPr lang="en-US" smtClean="0"/>
-              <a:t>27</a:t>
+              <a:t>26</a:t>
             </a:fld>
             <a:r>
               <a:rPr lang="de-DE" smtClean="0"/>
@@ -10587,11 +10803,11 @@
   <p:clrMapOvr>
     <a:masterClrMapping/>
   </p:clrMapOvr>
-  <mc:AlternateContent xmlns:mc="http://schemas.openxmlformats.org/markup-compatibility/2006" xmlns:p14="http://schemas.microsoft.com/office/powerpoint/2010/main">
-    <mc:Choice Requires="p14">
+  <mc:AlternateContent xmlns:mc="http://schemas.openxmlformats.org/markup-compatibility/2006">
+    <mc:Choice xmlns:p14="http://schemas.microsoft.com/office/powerpoint/2010/main" Requires="p14">
       <p:transition spd="slow" p14:dur="2000"/>
     </mc:Choice>
-    <mc:Fallback xmlns="">
+    <mc:Fallback>
       <p:transition spd="slow"/>
     </mc:Fallback>
   </mc:AlternateContent>
@@ -11032,7 +11248,7 @@
 </p:sld>
 </file>
 
-<file path=ppt/slides/slide28.xml><?xml version="1.0" encoding="utf-8"?>
+<file path=ppt/slides/slide27.xml><?xml version="1.0" encoding="utf-8"?>
 <p:sld xmlns:a="http://schemas.openxmlformats.org/drawingml/2006/main" xmlns:r="http://schemas.openxmlformats.org/officeDocument/2006/relationships" xmlns:p="http://schemas.openxmlformats.org/presentationml/2006/main">
   <p:cSld>
     <p:spTree>
@@ -11136,7 +11352,7 @@
             <a:fld id="{6C6AE60A-B69C-4790-82F7-3882EDF23186}" type="slidenum">
               <a:rPr lang="de-DE" smtClean="0"/>
               <a:pPr/>
-              <a:t>28</a:t>
+              <a:t>27</a:t>
             </a:fld>
             <a:endParaRPr lang="de-DE"/>
           </a:p>
@@ -11523,7 +11739,7 @@
 </p:sld>
 </file>
 
-<file path=ppt/slides/slide29.xml><?xml version="1.0" encoding="utf-8"?>
+<file path=ppt/slides/slide28.xml><?xml version="1.0" encoding="utf-8"?>
 <p:sld xmlns:a="http://schemas.openxmlformats.org/drawingml/2006/main" xmlns:r="http://schemas.openxmlformats.org/officeDocument/2006/relationships" xmlns:p="http://schemas.openxmlformats.org/presentationml/2006/main">
   <p:cSld>
     <p:spTree>
@@ -11627,7 +11843,7 @@
             <a:fld id="{6C6AE60A-B69C-4790-82F7-3882EDF23186}" type="slidenum">
               <a:rPr lang="de-DE" smtClean="0"/>
               <a:pPr/>
-              <a:t>29</a:t>
+              <a:t>28</a:t>
             </a:fld>
             <a:endParaRPr lang="de-DE"/>
           </a:p>
@@ -11743,6 +11959,166 @@
     <p:extLst>
       <p:ext uri="{BB962C8B-B14F-4D97-AF65-F5344CB8AC3E}">
         <p14:creationId xmlns:p14="http://schemas.microsoft.com/office/powerpoint/2010/main" val="2478152251"/>
+      </p:ext>
+    </p:extLst>
+  </p:cSld>
+  <p:clrMapOvr>
+    <a:masterClrMapping/>
+  </p:clrMapOvr>
+  <p:timing>
+    <p:tnLst>
+      <p:par>
+        <p:cTn id="1" dur="indefinite" restart="never" nodeType="tmRoot"/>
+      </p:par>
+    </p:tnLst>
+  </p:timing>
+</p:sld>
+</file>
+
+<file path=ppt/slides/slide29.xml><?xml version="1.0" encoding="utf-8"?>
+<p:sld xmlns:a="http://schemas.openxmlformats.org/drawingml/2006/main" xmlns:r="http://schemas.openxmlformats.org/officeDocument/2006/relationships" xmlns:p="http://schemas.openxmlformats.org/presentationml/2006/main">
+  <p:cSld>
+    <p:spTree>
+      <p:nvGrpSpPr>
+        <p:cNvPr id="1" name=""/>
+        <p:cNvGrpSpPr/>
+        <p:nvPr/>
+      </p:nvGrpSpPr>
+      <p:grpSpPr>
+        <a:xfrm>
+          <a:off x="0" y="0"/>
+          <a:ext cx="0" cy="0"/>
+          <a:chOff x="0" y="0"/>
+          <a:chExt cx="0" cy="0"/>
+        </a:xfrm>
+      </p:grpSpPr>
+      <p:sp>
+        <p:nvSpPr>
+          <p:cNvPr id="2" name="Title 1"/>
+          <p:cNvSpPr>
+            <a:spLocks noGrp="1"/>
+          </p:cNvSpPr>
+          <p:nvPr>
+            <p:ph type="title"/>
+          </p:nvPr>
+        </p:nvSpPr>
+        <p:spPr/>
+        <p:txBody>
+          <a:bodyPr/>
+          <a:lstStyle/>
+          <a:p>
+            <a:r>
+              <a:rPr lang="de-DE" dirty="0" smtClean="0"/>
+              <a:t>Negative Frequenzen</a:t>
+            </a:r>
+            <a:endParaRPr lang="de-DE" dirty="0"/>
+          </a:p>
+        </p:txBody>
+      </p:sp>
+      <p:sp>
+        <p:nvSpPr>
+          <p:cNvPr id="3" name="Date Placeholder 2"/>
+          <p:cNvSpPr>
+            <a:spLocks noGrp="1"/>
+          </p:cNvSpPr>
+          <p:nvPr>
+            <p:ph type="dt" sz="half" idx="10"/>
+          </p:nvPr>
+        </p:nvSpPr>
+        <p:spPr/>
+        <p:txBody>
+          <a:bodyPr/>
+          <a:lstStyle/>
+          <a:p>
+            <a:fld id="{A782DF66-3609-46AF-9A5C-DF0EDD34A7DB}" type="datetime1">
+              <a:rPr lang="de-DE" smtClean="0"/>
+              <a:t>21.06.2015</a:t>
+            </a:fld>
+            <a:endParaRPr lang="de-DE"/>
+          </a:p>
+        </p:txBody>
+      </p:sp>
+      <p:sp>
+        <p:nvSpPr>
+          <p:cNvPr id="4" name="Footer Placeholder 3"/>
+          <p:cNvSpPr>
+            <a:spLocks noGrp="1"/>
+          </p:cNvSpPr>
+          <p:nvPr>
+            <p:ph type="ftr" sz="quarter" idx="11"/>
+          </p:nvPr>
+        </p:nvSpPr>
+        <p:spPr/>
+        <p:txBody>
+          <a:bodyPr/>
+          <a:lstStyle/>
+          <a:p>
+            <a:r>
+              <a:rPr lang="de-DE" smtClean="0"/>
+              <a:t>FM-Synthese</a:t>
+            </a:r>
+            <a:endParaRPr lang="de-DE"/>
+          </a:p>
+        </p:txBody>
+      </p:sp>
+      <p:sp>
+        <p:nvSpPr>
+          <p:cNvPr id="5" name="Slide Number Placeholder 4"/>
+          <p:cNvSpPr>
+            <a:spLocks noGrp="1"/>
+          </p:cNvSpPr>
+          <p:nvPr>
+            <p:ph type="sldNum" sz="quarter" idx="12"/>
+          </p:nvPr>
+        </p:nvSpPr>
+        <p:spPr/>
+        <p:txBody>
+          <a:bodyPr/>
+          <a:lstStyle/>
+          <a:p>
+            <a:fld id="{6C6AE60A-B69C-4790-82F7-3882EDF23186}" type="slidenum">
+              <a:rPr lang="de-DE" smtClean="0"/>
+              <a:pPr/>
+              <a:t>29</a:t>
+            </a:fld>
+            <a:endParaRPr lang="de-DE"/>
+          </a:p>
+        </p:txBody>
+      </p:sp>
+      <p:pic>
+        <p:nvPicPr>
+          <p:cNvPr id="11" name="Picture 10"/>
+          <p:cNvPicPr>
+            <a:picLocks noChangeAspect="1"/>
+          </p:cNvPicPr>
+          <p:nvPr/>
+        </p:nvPicPr>
+        <p:blipFill>
+          <a:blip r:embed="rId2" cstate="print">
+            <a:extLst>
+              <a:ext uri="{28A0092B-C50C-407E-A947-70E740481C1C}">
+                <a14:useLocalDpi xmlns:a14="http://schemas.microsoft.com/office/drawing/2010/main" val="0"/>
+              </a:ext>
+            </a:extLst>
+          </a:blip>
+          <a:stretch>
+            <a:fillRect/>
+          </a:stretch>
+        </p:blipFill>
+        <p:spPr>
+          <a:xfrm>
+            <a:off x="1619674" y="1033635"/>
+            <a:ext cx="5904652" cy="3542792"/>
+          </a:xfrm>
+          <a:prstGeom prst="rect">
+            <a:avLst/>
+          </a:prstGeom>
+        </p:spPr>
+      </p:pic>
+    </p:spTree>
+    <p:extLst>
+      <p:ext uri="{BB962C8B-B14F-4D97-AF65-F5344CB8AC3E}">
+        <p14:creationId xmlns:p14="http://schemas.microsoft.com/office/powerpoint/2010/main" val="2826316921"/>
       </p:ext>
     </p:extLst>
   </p:cSld>
@@ -12761,7 +13137,7 @@
         <p:spPr>
           <a:xfrm>
             <a:off x="1619674" y="1033635"/>
-            <a:ext cx="5904652" cy="3542792"/>
+            <a:ext cx="5904652" cy="3542791"/>
           </a:xfrm>
           <a:prstGeom prst="rect">
             <a:avLst/>
@@ -12771,7 +13147,7 @@
     </p:spTree>
     <p:extLst>
       <p:ext uri="{BB962C8B-B14F-4D97-AF65-F5344CB8AC3E}">
-        <p14:creationId xmlns:p14="http://schemas.microsoft.com/office/powerpoint/2010/main" val="2826316921"/>
+        <p14:creationId xmlns:p14="http://schemas.microsoft.com/office/powerpoint/2010/main" val="142964601"/>
       </p:ext>
     </p:extLst>
   </p:cSld>
@@ -12807,7 +13183,7 @@
       </p:grpSpPr>
       <p:sp>
         <p:nvSpPr>
-          <p:cNvPr id="2" name="Title 1"/>
+          <p:cNvPr id="6" name="Title 5"/>
           <p:cNvSpPr>
             <a:spLocks noGrp="1"/>
           </p:cNvSpPr>
@@ -12821,10 +13197,28 @@
           <a:lstStyle/>
           <a:p>
             <a:r>
-              <a:rPr lang="de-DE" dirty="0" smtClean="0"/>
-              <a:t>Negative Frequenzen</a:t>
-            </a:r>
-            <a:endParaRPr lang="de-DE" dirty="0"/>
+              <a:rPr lang="de-DE" dirty="0"/>
+              <a:t>Frequenzverhältnisse</a:t>
+            </a:r>
+          </a:p>
+        </p:txBody>
+      </p:sp>
+      <p:sp>
+        <p:nvSpPr>
+          <p:cNvPr id="7" name="Text Placeholder 6"/>
+          <p:cNvSpPr>
+            <a:spLocks noGrp="1"/>
+          </p:cNvSpPr>
+          <p:nvPr>
+            <p:ph type="body" idx="1"/>
+          </p:nvPr>
+        </p:nvSpPr>
+        <p:spPr/>
+        <p:txBody>
+          <a:bodyPr/>
+          <a:lstStyle/>
+          <a:p>
+            <a:endParaRPr lang="de-DE"/>
           </a:p>
         </p:txBody>
       </p:sp>
@@ -12898,40 +13292,10 @@
           </a:p>
         </p:txBody>
       </p:sp>
-      <p:pic>
-        <p:nvPicPr>
-          <p:cNvPr id="11" name="Picture 10"/>
-          <p:cNvPicPr>
-            <a:picLocks noChangeAspect="1"/>
-          </p:cNvPicPr>
-          <p:nvPr/>
-        </p:nvPicPr>
-        <p:blipFill>
-          <a:blip r:embed="rId2" cstate="print">
-            <a:extLst>
-              <a:ext uri="{28A0092B-C50C-407E-A947-70E740481C1C}">
-                <a14:useLocalDpi xmlns:a14="http://schemas.microsoft.com/office/drawing/2010/main" val="0"/>
-              </a:ext>
-            </a:extLst>
-          </a:blip>
-          <a:stretch>
-            <a:fillRect/>
-          </a:stretch>
-        </p:blipFill>
-        <p:spPr>
-          <a:xfrm>
-            <a:off x="1619674" y="1033635"/>
-            <a:ext cx="5904652" cy="3542791"/>
-          </a:xfrm>
-          <a:prstGeom prst="rect">
-            <a:avLst/>
-          </a:prstGeom>
-        </p:spPr>
-      </p:pic>
     </p:spTree>
     <p:extLst>
       <p:ext uri="{BB962C8B-B14F-4D97-AF65-F5344CB8AC3E}">
-        <p14:creationId xmlns:p14="http://schemas.microsoft.com/office/powerpoint/2010/main" val="142964601"/>
+        <p14:creationId xmlns:p14="http://schemas.microsoft.com/office/powerpoint/2010/main" val="2366524330"/>
       </p:ext>
     </p:extLst>
   </p:cSld>
@@ -12967,154 +13331,6 @@
       </p:grpSpPr>
       <p:sp>
         <p:nvSpPr>
-          <p:cNvPr id="6" name="Title 5"/>
-          <p:cNvSpPr>
-            <a:spLocks noGrp="1"/>
-          </p:cNvSpPr>
-          <p:nvPr>
-            <p:ph type="title"/>
-          </p:nvPr>
-        </p:nvSpPr>
-        <p:spPr/>
-        <p:txBody>
-          <a:bodyPr/>
-          <a:lstStyle/>
-          <a:p>
-            <a:r>
-              <a:rPr lang="de-DE" dirty="0"/>
-              <a:t>Frequenzverhältnisse</a:t>
-            </a:r>
-          </a:p>
-        </p:txBody>
-      </p:sp>
-      <p:sp>
-        <p:nvSpPr>
-          <p:cNvPr id="7" name="Text Placeholder 6"/>
-          <p:cNvSpPr>
-            <a:spLocks noGrp="1"/>
-          </p:cNvSpPr>
-          <p:nvPr>
-            <p:ph type="body" idx="1"/>
-          </p:nvPr>
-        </p:nvSpPr>
-        <p:spPr/>
-        <p:txBody>
-          <a:bodyPr/>
-          <a:lstStyle/>
-          <a:p>
-            <a:endParaRPr lang="de-DE"/>
-          </a:p>
-        </p:txBody>
-      </p:sp>
-      <p:sp>
-        <p:nvSpPr>
-          <p:cNvPr id="3" name="Date Placeholder 2"/>
-          <p:cNvSpPr>
-            <a:spLocks noGrp="1"/>
-          </p:cNvSpPr>
-          <p:nvPr>
-            <p:ph type="dt" sz="half" idx="10"/>
-          </p:nvPr>
-        </p:nvSpPr>
-        <p:spPr/>
-        <p:txBody>
-          <a:bodyPr/>
-          <a:lstStyle/>
-          <a:p>
-            <a:fld id="{A782DF66-3609-46AF-9A5C-DF0EDD34A7DB}" type="datetime1">
-              <a:rPr lang="de-DE" smtClean="0"/>
-              <a:t>21.06.2015</a:t>
-            </a:fld>
-            <a:endParaRPr lang="de-DE"/>
-          </a:p>
-        </p:txBody>
-      </p:sp>
-      <p:sp>
-        <p:nvSpPr>
-          <p:cNvPr id="4" name="Footer Placeholder 3"/>
-          <p:cNvSpPr>
-            <a:spLocks noGrp="1"/>
-          </p:cNvSpPr>
-          <p:nvPr>
-            <p:ph type="ftr" sz="quarter" idx="11"/>
-          </p:nvPr>
-        </p:nvSpPr>
-        <p:spPr/>
-        <p:txBody>
-          <a:bodyPr/>
-          <a:lstStyle/>
-          <a:p>
-            <a:r>
-              <a:rPr lang="de-DE" smtClean="0"/>
-              <a:t>FM-Synthese</a:t>
-            </a:r>
-            <a:endParaRPr lang="de-DE"/>
-          </a:p>
-        </p:txBody>
-      </p:sp>
-      <p:sp>
-        <p:nvSpPr>
-          <p:cNvPr id="5" name="Slide Number Placeholder 4"/>
-          <p:cNvSpPr>
-            <a:spLocks noGrp="1"/>
-          </p:cNvSpPr>
-          <p:nvPr>
-            <p:ph type="sldNum" sz="quarter" idx="12"/>
-          </p:nvPr>
-        </p:nvSpPr>
-        <p:spPr/>
-        <p:txBody>
-          <a:bodyPr/>
-          <a:lstStyle/>
-          <a:p>
-            <a:fld id="{6C6AE60A-B69C-4790-82F7-3882EDF23186}" type="slidenum">
-              <a:rPr lang="de-DE" smtClean="0"/>
-              <a:pPr/>
-              <a:t>32</a:t>
-            </a:fld>
-            <a:endParaRPr lang="de-DE"/>
-          </a:p>
-        </p:txBody>
-      </p:sp>
-    </p:spTree>
-    <p:extLst>
-      <p:ext uri="{BB962C8B-B14F-4D97-AF65-F5344CB8AC3E}">
-        <p14:creationId xmlns:p14="http://schemas.microsoft.com/office/powerpoint/2010/main" val="2366524330"/>
-      </p:ext>
-    </p:extLst>
-  </p:cSld>
-  <p:clrMapOvr>
-    <a:masterClrMapping/>
-  </p:clrMapOvr>
-  <p:timing>
-    <p:tnLst>
-      <p:par>
-        <p:cTn id="1" dur="indefinite" restart="never" nodeType="tmRoot"/>
-      </p:par>
-    </p:tnLst>
-  </p:timing>
-</p:sld>
-</file>
-
-<file path=ppt/slides/slide33.xml><?xml version="1.0" encoding="utf-8"?>
-<p:sld xmlns:a="http://schemas.openxmlformats.org/drawingml/2006/main" xmlns:r="http://schemas.openxmlformats.org/officeDocument/2006/relationships" xmlns:p="http://schemas.openxmlformats.org/presentationml/2006/main">
-  <p:cSld>
-    <p:spTree>
-      <p:nvGrpSpPr>
-        <p:cNvPr id="1" name=""/>
-        <p:cNvGrpSpPr/>
-        <p:nvPr/>
-      </p:nvGrpSpPr>
-      <p:grpSpPr>
-        <a:xfrm>
-          <a:off x="0" y="0"/>
-          <a:ext cx="0" cy="0"/>
-          <a:chOff x="0" y="0"/>
-          <a:chExt cx="0" cy="0"/>
-        </a:xfrm>
-      </p:grpSpPr>
-      <p:sp>
-        <p:nvSpPr>
           <p:cNvPr id="7" name="Title 6"/>
           <p:cNvSpPr>
             <a:spLocks noGrp="1"/>
@@ -13218,7 +13434,7 @@
             <a:fld id="{6C6AE60A-B69C-4790-82F7-3882EDF23186}" type="slidenum">
               <a:rPr lang="de-DE" smtClean="0"/>
               <a:pPr/>
-              <a:t>33</a:t>
+              <a:t>32</a:t>
             </a:fld>
             <a:endParaRPr lang="de-DE"/>
           </a:p>
@@ -13278,8 +13494,8 @@
 </p:sld>
 </file>
 
-<file path=ppt/slides/slide34.xml><?xml version="1.0" encoding="utf-8"?>
-<p:sld xmlns:a="http://schemas.openxmlformats.org/drawingml/2006/main" xmlns:r="http://schemas.openxmlformats.org/officeDocument/2006/relationships" xmlns:p="http://schemas.openxmlformats.org/presentationml/2006/main" show="0">
+<file path=ppt/slides/slide33.xml><?xml version="1.0" encoding="utf-8"?>
+<p:sld xmlns:a="http://schemas.openxmlformats.org/drawingml/2006/main" xmlns:r="http://schemas.openxmlformats.org/officeDocument/2006/relationships" xmlns:p="http://schemas.openxmlformats.org/presentationml/2006/main">
   <p:cSld>
     <p:spTree>
       <p:nvGrpSpPr>
@@ -13314,7 +13530,6 @@
               <a:rPr lang="de-DE" dirty="0"/>
               <a:t>Frequenzverhältnisse</a:t>
             </a:r>
-            <a:endParaRPr lang="de-DE" dirty="0"/>
           </a:p>
         </p:txBody>
       </p:sp>
@@ -13418,7 +13633,7 @@
             <a:fld id="{6C6AE60A-B69C-4790-82F7-3882EDF23186}" type="slidenum">
               <a:rPr lang="de-DE" smtClean="0"/>
               <a:pPr/>
-              <a:t>34</a:t>
+              <a:t>33</a:t>
             </a:fld>
             <a:endParaRPr lang="de-DE"/>
           </a:p>
@@ -13694,8 +13909,8 @@
 </p:sld>
 </file>
 
-<file path=ppt/slides/slide35.xml><?xml version="1.0" encoding="utf-8"?>
-<p:sld xmlns:a="http://schemas.openxmlformats.org/drawingml/2006/main" xmlns:r="http://schemas.openxmlformats.org/officeDocument/2006/relationships" xmlns:p="http://schemas.openxmlformats.org/presentationml/2006/main" show="0">
+<file path=ppt/slides/slide34.xml><?xml version="1.0" encoding="utf-8"?>
+<p:sld xmlns:a="http://schemas.openxmlformats.org/drawingml/2006/main" xmlns:r="http://schemas.openxmlformats.org/officeDocument/2006/relationships" xmlns:p="http://schemas.openxmlformats.org/presentationml/2006/main">
   <p:cSld>
     <p:spTree>
       <p:nvGrpSpPr>
@@ -13730,7 +13945,6 @@
               <a:rPr lang="de-DE" dirty="0"/>
               <a:t>Frequenzverhältnisse</a:t>
             </a:r>
-            <a:endParaRPr lang="de-DE" dirty="0"/>
           </a:p>
         </p:txBody>
       </p:sp>
@@ -13798,7 +14012,7 @@
             <a:fld id="{6C6AE60A-B69C-4790-82F7-3882EDF23186}" type="slidenum">
               <a:rPr lang="de-DE" smtClean="0"/>
               <a:pPr/>
-              <a:t>35</a:t>
+              <a:t>34</a:t>
             </a:fld>
             <a:endParaRPr lang="de-DE"/>
           </a:p>
@@ -14116,8 +14330,8 @@
 </p:sld>
 </file>
 
-<file path=ppt/slides/slide36.xml><?xml version="1.0" encoding="utf-8"?>
-<p:sld xmlns:a="http://schemas.openxmlformats.org/drawingml/2006/main" xmlns:r="http://schemas.openxmlformats.org/officeDocument/2006/relationships" xmlns:p="http://schemas.openxmlformats.org/presentationml/2006/main" show="0">
+<file path=ppt/slides/slide35.xml><?xml version="1.0" encoding="utf-8"?>
+<p:sld xmlns:a="http://schemas.openxmlformats.org/drawingml/2006/main" xmlns:r="http://schemas.openxmlformats.org/officeDocument/2006/relationships" xmlns:p="http://schemas.openxmlformats.org/presentationml/2006/main">
   <p:cSld>
     <p:spTree>
       <p:nvGrpSpPr>
@@ -14152,7 +14366,6 @@
               <a:rPr lang="de-DE" dirty="0"/>
               <a:t>Frequenzverhältnisse</a:t>
             </a:r>
-            <a:endParaRPr lang="de-DE" dirty="0"/>
           </a:p>
         </p:txBody>
       </p:sp>
@@ -14220,7 +14433,7 @@
             <a:fld id="{6C6AE60A-B69C-4790-82F7-3882EDF23186}" type="slidenum">
               <a:rPr lang="de-DE" smtClean="0"/>
               <a:pPr/>
-              <a:t>36</a:t>
+              <a:t>35</a:t>
             </a:fld>
             <a:endParaRPr lang="de-DE"/>
           </a:p>
@@ -14530,8 +14743,8 @@
 </p:sld>
 </file>
 
-<file path=ppt/slides/slide37.xml><?xml version="1.0" encoding="utf-8"?>
-<p:sld xmlns:a="http://schemas.openxmlformats.org/drawingml/2006/main" xmlns:r="http://schemas.openxmlformats.org/officeDocument/2006/relationships" xmlns:p="http://schemas.openxmlformats.org/presentationml/2006/main" show="0">
+<file path=ppt/slides/slide36.xml><?xml version="1.0" encoding="utf-8"?>
+<p:sld xmlns:a="http://schemas.openxmlformats.org/drawingml/2006/main" xmlns:r="http://schemas.openxmlformats.org/officeDocument/2006/relationships" xmlns:p="http://schemas.openxmlformats.org/presentationml/2006/main">
   <p:cSld>
     <p:spTree>
       <p:nvGrpSpPr>
@@ -14706,7 +14919,7 @@
             <a:fld id="{6C6AE60A-B69C-4790-82F7-3882EDF23186}" type="slidenum">
               <a:rPr lang="de-DE" smtClean="0"/>
               <a:pPr/>
-              <a:t>37</a:t>
+              <a:t>36</a:t>
             </a:fld>
             <a:endParaRPr lang="de-DE"/>
           </a:p>
@@ -14952,8 +15165,8 @@
 </p:sld>
 </file>
 
-<file path=ppt/slides/slide38.xml><?xml version="1.0" encoding="utf-8"?>
-<p:sld xmlns:a="http://schemas.openxmlformats.org/drawingml/2006/main" xmlns:r="http://schemas.openxmlformats.org/officeDocument/2006/relationships" xmlns:p="http://schemas.openxmlformats.org/presentationml/2006/main" show="0">
+<file path=ppt/slides/slide37.xml><?xml version="1.0" encoding="utf-8"?>
+<p:sld xmlns:a="http://schemas.openxmlformats.org/drawingml/2006/main" xmlns:r="http://schemas.openxmlformats.org/officeDocument/2006/relationships" xmlns:p="http://schemas.openxmlformats.org/presentationml/2006/main">
   <p:cSld>
     <p:spTree>
       <p:nvGrpSpPr>
@@ -15021,8 +15234,8 @@
           </a:prstGeom>
         </p:spPr>
       </p:pic>
-      <mc:AlternateContent xmlns:mc="http://schemas.openxmlformats.org/markup-compatibility/2006">
-        <mc:Choice xmlns:a14="http://schemas.microsoft.com/office/drawing/2010/main" Requires="a14">
+      <mc:AlternateContent xmlns:mc="http://schemas.openxmlformats.org/markup-compatibility/2006" xmlns:a14="http://schemas.microsoft.com/office/drawing/2010/main">
+        <mc:Choice Requires="a14">
           <p:sp>
             <p:nvSpPr>
               <p:cNvPr id="6" name="Content Placeholder 5"/>
@@ -15089,15 +15302,7 @@
                 </a14:m>
                 <a:r>
                   <a:rPr lang="de-DE" dirty="0" smtClean="0"/>
-                  <a:t> </a:t>
-                </a:r>
-                <a:r>
-                  <a:rPr lang="de-DE" dirty="0" smtClean="0"/>
-                  <a:t>irrational, </a:t>
-                </a:r>
-                <a:r>
-                  <a:rPr lang="de-DE" dirty="0" smtClean="0"/>
-                  <a:t>resultiert </a:t>
+                  <a:t> irrational, resultiert </a:t>
                 </a:r>
                 <a:r>
                   <a:rPr lang="de-DE" dirty="0"/>
@@ -15111,7 +15316,7 @@
             </p:txBody>
           </p:sp>
         </mc:Choice>
-        <mc:Fallback>
+        <mc:Fallback xmlns="">
           <p:sp>
             <p:nvSpPr>
               <p:cNvPr id="6" name="Content Placeholder 5"/>
@@ -15209,7 +15414,7 @@
             <a:fld id="{6C6AE60A-B69C-4790-82F7-3882EDF23186}" type="slidenum">
               <a:rPr lang="de-DE" smtClean="0"/>
               <a:pPr/>
-              <a:t>38</a:t>
+              <a:t>37</a:t>
             </a:fld>
             <a:endParaRPr lang="de-DE"/>
           </a:p>
@@ -15455,6 +15660,162 @@
 </p:sld>
 </file>
 
+<file path=ppt/slides/slide38.xml><?xml version="1.0" encoding="utf-8"?>
+<p:sld xmlns:a="http://schemas.openxmlformats.org/drawingml/2006/main" xmlns:r="http://schemas.openxmlformats.org/officeDocument/2006/relationships" xmlns:p="http://schemas.openxmlformats.org/presentationml/2006/main">
+  <p:cSld>
+    <p:spTree>
+      <p:nvGrpSpPr>
+        <p:cNvPr id="1" name=""/>
+        <p:cNvGrpSpPr/>
+        <p:nvPr/>
+      </p:nvGrpSpPr>
+      <p:grpSpPr>
+        <a:xfrm>
+          <a:off x="0" y="0"/>
+          <a:ext cx="0" cy="0"/>
+          <a:chOff x="0" y="0"/>
+          <a:chExt cx="0" cy="0"/>
+        </a:xfrm>
+      </p:grpSpPr>
+      <p:sp>
+        <p:nvSpPr>
+          <p:cNvPr id="2" name="Title 1"/>
+          <p:cNvSpPr>
+            <a:spLocks noGrp="1"/>
+          </p:cNvSpPr>
+          <p:nvPr>
+            <p:ph type="title"/>
+          </p:nvPr>
+        </p:nvSpPr>
+        <p:spPr/>
+        <p:txBody>
+          <a:bodyPr/>
+          <a:lstStyle/>
+          <a:p>
+            <a:r>
+              <a:rPr lang="de-DE" dirty="0" smtClean="0"/>
+              <a:t>Fazit</a:t>
+            </a:r>
+            <a:endParaRPr lang="de-DE" dirty="0"/>
+          </a:p>
+        </p:txBody>
+      </p:sp>
+      <p:sp>
+        <p:nvSpPr>
+          <p:cNvPr id="3" name="Content Placeholder 2"/>
+          <p:cNvSpPr>
+            <a:spLocks noGrp="1"/>
+          </p:cNvSpPr>
+          <p:nvPr>
+            <p:ph idx="1"/>
+          </p:nvPr>
+        </p:nvSpPr>
+        <p:spPr/>
+        <p:txBody>
+          <a:bodyPr/>
+          <a:lstStyle/>
+          <a:p>
+            <a:r>
+              <a:rPr lang="de-DE" dirty="0" smtClean="0"/>
+              <a:t>Interessante Mathematik</a:t>
+            </a:r>
+            <a:endParaRPr lang="de-DE" dirty="0"/>
+          </a:p>
+        </p:txBody>
+      </p:sp>
+      <p:sp>
+        <p:nvSpPr>
+          <p:cNvPr id="4" name="Date Placeholder 3"/>
+          <p:cNvSpPr>
+            <a:spLocks noGrp="1"/>
+          </p:cNvSpPr>
+          <p:nvPr>
+            <p:ph type="dt" sz="half" idx="10"/>
+          </p:nvPr>
+        </p:nvSpPr>
+        <p:spPr/>
+        <p:txBody>
+          <a:bodyPr/>
+          <a:lstStyle/>
+          <a:p>
+            <a:fld id="{296000BE-0612-4D88-A1AC-FF1287139C2E}" type="datetime1">
+              <a:rPr lang="de-DE" smtClean="0"/>
+              <a:t>21.06.2015</a:t>
+            </a:fld>
+            <a:endParaRPr lang="de-DE" dirty="0"/>
+          </a:p>
+        </p:txBody>
+      </p:sp>
+      <p:sp>
+        <p:nvSpPr>
+          <p:cNvPr id="5" name="Footer Placeholder 4"/>
+          <p:cNvSpPr>
+            <a:spLocks noGrp="1"/>
+          </p:cNvSpPr>
+          <p:nvPr>
+            <p:ph type="ftr" sz="quarter" idx="11"/>
+          </p:nvPr>
+        </p:nvSpPr>
+        <p:spPr/>
+        <p:txBody>
+          <a:bodyPr/>
+          <a:lstStyle/>
+          <a:p>
+            <a:r>
+              <a:rPr lang="de-DE" smtClean="0"/>
+              <a:t>FM-Synthese</a:t>
+            </a:r>
+            <a:endParaRPr lang="de-DE" dirty="0"/>
+          </a:p>
+        </p:txBody>
+      </p:sp>
+      <p:sp>
+        <p:nvSpPr>
+          <p:cNvPr id="6" name="Slide Number Placeholder 5"/>
+          <p:cNvSpPr>
+            <a:spLocks noGrp="1"/>
+          </p:cNvSpPr>
+          <p:nvPr>
+            <p:ph type="sldNum" sz="quarter" idx="12"/>
+          </p:nvPr>
+        </p:nvSpPr>
+        <p:spPr/>
+        <p:txBody>
+          <a:bodyPr/>
+          <a:lstStyle/>
+          <a:p>
+            <a:fld id="{8740CB20-F870-467D-84CE-AB32061190A1}" type="slidenum">
+              <a:rPr lang="en-US" smtClean="0"/>
+              <a:t>38</a:t>
+            </a:fld>
+            <a:r>
+              <a:rPr lang="de-DE" smtClean="0"/>
+              <a:t>   </a:t>
+            </a:r>
+            <a:endParaRPr lang="de-DE" dirty="0"/>
+          </a:p>
+        </p:txBody>
+      </p:sp>
+    </p:spTree>
+    <p:extLst>
+      <p:ext uri="{BB962C8B-B14F-4D97-AF65-F5344CB8AC3E}">
+        <p14:creationId xmlns:p14="http://schemas.microsoft.com/office/powerpoint/2010/main" val="4156486172"/>
+      </p:ext>
+    </p:extLst>
+  </p:cSld>
+  <p:clrMapOvr>
+    <a:masterClrMapping/>
+  </p:clrMapOvr>
+  <p:timing>
+    <p:tnLst>
+      <p:par>
+        <p:cTn id="1" dur="indefinite" restart="never" nodeType="tmRoot"/>
+      </p:par>
+    </p:tnLst>
+  </p:timing>
+</p:sld>
+</file>
+
 <file path=ppt/slides/slide39.xml><?xml version="1.0" encoding="utf-8"?>
 <p:sld xmlns:a="http://schemas.openxmlformats.org/drawingml/2006/main" xmlns:r="http://schemas.openxmlformats.org/officeDocument/2006/relationships" xmlns:p="http://schemas.openxmlformats.org/presentationml/2006/main">
   <p:cSld>
@@ -15489,30 +15850,7 @@
           <a:p>
             <a:r>
               <a:rPr lang="de-DE" dirty="0" smtClean="0"/>
-              <a:t>Fazit</a:t>
-            </a:r>
-            <a:endParaRPr lang="de-DE" dirty="0"/>
-          </a:p>
-        </p:txBody>
-      </p:sp>
-      <p:sp>
-        <p:nvSpPr>
-          <p:cNvPr id="3" name="Content Placeholder 2"/>
-          <p:cNvSpPr>
-            <a:spLocks noGrp="1"/>
-          </p:cNvSpPr>
-          <p:nvPr>
-            <p:ph idx="1"/>
-          </p:nvPr>
-        </p:nvSpPr>
-        <p:spPr/>
-        <p:txBody>
-          <a:bodyPr/>
-          <a:lstStyle/>
-          <a:p>
-            <a:r>
-              <a:rPr lang="de-DE" dirty="0" smtClean="0"/>
-              <a:t>Interessante Mathematik</a:t>
+              <a:t>Quellen</a:t>
             </a:r>
             <a:endParaRPr lang="de-DE" dirty="0"/>
           </a:p>
@@ -15591,10 +15929,36 @@
           </a:p>
         </p:txBody>
       </p:sp>
+      <p:pic>
+        <p:nvPicPr>
+          <p:cNvPr id="10" name="Content Placeholder 9"/>
+          <p:cNvPicPr>
+            <a:picLocks noGrp="1" noChangeAspect="1"/>
+          </p:cNvPicPr>
+          <p:nvPr>
+            <p:ph idx="1"/>
+          </p:nvPr>
+        </p:nvPicPr>
+        <p:blipFill>
+          <a:blip r:embed="rId2"/>
+          <a:stretch>
+            <a:fillRect/>
+          </a:stretch>
+        </p:blipFill>
+        <p:spPr>
+          <a:xfrm>
+            <a:off x="457200" y="1263650"/>
+            <a:ext cx="8229600" cy="3267075"/>
+          </a:xfrm>
+          <a:prstGeom prst="rect">
+            <a:avLst/>
+          </a:prstGeom>
+        </p:spPr>
+      </p:pic>
     </p:spTree>
     <p:extLst>
       <p:ext uri="{BB962C8B-B14F-4D97-AF65-F5344CB8AC3E}">
-        <p14:creationId xmlns:p14="http://schemas.microsoft.com/office/powerpoint/2010/main" val="4156486172"/>
+        <p14:creationId xmlns:p14="http://schemas.microsoft.com/office/powerpoint/2010/main" val="2659116360"/>
       </p:ext>
     </p:extLst>
   </p:cSld>
@@ -15948,165 +16312,6 @@
           </a:p>
         </p:txBody>
       </p:sp>
-      <p:sp>
-        <p:nvSpPr>
-          <p:cNvPr id="4" name="Date Placeholder 3"/>
-          <p:cNvSpPr>
-            <a:spLocks noGrp="1"/>
-          </p:cNvSpPr>
-          <p:nvPr>
-            <p:ph type="dt" sz="half" idx="10"/>
-          </p:nvPr>
-        </p:nvSpPr>
-        <p:spPr/>
-        <p:txBody>
-          <a:bodyPr/>
-          <a:lstStyle/>
-          <a:p>
-            <a:fld id="{296000BE-0612-4D88-A1AC-FF1287139C2E}" type="datetime1">
-              <a:rPr lang="de-DE" smtClean="0"/>
-              <a:t>21.06.2015</a:t>
-            </a:fld>
-            <a:endParaRPr lang="de-DE" dirty="0"/>
-          </a:p>
-        </p:txBody>
-      </p:sp>
-      <p:sp>
-        <p:nvSpPr>
-          <p:cNvPr id="5" name="Footer Placeholder 4"/>
-          <p:cNvSpPr>
-            <a:spLocks noGrp="1"/>
-          </p:cNvSpPr>
-          <p:nvPr>
-            <p:ph type="ftr" sz="quarter" idx="11"/>
-          </p:nvPr>
-        </p:nvSpPr>
-        <p:spPr/>
-        <p:txBody>
-          <a:bodyPr/>
-          <a:lstStyle/>
-          <a:p>
-            <a:r>
-              <a:rPr lang="de-DE" smtClean="0"/>
-              <a:t>FM-Synthese</a:t>
-            </a:r>
-            <a:endParaRPr lang="de-DE" dirty="0"/>
-          </a:p>
-        </p:txBody>
-      </p:sp>
-      <p:sp>
-        <p:nvSpPr>
-          <p:cNvPr id="6" name="Slide Number Placeholder 5"/>
-          <p:cNvSpPr>
-            <a:spLocks noGrp="1"/>
-          </p:cNvSpPr>
-          <p:nvPr>
-            <p:ph type="sldNum" sz="quarter" idx="12"/>
-          </p:nvPr>
-        </p:nvSpPr>
-        <p:spPr/>
-        <p:txBody>
-          <a:bodyPr/>
-          <a:lstStyle/>
-          <a:p>
-            <a:fld id="{8740CB20-F870-467D-84CE-AB32061190A1}" type="slidenum">
-              <a:rPr lang="en-US" smtClean="0"/>
-              <a:t>40</a:t>
-            </a:fld>
-            <a:r>
-              <a:rPr lang="de-DE" smtClean="0"/>
-              <a:t>   </a:t>
-            </a:r>
-            <a:endParaRPr lang="de-DE" dirty="0"/>
-          </a:p>
-        </p:txBody>
-      </p:sp>
-      <p:pic>
-        <p:nvPicPr>
-          <p:cNvPr id="10" name="Content Placeholder 9"/>
-          <p:cNvPicPr>
-            <a:picLocks noGrp="1" noChangeAspect="1"/>
-          </p:cNvPicPr>
-          <p:nvPr>
-            <p:ph idx="1"/>
-          </p:nvPr>
-        </p:nvPicPr>
-        <p:blipFill>
-          <a:blip r:embed="rId2"/>
-          <a:stretch>
-            <a:fillRect/>
-          </a:stretch>
-        </p:blipFill>
-        <p:spPr>
-          <a:xfrm>
-            <a:off x="457200" y="1263650"/>
-            <a:ext cx="8229600" cy="3267075"/>
-          </a:xfrm>
-          <a:prstGeom prst="rect">
-            <a:avLst/>
-          </a:prstGeom>
-        </p:spPr>
-      </p:pic>
-    </p:spTree>
-    <p:extLst>
-      <p:ext uri="{BB962C8B-B14F-4D97-AF65-F5344CB8AC3E}">
-        <p14:creationId xmlns:p14="http://schemas.microsoft.com/office/powerpoint/2010/main" val="2659116360"/>
-      </p:ext>
-    </p:extLst>
-  </p:cSld>
-  <p:clrMapOvr>
-    <a:masterClrMapping/>
-  </p:clrMapOvr>
-  <p:timing>
-    <p:tnLst>
-      <p:par>
-        <p:cTn id="1" dur="indefinite" restart="never" nodeType="tmRoot"/>
-      </p:par>
-    </p:tnLst>
-  </p:timing>
-</p:sld>
-</file>
-
-<file path=ppt/slides/slide41.xml><?xml version="1.0" encoding="utf-8"?>
-<p:sld xmlns:a="http://schemas.openxmlformats.org/drawingml/2006/main" xmlns:r="http://schemas.openxmlformats.org/officeDocument/2006/relationships" xmlns:p="http://schemas.openxmlformats.org/presentationml/2006/main">
-  <p:cSld>
-    <p:spTree>
-      <p:nvGrpSpPr>
-        <p:cNvPr id="1" name=""/>
-        <p:cNvGrpSpPr/>
-        <p:nvPr/>
-      </p:nvGrpSpPr>
-      <p:grpSpPr>
-        <a:xfrm>
-          <a:off x="0" y="0"/>
-          <a:ext cx="0" cy="0"/>
-          <a:chOff x="0" y="0"/>
-          <a:chExt cx="0" cy="0"/>
-        </a:xfrm>
-      </p:grpSpPr>
-      <p:sp>
-        <p:nvSpPr>
-          <p:cNvPr id="2" name="Title 1"/>
-          <p:cNvSpPr>
-            <a:spLocks noGrp="1"/>
-          </p:cNvSpPr>
-          <p:nvPr>
-            <p:ph type="title"/>
-          </p:nvPr>
-        </p:nvSpPr>
-        <p:spPr/>
-        <p:txBody>
-          <a:bodyPr/>
-          <a:lstStyle/>
-          <a:p>
-            <a:r>
-              <a:rPr lang="de-DE" dirty="0" smtClean="0"/>
-              <a:t>Quellen</a:t>
-            </a:r>
-            <a:endParaRPr lang="de-DE" dirty="0"/>
-          </a:p>
-        </p:txBody>
-      </p:sp>
       <p:pic>
         <p:nvPicPr>
           <p:cNvPr id="7" name="Content Placeholder 6"/>
@@ -16196,7 +16401,7 @@
           <a:p>
             <a:fld id="{8740CB20-F870-467D-84CE-AB32061190A1}" type="slidenum">
               <a:rPr lang="en-US" smtClean="0"/>
-              <a:t>41</a:t>
+              <a:t>40</a:t>
             </a:fld>
             <a:r>
               <a:rPr lang="de-DE" smtClean="0"/>
@@ -16226,7 +16431,7 @@
 </p:sld>
 </file>
 
-<file path=ppt/slides/slide42.xml><?xml version="1.0" encoding="utf-8"?>
+<file path=ppt/slides/slide41.xml><?xml version="1.0" encoding="utf-8"?>
 <p:sld xmlns:a="http://schemas.openxmlformats.org/drawingml/2006/main" xmlns:r="http://schemas.openxmlformats.org/officeDocument/2006/relationships" xmlns:p="http://schemas.openxmlformats.org/presentationml/2006/main">
   <p:cSld>
     <p:spTree>
@@ -17633,7 +17838,7 @@
           </p:nvPr>
         </p:nvPicPr>
         <p:blipFill>
-          <a:blip r:embed="rId3" cstate="print">
+          <a:blip r:embed="rId4" cstate="print">
             <a:extLst>
               <a:ext uri="{28A0092B-C50C-407E-A947-70E740481C1C}">
                 <a14:useLocalDpi xmlns:a14="http://schemas.microsoft.com/office/drawing/2010/main" val="0"/>
@@ -17759,7 +17964,7 @@
                 <a:avLst/>
               </a:prstGeom>
               <a:blipFill rotWithShape="0">
-                <a:blip r:embed="rId4"/>
+                <a:blip r:embed="rId5"/>
                 <a:stretch>
                   <a:fillRect l="-8824" r="-13235" b="-19565"/>
                 </a:stretch>
@@ -17944,7 +18149,7 @@
                 <a:avLst/>
               </a:prstGeom>
               <a:blipFill rotWithShape="0">
-                <a:blip r:embed="rId5"/>
+                <a:blip r:embed="rId6"/>
                 <a:stretch>
                   <a:fillRect l="-4000" r="-6222" b="-40000"/>
                 </a:stretch>

--- a/Praesentation/FMSynthese-Markus.pptx
+++ b/Praesentation/FMSynthese-Markus.pptx
@@ -263,7 +263,7 @@
             <a:fld id="{364A5697-ABCF-455C-8519-931EFDD64AAA}" type="datetimeFigureOut">
               <a:rPr lang="de-DE" smtClean="0"/>
               <a:pPr/>
-              <a:t>21.06.2015</a:t>
+              <a:t>22.06.2015</a:t>
             </a:fld>
             <a:endParaRPr lang="de-DE"/>
           </a:p>
@@ -1218,7 +1218,7 @@
           <a:p>
             <a:fld id="{118C39E7-DE90-41C1-AA3B-F993836B02BE}" type="datetime1">
               <a:rPr lang="de-DE" smtClean="0"/>
-              <a:t>21.06.2015</a:t>
+              <a:t>22.06.2015</a:t>
             </a:fld>
             <a:endParaRPr lang="de-DE"/>
           </a:p>
@@ -1398,7 +1398,7 @@
           <a:p>
             <a:fld id="{B1B93457-8CBC-4CBC-AFA6-88355C5DAFDC}" type="datetime1">
               <a:rPr lang="de-DE" smtClean="0"/>
-              <a:t>21.06.2015</a:t>
+              <a:t>22.06.2015</a:t>
             </a:fld>
             <a:endParaRPr lang="de-DE"/>
           </a:p>
@@ -1576,7 +1576,7 @@
           <a:p>
             <a:fld id="{296000BE-0612-4D88-A1AC-FF1287139C2E}" type="datetime1">
               <a:rPr lang="de-DE" smtClean="0"/>
-              <a:t>21.06.2015</a:t>
+              <a:t>22.06.2015</a:t>
             </a:fld>
             <a:endParaRPr lang="de-DE" dirty="0"/>
           </a:p>
@@ -1864,7 +1864,7 @@
           <a:p>
             <a:fld id="{C80D71F6-99A2-4718-B360-65885A8D0927}" type="datetime1">
               <a:rPr lang="de-DE" smtClean="0"/>
-              <a:t>21.06.2015</a:t>
+              <a:t>22.06.2015</a:t>
             </a:fld>
             <a:endParaRPr lang="de-DE"/>
           </a:p>
@@ -2159,7 +2159,7 @@
           <a:p>
             <a:fld id="{29DA34F2-331A-4BAF-BC0B-E5952E369A92}" type="datetime1">
               <a:rPr lang="de-DE" smtClean="0"/>
-              <a:t>21.06.2015</a:t>
+              <a:t>22.06.2015</a:t>
             </a:fld>
             <a:endParaRPr lang="de-DE"/>
           </a:p>
@@ -2588,7 +2588,7 @@
           <a:p>
             <a:fld id="{6E10866E-AA72-4753-8ABE-452D5C085871}" type="datetime1">
               <a:rPr lang="de-DE" smtClean="0"/>
-              <a:t>21.06.2015</a:t>
+              <a:t>22.06.2015</a:t>
             </a:fld>
             <a:endParaRPr lang="de-DE"/>
           </a:p>
@@ -2713,7 +2713,7 @@
           <a:p>
             <a:fld id="{A782DF66-3609-46AF-9A5C-DF0EDD34A7DB}" type="datetime1">
               <a:rPr lang="de-DE" smtClean="0"/>
-              <a:t>21.06.2015</a:t>
+              <a:t>22.06.2015</a:t>
             </a:fld>
             <a:endParaRPr lang="de-DE"/>
           </a:p>
@@ -2808,7 +2808,7 @@
           <a:p>
             <a:fld id="{D9A33BE7-191D-4D84-96A8-D32FBF7D1E60}" type="datetime1">
               <a:rPr lang="de-DE" smtClean="0"/>
-              <a:t>21.06.2015</a:t>
+              <a:t>22.06.2015</a:t>
             </a:fld>
             <a:endParaRPr lang="de-DE"/>
           </a:p>
@@ -3085,7 +3085,7 @@
           <a:p>
             <a:fld id="{B525E46A-CAE0-47F8-9D57-934823E6F137}" type="datetime1">
               <a:rPr lang="de-DE" smtClean="0"/>
-              <a:t>21.06.2015</a:t>
+              <a:t>22.06.2015</a:t>
             </a:fld>
             <a:endParaRPr lang="de-DE"/>
           </a:p>
@@ -3338,7 +3338,7 @@
           <a:p>
             <a:fld id="{A77F82AC-1FA4-4A3F-9E15-2C049775FF58}" type="datetime1">
               <a:rPr lang="de-DE" smtClean="0"/>
-              <a:t>21.06.2015</a:t>
+              <a:t>22.06.2015</a:t>
             </a:fld>
             <a:endParaRPr lang="de-DE"/>
           </a:p>
@@ -3551,7 +3551,7 @@
           <a:p>
             <a:fld id="{296000BE-0612-4D88-A1AC-FF1287139C2E}" type="datetime1">
               <a:rPr lang="de-DE" smtClean="0"/>
-              <a:t>21.06.2015</a:t>
+              <a:t>22.06.2015</a:t>
             </a:fld>
             <a:endParaRPr lang="de-DE" dirty="0"/>
           </a:p>
@@ -4596,7 +4596,7 @@
           <a:p>
             <a:fld id="{296000BE-0612-4D88-A1AC-FF1287139C2E}" type="datetime1">
               <a:rPr lang="de-DE" smtClean="0"/>
-              <a:t>21.06.2015</a:t>
+              <a:t>22.06.2015</a:t>
             </a:fld>
             <a:endParaRPr lang="de-DE" dirty="0"/>
           </a:p>
@@ -5073,7 +5073,7 @@
           <a:p>
             <a:fld id="{296000BE-0612-4D88-A1AC-FF1287139C2E}" type="datetime1">
               <a:rPr lang="de-DE" smtClean="0"/>
-              <a:t>21.06.2015</a:t>
+              <a:t>22.06.2015</a:t>
             </a:fld>
             <a:endParaRPr lang="de-DE" dirty="0"/>
           </a:p>
@@ -5316,7 +5316,7 @@
           <a:p>
             <a:fld id="{296000BE-0612-4D88-A1AC-FF1287139C2E}" type="datetime1">
               <a:rPr lang="de-DE" smtClean="0"/>
-              <a:t>21.06.2015</a:t>
+              <a:t>22.06.2015</a:t>
             </a:fld>
             <a:endParaRPr lang="de-DE" dirty="0"/>
           </a:p>
@@ -5861,7 +5861,7 @@
           <a:p>
             <a:fld id="{296000BE-0612-4D88-A1AC-FF1287139C2E}" type="datetime1">
               <a:rPr lang="de-DE" smtClean="0"/>
-              <a:t>21.06.2015</a:t>
+              <a:t>22.06.2015</a:t>
             </a:fld>
             <a:endParaRPr lang="de-DE" dirty="0"/>
           </a:p>
@@ -6279,7 +6279,7 @@
           <a:p>
             <a:fld id="{296000BE-0612-4D88-A1AC-FF1287139C2E}" type="datetime1">
               <a:rPr lang="de-DE" smtClean="0"/>
-              <a:t>21.06.2015</a:t>
+              <a:t>22.06.2015</a:t>
             </a:fld>
             <a:endParaRPr lang="de-DE" dirty="0"/>
           </a:p>
@@ -6634,7 +6634,7 @@
           <a:p>
             <a:fld id="{296000BE-0612-4D88-A1AC-FF1287139C2E}" type="datetime1">
               <a:rPr lang="de-DE" smtClean="0"/>
-              <a:t>21.06.2015</a:t>
+              <a:t>22.06.2015</a:t>
             </a:fld>
             <a:endParaRPr lang="de-DE" dirty="0"/>
           </a:p>
@@ -7038,7 +7038,7 @@
           <a:p>
             <a:fld id="{296000BE-0612-4D88-A1AC-FF1287139C2E}" type="datetime1">
               <a:rPr lang="de-DE" smtClean="0"/>
-              <a:t>21.06.2015</a:t>
+              <a:t>22.06.2015</a:t>
             </a:fld>
             <a:endParaRPr lang="de-DE" dirty="0"/>
           </a:p>
@@ -7751,7 +7751,7 @@
           <a:p>
             <a:fld id="{296000BE-0612-4D88-A1AC-FF1287139C2E}" type="datetime1">
               <a:rPr lang="de-DE" smtClean="0"/>
-              <a:t>21.06.2015</a:t>
+              <a:t>22.06.2015</a:t>
             </a:fld>
             <a:endParaRPr lang="de-DE" dirty="0"/>
           </a:p>
@@ -7971,7 +7971,7 @@
           <a:p>
             <a:fld id="{A782DF66-3609-46AF-9A5C-DF0EDD34A7DB}" type="datetime1">
               <a:rPr lang="de-DE" smtClean="0"/>
-              <a:t>21.06.2015</a:t>
+              <a:t>22.06.2015</a:t>
             </a:fld>
             <a:endParaRPr lang="de-DE"/>
           </a:p>
@@ -8077,10 +8077,9 @@
           <a:lstStyle/>
           <a:p>
             <a:r>
-              <a:rPr lang="de-DE" dirty="0" smtClean="0"/>
-              <a:t>Klangspektrum</a:t>
-            </a:r>
-            <a:endParaRPr lang="de-DE" dirty="0"/>
+              <a:rPr lang="de-DE" dirty="0"/>
+              <a:t>Klangspektren</a:t>
+            </a:r>
           </a:p>
         </p:txBody>
       </p:sp>
@@ -8138,7 +8137,7 @@
           <a:p>
             <a:fld id="{C80D71F6-99A2-4718-B360-65885A8D0927}" type="datetime1">
               <a:rPr lang="de-DE" smtClean="0"/>
-              <a:t>21.06.2015</a:t>
+              <a:t>22.06.2015</a:t>
             </a:fld>
             <a:endParaRPr lang="de-DE"/>
           </a:p>
@@ -8322,7 +8321,7 @@
           <a:p>
             <a:fld id="{ADBF581A-36B1-4C7D-8A13-2529E78B81D4}" type="datetime1">
               <a:rPr lang="de-DE" smtClean="0"/>
-              <a:t>21.06.2015</a:t>
+              <a:t>22.06.2015</a:t>
             </a:fld>
             <a:endParaRPr lang="de-DE"/>
           </a:p>
@@ -8456,7 +8455,7 @@
           <a:p>
             <a:fld id="{296000BE-0612-4D88-A1AC-FF1287139C2E}" type="datetime1">
               <a:rPr lang="de-DE" smtClean="0"/>
-              <a:t>21.06.2015</a:t>
+              <a:t>22.06.2015</a:t>
             </a:fld>
             <a:endParaRPr lang="de-DE" dirty="0"/>
           </a:p>
@@ -8623,7 +8622,7 @@
           <a:p>
             <a:fld id="{296000BE-0612-4D88-A1AC-FF1287139C2E}" type="datetime1">
               <a:rPr lang="de-DE" smtClean="0"/>
-              <a:t>21.06.2015</a:t>
+              <a:t>22.06.2015</a:t>
             </a:fld>
             <a:endParaRPr lang="de-DE" dirty="0"/>
           </a:p>
@@ -8903,7 +8902,7 @@
         <p:spPr>
           <a:xfrm>
             <a:off x="5697689" y="3481725"/>
-            <a:ext cx="2101601" cy="369332"/>
+            <a:ext cx="2220223" cy="369332"/>
           </a:xfrm>
           <a:prstGeom prst="rect">
             <a:avLst/>
@@ -8917,12 +8916,12 @@
           <a:lstStyle/>
           <a:p>
             <a:r>
-              <a:rPr lang="de-DE" dirty="0" err="1" smtClean="0">
+              <a:rPr lang="de-DE" dirty="0" smtClean="0">
                 <a:solidFill>
                   <a:srgbClr val="FF0000"/>
                 </a:solidFill>
               </a:rPr>
-              <a:t>Unterschwinungen</a:t>
+              <a:t>Unterschwingungen</a:t>
             </a:r>
             <a:endParaRPr lang="de-DE" dirty="0">
               <a:solidFill>
@@ -9441,7 +9440,7 @@
           <a:p>
             <a:fld id="{296000BE-0612-4D88-A1AC-FF1287139C2E}" type="datetime1">
               <a:rPr lang="de-DE" smtClean="0"/>
-              <a:t>21.06.2015</a:t>
+              <a:t>22.06.2015</a:t>
             </a:fld>
             <a:endParaRPr lang="de-DE" dirty="0"/>
           </a:p>
@@ -9635,11 +9634,11 @@
   <p:clrMapOvr>
     <a:masterClrMapping/>
   </p:clrMapOvr>
-  <mc:AlternateContent xmlns:mc="http://schemas.openxmlformats.org/markup-compatibility/2006">
-    <mc:Choice xmlns:p14="http://schemas.microsoft.com/office/powerpoint/2010/main" Requires="p14">
+  <mc:AlternateContent xmlns:mc="http://schemas.openxmlformats.org/markup-compatibility/2006" xmlns:p14="http://schemas.microsoft.com/office/powerpoint/2010/main">
+    <mc:Choice Requires="p14">
       <p:transition spd="slow" p14:dur="2000"/>
     </mc:Choice>
-    <mc:Fallback>
+    <mc:Fallback xmlns="">
       <p:transition spd="slow"/>
     </mc:Fallback>
   </mc:AlternateContent>
@@ -9879,7 +9878,7 @@
           <a:p>
             <a:fld id="{296000BE-0612-4D88-A1AC-FF1287139C2E}" type="datetime1">
               <a:rPr lang="de-DE" smtClean="0"/>
-              <a:t>21.06.2015</a:t>
+              <a:t>22.06.2015</a:t>
             </a:fld>
             <a:endParaRPr lang="de-DE" dirty="0"/>
           </a:p>
@@ -10054,7 +10053,7 @@
           <a:p>
             <a:fld id="{296000BE-0612-4D88-A1AC-FF1287139C2E}" type="datetime1">
               <a:rPr lang="de-DE" smtClean="0"/>
-              <a:t>21.06.2015</a:t>
+              <a:t>22.06.2015</a:t>
             </a:fld>
             <a:endParaRPr lang="de-DE" dirty="0"/>
           </a:p>
@@ -10134,8 +10133,8 @@
         </p:blipFill>
         <p:spPr>
           <a:xfrm>
-            <a:off x="1331640" y="1130189"/>
-            <a:ext cx="6480720" cy="3240360"/>
+            <a:off x="1331641" y="1130189"/>
+            <a:ext cx="6480718" cy="3240360"/>
           </a:xfrm>
         </p:spPr>
       </p:pic>
@@ -10245,7 +10244,7 @@
           <a:p>
             <a:fld id="{296000BE-0612-4D88-A1AC-FF1287139C2E}" type="datetime1">
               <a:rPr lang="de-DE" smtClean="0"/>
-              <a:t>21.06.2015</a:t>
+              <a:t>22.06.2015</a:t>
             </a:fld>
             <a:endParaRPr lang="de-DE" dirty="0"/>
           </a:p>
@@ -10298,6 +10297,50 @@
               <a:t>   </a:t>
             </a:r>
             <a:endParaRPr lang="de-DE" dirty="0"/>
+          </a:p>
+        </p:txBody>
+      </p:sp>
+      <p:sp>
+        <p:nvSpPr>
+          <p:cNvPr id="8" name="TextBox 7"/>
+          <p:cNvSpPr txBox="1"/>
+          <p:nvPr/>
+        </p:nvSpPr>
+        <p:spPr>
+          <a:xfrm>
+            <a:off x="7956376" y="4224893"/>
+            <a:ext cx="1002390" cy="369332"/>
+          </a:xfrm>
+          <a:prstGeom prst="rect">
+            <a:avLst/>
+          </a:prstGeom>
+          <a:noFill/>
+        </p:spPr>
+        <p:txBody>
+          <a:bodyPr wrap="none" rtlCol="0">
+            <a:spAutoFit/>
+          </a:bodyPr>
+          <a:lstStyle/>
+          <a:p>
+            <a:r>
+              <a:rPr lang="de-DE" dirty="0" smtClean="0">
+                <a:solidFill>
+                  <a:schemeClr val="tx1">
+                    <a:lumMod val="50000"/>
+                    <a:lumOff val="50000"/>
+                  </a:schemeClr>
+                </a:solidFill>
+              </a:rPr>
+              <a:t>[Cho73]</a:t>
+            </a:r>
+            <a:endParaRPr lang="de-DE" dirty="0">
+              <a:solidFill>
+                <a:schemeClr val="tx1">
+                  <a:lumMod val="50000"/>
+                  <a:lumOff val="50000"/>
+                </a:schemeClr>
+              </a:solidFill>
+            </a:endParaRPr>
           </a:p>
         </p:txBody>
       </p:sp>
@@ -10374,7 +10417,7 @@
           <a:p>
             <a:fld id="{296000BE-0612-4D88-A1AC-FF1287139C2E}" type="datetime1">
               <a:rPr lang="de-DE" smtClean="0"/>
-              <a:t>21.06.2015</a:t>
+              <a:t>22.06.2015</a:t>
             </a:fld>
             <a:endParaRPr lang="de-DE" dirty="0"/>
           </a:p>
@@ -10803,11 +10846,11 @@
   <p:clrMapOvr>
     <a:masterClrMapping/>
   </p:clrMapOvr>
-  <mc:AlternateContent xmlns:mc="http://schemas.openxmlformats.org/markup-compatibility/2006">
-    <mc:Choice xmlns:p14="http://schemas.microsoft.com/office/powerpoint/2010/main" Requires="p14">
+  <mc:AlternateContent xmlns:mc="http://schemas.openxmlformats.org/markup-compatibility/2006" xmlns:p14="http://schemas.microsoft.com/office/powerpoint/2010/main">
+    <mc:Choice Requires="p14">
       <p:transition spd="slow" p14:dur="2000"/>
     </mc:Choice>
-    <mc:Fallback>
+    <mc:Fallback xmlns="">
       <p:transition spd="slow"/>
     </mc:Fallback>
   </mc:AlternateContent>
@@ -11305,7 +11348,7 @@
           <a:p>
             <a:fld id="{A782DF66-3609-46AF-9A5C-DF0EDD34A7DB}" type="datetime1">
               <a:rPr lang="de-DE" smtClean="0"/>
-              <a:t>21.06.2015</a:t>
+              <a:t>22.06.2015</a:t>
             </a:fld>
             <a:endParaRPr lang="de-DE"/>
           </a:p>
@@ -11796,7 +11839,7 @@
           <a:p>
             <a:fld id="{A782DF66-3609-46AF-9A5C-DF0EDD34A7DB}" type="datetime1">
               <a:rPr lang="de-DE" smtClean="0"/>
-              <a:t>21.06.2015</a:t>
+              <a:t>22.06.2015</a:t>
             </a:fld>
             <a:endParaRPr lang="de-DE"/>
           </a:p>
@@ -11879,41 +11922,6 @@
           </a:prstGeom>
         </p:spPr>
       </p:pic>
-      <p:cxnSp>
-        <p:nvCxnSpPr>
-          <p:cNvPr id="7" name="Straight Connector 6"/>
-          <p:cNvCxnSpPr/>
-          <p:nvPr/>
-        </p:nvCxnSpPr>
-        <p:spPr>
-          <a:xfrm>
-            <a:off x="3667420" y="1940349"/>
-            <a:ext cx="0" cy="619125"/>
-          </a:xfrm>
-          <a:prstGeom prst="line">
-            <a:avLst/>
-          </a:prstGeom>
-          <a:ln w="12700">
-            <a:solidFill>
-              <a:schemeClr val="accent3"/>
-            </a:solidFill>
-          </a:ln>
-        </p:spPr>
-        <p:style>
-          <a:lnRef idx="1">
-            <a:schemeClr val="accent1"/>
-          </a:lnRef>
-          <a:fillRef idx="0">
-            <a:schemeClr val="accent1"/>
-          </a:fillRef>
-          <a:effectRef idx="0">
-            <a:schemeClr val="accent1"/>
-          </a:effectRef>
-          <a:fontRef idx="minor">
-            <a:schemeClr val="tx1"/>
-          </a:fontRef>
-        </p:style>
-      </p:cxnSp>
       <p:sp>
         <p:nvSpPr>
           <p:cNvPr id="13" name="Rectangle 12"/>
@@ -12032,7 +12040,7 @@
           <a:p>
             <a:fld id="{A782DF66-3609-46AF-9A5C-DF0EDD34A7DB}" type="datetime1">
               <a:rPr lang="de-DE" smtClean="0"/>
-              <a:t>21.06.2015</a:t>
+              <a:t>22.06.2015</a:t>
             </a:fld>
             <a:endParaRPr lang="de-DE"/>
           </a:p>
@@ -12169,7 +12177,7 @@
           <a:p>
             <a:fld id="{D9A33BE7-191D-4D84-96A8-D32FBF7D1E60}" type="datetime1">
               <a:rPr lang="de-DE" smtClean="0"/>
-              <a:t>21.06.2015</a:t>
+              <a:t>22.06.2015</a:t>
             </a:fld>
             <a:endParaRPr lang="de-DE"/>
           </a:p>
@@ -13061,7 +13069,7 @@
           <a:p>
             <a:fld id="{A782DF66-3609-46AF-9A5C-DF0EDD34A7DB}" type="datetime1">
               <a:rPr lang="de-DE" smtClean="0"/>
-              <a:t>21.06.2015</a:t>
+              <a:t>22.06.2015</a:t>
             </a:fld>
             <a:endParaRPr lang="de-DE"/>
           </a:p>
@@ -13239,7 +13247,7 @@
           <a:p>
             <a:fld id="{A782DF66-3609-46AF-9A5C-DF0EDD34A7DB}" type="datetime1">
               <a:rPr lang="de-DE" smtClean="0"/>
-              <a:t>21.06.2015</a:t>
+              <a:t>22.06.2015</a:t>
             </a:fld>
             <a:endParaRPr lang="de-DE"/>
           </a:p>
@@ -13387,7 +13395,7 @@
           <a:p>
             <a:fld id="{C80D71F6-99A2-4718-B360-65885A8D0927}" type="datetime1">
               <a:rPr lang="de-DE" smtClean="0"/>
-              <a:t>21.06.2015</a:t>
+              <a:t>22.06.2015</a:t>
             </a:fld>
             <a:endParaRPr lang="de-DE"/>
           </a:p>
@@ -13495,7 +13503,7 @@
 </file>
 
 <file path=ppt/slides/slide33.xml><?xml version="1.0" encoding="utf-8"?>
-<p:sld xmlns:a="http://schemas.openxmlformats.org/drawingml/2006/main" xmlns:r="http://schemas.openxmlformats.org/officeDocument/2006/relationships" xmlns:p="http://schemas.openxmlformats.org/presentationml/2006/main">
+<p:sld xmlns:a="http://schemas.openxmlformats.org/drawingml/2006/main" xmlns:r="http://schemas.openxmlformats.org/officeDocument/2006/relationships" xmlns:p="http://schemas.openxmlformats.org/presentationml/2006/main" show="0">
   <p:cSld>
     <p:spTree>
       <p:nvGrpSpPr>
@@ -13535,42 +13543,6 @@
       </p:sp>
       <p:sp>
         <p:nvSpPr>
-          <p:cNvPr id="6" name="Content Placeholder 5"/>
-          <p:cNvSpPr>
-            <a:spLocks noGrp="1"/>
-          </p:cNvSpPr>
-          <p:nvPr>
-            <p:ph idx="1"/>
-          </p:nvPr>
-        </p:nvSpPr>
-        <p:spPr/>
-        <p:txBody>
-          <a:bodyPr/>
-          <a:lstStyle/>
-          <a:p>
-            <a:pPr marL="514350" indent="-514350">
-              <a:buFont typeface="+mj-lt"/>
-              <a:buAutoNum type="arabicPeriod"/>
-            </a:pPr>
-            <a:r>
-              <a:rPr lang="de-DE" dirty="0" smtClean="0"/>
-              <a:t>Die </a:t>
-            </a:r>
-            <a:r>
-              <a:rPr lang="de-DE" dirty="0"/>
-              <a:t>Trägerfrequenz ist immer die N1−te Harmonische.</a:t>
-            </a:r>
-          </a:p>
-          <a:p>
-            <a:pPr marL="0" indent="0">
-              <a:buNone/>
-            </a:pPr>
-            <a:endParaRPr lang="de-DE" dirty="0"/>
-          </a:p>
-        </p:txBody>
-      </p:sp>
-      <p:sp>
-        <p:nvSpPr>
           <p:cNvPr id="3" name="Date Placeholder 2"/>
           <p:cNvSpPr>
             <a:spLocks noGrp="1"/>
@@ -13586,7 +13558,7 @@
           <a:p>
             <a:fld id="{A782DF66-3609-46AF-9A5C-DF0EDD34A7DB}" type="datetime1">
               <a:rPr lang="de-DE" smtClean="0"/>
-              <a:t>21.06.2015</a:t>
+              <a:t>22.06.2015</a:t>
             </a:fld>
             <a:endParaRPr lang="de-DE"/>
           </a:p>
@@ -13702,6 +13674,42 @@
           </a:prstGeom>
         </p:spPr>
       </p:pic>
+      <p:sp>
+        <p:nvSpPr>
+          <p:cNvPr id="6" name="Content Placeholder 5"/>
+          <p:cNvSpPr>
+            <a:spLocks noGrp="1"/>
+          </p:cNvSpPr>
+          <p:nvPr>
+            <p:ph idx="1"/>
+          </p:nvPr>
+        </p:nvSpPr>
+        <p:spPr/>
+        <p:txBody>
+          <a:bodyPr/>
+          <a:lstStyle/>
+          <a:p>
+            <a:pPr marL="514350" indent="-514350">
+              <a:buFont typeface="+mj-lt"/>
+              <a:buAutoNum type="arabicPeriod"/>
+            </a:pPr>
+            <a:r>
+              <a:rPr lang="de-DE" dirty="0" smtClean="0"/>
+              <a:t>Die </a:t>
+            </a:r>
+            <a:r>
+              <a:rPr lang="de-DE" dirty="0"/>
+              <a:t>Trägerfrequenz ist immer die N1−te Harmonische.</a:t>
+            </a:r>
+          </a:p>
+          <a:p>
+            <a:pPr marL="0" indent="0">
+              <a:buNone/>
+            </a:pPr>
+            <a:endParaRPr lang="de-DE" dirty="0"/>
+          </a:p>
+        </p:txBody>
+      </p:sp>
     </p:spTree>
     <p:extLst>
       <p:ext uri="{BB962C8B-B14F-4D97-AF65-F5344CB8AC3E}">
@@ -13910,7 +13918,7 @@
 </file>
 
 <file path=ppt/slides/slide34.xml><?xml version="1.0" encoding="utf-8"?>
-<p:sld xmlns:a="http://schemas.openxmlformats.org/drawingml/2006/main" xmlns:r="http://schemas.openxmlformats.org/officeDocument/2006/relationships" xmlns:p="http://schemas.openxmlformats.org/presentationml/2006/main">
+<p:sld xmlns:a="http://schemas.openxmlformats.org/drawingml/2006/main" xmlns:r="http://schemas.openxmlformats.org/officeDocument/2006/relationships" xmlns:p="http://schemas.openxmlformats.org/presentationml/2006/main" show="0">
   <p:cSld>
     <p:spTree>
       <p:nvGrpSpPr>
@@ -13965,7 +13973,7 @@
           <a:p>
             <a:fld id="{A782DF66-3609-46AF-9A5C-DF0EDD34A7DB}" type="datetime1">
               <a:rPr lang="de-DE" smtClean="0"/>
-              <a:t>21.06.2015</a:t>
+              <a:t>22.06.2015</a:t>
             </a:fld>
             <a:endParaRPr lang="de-DE"/>
           </a:p>
@@ -14331,7 +14339,7 @@
 </file>
 
 <file path=ppt/slides/slide35.xml><?xml version="1.0" encoding="utf-8"?>
-<p:sld xmlns:a="http://schemas.openxmlformats.org/drawingml/2006/main" xmlns:r="http://schemas.openxmlformats.org/officeDocument/2006/relationships" xmlns:p="http://schemas.openxmlformats.org/presentationml/2006/main">
+<p:sld xmlns:a="http://schemas.openxmlformats.org/drawingml/2006/main" xmlns:r="http://schemas.openxmlformats.org/officeDocument/2006/relationships" xmlns:p="http://schemas.openxmlformats.org/presentationml/2006/main" show="0">
   <p:cSld>
     <p:spTree>
       <p:nvGrpSpPr>
@@ -14386,7 +14394,7 @@
           <a:p>
             <a:fld id="{A782DF66-3609-46AF-9A5C-DF0EDD34A7DB}" type="datetime1">
               <a:rPr lang="de-DE" smtClean="0"/>
-              <a:t>21.06.2015</a:t>
+              <a:t>22.06.2015</a:t>
             </a:fld>
             <a:endParaRPr lang="de-DE"/>
           </a:p>
@@ -14744,7 +14752,7 @@
 </file>
 
 <file path=ppt/slides/slide36.xml><?xml version="1.0" encoding="utf-8"?>
-<p:sld xmlns:a="http://schemas.openxmlformats.org/drawingml/2006/main" xmlns:r="http://schemas.openxmlformats.org/officeDocument/2006/relationships" xmlns:p="http://schemas.openxmlformats.org/presentationml/2006/main">
+<p:sld xmlns:a="http://schemas.openxmlformats.org/drawingml/2006/main" xmlns:r="http://schemas.openxmlformats.org/officeDocument/2006/relationships" xmlns:p="http://schemas.openxmlformats.org/presentationml/2006/main" show="0">
   <p:cSld>
     <p:spTree>
       <p:nvGrpSpPr>
@@ -14872,7 +14880,7 @@
           <a:p>
             <a:fld id="{A782DF66-3609-46AF-9A5C-DF0EDD34A7DB}" type="datetime1">
               <a:rPr lang="de-DE" smtClean="0"/>
-              <a:t>21.06.2015</a:t>
+              <a:t>22.06.2015</a:t>
             </a:fld>
             <a:endParaRPr lang="de-DE"/>
           </a:p>
@@ -15166,7 +15174,7 @@
 </file>
 
 <file path=ppt/slides/slide37.xml><?xml version="1.0" encoding="utf-8"?>
-<p:sld xmlns:a="http://schemas.openxmlformats.org/drawingml/2006/main" xmlns:r="http://schemas.openxmlformats.org/officeDocument/2006/relationships" xmlns:p="http://schemas.openxmlformats.org/presentationml/2006/main">
+<p:sld xmlns:a="http://schemas.openxmlformats.org/drawingml/2006/main" xmlns:r="http://schemas.openxmlformats.org/officeDocument/2006/relationships" xmlns:p="http://schemas.openxmlformats.org/presentationml/2006/main" show="0">
   <p:cSld>
     <p:spTree>
       <p:nvGrpSpPr>
@@ -15367,7 +15375,7 @@
           <a:p>
             <a:fld id="{A782DF66-3609-46AF-9A5C-DF0EDD34A7DB}" type="datetime1">
               <a:rPr lang="de-DE" smtClean="0"/>
-              <a:t>21.06.2015</a:t>
+              <a:t>22.06.2015</a:t>
             </a:fld>
             <a:endParaRPr lang="de-DE"/>
           </a:p>
@@ -15717,9 +15725,28 @@
           <a:p>
             <a:r>
               <a:rPr lang="de-DE" dirty="0" smtClean="0"/>
-              <a:t>Interessante Mathematik</a:t>
-            </a:r>
-            <a:endParaRPr lang="de-DE" dirty="0"/>
+              <a:t>PM und FM sind sehr ähnlich</a:t>
+            </a:r>
+          </a:p>
+          <a:p>
+            <a:r>
+              <a:rPr lang="de-DE" dirty="0" smtClean="0"/>
+              <a:t>Mächtig </a:t>
+            </a:r>
+            <a:r>
+              <a:rPr lang="de-DE" dirty="0"/>
+              <a:t>aber contra </a:t>
+            </a:r>
+            <a:r>
+              <a:rPr lang="de-DE" dirty="0" smtClean="0"/>
+              <a:t>intuitiv</a:t>
+            </a:r>
+          </a:p>
+          <a:p>
+            <a:r>
+              <a:rPr lang="de-DE" dirty="0" smtClean="0"/>
+              <a:t>Komplexität hinter einfacher Formel versteckt</a:t>
+            </a:r>
           </a:p>
         </p:txBody>
       </p:sp>
@@ -15740,7 +15767,7 @@
           <a:p>
             <a:fld id="{296000BE-0612-4D88-A1AC-FF1287139C2E}" type="datetime1">
               <a:rPr lang="de-DE" smtClean="0"/>
-              <a:t>21.06.2015</a:t>
+              <a:t>22.06.2015</a:t>
             </a:fld>
             <a:endParaRPr lang="de-DE" dirty="0"/>
           </a:p>
@@ -15873,7 +15900,7 @@
           <a:p>
             <a:fld id="{296000BE-0612-4D88-A1AC-FF1287139C2E}" type="datetime1">
               <a:rPr lang="de-DE" smtClean="0"/>
-              <a:t>21.06.2015</a:t>
+              <a:t>22.06.2015</a:t>
             </a:fld>
             <a:endParaRPr lang="de-DE" dirty="0"/>
           </a:p>
@@ -16032,7 +16059,7 @@
           <a:p>
             <a:fld id="{296000BE-0612-4D88-A1AC-FF1287139C2E}" type="datetime1">
               <a:rPr lang="de-DE" smtClean="0"/>
-              <a:t>21.06.2015</a:t>
+              <a:t>22.06.2015</a:t>
             </a:fld>
             <a:endParaRPr lang="de-DE" dirty="0"/>
           </a:p>
@@ -16176,6 +16203,50 @@
           </a:prstGeom>
         </p:spPr>
       </p:pic>
+      <p:sp>
+        <p:nvSpPr>
+          <p:cNvPr id="3" name="TextBox 2"/>
+          <p:cNvSpPr txBox="1"/>
+          <p:nvPr/>
+        </p:nvSpPr>
+        <p:spPr>
+          <a:xfrm>
+            <a:off x="683568" y="4136235"/>
+            <a:ext cx="1002390" cy="369332"/>
+          </a:xfrm>
+          <a:prstGeom prst="rect">
+            <a:avLst/>
+          </a:prstGeom>
+          <a:noFill/>
+        </p:spPr>
+        <p:txBody>
+          <a:bodyPr wrap="none" rtlCol="0">
+            <a:spAutoFit/>
+          </a:bodyPr>
+          <a:lstStyle/>
+          <a:p>
+            <a:r>
+              <a:rPr lang="de-DE" dirty="0" smtClean="0">
+                <a:solidFill>
+                  <a:schemeClr val="tx1">
+                    <a:lumMod val="50000"/>
+                    <a:lumOff val="50000"/>
+                  </a:schemeClr>
+                </a:solidFill>
+              </a:rPr>
+              <a:t>[Cho73]</a:t>
+            </a:r>
+            <a:endParaRPr lang="de-DE" dirty="0">
+              <a:solidFill>
+                <a:schemeClr val="tx1">
+                  <a:lumMod val="50000"/>
+                  <a:lumOff val="50000"/>
+                </a:schemeClr>
+              </a:solidFill>
+            </a:endParaRPr>
+          </a:p>
+        </p:txBody>
+      </p:sp>
     </p:spTree>
     <p:extLst>
       <p:ext uri="{BB962C8B-B14F-4D97-AF65-F5344CB8AC3E}">
@@ -16247,6 +16318,51 @@
                       </p:childTnLst>
                     </p:cTn>
                   </p:par>
+                  <p:par>
+                    <p:cTn id="8" fill="hold">
+                      <p:stCondLst>
+                        <p:cond delay="indefinite"/>
+                      </p:stCondLst>
+                      <p:childTnLst>
+                        <p:par>
+                          <p:cTn id="9" fill="hold">
+                            <p:stCondLst>
+                              <p:cond delay="0"/>
+                            </p:stCondLst>
+                            <p:childTnLst>
+                              <p:par>
+                                <p:cTn id="10" presetID="1" presetClass="entr" presetSubtype="0" fill="hold" grpId="0" nodeType="clickEffect">
+                                  <p:stCondLst>
+                                    <p:cond delay="0"/>
+                                  </p:stCondLst>
+                                  <p:childTnLst>
+                                    <p:set>
+                                      <p:cBhvr>
+                                        <p:cTn id="11" dur="1" fill="hold">
+                                          <p:stCondLst>
+                                            <p:cond delay="0"/>
+                                          </p:stCondLst>
+                                        </p:cTn>
+                                        <p:tgtEl>
+                                          <p:spTgt spid="3"/>
+                                        </p:tgtEl>
+                                        <p:attrNameLst>
+                                          <p:attrName>style.visibility</p:attrName>
+                                        </p:attrNameLst>
+                                      </p:cBhvr>
+                                      <p:to>
+                                        <p:strVal val="visible"/>
+                                      </p:to>
+                                    </p:set>
+                                  </p:childTnLst>
+                                </p:cTn>
+                              </p:par>
+                            </p:childTnLst>
+                          </p:cTn>
+                        </p:par>
+                      </p:childTnLst>
+                    </p:cTn>
+                  </p:par>
                 </p:childTnLst>
               </p:cTn>
               <p:prevCondLst>
@@ -16268,6 +16384,9 @@
         </p:cTn>
       </p:par>
     </p:tnLst>
+    <p:bldLst>
+      <p:bldP spid="3" grpId="0"/>
+    </p:bldLst>
   </p:timing>
 </p:sld>
 </file>
@@ -16355,7 +16474,7 @@
           <a:p>
             <a:fld id="{296000BE-0612-4D88-A1AC-FF1287139C2E}" type="datetime1">
               <a:rPr lang="de-DE" smtClean="0"/>
-              <a:t>21.06.2015</a:t>
+              <a:t>22.06.2015</a:t>
             </a:fld>
             <a:endParaRPr lang="de-DE" dirty="0"/>
           </a:p>
@@ -16572,7 +16691,7 @@
             <a:fld id="{AC76AE4E-B847-44C0-9E80-FADAC514238D}" type="datetime1">
               <a:rPr lang="de-DE" smtClean="0"/>
               <a:pPr/>
-              <a:t>21.06.2015</a:t>
+              <a:t>22.06.2015</a:t>
             </a:fld>
             <a:endParaRPr lang="de-DE" dirty="0"/>
           </a:p>
@@ -17183,7 +17302,7 @@
           <a:p>
             <a:fld id="{296000BE-0612-4D88-A1AC-FF1287139C2E}" type="datetime1">
               <a:rPr lang="de-DE" smtClean="0"/>
-              <a:t>21.06.2015</a:t>
+              <a:t>22.06.2015</a:t>
             </a:fld>
             <a:endParaRPr lang="de-DE" dirty="0"/>
           </a:p>
@@ -17723,7 +17842,7 @@
           <a:p>
             <a:fld id="{296000BE-0612-4D88-A1AC-FF1287139C2E}" type="datetime1">
               <a:rPr lang="de-DE" smtClean="0"/>
-              <a:t>21.06.2015</a:t>
+              <a:t>22.06.2015</a:t>
             </a:fld>
             <a:endParaRPr lang="de-DE" dirty="0"/>
           </a:p>
@@ -19203,7 +19322,7 @@
           <a:p>
             <a:fld id="{296000BE-0612-4D88-A1AC-FF1287139C2E}" type="datetime1">
               <a:rPr lang="de-DE" smtClean="0"/>
-              <a:t>21.06.2015</a:t>
+              <a:t>22.06.2015</a:t>
             </a:fld>
             <a:endParaRPr lang="de-DE" dirty="0"/>
           </a:p>
@@ -19507,7 +19626,7 @@
           <a:p>
             <a:fld id="{296000BE-0612-4D88-A1AC-FF1287139C2E}" type="datetime1">
               <a:rPr lang="de-DE" smtClean="0"/>
-              <a:t>21.06.2015</a:t>
+              <a:t>22.06.2015</a:t>
             </a:fld>
             <a:endParaRPr lang="de-DE" dirty="0"/>
           </a:p>
